--- a/20231018.pptx
+++ b/20231018.pptx
@@ -5,15 +5,16 @@
     <p:sldMasterId id="2147483959" r:id="rId1"/>
   </p:sldMasterIdLst>
   <p:notesMasterIdLst>
-    <p:notesMasterId r:id="rId8"/>
+    <p:notesMasterId r:id="rId9"/>
   </p:notesMasterIdLst>
   <p:sldIdLst>
     <p:sldId id="256" r:id="rId2"/>
     <p:sldId id="315" r:id="rId3"/>
-    <p:sldId id="316" r:id="rId4"/>
-    <p:sldId id="320" r:id="rId5"/>
-    <p:sldId id="317" r:id="rId6"/>
-    <p:sldId id="291" r:id="rId7"/>
+    <p:sldId id="321" r:id="rId4"/>
+    <p:sldId id="316" r:id="rId5"/>
+    <p:sldId id="320" r:id="rId6"/>
+    <p:sldId id="317" r:id="rId7"/>
+    <p:sldId id="291" r:id="rId8"/>
   </p:sldIdLst>
   <p:sldSz cx="12192000" cy="6858000"/>
   <p:notesSz cx="6858000" cy="9144000"/>
@@ -122,7 +123,7 @@
 
 <file path=ppt/commentAuthors.xml><?xml version="1.0" encoding="utf-8"?>
 <p:cmAuthorLst xmlns:a="http://schemas.openxmlformats.org/drawingml/2006/main" xmlns:r="http://schemas.openxmlformats.org/officeDocument/2006/relationships" xmlns:p="http://schemas.openxmlformats.org/presentationml/2006/main">
-  <p:cmAuthor id="1" name="明阳 阮" initials="明阳" lastIdx="3" clrIdx="0">
+  <p:cmAuthor id="1" name="明阳 阮" initials="明阳" lastIdx="4" clrIdx="0">
     <p:extLst>
       <p:ext uri="{19B8F6BF-5375-455C-9EA6-DF929625EA0E}">
         <p15:presenceInfo xmlns:p15="http://schemas.microsoft.com/office/powerpoint/2012/main" userId="a4dcf2889a22c6f9" providerId="Windows Live"/>
@@ -2110,7 +2111,7 @@
           <a:p>
             <a:fld id="{D92BB75E-7D0E-406D-829B-CAF34726F3EB}" type="datetimeFigureOut">
               <a:rPr kumimoji="1" lang="ja-JP" altLang="en-US" smtClean="0"/>
-              <a:t>2023/10/17</a:t>
+              <a:t>2023/10/19</a:t>
             </a:fld>
             <a:endParaRPr kumimoji="1" lang="ja-JP" altLang="en-US"/>
           </a:p>
@@ -2540,7 +2541,7 @@
           <a:p>
             <a:fld id="{691B7FCD-955D-4274-86E7-9D7AEF0202E2}" type="datetime1">
               <a:rPr lang="zh-CN" altLang="en-US" smtClean="0"/>
-              <a:t>2023/10/17</a:t>
+              <a:t>2023/10/19</a:t>
             </a:fld>
             <a:endParaRPr lang="zh-CN" altLang="en-US"/>
           </a:p>
@@ -2743,7 +2744,7 @@
           <a:p>
             <a:fld id="{691B7FCD-955D-4274-86E7-9D7AEF0202E2}" type="datetime1">
               <a:rPr lang="zh-CN" altLang="en-US" smtClean="0"/>
-              <a:t>2023/10/17</a:t>
+              <a:t>2023/10/19</a:t>
             </a:fld>
             <a:endParaRPr lang="zh-CN" altLang="en-US"/>
           </a:p>
@@ -2956,7 +2957,7 @@
           <a:p>
             <a:fld id="{691B7FCD-955D-4274-86E7-9D7AEF0202E2}" type="datetime1">
               <a:rPr lang="zh-CN" altLang="en-US" smtClean="0"/>
-              <a:t>2023/10/17</a:t>
+              <a:t>2023/10/19</a:t>
             </a:fld>
             <a:endParaRPr lang="zh-CN" altLang="en-US"/>
           </a:p>
@@ -3159,7 +3160,7 @@
           <a:p>
             <a:fld id="{691B7FCD-955D-4274-86E7-9D7AEF0202E2}" type="datetime1">
               <a:rPr lang="zh-CN" altLang="en-US" smtClean="0"/>
-              <a:t>2023/10/17</a:t>
+              <a:t>2023/10/19</a:t>
             </a:fld>
             <a:endParaRPr lang="zh-CN" altLang="en-US"/>
           </a:p>
@@ -3406,7 +3407,7 @@
           <a:p>
             <a:fld id="{691B7FCD-955D-4274-86E7-9D7AEF0202E2}" type="datetime1">
               <a:rPr lang="zh-CN" altLang="en-US" smtClean="0"/>
-              <a:t>2023/10/17</a:t>
+              <a:t>2023/10/19</a:t>
             </a:fld>
             <a:endParaRPr lang="zh-CN" altLang="en-US"/>
           </a:p>
@@ -3703,7 +3704,7 @@
           <a:p>
             <a:fld id="{691B7FCD-955D-4274-86E7-9D7AEF0202E2}" type="datetime1">
               <a:rPr lang="zh-CN" altLang="en-US" smtClean="0"/>
-              <a:t>2023/10/17</a:t>
+              <a:t>2023/10/19</a:t>
             </a:fld>
             <a:endParaRPr lang="zh-CN" altLang="en-US"/>
           </a:p>
@@ -4135,7 +4136,7 @@
           <a:p>
             <a:fld id="{691B7FCD-955D-4274-86E7-9D7AEF0202E2}" type="datetime1">
               <a:rPr lang="zh-CN" altLang="en-US" smtClean="0"/>
-              <a:t>2023/10/17</a:t>
+              <a:t>2023/10/19</a:t>
             </a:fld>
             <a:endParaRPr lang="zh-CN" altLang="en-US"/>
           </a:p>
@@ -4254,7 +4255,7 @@
           <a:p>
             <a:fld id="{691B7FCD-955D-4274-86E7-9D7AEF0202E2}" type="datetime1">
               <a:rPr lang="zh-CN" altLang="en-US" smtClean="0"/>
-              <a:t>2023/10/17</a:t>
+              <a:t>2023/10/19</a:t>
             </a:fld>
             <a:endParaRPr lang="zh-CN" altLang="en-US"/>
           </a:p>
@@ -4350,7 +4351,7 @@
           <a:p>
             <a:fld id="{691B7FCD-955D-4274-86E7-9D7AEF0202E2}" type="datetime1">
               <a:rPr lang="zh-CN" altLang="en-US" smtClean="0"/>
-              <a:t>2023/10/17</a:t>
+              <a:t>2023/10/19</a:t>
             </a:fld>
             <a:endParaRPr lang="zh-CN" altLang="en-US"/>
           </a:p>
@@ -4660,7 +4661,7 @@
           <a:p>
             <a:fld id="{691B7FCD-955D-4274-86E7-9D7AEF0202E2}" type="datetime1">
               <a:rPr lang="zh-CN" altLang="en-US" smtClean="0"/>
-              <a:t>2023/10/17</a:t>
+              <a:t>2023/10/19</a:t>
             </a:fld>
             <a:endParaRPr lang="zh-CN" altLang="en-US"/>
           </a:p>
@@ -4918,7 +4919,7 @@
           <a:p>
             <a:fld id="{691B7FCD-955D-4274-86E7-9D7AEF0202E2}" type="datetime1">
               <a:rPr lang="zh-CN" altLang="en-US" smtClean="0"/>
-              <a:t>2023/10/17</a:t>
+              <a:t>2023/10/19</a:t>
             </a:fld>
             <a:endParaRPr lang="zh-CN" altLang="en-US"/>
           </a:p>
@@ -5164,7 +5165,7 @@
           <a:p>
             <a:fld id="{691B7FCD-955D-4274-86E7-9D7AEF0202E2}" type="datetime1">
               <a:rPr lang="zh-CN" altLang="en-US" smtClean="0"/>
-              <a:t>2023/10/17</a:t>
+              <a:t>2023/10/19</a:t>
             </a:fld>
             <a:endParaRPr lang="zh-CN" altLang="en-US"/>
           </a:p>
@@ -5650,8 +5651,8 @@
         </p:nvSpPr>
         <p:spPr>
           <a:xfrm>
-            <a:off x="4476807" y="4847545"/>
-            <a:ext cx="3238387" cy="1015663"/>
+            <a:off x="4172237" y="4271437"/>
+            <a:ext cx="3847527" cy="1877437"/>
           </a:xfrm>
           <a:prstGeom prst="rect">
             <a:avLst/>
@@ -5666,13 +5667,13 @@
           <a:p>
             <a:pPr algn="ctr"/>
             <a:r>
-              <a:rPr kumimoji="1" lang="ja-JP" altLang="en-US" sz="2000" dirty="0">
+              <a:rPr kumimoji="1" lang="ja-JP" altLang="en-US" sz="2400" dirty="0">
                 <a:latin typeface="BIZ UDPゴシック" panose="020B0400000000000000" pitchFamily="50" charset="-128"/>
                 <a:ea typeface="BIZ UDPゴシック" panose="020B0400000000000000" pitchFamily="50" charset="-128"/>
               </a:rPr>
-              <a:t>量子物理化学研究室</a:t>
-            </a:r>
-            <a:endParaRPr kumimoji="1" lang="en-US" altLang="ja-JP" sz="2000" dirty="0">
+              <a:t>物質科学コース</a:t>
+            </a:r>
+            <a:endParaRPr kumimoji="1" lang="en-US" altLang="ja-JP" sz="2400" dirty="0">
               <a:latin typeface="BIZ UDPゴシック" panose="020B0400000000000000" pitchFamily="50" charset="-128"/>
               <a:ea typeface="BIZ UDPゴシック" panose="020B0400000000000000" pitchFamily="50" charset="-128"/>
             </a:endParaRPr>
@@ -5687,21 +5688,42 @@
           <a:p>
             <a:pPr algn="ctr"/>
             <a:r>
-              <a:rPr kumimoji="1" lang="en-US" altLang="ja-JP" sz="2000" dirty="0">
+              <a:rPr kumimoji="1" lang="ja-JP" altLang="en-US" sz="2400" dirty="0">
+                <a:latin typeface="BIZ UDPゴシック" panose="020B0400000000000000" pitchFamily="50" charset="-128"/>
+                <a:ea typeface="BIZ UDPゴシック" panose="020B0400000000000000" pitchFamily="50" charset="-128"/>
+              </a:rPr>
+              <a:t>指導教員：立川　仁典　教授</a:t>
+            </a:r>
+            <a:endParaRPr kumimoji="1" lang="en-US" altLang="ja-JP" sz="2400" dirty="0">
+              <a:latin typeface="BIZ UDPゴシック" panose="020B0400000000000000" pitchFamily="50" charset="-128"/>
+              <a:ea typeface="BIZ UDPゴシック" panose="020B0400000000000000" pitchFamily="50" charset="-128"/>
+            </a:endParaRPr>
+          </a:p>
+          <a:p>
+            <a:pPr algn="ctr"/>
+            <a:endParaRPr kumimoji="1" lang="en-US" altLang="ja-JP" sz="2400" dirty="0">
+              <a:latin typeface="BIZ UDPゴシック" panose="020B0400000000000000" pitchFamily="50" charset="-128"/>
+              <a:ea typeface="BIZ UDPゴシック" panose="020B0400000000000000" pitchFamily="50" charset="-128"/>
+            </a:endParaRPr>
+          </a:p>
+          <a:p>
+            <a:pPr algn="ctr"/>
+            <a:r>
+              <a:rPr kumimoji="1" lang="en-US" altLang="ja-JP" sz="2400" dirty="0">
                 <a:latin typeface="BIZ UDPゴシック" panose="020B0400000000000000" pitchFamily="50" charset="-128"/>
                 <a:ea typeface="BIZ UDPゴシック" panose="020B0400000000000000" pitchFamily="50" charset="-128"/>
               </a:rPr>
               <a:t>B4</a:t>
             </a:r>
             <a:r>
-              <a:rPr kumimoji="1" lang="ja-JP" altLang="en-US" sz="2000" dirty="0">
+              <a:rPr kumimoji="1" lang="ja-JP" altLang="en-US" sz="2400" dirty="0">
                 <a:latin typeface="BIZ UDPゴシック" panose="020B0400000000000000" pitchFamily="50" charset="-128"/>
                 <a:ea typeface="BIZ UDPゴシック" panose="020B0400000000000000" pitchFamily="50" charset="-128"/>
               </a:rPr>
               <a:t>　</a:t>
             </a:r>
             <a:r>
-              <a:rPr kumimoji="1" lang="en-US" altLang="ja-JP" sz="2000" dirty="0">
+              <a:rPr kumimoji="1" lang="en-US" altLang="ja-JP" sz="2400" dirty="0">
                 <a:latin typeface="BIZ UDPゴシック" panose="020B0400000000000000" pitchFamily="50" charset="-128"/>
                 <a:ea typeface="BIZ UDPゴシック" panose="020B0400000000000000" pitchFamily="50" charset="-128"/>
               </a:rPr>
@@ -5742,137 +5764,6 @@
       </p:grpSpPr>
       <p:sp>
         <p:nvSpPr>
-          <p:cNvPr id="74" name="四角形: 角を丸くする 73">
-            <a:extLst>
-              <a:ext uri="{FF2B5EF4-FFF2-40B4-BE49-F238E27FC236}">
-                <a16:creationId xmlns:a16="http://schemas.microsoft.com/office/drawing/2014/main" id="{38B59CAB-801A-F5FB-83DD-918550C31B64}"/>
-              </a:ext>
-            </a:extLst>
-          </p:cNvPr>
-          <p:cNvSpPr/>
-          <p:nvPr/>
-        </p:nvSpPr>
-        <p:spPr>
-          <a:xfrm>
-            <a:off x="6128667" y="1560778"/>
-            <a:ext cx="5932847" cy="1768309"/>
-          </a:xfrm>
-          <a:prstGeom prst="roundRect">
-            <a:avLst/>
-          </a:prstGeom>
-          <a:solidFill>
-            <a:schemeClr val="bg2"/>
-          </a:solidFill>
-          <a:ln>
-            <a:solidFill>
-              <a:schemeClr val="tx1"/>
-            </a:solidFill>
-          </a:ln>
-        </p:spPr>
-        <p:style>
-          <a:lnRef idx="2">
-            <a:schemeClr val="accent1">
-              <a:shade val="15000"/>
-            </a:schemeClr>
-          </a:lnRef>
-          <a:fillRef idx="1">
-            <a:schemeClr val="accent1"/>
-          </a:fillRef>
-          <a:effectRef idx="0">
-            <a:schemeClr val="accent1"/>
-          </a:effectRef>
-          <a:fontRef idx="minor">
-            <a:schemeClr val="lt1"/>
-          </a:fontRef>
-        </p:style>
-        <p:txBody>
-          <a:bodyPr rtlCol="0" anchor="ctr"/>
-          <a:lstStyle/>
-          <a:p>
-            <a:pPr algn="ctr"/>
-            <a:endParaRPr kumimoji="1" lang="ja-JP" altLang="en-US">
-              <a:solidFill>
-                <a:schemeClr val="bg1"/>
-              </a:solidFill>
-            </a:endParaRPr>
-          </a:p>
-        </p:txBody>
-      </p:sp>
-      <p:sp>
-        <p:nvSpPr>
-          <p:cNvPr id="14" name="楕円 13">
-            <a:extLst>
-              <a:ext uri="{FF2B5EF4-FFF2-40B4-BE49-F238E27FC236}">
-                <a16:creationId xmlns:a16="http://schemas.microsoft.com/office/drawing/2014/main" id="{533DE73A-FF65-7DC6-45F5-23E4F1A21E11}"/>
-              </a:ext>
-            </a:extLst>
-          </p:cNvPr>
-          <p:cNvSpPr/>
-          <p:nvPr/>
-        </p:nvSpPr>
-        <p:spPr>
-          <a:xfrm>
-            <a:off x="8382208" y="4410675"/>
-            <a:ext cx="2678842" cy="1688786"/>
-          </a:xfrm>
-          <a:prstGeom prst="ellipse">
-            <a:avLst/>
-          </a:prstGeom>
-        </p:spPr>
-        <p:style>
-          <a:lnRef idx="1">
-            <a:schemeClr val="accent5"/>
-          </a:lnRef>
-          <a:fillRef idx="2">
-            <a:schemeClr val="accent5"/>
-          </a:fillRef>
-          <a:effectRef idx="1">
-            <a:schemeClr val="accent5"/>
-          </a:effectRef>
-          <a:fontRef idx="minor">
-            <a:schemeClr val="dk1"/>
-          </a:fontRef>
-        </p:style>
-        <p:txBody>
-          <a:bodyPr rtlCol="0" anchor="ctr"/>
-          <a:lstStyle/>
-          <a:p>
-            <a:pPr algn="ctr"/>
-            <a:endParaRPr kumimoji="1" lang="ja-JP" altLang="en-US"/>
-          </a:p>
-        </p:txBody>
-      </p:sp>
-      <p:sp>
-        <p:nvSpPr>
-          <p:cNvPr id="2" name="スライド番号プレースホルダー 1">
-            <a:extLst>
-              <a:ext uri="{FF2B5EF4-FFF2-40B4-BE49-F238E27FC236}">
-                <a16:creationId xmlns:a16="http://schemas.microsoft.com/office/drawing/2014/main" id="{467D790F-E7F7-CF6C-1AEE-79855DBD5B82}"/>
-              </a:ext>
-            </a:extLst>
-          </p:cNvPr>
-          <p:cNvSpPr>
-            <a:spLocks noGrp="1"/>
-          </p:cNvSpPr>
-          <p:nvPr>
-            <p:ph type="sldNum" sz="quarter" idx="12"/>
-          </p:nvPr>
-        </p:nvSpPr>
-        <p:spPr/>
-        <p:txBody>
-          <a:bodyPr/>
-          <a:lstStyle/>
-          <a:p>
-            <a:fld id="{ECBD650F-6923-4A4C-ADE2-BB0B86E7CCFF}" type="slidenum">
-              <a:rPr lang="zh-CN" altLang="en-US" smtClean="0"/>
-              <a:t>2</a:t>
-            </a:fld>
-            <a:endParaRPr lang="zh-CN" altLang="en-US"/>
-          </a:p>
-        </p:txBody>
-      </p:sp>
-      <p:sp>
-        <p:nvSpPr>
           <p:cNvPr id="3" name="雲 2">
             <a:extLst>
               <a:ext uri="{FF2B5EF4-FFF2-40B4-BE49-F238E27FC236}">
@@ -5885,8 +5776,8 @@
         </p:nvSpPr>
         <p:spPr>
           <a:xfrm>
-            <a:off x="7669145" y="1811171"/>
-            <a:ext cx="1876134" cy="1287075"/>
+            <a:off x="5644708" y="2116784"/>
+            <a:ext cx="2119016" cy="1413221"/>
           </a:xfrm>
           <a:prstGeom prst="cloud">
             <a:avLst/>
@@ -5914,7 +5805,7 @@
           <a:p>
             <a:pPr algn="ctr"/>
             <a:r>
-              <a:rPr kumimoji="1" lang="ja-JP" altLang="en-US" dirty="0"/>
+              <a:rPr kumimoji="1" lang="ja-JP" altLang="en-US" sz="2400" dirty="0"/>
               <a:t>分子雲</a:t>
             </a:r>
           </a:p>
@@ -5936,7 +5827,7 @@
             </p:nvSpPr>
             <p:spPr>
               <a:xfrm>
-                <a:off x="6165722" y="2121443"/>
+                <a:off x="8890746" y="673816"/>
                 <a:ext cx="1202573" cy="666529"/>
               </a:xfrm>
               <a:prstGeom prst="rect">
@@ -6044,7 +5935,7 @@
             </p:nvSpPr>
             <p:spPr>
               <a:xfrm>
-                <a:off x="6165722" y="2121443"/>
+                <a:off x="8890746" y="673816"/>
                 <a:ext cx="1202573" cy="666529"/>
               </a:xfrm>
               <a:prstGeom prst="rect">
@@ -6088,7 +5979,7 @@
             </p:nvSpPr>
             <p:spPr>
               <a:xfrm>
-                <a:off x="10097579" y="2062220"/>
+                <a:off x="8510064" y="3530005"/>
                 <a:ext cx="1963936" cy="722442"/>
               </a:xfrm>
               <a:prstGeom prst="rect">
@@ -6252,7 +6143,7 @@
             </p:nvSpPr>
             <p:spPr>
               <a:xfrm>
-                <a:off x="10097579" y="2062220"/>
+                <a:off x="8510064" y="3530005"/>
                 <a:ext cx="1963936" cy="722442"/>
               </a:xfrm>
               <a:prstGeom prst="rect">
@@ -6320,10 +6211,10 @@
       </p:sp>
       <p:sp>
         <p:nvSpPr>
-          <p:cNvPr id="12" name="テキスト ボックス 11">
+          <p:cNvPr id="65" name="テキスト ボックス 64">
             <a:extLst>
               <a:ext uri="{FF2B5EF4-FFF2-40B4-BE49-F238E27FC236}">
-                <a16:creationId xmlns:a16="http://schemas.microsoft.com/office/drawing/2014/main" id="{F2438F9B-450C-52B5-4007-AA6540E242B4}"/>
+                <a16:creationId xmlns:a16="http://schemas.microsoft.com/office/drawing/2014/main" id="{453BE3C0-CC2B-901F-18F6-33D349109B99}"/>
               </a:ext>
             </a:extLst>
           </p:cNvPr>
@@ -6332,8 +6223,401 @@
         </p:nvSpPr>
         <p:spPr>
           <a:xfrm>
-            <a:off x="792455" y="3229734"/>
-            <a:ext cx="1826141" cy="584775"/>
+            <a:off x="1353707" y="1246898"/>
+            <a:ext cx="4742292" cy="4708981"/>
+          </a:xfrm>
+          <a:prstGeom prst="rect">
+            <a:avLst/>
+          </a:prstGeom>
+          <a:noFill/>
+        </p:spPr>
+        <p:txBody>
+          <a:bodyPr wrap="square" rtlCol="0">
+            <a:spAutoFit/>
+          </a:bodyPr>
+          <a:lstStyle/>
+          <a:p>
+            <a:r>
+              <a:rPr lang="ja-JP" altLang="en-US" sz="2400" b="1" dirty="0">
+                <a:latin typeface="+mn-ea"/>
+              </a:rPr>
+              <a:t>星間分子雲</a:t>
+            </a:r>
+            <a:endParaRPr lang="en-US" altLang="ja-JP" sz="2400" b="1" dirty="0">
+              <a:latin typeface="+mn-ea"/>
+            </a:endParaRPr>
+          </a:p>
+          <a:p>
+            <a:r>
+              <a:rPr lang="ja-JP" altLang="en-US" sz="2400" dirty="0">
+                <a:latin typeface="+mn-ea"/>
+              </a:rPr>
+              <a:t>宇宙空間において星の前駆体であり、多数の分子が存在している</a:t>
+            </a:r>
+            <a:endParaRPr lang="en-US" altLang="ja-JP" sz="2400" dirty="0">
+              <a:latin typeface="+mn-ea"/>
+            </a:endParaRPr>
+          </a:p>
+          <a:p>
+            <a:endParaRPr lang="en-US" altLang="ja-JP" sz="2000" dirty="0">
+              <a:latin typeface="+mn-ea"/>
+            </a:endParaRPr>
+          </a:p>
+          <a:p>
+            <a:endParaRPr lang="en-US" altLang="ja-JP" sz="2000" dirty="0">
+              <a:latin typeface="+mn-ea"/>
+            </a:endParaRPr>
+          </a:p>
+          <a:p>
+            <a:r>
+              <a:rPr lang="ja-JP" altLang="en-US" sz="2400" b="1" dirty="0">
+                <a:latin typeface="+mn-ea"/>
+              </a:rPr>
+              <a:t>重水素濃縮</a:t>
+            </a:r>
+            <a:endParaRPr lang="en-US" altLang="ja-JP" sz="2400" b="1" dirty="0">
+              <a:latin typeface="+mn-ea"/>
+            </a:endParaRPr>
+          </a:p>
+          <a:p>
+            <a:r>
+              <a:rPr lang="ja-JP" altLang="en-US" sz="2400" dirty="0">
+                <a:latin typeface="+mn-ea"/>
+              </a:rPr>
+              <a:t>分子内に含まれる</a:t>
+            </a:r>
+            <a:r>
+              <a:rPr lang="en-US" altLang="ja-JP" sz="2400" dirty="0">
+                <a:latin typeface="+mn-ea"/>
+              </a:rPr>
+              <a:t>D</a:t>
+            </a:r>
+            <a:r>
+              <a:rPr lang="ja-JP" altLang="en-US" sz="2400" dirty="0">
+                <a:latin typeface="+mn-ea"/>
+              </a:rPr>
+              <a:t>原子の割合が高まること</a:t>
+            </a:r>
+            <a:endParaRPr lang="en-US" altLang="ja-JP" sz="2400" dirty="0">
+              <a:latin typeface="+mn-ea"/>
+            </a:endParaRPr>
+          </a:p>
+          <a:p>
+            <a:endParaRPr lang="en-US" altLang="ja-JP" sz="2000" dirty="0">
+              <a:latin typeface="+mn-ea"/>
+            </a:endParaRPr>
+          </a:p>
+          <a:p>
+            <a:endParaRPr lang="en-US" altLang="ja-JP" sz="2400" dirty="0">
+              <a:latin typeface="+mn-ea"/>
+            </a:endParaRPr>
+          </a:p>
+          <a:p>
+            <a:r>
+              <a:rPr lang="ja-JP" altLang="en-US" sz="2400" dirty="0">
+                <a:solidFill>
+                  <a:srgbClr val="FF0000"/>
+                </a:solidFill>
+                <a:latin typeface="+mn-ea"/>
+              </a:rPr>
+              <a:t>➡ </a:t>
+            </a:r>
+            <a:r>
+              <a:rPr lang="ja-JP" altLang="en-US" sz="2400" b="1" dirty="0">
+                <a:solidFill>
+                  <a:srgbClr val="FF0000"/>
+                </a:solidFill>
+                <a:latin typeface="+mn-ea"/>
+              </a:rPr>
+              <a:t>重水素濃縮のメカニズムは不明</a:t>
+            </a:r>
+            <a:endParaRPr lang="en-US" altLang="ja-JP" sz="2400" b="1" dirty="0">
+              <a:solidFill>
+                <a:srgbClr val="FF0000"/>
+              </a:solidFill>
+              <a:latin typeface="+mn-ea"/>
+            </a:endParaRPr>
+          </a:p>
+        </p:txBody>
+      </p:sp>
+      <p:sp>
+        <p:nvSpPr>
+          <p:cNvPr id="6" name="テキスト ボックス 5">
+            <a:extLst>
+              <a:ext uri="{FF2B5EF4-FFF2-40B4-BE49-F238E27FC236}">
+                <a16:creationId xmlns:a16="http://schemas.microsoft.com/office/drawing/2014/main" id="{C13EDA80-98C1-775E-A47C-ED5AC9BB463A}"/>
+              </a:ext>
+            </a:extLst>
+          </p:cNvPr>
+          <p:cNvSpPr txBox="1"/>
+          <p:nvPr/>
+        </p:nvSpPr>
+        <p:spPr>
+          <a:xfrm>
+            <a:off x="-5401231" y="4423376"/>
+            <a:ext cx="4423368" cy="1631216"/>
+          </a:xfrm>
+          <a:prstGeom prst="rect">
+            <a:avLst/>
+          </a:prstGeom>
+          <a:noFill/>
+        </p:spPr>
+        <p:txBody>
+          <a:bodyPr wrap="square" rtlCol="0">
+            <a:spAutoFit/>
+          </a:bodyPr>
+          <a:lstStyle/>
+          <a:p>
+            <a:r>
+              <a:rPr lang="en-US" altLang="ja-JP" sz="2000" dirty="0">
+                <a:latin typeface="+mn-ea"/>
+              </a:rPr>
+              <a:t>CO</a:t>
+            </a:r>
+            <a:r>
+              <a:rPr lang="ja-JP" altLang="en-US" sz="2000" dirty="0">
+                <a:latin typeface="+mn-ea"/>
+              </a:rPr>
+              <a:t>分子と</a:t>
+            </a:r>
+            <a:r>
+              <a:rPr lang="en-US" altLang="ja-JP" sz="2000" dirty="0">
+                <a:latin typeface="+mn-ea"/>
+              </a:rPr>
+              <a:t>H/D</a:t>
+            </a:r>
+            <a:r>
+              <a:rPr lang="ja-JP" altLang="en-US" sz="2000" dirty="0">
+                <a:latin typeface="+mn-ea"/>
+              </a:rPr>
+              <a:t>原子から、メタノール生成するまで反応経路を予測する。</a:t>
+            </a:r>
+            <a:endParaRPr lang="en-US" altLang="ja-JP" sz="2000" dirty="0">
+              <a:latin typeface="+mn-ea"/>
+            </a:endParaRPr>
+          </a:p>
+          <a:p>
+            <a:r>
+              <a:rPr lang="ja-JP" altLang="en-US" sz="2000" dirty="0">
+                <a:latin typeface="+mn-ea"/>
+              </a:rPr>
+              <a:t>氷表面での重水素濃縮</a:t>
+            </a:r>
+            <a:r>
+              <a:rPr lang="en-US" altLang="ja-JP" sz="2000" dirty="0">
+                <a:latin typeface="+mn-ea"/>
+              </a:rPr>
+              <a:t>[1]</a:t>
+            </a:r>
+            <a:r>
+              <a:rPr lang="ja-JP" altLang="en-US" sz="2000" dirty="0">
+                <a:latin typeface="+mn-ea"/>
+              </a:rPr>
+              <a:t>のメカニズムを解明し、付加反応の経路を調べる。</a:t>
+            </a:r>
+            <a:endParaRPr kumimoji="1" lang="ja-JP" altLang="en-US" sz="2000" dirty="0">
+              <a:latin typeface="+mn-ea"/>
+            </a:endParaRPr>
+          </a:p>
+        </p:txBody>
+      </p:sp>
+      <p:sp>
+        <p:nvSpPr>
+          <p:cNvPr id="4" name="スライド番号プレースホルダー 1">
+            <a:extLst>
+              <a:ext uri="{FF2B5EF4-FFF2-40B4-BE49-F238E27FC236}">
+                <a16:creationId xmlns:a16="http://schemas.microsoft.com/office/drawing/2014/main" id="{8836AF7B-AA28-8140-99F2-5A98DC0A9F6D}"/>
+              </a:ext>
+            </a:extLst>
+          </p:cNvPr>
+          <p:cNvSpPr txBox="1">
+            <a:spLocks/>
+          </p:cNvSpPr>
+          <p:nvPr/>
+        </p:nvSpPr>
+        <p:spPr>
+          <a:xfrm>
+            <a:off x="8610600" y="6362107"/>
+            <a:ext cx="2743200" cy="365125"/>
+          </a:xfrm>
+          <a:prstGeom prst="rect">
+            <a:avLst/>
+          </a:prstGeom>
+        </p:spPr>
+        <p:txBody>
+          <a:bodyPr vert="horz" lIns="91440" tIns="45720" rIns="91440" bIns="45720" rtlCol="0" anchor="ctr"/>
+          <a:lstStyle>
+            <a:defPPr>
+              <a:defRPr lang="en-US"/>
+            </a:defPPr>
+            <a:lvl1pPr marL="0" algn="r" defTabSz="457200" rtl="0" eaLnBrk="1" latinLnBrk="0" hangingPunct="1">
+              <a:defRPr sz="1200" kern="1200">
+                <a:solidFill>
+                  <a:schemeClr val="tx1">
+                    <a:tint val="75000"/>
+                  </a:schemeClr>
+                </a:solidFill>
+                <a:latin typeface="+mn-lt"/>
+                <a:ea typeface="+mn-ea"/>
+                <a:cs typeface="+mn-cs"/>
+              </a:defRPr>
+            </a:lvl1pPr>
+            <a:lvl2pPr marL="457200" algn="l" defTabSz="457200" rtl="0" eaLnBrk="1" latinLnBrk="0" hangingPunct="1">
+              <a:defRPr sz="1800" kern="1200">
+                <a:solidFill>
+                  <a:schemeClr val="tx1"/>
+                </a:solidFill>
+                <a:latin typeface="+mn-lt"/>
+                <a:ea typeface="+mn-ea"/>
+                <a:cs typeface="+mn-cs"/>
+              </a:defRPr>
+            </a:lvl2pPr>
+            <a:lvl3pPr marL="914400" algn="l" defTabSz="457200" rtl="0" eaLnBrk="1" latinLnBrk="0" hangingPunct="1">
+              <a:defRPr sz="1800" kern="1200">
+                <a:solidFill>
+                  <a:schemeClr val="tx1"/>
+                </a:solidFill>
+                <a:latin typeface="+mn-lt"/>
+                <a:ea typeface="+mn-ea"/>
+                <a:cs typeface="+mn-cs"/>
+              </a:defRPr>
+            </a:lvl3pPr>
+            <a:lvl4pPr marL="1371600" algn="l" defTabSz="457200" rtl="0" eaLnBrk="1" latinLnBrk="0" hangingPunct="1">
+              <a:defRPr sz="1800" kern="1200">
+                <a:solidFill>
+                  <a:schemeClr val="tx1"/>
+                </a:solidFill>
+                <a:latin typeface="+mn-lt"/>
+                <a:ea typeface="+mn-ea"/>
+                <a:cs typeface="+mn-cs"/>
+              </a:defRPr>
+            </a:lvl4pPr>
+            <a:lvl5pPr marL="1828800" algn="l" defTabSz="457200" rtl="0" eaLnBrk="1" latinLnBrk="0" hangingPunct="1">
+              <a:defRPr sz="1800" kern="1200">
+                <a:solidFill>
+                  <a:schemeClr val="tx1"/>
+                </a:solidFill>
+                <a:latin typeface="+mn-lt"/>
+                <a:ea typeface="+mn-ea"/>
+                <a:cs typeface="+mn-cs"/>
+              </a:defRPr>
+            </a:lvl5pPr>
+            <a:lvl6pPr marL="2286000" algn="l" defTabSz="457200" rtl="0" eaLnBrk="1" latinLnBrk="0" hangingPunct="1">
+              <a:defRPr sz="1800" kern="1200">
+                <a:solidFill>
+                  <a:schemeClr val="tx1"/>
+                </a:solidFill>
+                <a:latin typeface="+mn-lt"/>
+                <a:ea typeface="+mn-ea"/>
+                <a:cs typeface="+mn-cs"/>
+              </a:defRPr>
+            </a:lvl6pPr>
+            <a:lvl7pPr marL="2743200" algn="l" defTabSz="457200" rtl="0" eaLnBrk="1" latinLnBrk="0" hangingPunct="1">
+              <a:defRPr sz="1800" kern="1200">
+                <a:solidFill>
+                  <a:schemeClr val="tx1"/>
+                </a:solidFill>
+                <a:latin typeface="+mn-lt"/>
+                <a:ea typeface="+mn-ea"/>
+                <a:cs typeface="+mn-cs"/>
+              </a:defRPr>
+            </a:lvl7pPr>
+            <a:lvl8pPr marL="3200400" algn="l" defTabSz="457200" rtl="0" eaLnBrk="1" latinLnBrk="0" hangingPunct="1">
+              <a:defRPr sz="1800" kern="1200">
+                <a:solidFill>
+                  <a:schemeClr val="tx1"/>
+                </a:solidFill>
+                <a:latin typeface="+mn-lt"/>
+                <a:ea typeface="+mn-ea"/>
+                <a:cs typeface="+mn-cs"/>
+              </a:defRPr>
+            </a:lvl8pPr>
+            <a:lvl9pPr marL="3657600" algn="l" defTabSz="457200" rtl="0" eaLnBrk="1" latinLnBrk="0" hangingPunct="1">
+              <a:defRPr sz="1800" kern="1200">
+                <a:solidFill>
+                  <a:schemeClr val="tx1"/>
+                </a:solidFill>
+                <a:latin typeface="+mn-lt"/>
+                <a:ea typeface="+mn-ea"/>
+                <a:cs typeface="+mn-cs"/>
+              </a:defRPr>
+            </a:lvl9pPr>
+          </a:lstStyle>
+          <a:p>
+            <a:fld id="{ECBD650F-6923-4A4C-ADE2-BB0B86E7CCFF}" type="slidenum">
+              <a:rPr lang="zh-CN" altLang="en-US" smtClean="0"/>
+              <a:pPr/>
+              <a:t>2</a:t>
+            </a:fld>
+            <a:endParaRPr lang="zh-CN" altLang="en-US" dirty="0"/>
+          </a:p>
+        </p:txBody>
+      </p:sp>
+      <p:sp>
+        <p:nvSpPr>
+          <p:cNvPr id="2" name="矢印: 下 1">
+            <a:extLst>
+              <a:ext uri="{FF2B5EF4-FFF2-40B4-BE49-F238E27FC236}">
+                <a16:creationId xmlns:a16="http://schemas.microsoft.com/office/drawing/2014/main" id="{D03341AC-FCC8-8465-C253-AC1D57FF6AE3}"/>
+              </a:ext>
+            </a:extLst>
+          </p:cNvPr>
+          <p:cNvSpPr/>
+          <p:nvPr/>
+        </p:nvSpPr>
+        <p:spPr>
+          <a:xfrm>
+            <a:off x="6331064" y="3879340"/>
+            <a:ext cx="712601" cy="958543"/>
+          </a:xfrm>
+          <a:prstGeom prst="downArrow">
+            <a:avLst/>
+          </a:prstGeom>
+          <a:solidFill>
+            <a:schemeClr val="bg1"/>
+          </a:solidFill>
+        </p:spPr>
+        <p:style>
+          <a:lnRef idx="2">
+            <a:schemeClr val="accent1">
+              <a:shade val="15000"/>
+            </a:schemeClr>
+          </a:lnRef>
+          <a:fillRef idx="1">
+            <a:schemeClr val="accent1"/>
+          </a:fillRef>
+          <a:effectRef idx="0">
+            <a:schemeClr val="accent1"/>
+          </a:effectRef>
+          <a:fontRef idx="minor">
+            <a:schemeClr val="lt1"/>
+          </a:fontRef>
+        </p:style>
+        <p:txBody>
+          <a:bodyPr rtlCol="0" anchor="ctr"/>
+          <a:lstStyle/>
+          <a:p>
+            <a:pPr algn="ctr"/>
+            <a:endParaRPr kumimoji="1" lang="ja-JP" altLang="en-US"/>
+          </a:p>
+        </p:txBody>
+      </p:sp>
+      <p:sp>
+        <p:nvSpPr>
+          <p:cNvPr id="8" name="テキスト ボックス 7">
+            <a:extLst>
+              <a:ext uri="{FF2B5EF4-FFF2-40B4-BE49-F238E27FC236}">
+                <a16:creationId xmlns:a16="http://schemas.microsoft.com/office/drawing/2014/main" id="{1FDD7857-F73C-7082-1FE9-E9049DCE4537}"/>
+              </a:ext>
+            </a:extLst>
+          </p:cNvPr>
+          <p:cNvSpPr txBox="1"/>
+          <p:nvPr/>
+        </p:nvSpPr>
+        <p:spPr>
+          <a:xfrm>
+            <a:off x="6479615" y="5150008"/>
+            <a:ext cx="492443" cy="461665"/>
           </a:xfrm>
           <a:prstGeom prst="rect">
             <a:avLst/>
@@ -6347,21 +6631,75 @@
           <a:lstStyle/>
           <a:p>
             <a:r>
-              <a:rPr kumimoji="1" lang="ja-JP" altLang="en-US" sz="3200" dirty="0">
+              <a:rPr kumimoji="1" lang="ja-JP" altLang="en-US" sz="2400" dirty="0">
                 <a:latin typeface="BIZ UDPゴシック" panose="020B0400000000000000" pitchFamily="50" charset="-128"/>
                 <a:ea typeface="BIZ UDPゴシック" panose="020B0400000000000000" pitchFamily="50" charset="-128"/>
               </a:rPr>
-              <a:t>研究目的</a:t>
+              <a:t>星</a:t>
             </a:r>
           </a:p>
         </p:txBody>
       </p:sp>
       <p:sp>
         <p:nvSpPr>
-          <p:cNvPr id="13" name="楕円 12">
+          <p:cNvPr id="16" name="吹き出し: 角を丸めた四角形 15">
             <a:extLst>
               <a:ext uri="{FF2B5EF4-FFF2-40B4-BE49-F238E27FC236}">
-                <a16:creationId xmlns:a16="http://schemas.microsoft.com/office/drawing/2014/main" id="{2381FFDA-1DAF-226A-5BF2-36A5DC635812}"/>
+                <a16:creationId xmlns:a16="http://schemas.microsoft.com/office/drawing/2014/main" id="{61F3244E-F6DC-33C4-5E46-C7A80DAE505F}"/>
+              </a:ext>
+            </a:extLst>
+          </p:cNvPr>
+          <p:cNvSpPr/>
+          <p:nvPr/>
+        </p:nvSpPr>
+        <p:spPr>
+          <a:xfrm rot="5400000">
+            <a:off x="8117544" y="2054128"/>
+            <a:ext cx="2424128" cy="2199730"/>
+          </a:xfrm>
+          <a:prstGeom prst="wedgeRoundRectCallout">
+            <a:avLst>
+              <a:gd name="adj1" fmla="val -19819"/>
+              <a:gd name="adj2" fmla="val 63898"/>
+              <a:gd name="adj3" fmla="val 16667"/>
+            </a:avLst>
+          </a:prstGeom>
+          <a:noFill/>
+          <a:ln>
+            <a:solidFill>
+              <a:schemeClr val="tx1"/>
+            </a:solidFill>
+          </a:ln>
+        </p:spPr>
+        <p:style>
+          <a:lnRef idx="3">
+            <a:schemeClr val="lt1"/>
+          </a:lnRef>
+          <a:fillRef idx="1">
+            <a:schemeClr val="accent3"/>
+          </a:fillRef>
+          <a:effectRef idx="1">
+            <a:schemeClr val="accent3"/>
+          </a:effectRef>
+          <a:fontRef idx="minor">
+            <a:schemeClr val="lt1"/>
+          </a:fontRef>
+        </p:style>
+        <p:txBody>
+          <a:bodyPr rtlCol="0" anchor="ctr"/>
+          <a:lstStyle/>
+          <a:p>
+            <a:pPr algn="ctr"/>
+            <a:endParaRPr kumimoji="1" lang="ja-JP" altLang="en-US"/>
+          </a:p>
+        </p:txBody>
+      </p:sp>
+      <p:sp>
+        <p:nvSpPr>
+          <p:cNvPr id="17" name="楕円 16">
+            <a:extLst>
+              <a:ext uri="{FF2B5EF4-FFF2-40B4-BE49-F238E27FC236}">
+                <a16:creationId xmlns:a16="http://schemas.microsoft.com/office/drawing/2014/main" id="{62BE3627-2DDF-9558-21C5-108F897E9400}"/>
               </a:ext>
             </a:extLst>
           </p:cNvPr>
@@ -6370,17 +6708,20 @@
         </p:nvSpPr>
         <p:spPr>
           <a:xfrm>
-            <a:off x="8883245" y="4839328"/>
-            <a:ext cx="1652226" cy="996381"/>
+            <a:off x="8951648" y="2887189"/>
+            <a:ext cx="895481" cy="611702"/>
           </a:xfrm>
           <a:prstGeom prst="ellipse">
             <a:avLst/>
           </a:prstGeom>
           <a:solidFill>
-            <a:schemeClr val="bg2">
-              <a:lumMod val="50000"/>
-            </a:schemeClr>
+            <a:schemeClr val="accent1"/>
           </a:solidFill>
+          <a:ln>
+            <a:solidFill>
+              <a:schemeClr val="accent1"/>
+            </a:solidFill>
+          </a:ln>
         </p:spPr>
         <p:style>
           <a:lnRef idx="2">
@@ -6403,16 +6744,19 @@
           <a:lstStyle/>
           <a:p>
             <a:pPr algn="ctr"/>
-            <a:endParaRPr kumimoji="1" lang="ja-JP" altLang="en-US" dirty="0"/>
+            <a:r>
+              <a:rPr kumimoji="1" lang="ja-JP" altLang="en-US" sz="2400" dirty="0"/>
+              <a:t>氷</a:t>
+            </a:r>
           </a:p>
         </p:txBody>
       </p:sp>
       <p:sp>
         <p:nvSpPr>
-          <p:cNvPr id="15" name="テキスト ボックス 14">
+          <p:cNvPr id="18" name="テキスト ボックス 17">
             <a:extLst>
               <a:ext uri="{FF2B5EF4-FFF2-40B4-BE49-F238E27FC236}">
-                <a16:creationId xmlns:a16="http://schemas.microsoft.com/office/drawing/2014/main" id="{D160E870-CDCA-676A-1AD4-F4FF99A788B9}"/>
+                <a16:creationId xmlns:a16="http://schemas.microsoft.com/office/drawing/2014/main" id="{A2549754-169E-6C8D-B191-CDF9421002DF}"/>
               </a:ext>
             </a:extLst>
           </p:cNvPr>
@@ -6421,8 +6765,8 @@
         </p:nvSpPr>
         <p:spPr>
           <a:xfrm>
-            <a:off x="8441395" y="4874152"/>
-            <a:ext cx="458331" cy="369332"/>
+            <a:off x="8574495" y="2372972"/>
+            <a:ext cx="281211" cy="369332"/>
           </a:xfrm>
           <a:prstGeom prst="rect">
             <a:avLst/>
@@ -6437,7 +6781,7 @@
           <a:p>
             <a:r>
               <a:rPr kumimoji="1" lang="en-US" altLang="ja-JP" dirty="0"/>
-              <a:t>CO</a:t>
+              <a:t>H</a:t>
             </a:r>
             <a:endParaRPr kumimoji="1" lang="ja-JP" altLang="en-US" dirty="0"/>
           </a:p>
@@ -6445,10 +6789,10 @@
       </p:sp>
       <p:sp>
         <p:nvSpPr>
-          <p:cNvPr id="16" name="テキスト ボックス 15">
+          <p:cNvPr id="19" name="テキスト ボックス 18">
             <a:extLst>
               <a:ext uri="{FF2B5EF4-FFF2-40B4-BE49-F238E27FC236}">
-                <a16:creationId xmlns:a16="http://schemas.microsoft.com/office/drawing/2014/main" id="{448AEAE5-C702-3970-CEFF-4D089312EE34}"/>
+                <a16:creationId xmlns:a16="http://schemas.microsoft.com/office/drawing/2014/main" id="{9B27CB68-F1C8-9096-068E-CF4F487734CE}"/>
               </a:ext>
             </a:extLst>
           </p:cNvPr>
@@ -6457,8 +6801,561 @@
         </p:nvSpPr>
         <p:spPr>
           <a:xfrm>
-            <a:off x="7694792" y="4348137"/>
-            <a:ext cx="328936" cy="369332"/>
+            <a:off x="9122252" y="2378581"/>
+            <a:ext cx="458331" cy="369332"/>
+          </a:xfrm>
+          <a:prstGeom prst="rect">
+            <a:avLst/>
+          </a:prstGeom>
+          <a:noFill/>
+        </p:spPr>
+        <p:txBody>
+          <a:bodyPr wrap="none" rtlCol="0">
+            <a:spAutoFit/>
+          </a:bodyPr>
+          <a:lstStyle/>
+          <a:p>
+            <a:r>
+              <a:rPr kumimoji="1" lang="en-US" altLang="ja-JP" dirty="0"/>
+              <a:t>CO</a:t>
+            </a:r>
+            <a:endParaRPr kumimoji="1" lang="ja-JP" altLang="en-US" dirty="0"/>
+          </a:p>
+        </p:txBody>
+      </p:sp>
+      <p:sp>
+        <p:nvSpPr>
+          <p:cNvPr id="20" name="テキスト ボックス 19">
+            <a:extLst>
+              <a:ext uri="{FF2B5EF4-FFF2-40B4-BE49-F238E27FC236}">
+                <a16:creationId xmlns:a16="http://schemas.microsoft.com/office/drawing/2014/main" id="{B6575ED9-631E-07CC-628D-8A2A2E33E159}"/>
+              </a:ext>
+            </a:extLst>
+          </p:cNvPr>
+          <p:cNvSpPr txBox="1"/>
+          <p:nvPr/>
+        </p:nvSpPr>
+        <p:spPr>
+          <a:xfrm>
+            <a:off x="9834380" y="2384339"/>
+            <a:ext cx="327334" cy="369332"/>
+          </a:xfrm>
+          <a:prstGeom prst="rect">
+            <a:avLst/>
+          </a:prstGeom>
+          <a:noFill/>
+        </p:spPr>
+        <p:txBody>
+          <a:bodyPr wrap="none" rtlCol="0">
+            <a:spAutoFit/>
+          </a:bodyPr>
+          <a:lstStyle/>
+          <a:p>
+            <a:r>
+              <a:rPr kumimoji="1" lang="en-US" altLang="ja-JP" dirty="0"/>
+              <a:t>D</a:t>
+            </a:r>
+            <a:endParaRPr kumimoji="1" lang="ja-JP" altLang="en-US" dirty="0"/>
+          </a:p>
+        </p:txBody>
+      </p:sp>
+      <p:cxnSp>
+        <p:nvCxnSpPr>
+          <p:cNvPr id="22" name="直線矢印コネクタ 21">
+            <a:extLst>
+              <a:ext uri="{FF2B5EF4-FFF2-40B4-BE49-F238E27FC236}">
+                <a16:creationId xmlns:a16="http://schemas.microsoft.com/office/drawing/2014/main" id="{4C4BD8F9-DBDE-C509-81B7-9A40E46AB167}"/>
+              </a:ext>
+            </a:extLst>
+          </p:cNvPr>
+          <p:cNvCxnSpPr/>
+          <p:nvPr/>
+        </p:nvCxnSpPr>
+        <p:spPr>
+          <a:xfrm>
+            <a:off x="9376960" y="1358468"/>
+            <a:ext cx="0" cy="529722"/>
+          </a:xfrm>
+          <a:prstGeom prst="straightConnector1">
+            <a:avLst/>
+          </a:prstGeom>
+          <a:ln w="38100">
+            <a:solidFill>
+              <a:schemeClr val="tx1"/>
+            </a:solidFill>
+            <a:tailEnd type="triangle"/>
+          </a:ln>
+        </p:spPr>
+        <p:style>
+          <a:lnRef idx="1">
+            <a:schemeClr val="accent1"/>
+          </a:lnRef>
+          <a:fillRef idx="0">
+            <a:schemeClr val="accent1"/>
+          </a:fillRef>
+          <a:effectRef idx="0">
+            <a:schemeClr val="accent1"/>
+          </a:effectRef>
+          <a:fontRef idx="minor">
+            <a:schemeClr val="tx1"/>
+          </a:fontRef>
+        </p:style>
+      </p:cxnSp>
+      <p:cxnSp>
+        <p:nvCxnSpPr>
+          <p:cNvPr id="23" name="直線矢印コネクタ 22">
+            <a:extLst>
+              <a:ext uri="{FF2B5EF4-FFF2-40B4-BE49-F238E27FC236}">
+                <a16:creationId xmlns:a16="http://schemas.microsoft.com/office/drawing/2014/main" id="{4EB499A6-61A8-DF56-8430-1F194B7F384D}"/>
+              </a:ext>
+            </a:extLst>
+          </p:cNvPr>
+          <p:cNvCxnSpPr/>
+          <p:nvPr/>
+        </p:nvCxnSpPr>
+        <p:spPr>
+          <a:xfrm>
+            <a:off x="9560891" y="1358468"/>
+            <a:ext cx="0" cy="529722"/>
+          </a:xfrm>
+          <a:prstGeom prst="straightConnector1">
+            <a:avLst/>
+          </a:prstGeom>
+          <a:ln w="38100">
+            <a:solidFill>
+              <a:schemeClr val="tx1"/>
+            </a:solidFill>
+            <a:tailEnd type="triangle"/>
+          </a:ln>
+        </p:spPr>
+        <p:style>
+          <a:lnRef idx="1">
+            <a:schemeClr val="accent1"/>
+          </a:lnRef>
+          <a:fillRef idx="0">
+            <a:schemeClr val="accent1"/>
+          </a:fillRef>
+          <a:effectRef idx="0">
+            <a:schemeClr val="accent1"/>
+          </a:effectRef>
+          <a:fontRef idx="minor">
+            <a:schemeClr val="tx1"/>
+          </a:fontRef>
+        </p:style>
+      </p:cxnSp>
+      <p:sp>
+        <p:nvSpPr>
+          <p:cNvPr id="25" name="右大かっこ 24">
+            <a:extLst>
+              <a:ext uri="{FF2B5EF4-FFF2-40B4-BE49-F238E27FC236}">
+                <a16:creationId xmlns:a16="http://schemas.microsoft.com/office/drawing/2014/main" id="{306F2F07-136B-49AB-F6BA-30E4420CBCCE}"/>
+              </a:ext>
+            </a:extLst>
+          </p:cNvPr>
+          <p:cNvSpPr/>
+          <p:nvPr/>
+        </p:nvSpPr>
+        <p:spPr>
+          <a:xfrm>
+            <a:off x="10471279" y="1013004"/>
+            <a:ext cx="469981" cy="2802251"/>
+          </a:xfrm>
+          <a:prstGeom prst="rightBracket">
+            <a:avLst>
+              <a:gd name="adj" fmla="val 110797"/>
+            </a:avLst>
+          </a:prstGeom>
+          <a:noFill/>
+          <a:ln w="38100">
+            <a:solidFill>
+              <a:srgbClr val="FF0000"/>
+            </a:solidFill>
+            <a:headEnd type="none" w="med" len="med"/>
+            <a:tailEnd type="triangle" w="med" len="med"/>
+          </a:ln>
+        </p:spPr>
+        <p:style>
+          <a:lnRef idx="1">
+            <a:schemeClr val="accent1"/>
+          </a:lnRef>
+          <a:fillRef idx="0">
+            <a:schemeClr val="accent1"/>
+          </a:fillRef>
+          <a:effectRef idx="0">
+            <a:schemeClr val="accent1"/>
+          </a:effectRef>
+          <a:fontRef idx="minor">
+            <a:schemeClr val="tx1"/>
+          </a:fontRef>
+        </p:style>
+        <p:txBody>
+          <a:bodyPr rtlCol="0" anchor="ctr"/>
+          <a:lstStyle/>
+          <a:p>
+            <a:pPr algn="ctr"/>
+            <a:endParaRPr kumimoji="1" lang="ja-JP" altLang="en-US"/>
+          </a:p>
+        </p:txBody>
+      </p:sp>
+      <p:sp>
+        <p:nvSpPr>
+          <p:cNvPr id="26" name="テキスト ボックス 25">
+            <a:extLst>
+              <a:ext uri="{FF2B5EF4-FFF2-40B4-BE49-F238E27FC236}">
+                <a16:creationId xmlns:a16="http://schemas.microsoft.com/office/drawing/2014/main" id="{512C7F53-2475-81C1-6DA5-172A4D3D50E8}"/>
+              </a:ext>
+            </a:extLst>
+          </p:cNvPr>
+          <p:cNvSpPr txBox="1"/>
+          <p:nvPr/>
+        </p:nvSpPr>
+        <p:spPr>
+          <a:xfrm>
+            <a:off x="10880788" y="2188306"/>
+            <a:ext cx="1260281" cy="369332"/>
+          </a:xfrm>
+          <a:prstGeom prst="rect">
+            <a:avLst/>
+          </a:prstGeom>
+          <a:noFill/>
+        </p:spPr>
+        <p:txBody>
+          <a:bodyPr wrap="none" rtlCol="0">
+            <a:spAutoFit/>
+          </a:bodyPr>
+          <a:lstStyle/>
+          <a:p>
+            <a:r>
+              <a:rPr kumimoji="1" lang="en-US" altLang="ja-JP" dirty="0">
+                <a:solidFill>
+                  <a:srgbClr val="FF0000"/>
+                </a:solidFill>
+                <a:latin typeface="BIZ UDPゴシック" panose="020B0400000000000000" pitchFamily="50" charset="-128"/>
+                <a:ea typeface="BIZ UDPゴシック" panose="020B0400000000000000" pitchFamily="50" charset="-128"/>
+              </a:rPr>
+              <a:t>10000</a:t>
+            </a:r>
+            <a:r>
+              <a:rPr kumimoji="1" lang="ja-JP" altLang="en-US" dirty="0">
+                <a:solidFill>
+                  <a:srgbClr val="FF0000"/>
+                </a:solidFill>
+                <a:latin typeface="BIZ UDPゴシック" panose="020B0400000000000000" pitchFamily="50" charset="-128"/>
+                <a:ea typeface="BIZ UDPゴシック" panose="020B0400000000000000" pitchFamily="50" charset="-128"/>
+              </a:rPr>
+              <a:t>倍</a:t>
+            </a:r>
+          </a:p>
+        </p:txBody>
+      </p:sp>
+      <p:sp>
+        <p:nvSpPr>
+          <p:cNvPr id="28" name="テキスト ボックス 27">
+            <a:extLst>
+              <a:ext uri="{FF2B5EF4-FFF2-40B4-BE49-F238E27FC236}">
+                <a16:creationId xmlns:a16="http://schemas.microsoft.com/office/drawing/2014/main" id="{069FF5B7-94C9-D679-F19D-447014183141}"/>
+              </a:ext>
+            </a:extLst>
+          </p:cNvPr>
+          <p:cNvSpPr txBox="1"/>
+          <p:nvPr/>
+        </p:nvSpPr>
+        <p:spPr>
+          <a:xfrm>
+            <a:off x="317412" y="6352780"/>
+            <a:ext cx="8293188" cy="307777"/>
+          </a:xfrm>
+          <a:prstGeom prst="rect">
+            <a:avLst/>
+          </a:prstGeom>
+          <a:noFill/>
+        </p:spPr>
+        <p:txBody>
+          <a:bodyPr wrap="square">
+            <a:spAutoFit/>
+          </a:bodyPr>
+          <a:lstStyle/>
+          <a:p>
+            <a:r>
+              <a:rPr kumimoji="1" lang="en-US" altLang="ja-JP" sz="1400" dirty="0"/>
+              <a:t>[1]N. Watanabe, N. and </a:t>
+            </a:r>
+            <a:r>
+              <a:rPr kumimoji="1" lang="en-US" altLang="ja-JP" sz="1400" dirty="0" err="1"/>
+              <a:t>Kouchi</a:t>
+            </a:r>
+            <a:r>
+              <a:rPr kumimoji="1" lang="en-US" altLang="ja-JP" sz="1400" dirty="0"/>
+              <a:t>, A., 2002, </a:t>
+            </a:r>
+            <a:r>
+              <a:rPr kumimoji="1" lang="en-US" altLang="ja-JP" sz="1400" dirty="0" err="1"/>
+              <a:t>Astrophys</a:t>
+            </a:r>
+            <a:r>
+              <a:rPr kumimoji="1" lang="en-US" altLang="ja-JP" sz="1400" dirty="0"/>
+              <a:t>. J.571, L173</a:t>
+            </a:r>
+          </a:p>
+        </p:txBody>
+      </p:sp>
+    </p:spTree>
+    <p:extLst>
+      <p:ext uri="{BB962C8B-B14F-4D97-AF65-F5344CB8AC3E}">
+        <p14:creationId xmlns:p14="http://schemas.microsoft.com/office/powerpoint/2010/main" val="3585183098"/>
+      </p:ext>
+    </p:extLst>
+  </p:cSld>
+  <p:clrMapOvr>
+    <a:masterClrMapping/>
+  </p:clrMapOvr>
+</p:sld>
+</file>
+
+<file path=ppt/slides/slide3.xml><?xml version="1.0" encoding="utf-8"?>
+<p:sld xmlns:a="http://schemas.openxmlformats.org/drawingml/2006/main" xmlns:r="http://schemas.openxmlformats.org/officeDocument/2006/relationships" xmlns:p="http://schemas.openxmlformats.org/presentationml/2006/main">
+  <p:cSld>
+    <p:spTree>
+      <p:nvGrpSpPr>
+        <p:cNvPr id="1" name=""/>
+        <p:cNvGrpSpPr/>
+        <p:nvPr/>
+      </p:nvGrpSpPr>
+      <p:grpSpPr>
+        <a:xfrm>
+          <a:off x="0" y="0"/>
+          <a:ext cx="0" cy="0"/>
+          <a:chOff x="0" y="0"/>
+          <a:chExt cx="0" cy="0"/>
+        </a:xfrm>
+      </p:grpSpPr>
+      <p:sp>
+        <p:nvSpPr>
+          <p:cNvPr id="2" name="スライド番号プレースホルダー 1">
+            <a:extLst>
+              <a:ext uri="{FF2B5EF4-FFF2-40B4-BE49-F238E27FC236}">
+                <a16:creationId xmlns:a16="http://schemas.microsoft.com/office/drawing/2014/main" id="{CC35AF75-292D-C07F-4457-102E08471D42}"/>
+              </a:ext>
+            </a:extLst>
+          </p:cNvPr>
+          <p:cNvSpPr>
+            <a:spLocks noGrp="1"/>
+          </p:cNvSpPr>
+          <p:nvPr>
+            <p:ph type="sldNum" sz="quarter" idx="12"/>
+          </p:nvPr>
+        </p:nvSpPr>
+        <p:spPr/>
+        <p:txBody>
+          <a:bodyPr/>
+          <a:lstStyle/>
+          <a:p>
+            <a:fld id="{ECBD650F-6923-4A4C-ADE2-BB0B86E7CCFF}" type="slidenum">
+              <a:rPr lang="zh-CN" altLang="en-US" smtClean="0"/>
+              <a:t>3</a:t>
+            </a:fld>
+            <a:endParaRPr lang="zh-CN" altLang="en-US"/>
+          </a:p>
+        </p:txBody>
+      </p:sp>
+      <p:sp>
+        <p:nvSpPr>
+          <p:cNvPr id="3" name="楕円 2">
+            <a:extLst>
+              <a:ext uri="{FF2B5EF4-FFF2-40B4-BE49-F238E27FC236}">
+                <a16:creationId xmlns:a16="http://schemas.microsoft.com/office/drawing/2014/main" id="{EFB7D28A-7475-61DE-57B5-30ADBFFAB056}"/>
+              </a:ext>
+            </a:extLst>
+          </p:cNvPr>
+          <p:cNvSpPr/>
+          <p:nvPr/>
+        </p:nvSpPr>
+        <p:spPr>
+          <a:xfrm>
+            <a:off x="6905066" y="1751741"/>
+            <a:ext cx="3905830" cy="2999074"/>
+          </a:xfrm>
+          <a:prstGeom prst="ellipse">
+            <a:avLst/>
+          </a:prstGeom>
+        </p:spPr>
+        <p:style>
+          <a:lnRef idx="1">
+            <a:schemeClr val="accent5"/>
+          </a:lnRef>
+          <a:fillRef idx="2">
+            <a:schemeClr val="accent5"/>
+          </a:fillRef>
+          <a:effectRef idx="1">
+            <a:schemeClr val="accent5"/>
+          </a:effectRef>
+          <a:fontRef idx="minor">
+            <a:schemeClr val="dk1"/>
+          </a:fontRef>
+        </p:style>
+        <p:txBody>
+          <a:bodyPr rtlCol="0" anchor="ctr"/>
+          <a:lstStyle/>
+          <a:p>
+            <a:pPr algn="ctr"/>
+            <a:r>
+              <a:rPr kumimoji="1" lang="ja-JP" altLang="en-US" sz="2800" dirty="0">
+                <a:latin typeface="BIZ UDPゴシック" panose="020B0400000000000000" pitchFamily="50" charset="-128"/>
+                <a:ea typeface="BIZ UDPゴシック" panose="020B0400000000000000" pitchFamily="50" charset="-128"/>
+              </a:rPr>
+              <a:t>氷微粒子</a:t>
+            </a:r>
+          </a:p>
+        </p:txBody>
+      </p:sp>
+      <p:sp>
+        <p:nvSpPr>
+          <p:cNvPr id="4" name="スライド番号プレースホルダー 1">
+            <a:extLst>
+              <a:ext uri="{FF2B5EF4-FFF2-40B4-BE49-F238E27FC236}">
+                <a16:creationId xmlns:a16="http://schemas.microsoft.com/office/drawing/2014/main" id="{9363626E-7D51-93FD-FB22-DF1388CB5B1F}"/>
+              </a:ext>
+            </a:extLst>
+          </p:cNvPr>
+          <p:cNvSpPr txBox="1">
+            <a:spLocks/>
+          </p:cNvSpPr>
+          <p:nvPr/>
+        </p:nvSpPr>
+        <p:spPr>
+          <a:xfrm>
+            <a:off x="8610600" y="6362107"/>
+            <a:ext cx="2743200" cy="365125"/>
+          </a:xfrm>
+          <a:prstGeom prst="rect">
+            <a:avLst/>
+          </a:prstGeom>
+        </p:spPr>
+        <p:txBody>
+          <a:bodyPr vert="horz" lIns="91440" tIns="45720" rIns="91440" bIns="45720" rtlCol="0" anchor="ctr"/>
+          <a:lstStyle>
+            <a:defPPr>
+              <a:defRPr lang="en-US"/>
+            </a:defPPr>
+            <a:lvl1pPr marL="0" algn="r" defTabSz="457200" rtl="0" eaLnBrk="1" latinLnBrk="0" hangingPunct="1">
+              <a:defRPr sz="1200" kern="1200">
+                <a:solidFill>
+                  <a:schemeClr val="tx1">
+                    <a:tint val="75000"/>
+                  </a:schemeClr>
+                </a:solidFill>
+                <a:latin typeface="+mn-lt"/>
+                <a:ea typeface="+mn-ea"/>
+                <a:cs typeface="+mn-cs"/>
+              </a:defRPr>
+            </a:lvl1pPr>
+            <a:lvl2pPr marL="457200" algn="l" defTabSz="457200" rtl="0" eaLnBrk="1" latinLnBrk="0" hangingPunct="1">
+              <a:defRPr sz="1800" kern="1200">
+                <a:solidFill>
+                  <a:schemeClr val="tx1"/>
+                </a:solidFill>
+                <a:latin typeface="+mn-lt"/>
+                <a:ea typeface="+mn-ea"/>
+                <a:cs typeface="+mn-cs"/>
+              </a:defRPr>
+            </a:lvl2pPr>
+            <a:lvl3pPr marL="914400" algn="l" defTabSz="457200" rtl="0" eaLnBrk="1" latinLnBrk="0" hangingPunct="1">
+              <a:defRPr sz="1800" kern="1200">
+                <a:solidFill>
+                  <a:schemeClr val="tx1"/>
+                </a:solidFill>
+                <a:latin typeface="+mn-lt"/>
+                <a:ea typeface="+mn-ea"/>
+                <a:cs typeface="+mn-cs"/>
+              </a:defRPr>
+            </a:lvl3pPr>
+            <a:lvl4pPr marL="1371600" algn="l" defTabSz="457200" rtl="0" eaLnBrk="1" latinLnBrk="0" hangingPunct="1">
+              <a:defRPr sz="1800" kern="1200">
+                <a:solidFill>
+                  <a:schemeClr val="tx1"/>
+                </a:solidFill>
+                <a:latin typeface="+mn-lt"/>
+                <a:ea typeface="+mn-ea"/>
+                <a:cs typeface="+mn-cs"/>
+              </a:defRPr>
+            </a:lvl4pPr>
+            <a:lvl5pPr marL="1828800" algn="l" defTabSz="457200" rtl="0" eaLnBrk="1" latinLnBrk="0" hangingPunct="1">
+              <a:defRPr sz="1800" kern="1200">
+                <a:solidFill>
+                  <a:schemeClr val="tx1"/>
+                </a:solidFill>
+                <a:latin typeface="+mn-lt"/>
+                <a:ea typeface="+mn-ea"/>
+                <a:cs typeface="+mn-cs"/>
+              </a:defRPr>
+            </a:lvl5pPr>
+            <a:lvl6pPr marL="2286000" algn="l" defTabSz="457200" rtl="0" eaLnBrk="1" latinLnBrk="0" hangingPunct="1">
+              <a:defRPr sz="1800" kern="1200">
+                <a:solidFill>
+                  <a:schemeClr val="tx1"/>
+                </a:solidFill>
+                <a:latin typeface="+mn-lt"/>
+                <a:ea typeface="+mn-ea"/>
+                <a:cs typeface="+mn-cs"/>
+              </a:defRPr>
+            </a:lvl6pPr>
+            <a:lvl7pPr marL="2743200" algn="l" defTabSz="457200" rtl="0" eaLnBrk="1" latinLnBrk="0" hangingPunct="1">
+              <a:defRPr sz="1800" kern="1200">
+                <a:solidFill>
+                  <a:schemeClr val="tx1"/>
+                </a:solidFill>
+                <a:latin typeface="+mn-lt"/>
+                <a:ea typeface="+mn-ea"/>
+                <a:cs typeface="+mn-cs"/>
+              </a:defRPr>
+            </a:lvl7pPr>
+            <a:lvl8pPr marL="3200400" algn="l" defTabSz="457200" rtl="0" eaLnBrk="1" latinLnBrk="0" hangingPunct="1">
+              <a:defRPr sz="1800" kern="1200">
+                <a:solidFill>
+                  <a:schemeClr val="tx1"/>
+                </a:solidFill>
+                <a:latin typeface="+mn-lt"/>
+                <a:ea typeface="+mn-ea"/>
+                <a:cs typeface="+mn-cs"/>
+              </a:defRPr>
+            </a:lvl8pPr>
+            <a:lvl9pPr marL="3657600" algn="l" defTabSz="457200" rtl="0" eaLnBrk="1" latinLnBrk="0" hangingPunct="1">
+              <a:defRPr sz="1800" kern="1200">
+                <a:solidFill>
+                  <a:schemeClr val="tx1"/>
+                </a:solidFill>
+                <a:latin typeface="+mn-lt"/>
+                <a:ea typeface="+mn-ea"/>
+                <a:cs typeface="+mn-cs"/>
+              </a:defRPr>
+            </a:lvl9pPr>
+          </a:lstStyle>
+          <a:p>
+            <a:fld id="{ECBD650F-6923-4A4C-ADE2-BB0B86E7CCFF}" type="slidenum">
+              <a:rPr lang="zh-CN" altLang="en-US" smtClean="0"/>
+              <a:pPr/>
+              <a:t>3</a:t>
+            </a:fld>
+            <a:endParaRPr lang="zh-CN" altLang="en-US" dirty="0"/>
+          </a:p>
+        </p:txBody>
+      </p:sp>
+      <p:sp>
+        <p:nvSpPr>
+          <p:cNvPr id="7" name="テキスト ボックス 6">
+            <a:extLst>
+              <a:ext uri="{FF2B5EF4-FFF2-40B4-BE49-F238E27FC236}">
+                <a16:creationId xmlns:a16="http://schemas.microsoft.com/office/drawing/2014/main" id="{860F1929-2A5F-A829-0FA4-1FFA70573631}"/>
+              </a:ext>
+            </a:extLst>
+          </p:cNvPr>
+          <p:cNvSpPr txBox="1"/>
+          <p:nvPr/>
+        </p:nvSpPr>
+        <p:spPr>
+          <a:xfrm>
+            <a:off x="7217850" y="3066611"/>
+            <a:ext cx="668260" cy="369332"/>
           </a:xfrm>
           <a:prstGeom prst="rect">
             <a:avLst/>
@@ -6473,7 +7370,7 @@
           <a:p>
             <a:r>
               <a:rPr kumimoji="1" lang="en-US" altLang="ja-JP" dirty="0"/>
-              <a:t>H</a:t>
+              <a:t>CO</a:t>
             </a:r>
             <a:endParaRPr kumimoji="1" lang="ja-JP" altLang="en-US" dirty="0"/>
           </a:p>
@@ -6481,10 +7378,10 @@
       </p:sp>
       <p:sp>
         <p:nvSpPr>
-          <p:cNvPr id="17" name="テキスト ボックス 16">
+          <p:cNvPr id="8" name="テキスト ボックス 7">
             <a:extLst>
               <a:ext uri="{FF2B5EF4-FFF2-40B4-BE49-F238E27FC236}">
-                <a16:creationId xmlns:a16="http://schemas.microsoft.com/office/drawing/2014/main" id="{30C789E0-DD9D-5C53-36BB-EBE71DB87B70}"/>
+                <a16:creationId xmlns:a16="http://schemas.microsoft.com/office/drawing/2014/main" id="{97925AEA-0E9A-FDAE-B277-9F989DB00AEE}"/>
               </a:ext>
             </a:extLst>
           </p:cNvPr>
@@ -6493,8 +7390,8 @@
         </p:nvSpPr>
         <p:spPr>
           <a:xfrm>
-            <a:off x="7566751" y="4990300"/>
-            <a:ext cx="327334" cy="369332"/>
+            <a:off x="6126769" y="2300993"/>
+            <a:ext cx="479598" cy="369332"/>
           </a:xfrm>
           <a:prstGeom prst="rect">
             <a:avLst/>
@@ -6509,6 +7406,42 @@
           <a:p>
             <a:r>
               <a:rPr kumimoji="1" lang="en-US" altLang="ja-JP" dirty="0"/>
+              <a:t>H</a:t>
+            </a:r>
+            <a:endParaRPr kumimoji="1" lang="ja-JP" altLang="en-US" dirty="0"/>
+          </a:p>
+        </p:txBody>
+      </p:sp>
+      <p:sp>
+        <p:nvSpPr>
+          <p:cNvPr id="9" name="テキスト ボックス 8">
+            <a:extLst>
+              <a:ext uri="{FF2B5EF4-FFF2-40B4-BE49-F238E27FC236}">
+                <a16:creationId xmlns:a16="http://schemas.microsoft.com/office/drawing/2014/main" id="{ACF187B7-CBDA-B95C-A3B6-D5A6D9883475}"/>
+              </a:ext>
+            </a:extLst>
+          </p:cNvPr>
+          <p:cNvSpPr txBox="1"/>
+          <p:nvPr/>
+        </p:nvSpPr>
+        <p:spPr>
+          <a:xfrm>
+            <a:off x="6026597" y="3889396"/>
+            <a:ext cx="477263" cy="369332"/>
+          </a:xfrm>
+          <a:prstGeom prst="rect">
+            <a:avLst/>
+          </a:prstGeom>
+          <a:noFill/>
+        </p:spPr>
+        <p:txBody>
+          <a:bodyPr wrap="square" rtlCol="0">
+            <a:spAutoFit/>
+          </a:bodyPr>
+          <a:lstStyle/>
+          <a:p>
+            <a:r>
+              <a:rPr kumimoji="1" lang="en-US" altLang="ja-JP" dirty="0"/>
               <a:t>D</a:t>
             </a:r>
             <a:endParaRPr kumimoji="1" lang="ja-JP" altLang="en-US" dirty="0"/>
@@ -6517,10 +7450,10 @@
       </p:sp>
       <p:cxnSp>
         <p:nvCxnSpPr>
-          <p:cNvPr id="19" name="直線矢印コネクタ 18">
+          <p:cNvPr id="10" name="直線矢印コネクタ 9">
             <a:extLst>
               <a:ext uri="{FF2B5EF4-FFF2-40B4-BE49-F238E27FC236}">
-                <a16:creationId xmlns:a16="http://schemas.microsoft.com/office/drawing/2014/main" id="{92077BA6-57CD-D7DC-E407-E1EC058E01AC}"/>
+                <a16:creationId xmlns:a16="http://schemas.microsoft.com/office/drawing/2014/main" id="{3618D913-F124-28BA-6EEA-6CAD1058D328}"/>
               </a:ext>
             </a:extLst>
           </p:cNvPr>
@@ -6531,8 +7464,8 @@
         </p:nvCxnSpPr>
         <p:spPr>
           <a:xfrm>
-            <a:off x="7978636" y="4588101"/>
-            <a:ext cx="439097" cy="351713"/>
+            <a:off x="6579917" y="2527934"/>
+            <a:ext cx="766814" cy="496402"/>
           </a:xfrm>
           <a:prstGeom prst="straightConnector1">
             <a:avLst/>
@@ -6561,10 +7494,10 @@
       </p:cxnSp>
       <p:cxnSp>
         <p:nvCxnSpPr>
-          <p:cNvPr id="21" name="直線矢印コネクタ 20">
+          <p:cNvPr id="11" name="直線矢印コネクタ 10">
             <a:extLst>
               <a:ext uri="{FF2B5EF4-FFF2-40B4-BE49-F238E27FC236}">
-                <a16:creationId xmlns:a16="http://schemas.microsoft.com/office/drawing/2014/main" id="{7810AF47-2145-915B-84EF-F8E7658266C7}"/>
+                <a16:creationId xmlns:a16="http://schemas.microsoft.com/office/drawing/2014/main" id="{D1A8E506-DDAA-3379-031F-B7953FAE8097}"/>
               </a:ext>
             </a:extLst>
           </p:cNvPr>
@@ -6575,8 +7508,8 @@
         </p:nvCxnSpPr>
         <p:spPr>
           <a:xfrm flipV="1">
-            <a:off x="7832885" y="5097916"/>
-            <a:ext cx="562237" cy="71539"/>
+            <a:off x="6395157" y="3397936"/>
+            <a:ext cx="809621" cy="524707"/>
           </a:xfrm>
           <a:prstGeom prst="straightConnector1">
             <a:avLst/>
@@ -6605,54 +7538,10 @@
       </p:cxnSp>
       <p:cxnSp>
         <p:nvCxnSpPr>
-          <p:cNvPr id="29" name="直線矢印コネクタ 28">
+          <p:cNvPr id="12" name="直線矢印コネクタ 11">
             <a:extLst>
               <a:ext uri="{FF2B5EF4-FFF2-40B4-BE49-F238E27FC236}">
-                <a16:creationId xmlns:a16="http://schemas.microsoft.com/office/drawing/2014/main" id="{391A0167-93AC-71DF-6394-25D2CD2C2C80}"/>
-              </a:ext>
-            </a:extLst>
-          </p:cNvPr>
-          <p:cNvCxnSpPr>
-            <a:cxnSpLocks/>
-          </p:cNvCxnSpPr>
-          <p:nvPr/>
-        </p:nvCxnSpPr>
-        <p:spPr>
-          <a:xfrm>
-            <a:off x="7295174" y="2395484"/>
-            <a:ext cx="307921" cy="0"/>
-          </a:xfrm>
-          <a:prstGeom prst="straightConnector1">
-            <a:avLst/>
-          </a:prstGeom>
-          <a:ln w="19050">
-            <a:solidFill>
-              <a:schemeClr val="tx1"/>
-            </a:solidFill>
-            <a:tailEnd type="triangle"/>
-          </a:ln>
-        </p:spPr>
-        <p:style>
-          <a:lnRef idx="1">
-            <a:schemeClr val="accent1"/>
-          </a:lnRef>
-          <a:fillRef idx="0">
-            <a:schemeClr val="accent1"/>
-          </a:fillRef>
-          <a:effectRef idx="0">
-            <a:schemeClr val="accent1"/>
-          </a:effectRef>
-          <a:fontRef idx="minor">
-            <a:schemeClr val="tx1"/>
-          </a:fontRef>
-        </p:style>
-      </p:cxnSp>
-      <p:cxnSp>
-        <p:nvCxnSpPr>
-          <p:cNvPr id="31" name="直線矢印コネクタ 30">
-            <a:extLst>
-              <a:ext uri="{FF2B5EF4-FFF2-40B4-BE49-F238E27FC236}">
-                <a16:creationId xmlns:a16="http://schemas.microsoft.com/office/drawing/2014/main" id="{407FC35B-FD58-D138-AF41-75616AB0BB5D}"/>
+                <a16:creationId xmlns:a16="http://schemas.microsoft.com/office/drawing/2014/main" id="{0994B488-B78B-6C7A-8167-7D1CDB87E188}"/>
               </a:ext>
             </a:extLst>
           </p:cNvPr>
@@ -6663,8 +7552,8 @@
         </p:nvCxnSpPr>
         <p:spPr>
           <a:xfrm flipV="1">
-            <a:off x="8935938" y="4717469"/>
-            <a:ext cx="370391" cy="243719"/>
+            <a:off x="7498590" y="2527934"/>
+            <a:ext cx="447231" cy="496402"/>
           </a:xfrm>
           <a:prstGeom prst="straightConnector1">
             <a:avLst/>
@@ -6693,10 +7582,10 @@
       </p:cxnSp>
       <p:cxnSp>
         <p:nvCxnSpPr>
-          <p:cNvPr id="32" name="直線矢印コネクタ 31">
+          <p:cNvPr id="13" name="直線矢印コネクタ 12">
             <a:extLst>
               <a:ext uri="{FF2B5EF4-FFF2-40B4-BE49-F238E27FC236}">
-                <a16:creationId xmlns:a16="http://schemas.microsoft.com/office/drawing/2014/main" id="{5F959650-E52C-DD43-5287-9D87CB193D4C}"/>
+                <a16:creationId xmlns:a16="http://schemas.microsoft.com/office/drawing/2014/main" id="{8EC30752-0D62-D3E2-C1E9-566EFE7CD2FA}"/>
               </a:ext>
             </a:extLst>
           </p:cNvPr>
@@ -6707,8 +7596,8 @@
         </p:nvCxnSpPr>
         <p:spPr>
           <a:xfrm>
-            <a:off x="9979845" y="4599485"/>
-            <a:ext cx="465317" cy="188937"/>
+            <a:off x="8399644" y="2118161"/>
+            <a:ext cx="599765" cy="0"/>
           </a:xfrm>
           <a:prstGeom prst="straightConnector1">
             <a:avLst/>
@@ -6735,6 +7624,231 @@
           </a:fontRef>
         </p:style>
       </p:cxnSp>
+      <p:sp>
+        <p:nvSpPr>
+          <p:cNvPr id="15" name="テキスト ボックス 14">
+            <a:extLst>
+              <a:ext uri="{FF2B5EF4-FFF2-40B4-BE49-F238E27FC236}">
+                <a16:creationId xmlns:a16="http://schemas.microsoft.com/office/drawing/2014/main" id="{858835F0-ADCB-C060-F969-ED983E7A8BB6}"/>
+              </a:ext>
+            </a:extLst>
+          </p:cNvPr>
+          <p:cNvSpPr txBox="1"/>
+          <p:nvPr/>
+        </p:nvSpPr>
+        <p:spPr>
+          <a:xfrm>
+            <a:off x="7846171" y="2095325"/>
+            <a:ext cx="646914" cy="369332"/>
+          </a:xfrm>
+          <a:prstGeom prst="rect">
+            <a:avLst/>
+          </a:prstGeom>
+          <a:noFill/>
+        </p:spPr>
+        <p:txBody>
+          <a:bodyPr wrap="square" rtlCol="0">
+            <a:spAutoFit/>
+          </a:bodyPr>
+          <a:lstStyle/>
+          <a:p>
+            <a:r>
+              <a:rPr kumimoji="1" lang="en-US" altLang="ja-JP" dirty="0"/>
+              <a:t>CHO</a:t>
+            </a:r>
+          </a:p>
+        </p:txBody>
+      </p:sp>
+      <p:sp>
+        <p:nvSpPr>
+          <p:cNvPr id="19" name="テキスト ボックス 18">
+            <a:extLst>
+              <a:ext uri="{FF2B5EF4-FFF2-40B4-BE49-F238E27FC236}">
+                <a16:creationId xmlns:a16="http://schemas.microsoft.com/office/drawing/2014/main" id="{336BB83B-654C-DE06-B577-67524B06D307}"/>
+              </a:ext>
+            </a:extLst>
+          </p:cNvPr>
+          <p:cNvSpPr txBox="1"/>
+          <p:nvPr/>
+        </p:nvSpPr>
+        <p:spPr>
+          <a:xfrm>
+            <a:off x="792456" y="422306"/>
+            <a:ext cx="1826141" cy="584775"/>
+          </a:xfrm>
+          <a:prstGeom prst="rect">
+            <a:avLst/>
+          </a:prstGeom>
+          <a:noFill/>
+        </p:spPr>
+        <p:txBody>
+          <a:bodyPr wrap="none" rtlCol="0">
+            <a:spAutoFit/>
+          </a:bodyPr>
+          <a:lstStyle/>
+          <a:p>
+            <a:r>
+              <a:rPr kumimoji="1" lang="ja-JP" altLang="en-US" sz="3200" dirty="0">
+                <a:latin typeface="BIZ UDPゴシック" panose="020B0400000000000000" pitchFamily="50" charset="-128"/>
+                <a:ea typeface="BIZ UDPゴシック" panose="020B0400000000000000" pitchFamily="50" charset="-128"/>
+              </a:rPr>
+              <a:t>研究目的</a:t>
+            </a:r>
+          </a:p>
+        </p:txBody>
+      </p:sp>
+      <p:sp>
+        <p:nvSpPr>
+          <p:cNvPr id="20" name="テキスト ボックス 19">
+            <a:extLst>
+              <a:ext uri="{FF2B5EF4-FFF2-40B4-BE49-F238E27FC236}">
+                <a16:creationId xmlns:a16="http://schemas.microsoft.com/office/drawing/2014/main" id="{B285F354-E4DF-EC31-F27C-8A9CA9C2C76A}"/>
+              </a:ext>
+            </a:extLst>
+          </p:cNvPr>
+          <p:cNvSpPr txBox="1"/>
+          <p:nvPr/>
+        </p:nvSpPr>
+        <p:spPr>
+          <a:xfrm>
+            <a:off x="1353708" y="1246898"/>
+            <a:ext cx="4423368" cy="4893647"/>
+          </a:xfrm>
+          <a:prstGeom prst="rect">
+            <a:avLst/>
+          </a:prstGeom>
+          <a:noFill/>
+        </p:spPr>
+        <p:txBody>
+          <a:bodyPr wrap="square" rtlCol="0">
+            <a:spAutoFit/>
+          </a:bodyPr>
+          <a:lstStyle/>
+          <a:p>
+            <a:r>
+              <a:rPr lang="ja-JP" altLang="en-US" sz="2400" b="1" dirty="0">
+                <a:latin typeface="+mn-ea"/>
+              </a:rPr>
+              <a:t>反応経路</a:t>
+            </a:r>
+            <a:endParaRPr lang="en-US" altLang="ja-JP" sz="2400" b="1" dirty="0">
+              <a:latin typeface="+mn-ea"/>
+            </a:endParaRPr>
+          </a:p>
+          <a:p>
+            <a:r>
+              <a:rPr lang="ja-JP" altLang="en-US" sz="2400" dirty="0">
+                <a:latin typeface="+mn-ea"/>
+              </a:rPr>
+              <a:t>メタノールは氷微粒子表面において、</a:t>
+            </a:r>
+            <a:r>
+              <a:rPr lang="en-US" altLang="ja-JP" sz="2400" dirty="0">
+                <a:latin typeface="+mn-ea"/>
+              </a:rPr>
+              <a:t>CO</a:t>
+            </a:r>
+            <a:r>
+              <a:rPr lang="ja-JP" altLang="en-US" sz="2400" dirty="0">
+                <a:latin typeface="+mn-ea"/>
+              </a:rPr>
+              <a:t>分子と</a:t>
+            </a:r>
+            <a:r>
+              <a:rPr lang="en-US" altLang="ja-JP" sz="2400" dirty="0">
+                <a:latin typeface="+mn-ea"/>
+              </a:rPr>
+              <a:t>H(D)</a:t>
+            </a:r>
+            <a:r>
+              <a:rPr lang="ja-JP" altLang="en-US" sz="2400" dirty="0">
+                <a:latin typeface="+mn-ea"/>
+              </a:rPr>
+              <a:t>原子の逐次反応によって生成</a:t>
+            </a:r>
+            <a:endParaRPr lang="en-US" altLang="ja-JP" sz="2400" dirty="0">
+              <a:latin typeface="+mn-ea"/>
+            </a:endParaRPr>
+          </a:p>
+          <a:p>
+            <a:endParaRPr lang="en-US" altLang="ja-JP" sz="2400" b="1" dirty="0">
+              <a:latin typeface="+mn-ea"/>
+            </a:endParaRPr>
+          </a:p>
+          <a:p>
+            <a:endParaRPr lang="en-US" altLang="ja-JP" sz="2400" b="1" dirty="0">
+              <a:latin typeface="+mn-ea"/>
+            </a:endParaRPr>
+          </a:p>
+          <a:p>
+            <a:r>
+              <a:rPr lang="ja-JP" altLang="en-US" sz="2400" b="1" dirty="0">
+                <a:latin typeface="+mn-ea"/>
+              </a:rPr>
+              <a:t>目的</a:t>
+            </a:r>
+            <a:endParaRPr lang="en-US" altLang="ja-JP" sz="2400" b="1" dirty="0">
+              <a:latin typeface="+mn-ea"/>
+            </a:endParaRPr>
+          </a:p>
+          <a:p>
+            <a:r>
+              <a:rPr lang="ja-JP" altLang="en-US" sz="2400" dirty="0">
+                <a:latin typeface="+mn-ea"/>
+              </a:rPr>
+              <a:t>氷表面でのメタノール生成過程における同位体効果を解明する</a:t>
+            </a:r>
+            <a:endParaRPr lang="en-US" altLang="ja-JP" sz="2400" dirty="0">
+              <a:latin typeface="+mn-ea"/>
+            </a:endParaRPr>
+          </a:p>
+          <a:p>
+            <a:endParaRPr lang="en-US" altLang="ja-JP" sz="2400" dirty="0">
+              <a:latin typeface="+mn-ea"/>
+            </a:endParaRPr>
+          </a:p>
+          <a:p>
+            <a:endParaRPr lang="en-US" altLang="ja-JP" sz="2400" dirty="0">
+              <a:latin typeface="+mn-ea"/>
+            </a:endParaRPr>
+          </a:p>
+          <a:p>
+            <a:r>
+              <a:rPr lang="ja-JP" altLang="en-US" sz="2400" dirty="0">
+                <a:solidFill>
+                  <a:srgbClr val="FF0000"/>
+                </a:solidFill>
+                <a:latin typeface="+mn-ea"/>
+              </a:rPr>
+              <a:t>➡ </a:t>
+            </a:r>
+            <a:r>
+              <a:rPr lang="en-US" altLang="ja-JP" sz="2400" b="1" dirty="0">
+                <a:solidFill>
+                  <a:srgbClr val="FF0000"/>
+                </a:solidFill>
+                <a:latin typeface="+mn-ea"/>
+              </a:rPr>
+              <a:t>D</a:t>
+            </a:r>
+            <a:r>
+              <a:rPr lang="ja-JP" altLang="en-US" sz="2400" b="1" dirty="0">
+                <a:solidFill>
+                  <a:srgbClr val="FF0000"/>
+                </a:solidFill>
+                <a:latin typeface="+mn-ea"/>
+              </a:rPr>
+              <a:t>原子を扱える手法が必要</a:t>
+            </a:r>
+            <a:endParaRPr lang="en-US" altLang="ja-JP" sz="2400" b="1" dirty="0">
+              <a:solidFill>
+                <a:srgbClr val="FF0000"/>
+              </a:solidFill>
+              <a:latin typeface="+mn-ea"/>
+            </a:endParaRPr>
+          </a:p>
+        </p:txBody>
+      </p:sp>
       <mc:AlternateContent xmlns:mc="http://schemas.openxmlformats.org/markup-compatibility/2006">
         <mc:Choice xmlns:a14="http://schemas.microsoft.com/office/drawing/2010/main" Requires="a14">
           <p:sp>
@@ -6742,7 +7856,7 @@
               <p:cNvPr id="33" name="テキスト ボックス 32">
                 <a:extLst>
                   <a:ext uri="{FF2B5EF4-FFF2-40B4-BE49-F238E27FC236}">
-                    <a16:creationId xmlns:a16="http://schemas.microsoft.com/office/drawing/2014/main" id="{22E3E1C6-D737-2B5B-C15B-F6685D6F3619}"/>
+                    <a16:creationId xmlns:a16="http://schemas.microsoft.com/office/drawing/2014/main" id="{AB7B9829-AACE-73F6-F221-BF6355B99533}"/>
                   </a:ext>
                 </a:extLst>
               </p:cNvPr>
@@ -6751,8 +7865,8 @@
             </p:nvSpPr>
             <p:spPr>
               <a:xfrm>
-                <a:off x="9233420" y="4376251"/>
-                <a:ext cx="808170" cy="369332"/>
+                <a:off x="9892451" y="2767779"/>
+                <a:ext cx="1178336" cy="369332"/>
               </a:xfrm>
               <a:prstGeom prst="rect">
                 <a:avLst/>
@@ -6826,7 +7940,7 @@
               <p:cNvPr id="33" name="テキスト ボックス 32">
                 <a:extLst>
                   <a:ext uri="{FF2B5EF4-FFF2-40B4-BE49-F238E27FC236}">
-                    <a16:creationId xmlns:a16="http://schemas.microsoft.com/office/drawing/2014/main" id="{22E3E1C6-D737-2B5B-C15B-F6685D6F3619}"/>
+                    <a16:creationId xmlns:a16="http://schemas.microsoft.com/office/drawing/2014/main" id="{AB7B9829-AACE-73F6-F221-BF6355B99533}"/>
                   </a:ext>
                 </a:extLst>
               </p:cNvPr>
@@ -6837,16 +7951,16 @@
             </p:nvSpPr>
             <p:spPr>
               <a:xfrm>
-                <a:off x="9233420" y="4376251"/>
-                <a:ext cx="808170" cy="369332"/>
+                <a:off x="9892451" y="2767779"/>
+                <a:ext cx="1178336" cy="369332"/>
               </a:xfrm>
               <a:prstGeom prst="rect">
                 <a:avLst/>
               </a:prstGeom>
               <a:blipFill>
-                <a:blip r:embed="rId4"/>
+                <a:blip r:embed="rId2"/>
                 <a:stretch>
-                  <a:fillRect b="-3333"/>
+                  <a:fillRect b="-1639"/>
                 </a:stretch>
               </a:blipFill>
             </p:spPr>
@@ -6865,12 +7979,56 @@
           </p:sp>
         </mc:Fallback>
       </mc:AlternateContent>
+      <p:cxnSp>
+        <p:nvCxnSpPr>
+          <p:cNvPr id="34" name="直線矢印コネクタ 33">
+            <a:extLst>
+              <a:ext uri="{FF2B5EF4-FFF2-40B4-BE49-F238E27FC236}">
+                <a16:creationId xmlns:a16="http://schemas.microsoft.com/office/drawing/2014/main" id="{87E343F9-0E5F-E229-BBFD-A3ECC5AB2B8C}"/>
+              </a:ext>
+            </a:extLst>
+          </p:cNvPr>
+          <p:cNvCxnSpPr>
+            <a:cxnSpLocks/>
+          </p:cNvCxnSpPr>
+          <p:nvPr/>
+        </p:nvCxnSpPr>
+        <p:spPr>
+          <a:xfrm>
+            <a:off x="9806449" y="2227088"/>
+            <a:ext cx="486667" cy="517141"/>
+          </a:xfrm>
+          <a:prstGeom prst="straightConnector1">
+            <a:avLst/>
+          </a:prstGeom>
+          <a:ln w="28575">
+            <a:solidFill>
+              <a:schemeClr val="tx1"/>
+            </a:solidFill>
+            <a:tailEnd type="triangle"/>
+          </a:ln>
+        </p:spPr>
+        <p:style>
+          <a:lnRef idx="1">
+            <a:schemeClr val="accent1"/>
+          </a:lnRef>
+          <a:fillRef idx="0">
+            <a:schemeClr val="accent1"/>
+          </a:fillRef>
+          <a:effectRef idx="0">
+            <a:schemeClr val="accent1"/>
+          </a:effectRef>
+          <a:fontRef idx="minor">
+            <a:schemeClr val="tx1"/>
+          </a:fontRef>
+        </p:style>
+      </p:cxnSp>
       <p:sp>
         <p:nvSpPr>
-          <p:cNvPr id="34" name="テキスト ボックス 33">
+          <p:cNvPr id="35" name="テキスト ボックス 34">
             <a:extLst>
               <a:ext uri="{FF2B5EF4-FFF2-40B4-BE49-F238E27FC236}">
-                <a16:creationId xmlns:a16="http://schemas.microsoft.com/office/drawing/2014/main" id="{B12D7BE0-A375-42B9-C1A8-F72C3996B9D7}"/>
+                <a16:creationId xmlns:a16="http://schemas.microsoft.com/office/drawing/2014/main" id="{89DDD38E-E2CB-78CD-3EB2-8C514025C564}"/>
               </a:ext>
             </a:extLst>
           </p:cNvPr>
@@ -6879,8 +8037,8 @@
         </p:nvSpPr>
         <p:spPr>
           <a:xfrm>
-            <a:off x="10258342" y="4746543"/>
-            <a:ext cx="745269" cy="369332"/>
+            <a:off x="9980258" y="3612433"/>
+            <a:ext cx="1278929" cy="369332"/>
           </a:xfrm>
           <a:prstGeom prst="rect">
             <a:avLst/>
@@ -6894,150 +8052,19 @@
           <a:lstStyle/>
           <a:p>
             <a:r>
-              <a:rPr kumimoji="1" lang="en-US" altLang="ja-JP" dirty="0"/>
-              <a:t>HDCO</a:t>
-            </a:r>
+              <a:rPr kumimoji="1" lang="ja-JP" altLang="en-US" dirty="0"/>
+              <a:t>・・・</a:t>
+            </a:r>
+            <a:endParaRPr kumimoji="1" lang="en-US" altLang="ja-JP" dirty="0"/>
           </a:p>
         </p:txBody>
       </p:sp>
-      <p:cxnSp>
-        <p:nvCxnSpPr>
-          <p:cNvPr id="58" name="直線矢印コネクタ 57">
+      <p:sp>
+        <p:nvSpPr>
+          <p:cNvPr id="37" name="テキスト ボックス 36">
             <a:extLst>
               <a:ext uri="{FF2B5EF4-FFF2-40B4-BE49-F238E27FC236}">
-                <a16:creationId xmlns:a16="http://schemas.microsoft.com/office/drawing/2014/main" id="{AAAA5A10-8AE8-E68A-5725-EB8D527BD347}"/>
-              </a:ext>
-            </a:extLst>
-          </p:cNvPr>
-          <p:cNvCxnSpPr>
-            <a:cxnSpLocks/>
-          </p:cNvCxnSpPr>
-          <p:nvPr/>
-        </p:nvCxnSpPr>
-        <p:spPr>
-          <a:xfrm>
-            <a:off x="7304172" y="2528965"/>
-            <a:ext cx="307921" cy="0"/>
-          </a:xfrm>
-          <a:prstGeom prst="straightConnector1">
-            <a:avLst/>
-          </a:prstGeom>
-          <a:ln w="19050">
-            <a:solidFill>
-              <a:schemeClr val="tx1"/>
-            </a:solidFill>
-            <a:tailEnd type="triangle"/>
-          </a:ln>
-        </p:spPr>
-        <p:style>
-          <a:lnRef idx="1">
-            <a:schemeClr val="accent1"/>
-          </a:lnRef>
-          <a:fillRef idx="0">
-            <a:schemeClr val="accent1"/>
-          </a:fillRef>
-          <a:effectRef idx="0">
-            <a:schemeClr val="accent1"/>
-          </a:effectRef>
-          <a:fontRef idx="minor">
-            <a:schemeClr val="tx1"/>
-          </a:fontRef>
-        </p:style>
-      </p:cxnSp>
-      <p:cxnSp>
-        <p:nvCxnSpPr>
-          <p:cNvPr id="59" name="直線矢印コネクタ 58">
-            <a:extLst>
-              <a:ext uri="{FF2B5EF4-FFF2-40B4-BE49-F238E27FC236}">
-                <a16:creationId xmlns:a16="http://schemas.microsoft.com/office/drawing/2014/main" id="{B08A1389-76E1-83CB-1AA9-8E6BE35C0505}"/>
-              </a:ext>
-            </a:extLst>
-          </p:cNvPr>
-          <p:cNvCxnSpPr>
-            <a:cxnSpLocks/>
-          </p:cNvCxnSpPr>
-          <p:nvPr/>
-        </p:nvCxnSpPr>
-        <p:spPr>
-          <a:xfrm>
-            <a:off x="9712631" y="2395484"/>
-            <a:ext cx="307921" cy="0"/>
-          </a:xfrm>
-          <a:prstGeom prst="straightConnector1">
-            <a:avLst/>
-          </a:prstGeom>
-          <a:ln w="19050">
-            <a:solidFill>
-              <a:schemeClr val="tx1"/>
-            </a:solidFill>
-            <a:tailEnd type="triangle"/>
-          </a:ln>
-        </p:spPr>
-        <p:style>
-          <a:lnRef idx="1">
-            <a:schemeClr val="accent1"/>
-          </a:lnRef>
-          <a:fillRef idx="0">
-            <a:schemeClr val="accent1"/>
-          </a:fillRef>
-          <a:effectRef idx="0">
-            <a:schemeClr val="accent1"/>
-          </a:effectRef>
-          <a:fontRef idx="minor">
-            <a:schemeClr val="tx1"/>
-          </a:fontRef>
-        </p:style>
-      </p:cxnSp>
-      <p:cxnSp>
-        <p:nvCxnSpPr>
-          <p:cNvPr id="60" name="直線矢印コネクタ 59">
-            <a:extLst>
-              <a:ext uri="{FF2B5EF4-FFF2-40B4-BE49-F238E27FC236}">
-                <a16:creationId xmlns:a16="http://schemas.microsoft.com/office/drawing/2014/main" id="{B500C2A1-5A78-FE29-D3C6-9D0761428248}"/>
-              </a:ext>
-            </a:extLst>
-          </p:cNvPr>
-          <p:cNvCxnSpPr>
-            <a:cxnSpLocks/>
-          </p:cNvCxnSpPr>
-          <p:nvPr/>
-        </p:nvCxnSpPr>
-        <p:spPr>
-          <a:xfrm>
-            <a:off x="9721629" y="2528965"/>
-            <a:ext cx="307921" cy="0"/>
-          </a:xfrm>
-          <a:prstGeom prst="straightConnector1">
-            <a:avLst/>
-          </a:prstGeom>
-          <a:ln w="19050">
-            <a:solidFill>
-              <a:schemeClr val="tx1"/>
-            </a:solidFill>
-            <a:tailEnd type="triangle"/>
-          </a:ln>
-        </p:spPr>
-        <p:style>
-          <a:lnRef idx="1">
-            <a:schemeClr val="accent1"/>
-          </a:lnRef>
-          <a:fillRef idx="0">
-            <a:schemeClr val="accent1"/>
-          </a:fillRef>
-          <a:effectRef idx="0">
-            <a:schemeClr val="accent1"/>
-          </a:effectRef>
-          <a:fontRef idx="minor">
-            <a:schemeClr val="tx1"/>
-          </a:fontRef>
-        </p:style>
-      </p:cxnSp>
-      <p:sp>
-        <p:nvSpPr>
-          <p:cNvPr id="65" name="テキスト ボックス 64">
-            <a:extLst>
-              <a:ext uri="{FF2B5EF4-FFF2-40B4-BE49-F238E27FC236}">
-                <a16:creationId xmlns:a16="http://schemas.microsoft.com/office/drawing/2014/main" id="{453BE3C0-CC2B-901F-18F6-33D349109B99}"/>
+                <a16:creationId xmlns:a16="http://schemas.microsoft.com/office/drawing/2014/main" id="{C7B012D6-F97B-89B2-970E-B9B3747A321B}"/>
               </a:ext>
             </a:extLst>
           </p:cNvPr>
@@ -7046,8 +8073,8 @@
         </p:nvSpPr>
         <p:spPr>
           <a:xfrm>
-            <a:off x="1353708" y="1246898"/>
-            <a:ext cx="4423368" cy="1015663"/>
+            <a:off x="8999409" y="1953554"/>
+            <a:ext cx="1278929" cy="369332"/>
           </a:xfrm>
           <a:prstGeom prst="rect">
             <a:avLst/>
@@ -7061,874 +8088,176 @@
           <a:lstStyle/>
           <a:p>
             <a:r>
-              <a:rPr lang="ja-JP" altLang="en-US" sz="2000" b="1" dirty="0">
-                <a:latin typeface="+mn-ea"/>
-              </a:rPr>
-              <a:t>星間分子雲</a:t>
-            </a:r>
-            <a:endParaRPr lang="en-US" altLang="ja-JP" sz="2000" b="1" dirty="0">
-              <a:latin typeface="+mn-ea"/>
-            </a:endParaRPr>
-          </a:p>
-          <a:p>
-            <a:r>
-              <a:rPr lang="ja-JP" altLang="en-US" sz="2000" dirty="0">
-                <a:latin typeface="+mn-ea"/>
-              </a:rPr>
-              <a:t>宇宙空間において星の前駆体であり、</a:t>
-            </a:r>
-            <a:endParaRPr lang="en-US" altLang="ja-JP" sz="2000" dirty="0">
-              <a:latin typeface="+mn-ea"/>
-            </a:endParaRPr>
-          </a:p>
-          <a:p>
-            <a:r>
-              <a:rPr lang="ja-JP" altLang="en-US" sz="2000" dirty="0">
-                <a:latin typeface="+mn-ea"/>
-              </a:rPr>
-              <a:t>多数の分子が生成している</a:t>
-            </a:r>
-            <a:endParaRPr lang="en-US" altLang="ja-JP" sz="2000" dirty="0">
-              <a:latin typeface="+mn-ea"/>
-            </a:endParaRPr>
+              <a:rPr kumimoji="1" lang="ja-JP" altLang="en-US" dirty="0"/>
+              <a:t>・・・</a:t>
+            </a:r>
+            <a:endParaRPr kumimoji="1" lang="en-US" altLang="ja-JP" dirty="0"/>
           </a:p>
         </p:txBody>
       </p:sp>
-      <p:sp>
-        <p:nvSpPr>
-          <p:cNvPr id="73" name="テキスト ボックス 72">
+      <mc:AlternateContent xmlns:mc="http://schemas.openxmlformats.org/markup-compatibility/2006">
+        <mc:Choice xmlns:a14="http://schemas.microsoft.com/office/drawing/2010/main" Requires="a14">
+          <p:sp>
+            <p:nvSpPr>
+              <p:cNvPr id="38" name="テキスト ボックス 37">
+                <a:extLst>
+                  <a:ext uri="{FF2B5EF4-FFF2-40B4-BE49-F238E27FC236}">
+                    <a16:creationId xmlns:a16="http://schemas.microsoft.com/office/drawing/2014/main" id="{7D573EB5-8A27-9E7C-1A76-9193BE39BCF8}"/>
+                  </a:ext>
+                </a:extLst>
+              </p:cNvPr>
+              <p:cNvSpPr txBox="1"/>
+              <p:nvPr/>
+            </p:nvSpPr>
+            <p:spPr>
+              <a:xfrm>
+                <a:off x="8543766" y="4220021"/>
+                <a:ext cx="1095107" cy="369332"/>
+              </a:xfrm>
+              <a:prstGeom prst="rect">
+                <a:avLst/>
+              </a:prstGeom>
+              <a:noFill/>
+              <a:ln>
+                <a:solidFill>
+                  <a:schemeClr val="tx1"/>
+                </a:solidFill>
+              </a:ln>
+            </p:spPr>
+            <p:txBody>
+              <a:bodyPr wrap="none" rtlCol="0">
+                <a:spAutoFit/>
+              </a:bodyPr>
+              <a:lstStyle/>
+              <a:p>
+                <a:pPr/>
+                <a14:m>
+                  <m:oMathPara xmlns:m="http://schemas.openxmlformats.org/officeDocument/2006/math">
+                    <m:oMathParaPr>
+                      <m:jc m:val="centerGroup"/>
+                    </m:oMathParaPr>
+                    <m:oMath xmlns:m="http://schemas.openxmlformats.org/officeDocument/2006/math">
+                      <m:sSub>
+                        <m:sSubPr>
+                          <m:ctrlPr>
+                            <a:rPr kumimoji="1" lang="en-US" altLang="ja-JP" b="0" i="1" dirty="0" smtClean="0">
+                              <a:latin typeface="Cambria Math" panose="02040503050406030204" pitchFamily="18" charset="0"/>
+                            </a:rPr>
+                          </m:ctrlPr>
+                        </m:sSubPr>
+                        <m:e>
+                          <m:r>
+                            <m:rPr>
+                              <m:sty m:val="p"/>
+                            </m:rPr>
+                            <a:rPr kumimoji="1" lang="en-US" altLang="ja-JP" i="0" dirty="0" smtClean="0">
+                              <a:latin typeface="Cambria Math" panose="02040503050406030204" pitchFamily="18" charset="0"/>
+                            </a:rPr>
+                            <m:t>CH</m:t>
+                          </m:r>
+                        </m:e>
+                        <m:sub>
+                          <m:r>
+                            <a:rPr kumimoji="1" lang="en-US" altLang="ja-JP" b="0" i="0" dirty="0" smtClean="0">
+                              <a:latin typeface="Cambria Math" panose="02040503050406030204" pitchFamily="18" charset="0"/>
+                            </a:rPr>
+                            <m:t>2</m:t>
+                          </m:r>
+                        </m:sub>
+                      </m:sSub>
+                      <m:r>
+                        <m:rPr>
+                          <m:sty m:val="p"/>
+                        </m:rPr>
+                        <a:rPr kumimoji="1" lang="en-US" altLang="ja-JP" i="0" dirty="0" smtClean="0">
+                          <a:latin typeface="Cambria Math" panose="02040503050406030204" pitchFamily="18" charset="0"/>
+                        </a:rPr>
+                        <m:t>DOH</m:t>
+                      </m:r>
+                    </m:oMath>
+                  </m:oMathPara>
+                </a14:m>
+                <a:endParaRPr kumimoji="1" lang="en-US" altLang="ja-JP" dirty="0"/>
+              </a:p>
+            </p:txBody>
+          </p:sp>
+        </mc:Choice>
+        <mc:Fallback>
+          <p:sp>
+            <p:nvSpPr>
+              <p:cNvPr id="38" name="テキスト ボックス 37">
+                <a:extLst>
+                  <a:ext uri="{FF2B5EF4-FFF2-40B4-BE49-F238E27FC236}">
+                    <a16:creationId xmlns:a16="http://schemas.microsoft.com/office/drawing/2014/main" id="{7D573EB5-8A27-9E7C-1A76-9193BE39BCF8}"/>
+                  </a:ext>
+                </a:extLst>
+              </p:cNvPr>
+              <p:cNvSpPr txBox="1">
+                <a:spLocks noRot="1" noChangeAspect="1" noMove="1" noResize="1" noEditPoints="1" noAdjustHandles="1" noChangeArrowheads="1" noChangeShapeType="1" noTextEdit="1"/>
+              </p:cNvSpPr>
+              <p:nvPr/>
+            </p:nvSpPr>
+            <p:spPr>
+              <a:xfrm>
+                <a:off x="8543766" y="4220021"/>
+                <a:ext cx="1095107" cy="369332"/>
+              </a:xfrm>
+              <a:prstGeom prst="rect">
+                <a:avLst/>
+              </a:prstGeom>
+              <a:blipFill>
+                <a:blip r:embed="rId3"/>
+                <a:stretch>
+                  <a:fillRect/>
+                </a:stretch>
+              </a:blipFill>
+              <a:ln>
+                <a:solidFill>
+                  <a:schemeClr val="tx1"/>
+                </a:solidFill>
+              </a:ln>
+            </p:spPr>
+            <p:txBody>
+              <a:bodyPr/>
+              <a:lstStyle/>
+              <a:p>
+                <a:r>
+                  <a:rPr lang="ja-JP" altLang="en-US">
+                    <a:noFill/>
+                  </a:rPr>
+                  <a:t> </a:t>
+                </a:r>
+              </a:p>
+            </p:txBody>
+          </p:sp>
+        </mc:Fallback>
+      </mc:AlternateContent>
+      <p:cxnSp>
+        <p:nvCxnSpPr>
+          <p:cNvPr id="39" name="直線矢印コネクタ 38">
             <a:extLst>
               <a:ext uri="{FF2B5EF4-FFF2-40B4-BE49-F238E27FC236}">
-                <a16:creationId xmlns:a16="http://schemas.microsoft.com/office/drawing/2014/main" id="{1193DA08-0A1C-2C8B-A367-43C6292A4EB8}"/>
+                <a16:creationId xmlns:a16="http://schemas.microsoft.com/office/drawing/2014/main" id="{BA1EFCF8-C208-19D0-BE91-6E798BEADD53}"/>
               </a:ext>
             </a:extLst>
           </p:cNvPr>
-          <p:cNvSpPr txBox="1"/>
-          <p:nvPr/>
-        </p:nvSpPr>
-        <p:spPr>
-          <a:xfrm>
-            <a:off x="317412" y="6352780"/>
-            <a:ext cx="8293188" cy="307777"/>
-          </a:xfrm>
-          <a:prstGeom prst="rect">
-            <a:avLst/>
-          </a:prstGeom>
-          <a:noFill/>
-        </p:spPr>
-        <p:txBody>
-          <a:bodyPr wrap="square">
-            <a:spAutoFit/>
-          </a:bodyPr>
-          <a:lstStyle/>
-          <a:p>
-            <a:r>
-              <a:rPr kumimoji="1" lang="en-US" altLang="ja-JP" sz="1400" dirty="0"/>
-              <a:t>[1]N. Watanabe, N. and </a:t>
-            </a:r>
-            <a:r>
-              <a:rPr kumimoji="1" lang="en-US" altLang="ja-JP" sz="1400" dirty="0" err="1"/>
-              <a:t>Kouchi</a:t>
-            </a:r>
-            <a:r>
-              <a:rPr kumimoji="1" lang="en-US" altLang="ja-JP" sz="1400" dirty="0"/>
-              <a:t>, A., 2002, </a:t>
-            </a:r>
-            <a:r>
-              <a:rPr kumimoji="1" lang="en-US" altLang="ja-JP" sz="1400" dirty="0" err="1"/>
-              <a:t>Astrophys</a:t>
-            </a:r>
-            <a:r>
-              <a:rPr kumimoji="1" lang="en-US" altLang="ja-JP" sz="1400" dirty="0"/>
-              <a:t>. J.571, L173</a:t>
-            </a:r>
-          </a:p>
-        </p:txBody>
-      </p:sp>
-      <p:sp>
-        <p:nvSpPr>
-          <p:cNvPr id="5" name="テキスト ボックス 4">
-            <a:extLst>
-              <a:ext uri="{FF2B5EF4-FFF2-40B4-BE49-F238E27FC236}">
-                <a16:creationId xmlns:a16="http://schemas.microsoft.com/office/drawing/2014/main" id="{821EA060-BDD7-30A2-B88D-D63A6C513AEB}"/>
-              </a:ext>
-            </a:extLst>
-          </p:cNvPr>
-          <p:cNvSpPr txBox="1"/>
-          <p:nvPr/>
-        </p:nvSpPr>
-        <p:spPr>
-          <a:xfrm>
-            <a:off x="1353708" y="2289872"/>
-            <a:ext cx="4423368" cy="1015663"/>
-          </a:xfrm>
-          <a:prstGeom prst="rect">
-            <a:avLst/>
-          </a:prstGeom>
-          <a:noFill/>
-        </p:spPr>
-        <p:txBody>
-          <a:bodyPr wrap="square" rtlCol="0">
-            <a:spAutoFit/>
-          </a:bodyPr>
-          <a:lstStyle/>
-          <a:p>
-            <a:r>
-              <a:rPr lang="ja-JP" altLang="en-US" sz="2000" b="1" dirty="0">
-                <a:latin typeface="+mn-ea"/>
-              </a:rPr>
-              <a:t>重水素濃縮</a:t>
-            </a:r>
-            <a:endParaRPr lang="en-US" altLang="ja-JP" sz="2000" b="1" dirty="0">
-              <a:latin typeface="+mn-ea"/>
-            </a:endParaRPr>
-          </a:p>
-          <a:p>
-            <a:r>
-              <a:rPr lang="ja-JP" altLang="en-US" sz="2000" dirty="0">
-                <a:latin typeface="+mn-ea"/>
-              </a:rPr>
-              <a:t>分子内に含まれる</a:t>
-            </a:r>
-            <a:r>
-              <a:rPr lang="en-US" altLang="ja-JP" sz="2000" dirty="0">
-                <a:latin typeface="+mn-ea"/>
-              </a:rPr>
-              <a:t>D</a:t>
-            </a:r>
-            <a:r>
-              <a:rPr lang="ja-JP" altLang="en-US" sz="2000" dirty="0">
-                <a:latin typeface="+mn-ea"/>
-              </a:rPr>
-              <a:t>原子の割合が</a:t>
-            </a:r>
-            <a:endParaRPr lang="en-US" altLang="ja-JP" sz="2000" dirty="0">
-              <a:latin typeface="+mn-ea"/>
-            </a:endParaRPr>
-          </a:p>
-          <a:p>
-            <a:r>
-              <a:rPr lang="ja-JP" altLang="en-US" sz="2000" dirty="0">
-                <a:latin typeface="+mn-ea"/>
-              </a:rPr>
-              <a:t>たかまること</a:t>
-            </a:r>
-            <a:endParaRPr lang="en-US" altLang="ja-JP" sz="2000" dirty="0">
-              <a:latin typeface="+mn-ea"/>
-            </a:endParaRPr>
-          </a:p>
-        </p:txBody>
-      </p:sp>
-      <p:sp>
-        <p:nvSpPr>
-          <p:cNvPr id="6" name="テキスト ボックス 5">
-            <a:extLst>
-              <a:ext uri="{FF2B5EF4-FFF2-40B4-BE49-F238E27FC236}">
-                <a16:creationId xmlns:a16="http://schemas.microsoft.com/office/drawing/2014/main" id="{C13EDA80-98C1-775E-A47C-ED5AC9BB463A}"/>
-              </a:ext>
-            </a:extLst>
-          </p:cNvPr>
-          <p:cNvSpPr txBox="1"/>
-          <p:nvPr/>
-        </p:nvSpPr>
-        <p:spPr>
-          <a:xfrm>
-            <a:off x="-5401231" y="4423376"/>
-            <a:ext cx="4423368" cy="1631216"/>
-          </a:xfrm>
-          <a:prstGeom prst="rect">
-            <a:avLst/>
-          </a:prstGeom>
-          <a:noFill/>
-        </p:spPr>
-        <p:txBody>
-          <a:bodyPr wrap="square" rtlCol="0">
-            <a:spAutoFit/>
-          </a:bodyPr>
-          <a:lstStyle/>
-          <a:p>
-            <a:r>
-              <a:rPr lang="en-US" altLang="ja-JP" sz="2000" dirty="0">
-                <a:latin typeface="+mn-ea"/>
-              </a:rPr>
-              <a:t>CO</a:t>
-            </a:r>
-            <a:r>
-              <a:rPr lang="ja-JP" altLang="en-US" sz="2000" dirty="0">
-                <a:latin typeface="+mn-ea"/>
-              </a:rPr>
-              <a:t>分子と</a:t>
-            </a:r>
-            <a:r>
-              <a:rPr lang="en-US" altLang="ja-JP" sz="2000" dirty="0">
-                <a:latin typeface="+mn-ea"/>
-              </a:rPr>
-              <a:t>H/D</a:t>
-            </a:r>
-            <a:r>
-              <a:rPr lang="ja-JP" altLang="en-US" sz="2000" dirty="0">
-                <a:latin typeface="+mn-ea"/>
-              </a:rPr>
-              <a:t>原子から、メタノール生成するまで反応経路を予測する。</a:t>
-            </a:r>
-            <a:endParaRPr lang="en-US" altLang="ja-JP" sz="2000" dirty="0">
-              <a:latin typeface="+mn-ea"/>
-            </a:endParaRPr>
-          </a:p>
-          <a:p>
-            <a:r>
-              <a:rPr lang="ja-JP" altLang="en-US" sz="2000" dirty="0">
-                <a:latin typeface="+mn-ea"/>
-              </a:rPr>
-              <a:t>氷表面での重水素濃縮</a:t>
-            </a:r>
-            <a:r>
-              <a:rPr lang="en-US" altLang="ja-JP" sz="2000" dirty="0">
-                <a:latin typeface="+mn-ea"/>
-              </a:rPr>
-              <a:t>[1]</a:t>
-            </a:r>
-            <a:r>
-              <a:rPr lang="ja-JP" altLang="en-US" sz="2000" dirty="0">
-                <a:latin typeface="+mn-ea"/>
-              </a:rPr>
-              <a:t>のメカニズムを解明し、付加反応の経路を調べる。</a:t>
-            </a:r>
-            <a:endParaRPr kumimoji="1" lang="ja-JP" altLang="en-US" sz="2000" dirty="0">
-              <a:latin typeface="+mn-ea"/>
-            </a:endParaRPr>
-          </a:p>
-        </p:txBody>
-      </p:sp>
-      <p:sp>
-        <p:nvSpPr>
-          <p:cNvPr id="7" name="テキスト ボックス 6">
-            <a:extLst>
-              <a:ext uri="{FF2B5EF4-FFF2-40B4-BE49-F238E27FC236}">
-                <a16:creationId xmlns:a16="http://schemas.microsoft.com/office/drawing/2014/main" id="{3596B510-CCEC-F32F-E20D-85513C3712D4}"/>
-              </a:ext>
-            </a:extLst>
-          </p:cNvPr>
-          <p:cNvSpPr txBox="1"/>
-          <p:nvPr/>
-        </p:nvSpPr>
-        <p:spPr>
-          <a:xfrm>
-            <a:off x="1352674" y="4055749"/>
-            <a:ext cx="5262064" cy="1015663"/>
-          </a:xfrm>
-          <a:prstGeom prst="rect">
-            <a:avLst/>
-          </a:prstGeom>
-          <a:noFill/>
-        </p:spPr>
-        <p:txBody>
-          <a:bodyPr wrap="square" rtlCol="0">
-            <a:spAutoFit/>
-          </a:bodyPr>
-          <a:lstStyle/>
-          <a:p>
-            <a:r>
-              <a:rPr lang="ja-JP" altLang="en-US" sz="2000" b="1" dirty="0">
-                <a:latin typeface="+mn-ea"/>
-              </a:rPr>
-              <a:t>反応経路</a:t>
-            </a:r>
-            <a:endParaRPr lang="en-US" altLang="ja-JP" sz="2000" b="1" dirty="0">
-              <a:latin typeface="+mn-ea"/>
-            </a:endParaRPr>
-          </a:p>
-          <a:p>
-            <a:r>
-              <a:rPr lang="ja-JP" altLang="en-US" sz="2000" dirty="0">
-                <a:latin typeface="+mn-ea"/>
-              </a:rPr>
-              <a:t>メタノールは氷微粒子表面において、</a:t>
-            </a:r>
-            <a:r>
-              <a:rPr lang="en-US" altLang="ja-JP" sz="2000" dirty="0">
-                <a:latin typeface="+mn-ea"/>
-              </a:rPr>
-              <a:t>CO</a:t>
-            </a:r>
-            <a:r>
-              <a:rPr lang="ja-JP" altLang="en-US" sz="2000" dirty="0">
-                <a:latin typeface="+mn-ea"/>
-              </a:rPr>
-              <a:t>分子と</a:t>
-            </a:r>
-            <a:r>
-              <a:rPr lang="en-US" altLang="ja-JP" sz="2000" dirty="0">
-                <a:latin typeface="+mn-ea"/>
-              </a:rPr>
-              <a:t>H(D)</a:t>
-            </a:r>
-            <a:r>
-              <a:rPr lang="ja-JP" altLang="en-US" sz="2000" dirty="0">
-                <a:latin typeface="+mn-ea"/>
-              </a:rPr>
-              <a:t>原子の逐次反応によって生成</a:t>
-            </a:r>
-            <a:endParaRPr lang="en-US" altLang="ja-JP" sz="2000" dirty="0">
-              <a:latin typeface="+mn-ea"/>
-            </a:endParaRPr>
-          </a:p>
-        </p:txBody>
-      </p:sp>
-      <p:sp>
-        <p:nvSpPr>
-          <p:cNvPr id="18" name="テキスト ボックス 17">
-            <a:extLst>
-              <a:ext uri="{FF2B5EF4-FFF2-40B4-BE49-F238E27FC236}">
-                <a16:creationId xmlns:a16="http://schemas.microsoft.com/office/drawing/2014/main" id="{3ED51DC2-F178-2C83-0313-4B03EAD32581}"/>
-              </a:ext>
-            </a:extLst>
-          </p:cNvPr>
-          <p:cNvSpPr txBox="1"/>
-          <p:nvPr/>
-        </p:nvSpPr>
-        <p:spPr>
-          <a:xfrm>
-            <a:off x="1352674" y="5074959"/>
-            <a:ext cx="4844466" cy="1015663"/>
-          </a:xfrm>
-          <a:prstGeom prst="rect">
-            <a:avLst/>
-          </a:prstGeom>
-          <a:noFill/>
-        </p:spPr>
-        <p:txBody>
-          <a:bodyPr wrap="square" rtlCol="0">
-            <a:spAutoFit/>
-          </a:bodyPr>
-          <a:lstStyle/>
-          <a:p>
-            <a:r>
-              <a:rPr lang="ja-JP" altLang="en-US" sz="2000" b="1" dirty="0">
-                <a:latin typeface="+mn-ea"/>
-              </a:rPr>
-              <a:t>目的</a:t>
-            </a:r>
-            <a:endParaRPr lang="en-US" altLang="ja-JP" sz="2000" b="1" dirty="0">
-              <a:latin typeface="+mn-ea"/>
-            </a:endParaRPr>
-          </a:p>
-          <a:p>
-            <a:r>
-              <a:rPr lang="ja-JP" altLang="en-US" sz="2000" dirty="0">
-                <a:latin typeface="+mn-ea"/>
-              </a:rPr>
-              <a:t>氷表面でのメタノール生成過程における同位体効果を解明する</a:t>
-            </a:r>
-            <a:endParaRPr lang="en-US" altLang="ja-JP" sz="2000" dirty="0">
-              <a:latin typeface="+mn-ea"/>
-            </a:endParaRPr>
-          </a:p>
-        </p:txBody>
-      </p:sp>
-    </p:spTree>
-    <p:extLst>
-      <p:ext uri="{BB962C8B-B14F-4D97-AF65-F5344CB8AC3E}">
-        <p14:creationId xmlns:p14="http://schemas.microsoft.com/office/powerpoint/2010/main" val="3585183098"/>
-      </p:ext>
-    </p:extLst>
-  </p:cSld>
-  <p:clrMapOvr>
-    <a:masterClrMapping/>
-  </p:clrMapOvr>
-</p:sld>
-</file>
-
-<file path=ppt/slides/slide3.xml><?xml version="1.0" encoding="utf-8"?>
-<p:sld xmlns:a="http://schemas.openxmlformats.org/drawingml/2006/main" xmlns:r="http://schemas.openxmlformats.org/officeDocument/2006/relationships" xmlns:p="http://schemas.openxmlformats.org/presentationml/2006/main">
-  <p:cSld>
-    <p:spTree>
-      <p:nvGrpSpPr>
-        <p:cNvPr id="1" name=""/>
-        <p:cNvGrpSpPr/>
-        <p:nvPr/>
-      </p:nvGrpSpPr>
-      <p:grpSpPr>
-        <a:xfrm>
-          <a:off x="0" y="0"/>
-          <a:ext cx="0" cy="0"/>
-          <a:chOff x="0" y="0"/>
-          <a:chExt cx="0" cy="0"/>
-        </a:xfrm>
-      </p:grpSpPr>
-      <p:sp>
-        <p:nvSpPr>
-          <p:cNvPr id="2" name="スライド番号プレースホルダー 1">
-            <a:extLst>
-              <a:ext uri="{FF2B5EF4-FFF2-40B4-BE49-F238E27FC236}">
-                <a16:creationId xmlns:a16="http://schemas.microsoft.com/office/drawing/2014/main" id="{F10FA19E-B58F-696E-9107-B1398F244FD7}"/>
-              </a:ext>
-            </a:extLst>
-          </p:cNvPr>
-          <p:cNvSpPr>
-            <a:spLocks noGrp="1"/>
-          </p:cNvSpPr>
-          <p:nvPr>
-            <p:ph type="sldNum" sz="quarter" idx="12"/>
-          </p:nvPr>
-        </p:nvSpPr>
-        <p:spPr/>
-        <p:txBody>
-          <a:bodyPr/>
-          <a:lstStyle/>
-          <a:p>
-            <a:fld id="{ECBD650F-6923-4A4C-ADE2-BB0B86E7CCFF}" type="slidenum">
-              <a:rPr lang="zh-CN" altLang="en-US" smtClean="0"/>
-              <a:t>3</a:t>
-            </a:fld>
-            <a:endParaRPr lang="zh-CN" altLang="en-US"/>
-          </a:p>
-        </p:txBody>
-      </p:sp>
-      <p:sp>
-        <p:nvSpPr>
-          <p:cNvPr id="3" name="テキスト ボックス 2">
-            <a:extLst>
-              <a:ext uri="{FF2B5EF4-FFF2-40B4-BE49-F238E27FC236}">
-                <a16:creationId xmlns:a16="http://schemas.microsoft.com/office/drawing/2014/main" id="{C859F3C0-E40E-DEF9-BA33-CC0F659D4D3A}"/>
-              </a:ext>
-            </a:extLst>
-          </p:cNvPr>
-          <p:cNvSpPr txBox="1"/>
-          <p:nvPr/>
-        </p:nvSpPr>
-        <p:spPr>
-          <a:xfrm>
-            <a:off x="1353707" y="1246898"/>
-            <a:ext cx="9392069" cy="707886"/>
-          </a:xfrm>
-          <a:prstGeom prst="rect">
-            <a:avLst/>
-          </a:prstGeom>
-          <a:noFill/>
-        </p:spPr>
-        <p:txBody>
-          <a:bodyPr wrap="square" rtlCol="0">
-            <a:spAutoFit/>
-          </a:bodyPr>
-          <a:lstStyle/>
-          <a:p>
-            <a:r>
-              <a:rPr kumimoji="1" lang="ja-JP" altLang="en-US" sz="2000" dirty="0">
-                <a:latin typeface="BIZ UDPゴシック" panose="020B0400000000000000" pitchFamily="50" charset="-128"/>
-                <a:ea typeface="BIZ UDPゴシック" panose="020B0400000000000000" pitchFamily="50" charset="-128"/>
-              </a:rPr>
-              <a:t>通常の計算手法では</a:t>
-            </a:r>
-            <a:r>
-              <a:rPr kumimoji="1" lang="en-US" altLang="ja-JP" sz="2000" dirty="0">
-                <a:latin typeface="BIZ UDPゴシック" panose="020B0400000000000000" pitchFamily="50" charset="-128"/>
-                <a:ea typeface="BIZ UDPゴシック" panose="020B0400000000000000" pitchFamily="50" charset="-128"/>
-              </a:rPr>
-              <a:t>H</a:t>
-            </a:r>
-            <a:r>
-              <a:rPr kumimoji="1" lang="ja-JP" altLang="en-US" sz="2000" dirty="0">
-                <a:latin typeface="BIZ UDPゴシック" panose="020B0400000000000000" pitchFamily="50" charset="-128"/>
-                <a:ea typeface="BIZ UDPゴシック" panose="020B0400000000000000" pitchFamily="50" charset="-128"/>
-              </a:rPr>
-              <a:t>原子と</a:t>
-            </a:r>
-            <a:r>
-              <a:rPr kumimoji="1" lang="en-US" altLang="ja-JP" sz="2000" dirty="0">
-                <a:latin typeface="BIZ UDPゴシック" panose="020B0400000000000000" pitchFamily="50" charset="-128"/>
-                <a:ea typeface="BIZ UDPゴシック" panose="020B0400000000000000" pitchFamily="50" charset="-128"/>
-              </a:rPr>
-              <a:t>D</a:t>
-            </a:r>
-            <a:r>
-              <a:rPr kumimoji="1" lang="ja-JP" altLang="en-US" sz="2000" dirty="0">
-                <a:latin typeface="BIZ UDPゴシック" panose="020B0400000000000000" pitchFamily="50" charset="-128"/>
-                <a:ea typeface="BIZ UDPゴシック" panose="020B0400000000000000" pitchFamily="50" charset="-128"/>
-              </a:rPr>
-              <a:t>原子の量子効果を区別できない</a:t>
-            </a:r>
-            <a:endParaRPr kumimoji="1" lang="en-US" altLang="ja-JP" sz="2000" dirty="0">
-              <a:latin typeface="BIZ UDPゴシック" panose="020B0400000000000000" pitchFamily="50" charset="-128"/>
-              <a:ea typeface="BIZ UDPゴシック" panose="020B0400000000000000" pitchFamily="50" charset="-128"/>
-            </a:endParaRPr>
-          </a:p>
-          <a:p>
-            <a:r>
-              <a:rPr kumimoji="1" lang="en-US" altLang="ja-JP" sz="2000" dirty="0">
-                <a:latin typeface="BIZ UDPゴシック" panose="020B0400000000000000" pitchFamily="50" charset="-128"/>
-                <a:ea typeface="BIZ UDPゴシック" panose="020B0400000000000000" pitchFamily="50" charset="-128"/>
-              </a:rPr>
-              <a:t>H</a:t>
-            </a:r>
-            <a:r>
-              <a:rPr kumimoji="1" lang="ja-JP" altLang="en-US" sz="2000" dirty="0">
-                <a:latin typeface="BIZ UDPゴシック" panose="020B0400000000000000" pitchFamily="50" charset="-128"/>
-                <a:ea typeface="BIZ UDPゴシック" panose="020B0400000000000000" pitchFamily="50" charset="-128"/>
-              </a:rPr>
-              <a:t>原子と</a:t>
-            </a:r>
-            <a:r>
-              <a:rPr kumimoji="1" lang="en-US" altLang="ja-JP" sz="2000" dirty="0">
-                <a:latin typeface="BIZ UDPゴシック" panose="020B0400000000000000" pitchFamily="50" charset="-128"/>
-                <a:ea typeface="BIZ UDPゴシック" panose="020B0400000000000000" pitchFamily="50" charset="-128"/>
-              </a:rPr>
-              <a:t>D</a:t>
-            </a:r>
-            <a:r>
-              <a:rPr kumimoji="1" lang="ja-JP" altLang="en-US" sz="2000" dirty="0">
-                <a:latin typeface="BIZ UDPゴシック" panose="020B0400000000000000" pitchFamily="50" charset="-128"/>
-                <a:ea typeface="BIZ UDPゴシック" panose="020B0400000000000000" pitchFamily="50" charset="-128"/>
-              </a:rPr>
-              <a:t>原子の量子効果を調べるために</a:t>
-            </a:r>
-            <a:r>
-              <a:rPr kumimoji="1" lang="en-US" altLang="ja-JP" sz="2000" dirty="0">
-                <a:latin typeface="BIZ UDPゴシック" panose="020B0400000000000000" pitchFamily="50" charset="-128"/>
-                <a:ea typeface="BIZ UDPゴシック" panose="020B0400000000000000" pitchFamily="50" charset="-128"/>
-              </a:rPr>
-              <a:t>CPLB</a:t>
-            </a:r>
-            <a:r>
-              <a:rPr kumimoji="1" lang="ja-JP" altLang="en-US" sz="2000" dirty="0">
-                <a:latin typeface="BIZ UDPゴシック" panose="020B0400000000000000" pitchFamily="50" charset="-128"/>
-                <a:ea typeface="BIZ UDPゴシック" panose="020B0400000000000000" pitchFamily="50" charset="-128"/>
-              </a:rPr>
-              <a:t>法を使う</a:t>
-            </a:r>
-          </a:p>
-        </p:txBody>
-      </p:sp>
-      <p:sp>
-        <p:nvSpPr>
-          <p:cNvPr id="21" name="テキスト ボックス 20">
-            <a:extLst>
-              <a:ext uri="{FF2B5EF4-FFF2-40B4-BE49-F238E27FC236}">
-                <a16:creationId xmlns:a16="http://schemas.microsoft.com/office/drawing/2014/main" id="{F77670C0-92A4-9BD0-8189-18D424208806}"/>
-              </a:ext>
-            </a:extLst>
-          </p:cNvPr>
-          <p:cNvSpPr txBox="1"/>
-          <p:nvPr/>
-        </p:nvSpPr>
-        <p:spPr>
-          <a:xfrm>
-            <a:off x="792456" y="422306"/>
-            <a:ext cx="1005403" cy="584775"/>
-          </a:xfrm>
-          <a:prstGeom prst="rect">
-            <a:avLst/>
-          </a:prstGeom>
-          <a:noFill/>
-        </p:spPr>
-        <p:txBody>
-          <a:bodyPr wrap="none" rtlCol="0">
-            <a:spAutoFit/>
-          </a:bodyPr>
-          <a:lstStyle/>
-          <a:p>
-            <a:r>
-              <a:rPr kumimoji="1" lang="ja-JP" altLang="en-US" sz="3200" dirty="0">
-                <a:latin typeface="BIZ UDPゴシック" panose="020B0400000000000000" pitchFamily="50" charset="-128"/>
-                <a:ea typeface="BIZ UDPゴシック" panose="020B0400000000000000" pitchFamily="50" charset="-128"/>
-              </a:rPr>
-              <a:t>手法</a:t>
-            </a:r>
-          </a:p>
-        </p:txBody>
-      </p:sp>
-      <p:sp>
-        <p:nvSpPr>
-          <p:cNvPr id="22" name="四角形: 角を丸くする 21">
-            <a:extLst>
-              <a:ext uri="{FF2B5EF4-FFF2-40B4-BE49-F238E27FC236}">
-                <a16:creationId xmlns:a16="http://schemas.microsoft.com/office/drawing/2014/main" id="{C9B86A37-F16B-16CF-E660-75D4EC44297C}"/>
-              </a:ext>
-            </a:extLst>
-          </p:cNvPr>
-          <p:cNvSpPr/>
-          <p:nvPr/>
-        </p:nvSpPr>
-        <p:spPr>
-          <a:xfrm>
-            <a:off x="2681189" y="2452074"/>
-            <a:ext cx="1317997" cy="707886"/>
-          </a:xfrm>
-          <a:prstGeom prst="roundRect">
-            <a:avLst/>
-          </a:prstGeom>
-          <a:solidFill>
-            <a:schemeClr val="accent1">
-              <a:lumMod val="60000"/>
-              <a:lumOff val="40000"/>
-            </a:schemeClr>
-          </a:solidFill>
-          <a:ln>
-            <a:solidFill>
-              <a:schemeClr val="bg1"/>
-            </a:solidFill>
-          </a:ln>
-        </p:spPr>
-        <p:style>
-          <a:lnRef idx="2">
-            <a:schemeClr val="accent1">
-              <a:shade val="15000"/>
-            </a:schemeClr>
-          </a:lnRef>
-          <a:fillRef idx="1">
-            <a:schemeClr val="accent1"/>
-          </a:fillRef>
-          <a:effectRef idx="0">
-            <a:schemeClr val="accent1"/>
-          </a:effectRef>
-          <a:fontRef idx="minor">
-            <a:schemeClr val="lt1"/>
-          </a:fontRef>
-        </p:style>
-        <p:txBody>
-          <a:bodyPr rtlCol="0" anchor="ctr"/>
-          <a:lstStyle/>
-          <a:p>
-            <a:pPr algn="ctr"/>
-            <a:r>
-              <a:rPr kumimoji="1" lang="ja-JP" altLang="en-US" dirty="0">
-                <a:solidFill>
-                  <a:schemeClr val="tx1"/>
-                </a:solidFill>
-                <a:latin typeface="BIZ UDPゴシック" panose="020B0400000000000000" pitchFamily="50" charset="-128"/>
-                <a:ea typeface="BIZ UDPゴシック" panose="020B0400000000000000" pitchFamily="50" charset="-128"/>
-              </a:rPr>
-              <a:t>通常計算手法</a:t>
-            </a:r>
-          </a:p>
-        </p:txBody>
-      </p:sp>
-      <p:sp>
-        <p:nvSpPr>
-          <p:cNvPr id="24" name="四角形: 角を丸くする 23">
-            <a:extLst>
-              <a:ext uri="{FF2B5EF4-FFF2-40B4-BE49-F238E27FC236}">
-                <a16:creationId xmlns:a16="http://schemas.microsoft.com/office/drawing/2014/main" id="{25895756-7B84-28DC-65B6-9B9D73178041}"/>
-              </a:ext>
-            </a:extLst>
-          </p:cNvPr>
-          <p:cNvSpPr/>
-          <p:nvPr/>
-        </p:nvSpPr>
-        <p:spPr>
-          <a:xfrm>
-            <a:off x="8074047" y="2452074"/>
-            <a:ext cx="1317997" cy="707886"/>
-          </a:xfrm>
-          <a:prstGeom prst="roundRect">
-            <a:avLst/>
-          </a:prstGeom>
-          <a:solidFill>
-            <a:schemeClr val="accent1">
-              <a:lumMod val="60000"/>
-              <a:lumOff val="40000"/>
-            </a:schemeClr>
-          </a:solidFill>
-          <a:ln>
-            <a:solidFill>
-              <a:schemeClr val="bg1"/>
-            </a:solidFill>
-          </a:ln>
-        </p:spPr>
-        <p:style>
-          <a:lnRef idx="2">
-            <a:schemeClr val="accent1">
-              <a:shade val="15000"/>
-            </a:schemeClr>
-          </a:lnRef>
-          <a:fillRef idx="1">
-            <a:schemeClr val="accent1"/>
-          </a:fillRef>
-          <a:effectRef idx="0">
-            <a:schemeClr val="accent1"/>
-          </a:effectRef>
-          <a:fontRef idx="minor">
-            <a:schemeClr val="lt1"/>
-          </a:fontRef>
-        </p:style>
-        <p:txBody>
-          <a:bodyPr rtlCol="0" anchor="ctr"/>
-          <a:lstStyle/>
-          <a:p>
-            <a:pPr algn="ctr"/>
-            <a:r>
-              <a:rPr kumimoji="1" lang="en-US" altLang="ja-JP" dirty="0">
-                <a:solidFill>
-                  <a:schemeClr val="tx1"/>
-                </a:solidFill>
-              </a:rPr>
-              <a:t>CPLB</a:t>
-            </a:r>
-            <a:endParaRPr kumimoji="1" lang="ja-JP" altLang="en-US" dirty="0">
-              <a:solidFill>
-                <a:schemeClr val="tx1"/>
-              </a:solidFill>
-            </a:endParaRPr>
-          </a:p>
-        </p:txBody>
-      </p:sp>
-      <p:sp>
-        <p:nvSpPr>
-          <p:cNvPr id="27" name="フローチャート: 結合子 26">
-            <a:extLst>
-              <a:ext uri="{FF2B5EF4-FFF2-40B4-BE49-F238E27FC236}">
-                <a16:creationId xmlns:a16="http://schemas.microsoft.com/office/drawing/2014/main" id="{BBA9399A-F229-2C36-BF00-8C7E3D8303F8}"/>
-              </a:ext>
-            </a:extLst>
-          </p:cNvPr>
-          <p:cNvSpPr/>
-          <p:nvPr/>
-        </p:nvSpPr>
-        <p:spPr>
-          <a:xfrm>
-            <a:off x="2036905" y="3735402"/>
-            <a:ext cx="763051" cy="707886"/>
-          </a:xfrm>
-          <a:prstGeom prst="flowChartConnector">
-            <a:avLst/>
-          </a:prstGeom>
-          <a:solidFill>
-            <a:srgbClr val="00B0F0"/>
-          </a:solidFill>
-          <a:ln>
-            <a:solidFill>
-              <a:schemeClr val="tx1"/>
-            </a:solidFill>
-          </a:ln>
-        </p:spPr>
-        <p:style>
-          <a:lnRef idx="2">
-            <a:schemeClr val="accent1">
-              <a:shade val="15000"/>
-            </a:schemeClr>
-          </a:lnRef>
-          <a:fillRef idx="1">
-            <a:schemeClr val="accent1"/>
-          </a:fillRef>
-          <a:effectRef idx="0">
-            <a:schemeClr val="accent1"/>
-          </a:effectRef>
-          <a:fontRef idx="minor">
-            <a:schemeClr val="lt1"/>
-          </a:fontRef>
-        </p:style>
-        <p:txBody>
-          <a:bodyPr rtlCol="0" anchor="ctr"/>
-          <a:lstStyle/>
-          <a:p>
-            <a:pPr algn="ctr"/>
-            <a:r>
-              <a:rPr kumimoji="1" lang="en-US" altLang="ja-JP" sz="2400" dirty="0">
-                <a:solidFill>
-                  <a:schemeClr val="bg1"/>
-                </a:solidFill>
-              </a:rPr>
-              <a:t>H</a:t>
-            </a:r>
-            <a:endParaRPr kumimoji="1" lang="ja-JP" altLang="en-US" sz="2400" dirty="0">
-              <a:solidFill>
-                <a:schemeClr val="bg1"/>
-              </a:solidFill>
-            </a:endParaRPr>
-          </a:p>
-        </p:txBody>
-      </p:sp>
-      <p:sp>
-        <p:nvSpPr>
-          <p:cNvPr id="28" name="フローチャート: 結合子 27">
-            <a:extLst>
-              <a:ext uri="{FF2B5EF4-FFF2-40B4-BE49-F238E27FC236}">
-                <a16:creationId xmlns:a16="http://schemas.microsoft.com/office/drawing/2014/main" id="{62C4D0AD-B9FC-B796-829A-9F65683FFFCC}"/>
-              </a:ext>
-            </a:extLst>
-          </p:cNvPr>
-          <p:cNvSpPr/>
-          <p:nvPr/>
-        </p:nvSpPr>
-        <p:spPr>
-          <a:xfrm>
-            <a:off x="3999186" y="3735402"/>
-            <a:ext cx="763051" cy="707886"/>
-          </a:xfrm>
-          <a:prstGeom prst="flowChartConnector">
-            <a:avLst/>
-          </a:prstGeom>
-          <a:solidFill>
-            <a:schemeClr val="accent1"/>
-          </a:solidFill>
-          <a:ln>
-            <a:solidFill>
-              <a:schemeClr val="tx1"/>
-            </a:solidFill>
-          </a:ln>
-        </p:spPr>
-        <p:style>
-          <a:lnRef idx="2">
-            <a:schemeClr val="accent1">
-              <a:shade val="15000"/>
-            </a:schemeClr>
-          </a:lnRef>
-          <a:fillRef idx="1">
-            <a:schemeClr val="accent1"/>
-          </a:fillRef>
-          <a:effectRef idx="0">
-            <a:schemeClr val="accent1"/>
-          </a:effectRef>
-          <a:fontRef idx="minor">
-            <a:schemeClr val="lt1"/>
-          </a:fontRef>
-        </p:style>
-        <p:txBody>
-          <a:bodyPr rtlCol="0" anchor="ctr"/>
-          <a:lstStyle/>
-          <a:p>
-            <a:pPr algn="ctr"/>
-            <a:r>
-              <a:rPr kumimoji="1" lang="en-US" altLang="ja-JP" sz="2400" dirty="0">
-                <a:solidFill>
-                  <a:schemeClr val="bg1"/>
-                </a:solidFill>
-              </a:rPr>
-              <a:t>D</a:t>
-            </a:r>
-            <a:endParaRPr kumimoji="1" lang="ja-JP" altLang="en-US" sz="2400" dirty="0">
-              <a:solidFill>
-                <a:schemeClr val="bg1"/>
-              </a:solidFill>
-            </a:endParaRPr>
-          </a:p>
-        </p:txBody>
-      </p:sp>
-      <p:cxnSp>
-        <p:nvCxnSpPr>
-          <p:cNvPr id="37" name="直線矢印コネクタ 36">
-            <a:extLst>
-              <a:ext uri="{FF2B5EF4-FFF2-40B4-BE49-F238E27FC236}">
-                <a16:creationId xmlns:a16="http://schemas.microsoft.com/office/drawing/2014/main" id="{8AE9B949-B6D9-D86C-C34D-FAD91A813E2A}"/>
-              </a:ext>
-            </a:extLst>
-          </p:cNvPr>
-          <p:cNvCxnSpPr/>
+          <p:cNvCxnSpPr>
+            <a:cxnSpLocks/>
+          </p:cNvCxnSpPr>
           <p:nvPr/>
         </p:nvCxnSpPr>
         <p:spPr>
-          <a:xfrm>
-            <a:off x="2944999" y="4080116"/>
-            <a:ext cx="914400" cy="0"/>
+          <a:xfrm flipH="1">
+            <a:off x="9689418" y="3944129"/>
+            <a:ext cx="373173" cy="339286"/>
           </a:xfrm>
           <a:prstGeom prst="straightConnector1">
             <a:avLst/>
           </a:prstGeom>
-          <a:ln w="38100">
+          <a:ln w="28575">
             <a:solidFill>
               <a:schemeClr val="tx1"/>
             </a:solidFill>
-            <a:headEnd type="triangle"/>
             <a:tailEnd type="triangle"/>
           </a:ln>
         </p:spPr>
@@ -7947,163 +8276,32 @@
           </a:fontRef>
         </p:style>
       </p:cxnSp>
-      <p:sp>
-        <p:nvSpPr>
-          <p:cNvPr id="41" name="フローチャート: 結合子 40">
+      <p:cxnSp>
+        <p:nvCxnSpPr>
+          <p:cNvPr id="44" name="直線矢印コネクタ 43">
             <a:extLst>
               <a:ext uri="{FF2B5EF4-FFF2-40B4-BE49-F238E27FC236}">
-                <a16:creationId xmlns:a16="http://schemas.microsoft.com/office/drawing/2014/main" id="{8CB6FD75-D2F0-17C1-895C-5300C9AF0C64}"/>
+                <a16:creationId xmlns:a16="http://schemas.microsoft.com/office/drawing/2014/main" id="{13F3DFDA-5634-1E7B-C13F-2B20CC783002}"/>
               </a:ext>
             </a:extLst>
           </p:cNvPr>
-          <p:cNvSpPr/>
-          <p:nvPr/>
-        </p:nvSpPr>
-        <p:spPr>
-          <a:xfrm>
-            <a:off x="7429763" y="3735402"/>
-            <a:ext cx="763051" cy="707886"/>
-          </a:xfrm>
-          <a:prstGeom prst="flowChartConnector">
-            <a:avLst/>
-          </a:prstGeom>
-          <a:solidFill>
-            <a:srgbClr val="00B0F0"/>
-          </a:solidFill>
-          <a:ln>
-            <a:solidFill>
-              <a:schemeClr val="tx1"/>
-            </a:solidFill>
-          </a:ln>
-        </p:spPr>
-        <p:style>
-          <a:lnRef idx="2">
-            <a:schemeClr val="accent1">
-              <a:shade val="15000"/>
-            </a:schemeClr>
-          </a:lnRef>
-          <a:fillRef idx="1">
-            <a:schemeClr val="accent1"/>
-          </a:fillRef>
-          <a:effectRef idx="0">
-            <a:schemeClr val="accent1"/>
-          </a:effectRef>
-          <a:fontRef idx="minor">
-            <a:schemeClr val="lt1"/>
-          </a:fontRef>
-        </p:style>
-        <p:txBody>
-          <a:bodyPr rtlCol="0" anchor="ctr"/>
-          <a:lstStyle/>
-          <a:p>
-            <a:pPr algn="ctr"/>
-            <a:r>
-              <a:rPr kumimoji="1" lang="en-US" altLang="ja-JP" sz="2400" dirty="0">
-                <a:solidFill>
-                  <a:schemeClr val="bg1"/>
-                </a:solidFill>
-              </a:rPr>
-              <a:t>H</a:t>
-            </a:r>
-            <a:endParaRPr kumimoji="1" lang="ja-JP" altLang="en-US" sz="2400" dirty="0">
-              <a:solidFill>
-                <a:schemeClr val="bg1"/>
-              </a:solidFill>
-            </a:endParaRPr>
-          </a:p>
-        </p:txBody>
-      </p:sp>
-      <p:sp>
-        <p:nvSpPr>
-          <p:cNvPr id="42" name="フローチャート: 結合子 41">
-            <a:extLst>
-              <a:ext uri="{FF2B5EF4-FFF2-40B4-BE49-F238E27FC236}">
-                <a16:creationId xmlns:a16="http://schemas.microsoft.com/office/drawing/2014/main" id="{45B85D4B-FDEE-9CF5-2B38-8C3C94066A83}"/>
-              </a:ext>
-            </a:extLst>
-          </p:cNvPr>
-          <p:cNvSpPr/>
-          <p:nvPr/>
-        </p:nvSpPr>
-        <p:spPr>
-          <a:xfrm>
-            <a:off x="9392044" y="3735402"/>
-            <a:ext cx="763051" cy="707886"/>
-          </a:xfrm>
-          <a:prstGeom prst="flowChartConnector">
-            <a:avLst/>
-          </a:prstGeom>
-          <a:solidFill>
-            <a:schemeClr val="accent1"/>
-          </a:solidFill>
-          <a:ln>
-            <a:solidFill>
-              <a:schemeClr val="tx1"/>
-            </a:solidFill>
-          </a:ln>
-        </p:spPr>
-        <p:style>
-          <a:lnRef idx="2">
-            <a:schemeClr val="accent1">
-              <a:shade val="15000"/>
-            </a:schemeClr>
-          </a:lnRef>
-          <a:fillRef idx="1">
-            <a:schemeClr val="accent1"/>
-          </a:fillRef>
-          <a:effectRef idx="0">
-            <a:schemeClr val="accent1"/>
-          </a:effectRef>
-          <a:fontRef idx="minor">
-            <a:schemeClr val="lt1"/>
-          </a:fontRef>
-        </p:style>
-        <p:txBody>
-          <a:bodyPr rtlCol="0" anchor="ctr"/>
-          <a:lstStyle/>
-          <a:p>
-            <a:pPr algn="ctr"/>
-            <a:r>
-              <a:rPr kumimoji="1" lang="en-US" altLang="ja-JP" sz="2400" dirty="0">
-                <a:solidFill>
-                  <a:schemeClr val="bg1"/>
-                </a:solidFill>
-              </a:rPr>
-              <a:t>D</a:t>
-            </a:r>
-            <a:endParaRPr kumimoji="1" lang="ja-JP" altLang="en-US" sz="2400" dirty="0">
-              <a:solidFill>
-                <a:schemeClr val="bg1"/>
-              </a:solidFill>
-            </a:endParaRPr>
-          </a:p>
-        </p:txBody>
-      </p:sp>
-      <p:cxnSp>
-        <p:nvCxnSpPr>
-          <p:cNvPr id="43" name="直線矢印コネクタ 42">
-            <a:extLst>
-              <a:ext uri="{FF2B5EF4-FFF2-40B4-BE49-F238E27FC236}">
-                <a16:creationId xmlns:a16="http://schemas.microsoft.com/office/drawing/2014/main" id="{551D28F0-90EF-A94D-7550-311657E02A6C}"/>
-              </a:ext>
-            </a:extLst>
-          </p:cNvPr>
-          <p:cNvCxnSpPr/>
+          <p:cNvCxnSpPr>
+            <a:cxnSpLocks/>
+          </p:cNvCxnSpPr>
           <p:nvPr/>
         </p:nvCxnSpPr>
         <p:spPr>
           <a:xfrm>
-            <a:off x="8337857" y="4080116"/>
-            <a:ext cx="914400" cy="0"/>
+            <a:off x="10323868" y="3175620"/>
+            <a:ext cx="0" cy="444632"/>
           </a:xfrm>
           <a:prstGeom prst="straightConnector1">
             <a:avLst/>
           </a:prstGeom>
-          <a:ln w="38100">
+          <a:ln w="28575">
             <a:solidFill>
               <a:schemeClr val="tx1"/>
             </a:solidFill>
-            <a:headEnd type="triangle"/>
             <a:tailEnd type="triangle"/>
           </a:ln>
         </p:spPr>
@@ -8122,158 +8320,10 @@
           </a:fontRef>
         </p:style>
       </p:cxnSp>
-      <p:sp>
-        <p:nvSpPr>
-          <p:cNvPr id="44" name="テキスト ボックス 43">
-            <a:extLst>
-              <a:ext uri="{FF2B5EF4-FFF2-40B4-BE49-F238E27FC236}">
-                <a16:creationId xmlns:a16="http://schemas.microsoft.com/office/drawing/2014/main" id="{2583196E-669E-D1DF-E97E-4797466857E8}"/>
-              </a:ext>
-            </a:extLst>
-          </p:cNvPr>
-          <p:cNvSpPr txBox="1"/>
-          <p:nvPr/>
-        </p:nvSpPr>
-        <p:spPr>
-          <a:xfrm>
-            <a:off x="3235904" y="3504569"/>
-            <a:ext cx="327334" cy="461665"/>
-          </a:xfrm>
-          <a:prstGeom prst="rect">
-            <a:avLst/>
-          </a:prstGeom>
-          <a:noFill/>
-        </p:spPr>
-        <p:txBody>
-          <a:bodyPr wrap="none" rtlCol="0">
-            <a:spAutoFit/>
-          </a:bodyPr>
-          <a:lstStyle/>
-          <a:p>
-            <a:r>
-              <a:rPr kumimoji="1" lang="en-US" altLang="ja-JP" sz="2400" dirty="0"/>
-              <a:t>?</a:t>
-            </a:r>
-            <a:endParaRPr kumimoji="1" lang="ja-JP" altLang="en-US" sz="2400" dirty="0"/>
-          </a:p>
-        </p:txBody>
-      </p:sp>
-      <p:sp>
-        <p:nvSpPr>
-          <p:cNvPr id="45" name="テキスト ボックス 44">
-            <a:extLst>
-              <a:ext uri="{FF2B5EF4-FFF2-40B4-BE49-F238E27FC236}">
-                <a16:creationId xmlns:a16="http://schemas.microsoft.com/office/drawing/2014/main" id="{58BC5528-E55E-A28E-C27E-5DECC74D1116}"/>
-              </a:ext>
-            </a:extLst>
-          </p:cNvPr>
-          <p:cNvSpPr txBox="1"/>
-          <p:nvPr/>
-        </p:nvSpPr>
-        <p:spPr>
-          <a:xfrm>
-            <a:off x="8631390" y="3504569"/>
-            <a:ext cx="285656" cy="461665"/>
-          </a:xfrm>
-          <a:prstGeom prst="rect">
-            <a:avLst/>
-          </a:prstGeom>
-          <a:noFill/>
-        </p:spPr>
-        <p:txBody>
-          <a:bodyPr wrap="none" rtlCol="0">
-            <a:spAutoFit/>
-          </a:bodyPr>
-          <a:lstStyle/>
-          <a:p>
-            <a:r>
-              <a:rPr kumimoji="1" lang="en-US" altLang="ja-JP" sz="2400" dirty="0"/>
-              <a:t>!</a:t>
-            </a:r>
-            <a:endParaRPr kumimoji="1" lang="ja-JP" altLang="en-US" sz="2400" dirty="0"/>
-          </a:p>
-        </p:txBody>
-      </p:sp>
-      <p:sp>
-        <p:nvSpPr>
-          <p:cNvPr id="46" name="テキスト ボックス 45">
-            <a:extLst>
-              <a:ext uri="{FF2B5EF4-FFF2-40B4-BE49-F238E27FC236}">
-                <a16:creationId xmlns:a16="http://schemas.microsoft.com/office/drawing/2014/main" id="{F7070842-156E-BB1C-F071-BCD890645336}"/>
-              </a:ext>
-            </a:extLst>
-          </p:cNvPr>
-          <p:cNvSpPr txBox="1"/>
-          <p:nvPr/>
-        </p:nvSpPr>
-        <p:spPr>
-          <a:xfrm>
-            <a:off x="2324524" y="4834063"/>
-            <a:ext cx="2031325" cy="461665"/>
-          </a:xfrm>
-          <a:prstGeom prst="rect">
-            <a:avLst/>
-          </a:prstGeom>
-          <a:noFill/>
-        </p:spPr>
-        <p:txBody>
-          <a:bodyPr wrap="none" rtlCol="0">
-            <a:spAutoFit/>
-          </a:bodyPr>
-          <a:lstStyle/>
-          <a:p>
-            <a:r>
-              <a:rPr kumimoji="1" lang="ja-JP" altLang="en-US" sz="2400" dirty="0">
-                <a:latin typeface="BIZ UDPゴシック" panose="020B0400000000000000" pitchFamily="50" charset="-128"/>
-                <a:ea typeface="BIZ UDPゴシック" panose="020B0400000000000000" pitchFamily="50" charset="-128"/>
-              </a:rPr>
-              <a:t>区別できない</a:t>
-            </a:r>
-          </a:p>
-        </p:txBody>
-      </p:sp>
-      <p:sp>
-        <p:nvSpPr>
-          <p:cNvPr id="47" name="テキスト ボックス 46">
-            <a:extLst>
-              <a:ext uri="{FF2B5EF4-FFF2-40B4-BE49-F238E27FC236}">
-                <a16:creationId xmlns:a16="http://schemas.microsoft.com/office/drawing/2014/main" id="{DEB61A33-8F96-4356-4314-9BE0C33F34AD}"/>
-              </a:ext>
-            </a:extLst>
-          </p:cNvPr>
-          <p:cNvSpPr txBox="1"/>
-          <p:nvPr/>
-        </p:nvSpPr>
-        <p:spPr>
-          <a:xfrm>
-            <a:off x="7884094" y="4834064"/>
-            <a:ext cx="1697901" cy="461665"/>
-          </a:xfrm>
-          <a:prstGeom prst="rect">
-            <a:avLst/>
-          </a:prstGeom>
-          <a:noFill/>
-        </p:spPr>
-        <p:txBody>
-          <a:bodyPr wrap="none" rtlCol="0">
-            <a:spAutoFit/>
-          </a:bodyPr>
-          <a:lstStyle/>
-          <a:p>
-            <a:r>
-              <a:rPr kumimoji="1" lang="ja-JP" altLang="en-US" sz="2400" dirty="0">
-                <a:latin typeface="BIZ UDPゴシック" panose="020B0400000000000000" pitchFamily="50" charset="-128"/>
-                <a:ea typeface="BIZ UDPゴシック" panose="020B0400000000000000" pitchFamily="50" charset="-128"/>
-              </a:rPr>
-              <a:t>区別できる</a:t>
-            </a:r>
-          </a:p>
-        </p:txBody>
-      </p:sp>
     </p:spTree>
     <p:extLst>
       <p:ext uri="{BB962C8B-B14F-4D97-AF65-F5344CB8AC3E}">
-        <p14:creationId xmlns:p14="http://schemas.microsoft.com/office/powerpoint/2010/main" val="1014903753"/>
+        <p14:creationId xmlns:p14="http://schemas.microsoft.com/office/powerpoint/2010/main" val="2498790986"/>
       </p:ext>
     </p:extLst>
   </p:cSld>
@@ -8316,7 +8366,12 @@
             <p:ph type="sldNum" sz="quarter" idx="12"/>
           </p:nvPr>
         </p:nvSpPr>
-        <p:spPr/>
+        <p:spPr>
+          <a:xfrm>
+            <a:off x="8859759" y="6129327"/>
+            <a:ext cx="2743200" cy="365125"/>
+          </a:xfrm>
+        </p:spPr>
         <p:txBody>
           <a:bodyPr/>
           <a:lstStyle/>
@@ -8331,10 +8386,253 @@
       </p:sp>
       <p:sp>
         <p:nvSpPr>
-          <p:cNvPr id="14" name="テキスト ボックス 13">
+          <p:cNvPr id="22" name="四角形: 角を丸くする 21">
             <a:extLst>
               <a:ext uri="{FF2B5EF4-FFF2-40B4-BE49-F238E27FC236}">
-                <a16:creationId xmlns:a16="http://schemas.microsoft.com/office/drawing/2014/main" id="{52452E18-AF72-9451-25E2-F035A928642B}"/>
+                <a16:creationId xmlns:a16="http://schemas.microsoft.com/office/drawing/2014/main" id="{C9B86A37-F16B-16CF-E660-75D4EC44297C}"/>
+              </a:ext>
+            </a:extLst>
+          </p:cNvPr>
+          <p:cNvSpPr/>
+          <p:nvPr/>
+        </p:nvSpPr>
+        <p:spPr>
+          <a:xfrm>
+            <a:off x="2442143" y="2246551"/>
+            <a:ext cx="1317997" cy="707886"/>
+          </a:xfrm>
+          <a:prstGeom prst="roundRect">
+            <a:avLst/>
+          </a:prstGeom>
+          <a:solidFill>
+            <a:schemeClr val="accent1">
+              <a:lumMod val="60000"/>
+              <a:lumOff val="40000"/>
+            </a:schemeClr>
+          </a:solidFill>
+          <a:ln>
+            <a:solidFill>
+              <a:schemeClr val="bg1"/>
+            </a:solidFill>
+          </a:ln>
+        </p:spPr>
+        <p:style>
+          <a:lnRef idx="2">
+            <a:schemeClr val="accent1">
+              <a:shade val="15000"/>
+            </a:schemeClr>
+          </a:lnRef>
+          <a:fillRef idx="1">
+            <a:schemeClr val="accent1"/>
+          </a:fillRef>
+          <a:effectRef idx="0">
+            <a:schemeClr val="accent1"/>
+          </a:effectRef>
+          <a:fontRef idx="minor">
+            <a:schemeClr val="lt1"/>
+          </a:fontRef>
+        </p:style>
+        <p:txBody>
+          <a:bodyPr rtlCol="0" anchor="ctr"/>
+          <a:lstStyle/>
+          <a:p>
+            <a:pPr algn="ctr"/>
+            <a:r>
+              <a:rPr kumimoji="1" lang="ja-JP" altLang="en-US" dirty="0">
+                <a:solidFill>
+                  <a:schemeClr val="tx1"/>
+                </a:solidFill>
+                <a:latin typeface="BIZ UDPゴシック" panose="020B0400000000000000" pitchFamily="50" charset="-128"/>
+                <a:ea typeface="BIZ UDPゴシック" panose="020B0400000000000000" pitchFamily="50" charset="-128"/>
+              </a:rPr>
+              <a:t>通常計算手法</a:t>
+            </a:r>
+          </a:p>
+        </p:txBody>
+      </p:sp>
+      <p:sp>
+        <p:nvSpPr>
+          <p:cNvPr id="27" name="フローチャート: 結合子 26">
+            <a:extLst>
+              <a:ext uri="{FF2B5EF4-FFF2-40B4-BE49-F238E27FC236}">
+                <a16:creationId xmlns:a16="http://schemas.microsoft.com/office/drawing/2014/main" id="{BBA9399A-F229-2C36-BF00-8C7E3D8303F8}"/>
+              </a:ext>
+            </a:extLst>
+          </p:cNvPr>
+          <p:cNvSpPr/>
+          <p:nvPr/>
+        </p:nvSpPr>
+        <p:spPr>
+          <a:xfrm>
+            <a:off x="1797859" y="3053655"/>
+            <a:ext cx="763051" cy="707886"/>
+          </a:xfrm>
+          <a:prstGeom prst="flowChartConnector">
+            <a:avLst/>
+          </a:prstGeom>
+          <a:solidFill>
+            <a:srgbClr val="00B0F0"/>
+          </a:solidFill>
+          <a:ln>
+            <a:solidFill>
+              <a:schemeClr val="tx1"/>
+            </a:solidFill>
+          </a:ln>
+        </p:spPr>
+        <p:style>
+          <a:lnRef idx="2">
+            <a:schemeClr val="accent1">
+              <a:shade val="15000"/>
+            </a:schemeClr>
+          </a:lnRef>
+          <a:fillRef idx="1">
+            <a:schemeClr val="accent1"/>
+          </a:fillRef>
+          <a:effectRef idx="0">
+            <a:schemeClr val="accent1"/>
+          </a:effectRef>
+          <a:fontRef idx="minor">
+            <a:schemeClr val="lt1"/>
+          </a:fontRef>
+        </p:style>
+        <p:txBody>
+          <a:bodyPr rtlCol="0" anchor="ctr"/>
+          <a:lstStyle/>
+          <a:p>
+            <a:pPr algn="ctr"/>
+            <a:r>
+              <a:rPr kumimoji="1" lang="en-US" altLang="ja-JP" sz="2400" dirty="0">
+                <a:solidFill>
+                  <a:schemeClr val="bg1"/>
+                </a:solidFill>
+              </a:rPr>
+              <a:t>H</a:t>
+            </a:r>
+            <a:endParaRPr kumimoji="1" lang="ja-JP" altLang="en-US" sz="2400" dirty="0">
+              <a:solidFill>
+                <a:schemeClr val="bg1"/>
+              </a:solidFill>
+            </a:endParaRPr>
+          </a:p>
+        </p:txBody>
+      </p:sp>
+      <p:sp>
+        <p:nvSpPr>
+          <p:cNvPr id="28" name="フローチャート: 結合子 27">
+            <a:extLst>
+              <a:ext uri="{FF2B5EF4-FFF2-40B4-BE49-F238E27FC236}">
+                <a16:creationId xmlns:a16="http://schemas.microsoft.com/office/drawing/2014/main" id="{62C4D0AD-B9FC-B796-829A-9F65683FFFCC}"/>
+              </a:ext>
+            </a:extLst>
+          </p:cNvPr>
+          <p:cNvSpPr/>
+          <p:nvPr/>
+        </p:nvSpPr>
+        <p:spPr>
+          <a:xfrm>
+            <a:off x="3760140" y="3053655"/>
+            <a:ext cx="763051" cy="707886"/>
+          </a:xfrm>
+          <a:prstGeom prst="flowChartConnector">
+            <a:avLst/>
+          </a:prstGeom>
+          <a:solidFill>
+            <a:schemeClr val="accent1"/>
+          </a:solidFill>
+          <a:ln>
+            <a:solidFill>
+              <a:schemeClr val="tx1"/>
+            </a:solidFill>
+          </a:ln>
+        </p:spPr>
+        <p:style>
+          <a:lnRef idx="2">
+            <a:schemeClr val="accent1">
+              <a:shade val="15000"/>
+            </a:schemeClr>
+          </a:lnRef>
+          <a:fillRef idx="1">
+            <a:schemeClr val="accent1"/>
+          </a:fillRef>
+          <a:effectRef idx="0">
+            <a:schemeClr val="accent1"/>
+          </a:effectRef>
+          <a:fontRef idx="minor">
+            <a:schemeClr val="lt1"/>
+          </a:fontRef>
+        </p:style>
+        <p:txBody>
+          <a:bodyPr rtlCol="0" anchor="ctr"/>
+          <a:lstStyle/>
+          <a:p>
+            <a:pPr algn="ctr"/>
+            <a:r>
+              <a:rPr kumimoji="1" lang="en-US" altLang="ja-JP" sz="2400" dirty="0">
+                <a:solidFill>
+                  <a:schemeClr val="bg1"/>
+                </a:solidFill>
+              </a:rPr>
+              <a:t>D</a:t>
+            </a:r>
+            <a:endParaRPr kumimoji="1" lang="ja-JP" altLang="en-US" sz="2400" dirty="0">
+              <a:solidFill>
+                <a:schemeClr val="bg1"/>
+              </a:solidFill>
+            </a:endParaRPr>
+          </a:p>
+        </p:txBody>
+      </p:sp>
+      <p:cxnSp>
+        <p:nvCxnSpPr>
+          <p:cNvPr id="37" name="直線矢印コネクタ 36">
+            <a:extLst>
+              <a:ext uri="{FF2B5EF4-FFF2-40B4-BE49-F238E27FC236}">
+                <a16:creationId xmlns:a16="http://schemas.microsoft.com/office/drawing/2014/main" id="{8AE9B949-B6D9-D86C-C34D-FAD91A813E2A}"/>
+              </a:ext>
+            </a:extLst>
+          </p:cNvPr>
+          <p:cNvCxnSpPr>
+            <a:cxnSpLocks/>
+          </p:cNvCxnSpPr>
+          <p:nvPr/>
+        </p:nvCxnSpPr>
+        <p:spPr>
+          <a:xfrm>
+            <a:off x="2705953" y="3398369"/>
+            <a:ext cx="914400" cy="0"/>
+          </a:xfrm>
+          <a:prstGeom prst="straightConnector1">
+            <a:avLst/>
+          </a:prstGeom>
+          <a:ln w="38100">
+            <a:solidFill>
+              <a:schemeClr val="tx1"/>
+            </a:solidFill>
+            <a:headEnd type="triangle"/>
+            <a:tailEnd type="triangle"/>
+          </a:ln>
+        </p:spPr>
+        <p:style>
+          <a:lnRef idx="1">
+            <a:schemeClr val="accent1"/>
+          </a:lnRef>
+          <a:fillRef idx="0">
+            <a:schemeClr val="accent1"/>
+          </a:fillRef>
+          <a:effectRef idx="0">
+            <a:schemeClr val="accent1"/>
+          </a:effectRef>
+          <a:fontRef idx="minor">
+            <a:schemeClr val="tx1"/>
+          </a:fontRef>
+        </p:style>
+      </p:cxnSp>
+      <p:sp>
+        <p:nvSpPr>
+          <p:cNvPr id="44" name="テキスト ボックス 43">
+            <a:extLst>
+              <a:ext uri="{FF2B5EF4-FFF2-40B4-BE49-F238E27FC236}">
+                <a16:creationId xmlns:a16="http://schemas.microsoft.com/office/drawing/2014/main" id="{2583196E-669E-D1DF-E97E-4797466857E8}"/>
               </a:ext>
             </a:extLst>
           </p:cNvPr>
@@ -8343,7 +8641,174 @@
         </p:nvSpPr>
         <p:spPr>
           <a:xfrm>
-            <a:off x="1353707" y="1246898"/>
+            <a:off x="2996858" y="2936704"/>
+            <a:ext cx="327334" cy="461665"/>
+          </a:xfrm>
+          <a:prstGeom prst="rect">
+            <a:avLst/>
+          </a:prstGeom>
+          <a:noFill/>
+        </p:spPr>
+        <p:txBody>
+          <a:bodyPr wrap="square" rtlCol="0">
+            <a:spAutoFit/>
+          </a:bodyPr>
+          <a:lstStyle/>
+          <a:p>
+            <a:r>
+              <a:rPr kumimoji="1" lang="en-US" altLang="ja-JP" sz="2400" dirty="0"/>
+              <a:t>?</a:t>
+            </a:r>
+            <a:endParaRPr kumimoji="1" lang="ja-JP" altLang="en-US" sz="2400" dirty="0"/>
+          </a:p>
+        </p:txBody>
+      </p:sp>
+      <p:sp>
+        <p:nvSpPr>
+          <p:cNvPr id="46" name="テキスト ボックス 45">
+            <a:extLst>
+              <a:ext uri="{FF2B5EF4-FFF2-40B4-BE49-F238E27FC236}">
+                <a16:creationId xmlns:a16="http://schemas.microsoft.com/office/drawing/2014/main" id="{F7070842-156E-BB1C-F071-BCD890645336}"/>
+              </a:ext>
+            </a:extLst>
+          </p:cNvPr>
+          <p:cNvSpPr txBox="1"/>
+          <p:nvPr/>
+        </p:nvSpPr>
+        <p:spPr>
+          <a:xfrm>
+            <a:off x="2085478" y="3939217"/>
+            <a:ext cx="2031325" cy="461665"/>
+          </a:xfrm>
+          <a:prstGeom prst="rect">
+            <a:avLst/>
+          </a:prstGeom>
+          <a:noFill/>
+        </p:spPr>
+        <p:txBody>
+          <a:bodyPr wrap="square" rtlCol="0">
+            <a:spAutoFit/>
+          </a:bodyPr>
+          <a:lstStyle/>
+          <a:p>
+            <a:r>
+              <a:rPr kumimoji="1" lang="ja-JP" altLang="en-US" sz="2400" dirty="0">
+                <a:latin typeface="BIZ UDPゴシック" panose="020B0400000000000000" pitchFamily="50" charset="-128"/>
+                <a:ea typeface="BIZ UDPゴシック" panose="020B0400000000000000" pitchFamily="50" charset="-128"/>
+              </a:rPr>
+              <a:t>区別できない</a:t>
+            </a:r>
+          </a:p>
+        </p:txBody>
+      </p:sp>
+      <p:sp>
+        <p:nvSpPr>
+          <p:cNvPr id="47" name="テキスト ボックス 46">
+            <a:extLst>
+              <a:ext uri="{FF2B5EF4-FFF2-40B4-BE49-F238E27FC236}">
+                <a16:creationId xmlns:a16="http://schemas.microsoft.com/office/drawing/2014/main" id="{DEB61A33-8F96-4356-4314-9BE0C33F34AD}"/>
+              </a:ext>
+            </a:extLst>
+          </p:cNvPr>
+          <p:cNvSpPr txBox="1"/>
+          <p:nvPr/>
+        </p:nvSpPr>
+        <p:spPr>
+          <a:xfrm>
+            <a:off x="7645048" y="3939218"/>
+            <a:ext cx="1697901" cy="461665"/>
+          </a:xfrm>
+          <a:prstGeom prst="rect">
+            <a:avLst/>
+          </a:prstGeom>
+          <a:noFill/>
+        </p:spPr>
+        <p:txBody>
+          <a:bodyPr wrap="none" rtlCol="0">
+            <a:spAutoFit/>
+          </a:bodyPr>
+          <a:lstStyle/>
+          <a:p>
+            <a:r>
+              <a:rPr kumimoji="1" lang="ja-JP" altLang="en-US" sz="2400" dirty="0">
+                <a:latin typeface="BIZ UDPゴシック" panose="020B0400000000000000" pitchFamily="50" charset="-128"/>
+                <a:ea typeface="BIZ UDPゴシック" panose="020B0400000000000000" pitchFamily="50" charset="-128"/>
+              </a:rPr>
+              <a:t>区別できる</a:t>
+            </a:r>
+          </a:p>
+        </p:txBody>
+      </p:sp>
+      <p:sp>
+        <p:nvSpPr>
+          <p:cNvPr id="4" name="テキスト ボックス 3">
+            <a:extLst>
+              <a:ext uri="{FF2B5EF4-FFF2-40B4-BE49-F238E27FC236}">
+                <a16:creationId xmlns:a16="http://schemas.microsoft.com/office/drawing/2014/main" id="{9AA17BE4-2179-C90A-F547-B405C95F62BA}"/>
+              </a:ext>
+            </a:extLst>
+          </p:cNvPr>
+          <p:cNvSpPr txBox="1"/>
+          <p:nvPr/>
+        </p:nvSpPr>
+        <p:spPr>
+          <a:xfrm>
+            <a:off x="4304268" y="4366938"/>
+            <a:ext cx="3194555" cy="400110"/>
+          </a:xfrm>
+          <a:prstGeom prst="rect">
+            <a:avLst/>
+          </a:prstGeom>
+          <a:noFill/>
+        </p:spPr>
+        <p:txBody>
+          <a:bodyPr wrap="square" rtlCol="0">
+            <a:spAutoFit/>
+          </a:bodyPr>
+          <a:lstStyle/>
+          <a:p>
+            <a:r>
+              <a:rPr lang="ja-JP" altLang="en-US" sz="2000" dirty="0">
+                <a:solidFill>
+                  <a:srgbClr val="FF0000"/>
+                </a:solidFill>
+                <a:latin typeface="+mn-ea"/>
+              </a:rPr>
+              <a:t>➡ </a:t>
+            </a:r>
+            <a:r>
+              <a:rPr lang="ja-JP" altLang="en-US" sz="2000" b="1" dirty="0">
+                <a:solidFill>
+                  <a:srgbClr val="FF0000"/>
+                </a:solidFill>
+                <a:latin typeface="+mn-ea"/>
+              </a:rPr>
+              <a:t>最適な基底関数が不明</a:t>
+            </a:r>
+            <a:endParaRPr lang="en-US" altLang="ja-JP" sz="2000" b="1" dirty="0">
+              <a:solidFill>
+                <a:srgbClr val="FF0000"/>
+              </a:solidFill>
+              <a:latin typeface="+mn-ea"/>
+            </a:endParaRPr>
+          </a:p>
+        </p:txBody>
+      </p:sp>
+      <p:sp>
+        <p:nvSpPr>
+          <p:cNvPr id="6" name="テキスト ボックス 5">
+            <a:extLst>
+              <a:ext uri="{FF2B5EF4-FFF2-40B4-BE49-F238E27FC236}">
+                <a16:creationId xmlns:a16="http://schemas.microsoft.com/office/drawing/2014/main" id="{F0A049D2-00CD-B9D9-E6D0-00FF91F5868C}"/>
+              </a:ext>
+            </a:extLst>
+          </p:cNvPr>
+          <p:cNvSpPr txBox="1"/>
+          <p:nvPr/>
+        </p:nvSpPr>
+        <p:spPr>
+          <a:xfrm>
+            <a:off x="1353708" y="5293190"/>
             <a:ext cx="9095677" cy="461665"/>
           </a:xfrm>
           <a:prstGeom prst="rect">
@@ -8362,7 +8827,7 @@
                 <a:latin typeface="BIZ UDPゴシック" panose="020B0400000000000000" pitchFamily="50" charset="-128"/>
                 <a:ea typeface="BIZ UDPゴシック" panose="020B0400000000000000" pitchFamily="50" charset="-128"/>
               </a:rPr>
-              <a:t>高精度手法の結果に近い汎関数と基底関数を見出す</a:t>
+              <a:t>現在高精度手法の結果に近い汎関数と基底関数を調べている</a:t>
             </a:r>
             <a:endParaRPr lang="en-US" altLang="ja-JP" sz="2400" dirty="0">
               <a:latin typeface="BIZ UDPゴシック" panose="020B0400000000000000" pitchFamily="50" charset="-128"/>
@@ -8373,10 +8838,333 @@
       </p:sp>
       <p:sp>
         <p:nvSpPr>
-          <p:cNvPr id="21" name="テキスト ボックス 20">
+          <p:cNvPr id="7" name="テキスト ボックス 6">
             <a:extLst>
               <a:ext uri="{FF2B5EF4-FFF2-40B4-BE49-F238E27FC236}">
-                <a16:creationId xmlns:a16="http://schemas.microsoft.com/office/drawing/2014/main" id="{C76062E3-A42F-B604-5C75-EB611B9733EA}"/>
+                <a16:creationId xmlns:a16="http://schemas.microsoft.com/office/drawing/2014/main" id="{908856FD-C68E-3ADD-6B1B-46C84034184D}"/>
+              </a:ext>
+            </a:extLst>
+          </p:cNvPr>
+          <p:cNvSpPr txBox="1"/>
+          <p:nvPr/>
+        </p:nvSpPr>
+        <p:spPr>
+          <a:xfrm>
+            <a:off x="792456" y="4453933"/>
+            <a:ext cx="1005403" cy="584775"/>
+          </a:xfrm>
+          <a:prstGeom prst="rect">
+            <a:avLst/>
+          </a:prstGeom>
+          <a:noFill/>
+        </p:spPr>
+        <p:txBody>
+          <a:bodyPr wrap="none" rtlCol="0">
+            <a:spAutoFit/>
+          </a:bodyPr>
+          <a:lstStyle/>
+          <a:p>
+            <a:r>
+              <a:rPr kumimoji="1" lang="ja-JP" altLang="en-US" sz="3200" dirty="0">
+                <a:latin typeface="BIZ UDPゴシック" panose="020B0400000000000000" pitchFamily="50" charset="-128"/>
+                <a:ea typeface="BIZ UDPゴシック" panose="020B0400000000000000" pitchFamily="50" charset="-128"/>
+              </a:rPr>
+              <a:t>準備</a:t>
+            </a:r>
+          </a:p>
+        </p:txBody>
+      </p:sp>
+      <p:sp>
+        <p:nvSpPr>
+          <p:cNvPr id="8" name="四角形: 角を丸くする 7">
+            <a:extLst>
+              <a:ext uri="{FF2B5EF4-FFF2-40B4-BE49-F238E27FC236}">
+                <a16:creationId xmlns:a16="http://schemas.microsoft.com/office/drawing/2014/main" id="{37A16FD5-AB0D-32BE-8BE7-D147DDA9C979}"/>
+              </a:ext>
+            </a:extLst>
+          </p:cNvPr>
+          <p:cNvSpPr/>
+          <p:nvPr/>
+        </p:nvSpPr>
+        <p:spPr>
+          <a:xfrm>
+            <a:off x="8105117" y="2246551"/>
+            <a:ext cx="1317997" cy="707886"/>
+          </a:xfrm>
+          <a:prstGeom prst="roundRect">
+            <a:avLst/>
+          </a:prstGeom>
+          <a:solidFill>
+            <a:schemeClr val="accent1">
+              <a:lumMod val="60000"/>
+              <a:lumOff val="40000"/>
+            </a:schemeClr>
+          </a:solidFill>
+          <a:ln>
+            <a:solidFill>
+              <a:schemeClr val="bg1"/>
+            </a:solidFill>
+          </a:ln>
+        </p:spPr>
+        <p:style>
+          <a:lnRef idx="2">
+            <a:schemeClr val="accent1">
+              <a:shade val="15000"/>
+            </a:schemeClr>
+          </a:lnRef>
+          <a:fillRef idx="1">
+            <a:schemeClr val="accent1"/>
+          </a:fillRef>
+          <a:effectRef idx="0">
+            <a:schemeClr val="accent1"/>
+          </a:effectRef>
+          <a:fontRef idx="minor">
+            <a:schemeClr val="lt1"/>
+          </a:fontRef>
+        </p:style>
+        <p:txBody>
+          <a:bodyPr rtlCol="0" anchor="ctr"/>
+          <a:lstStyle/>
+          <a:p>
+            <a:pPr algn="ctr"/>
+            <a:r>
+              <a:rPr kumimoji="1" lang="en-US" altLang="ja-JP" dirty="0">
+                <a:solidFill>
+                  <a:schemeClr val="tx1"/>
+                </a:solidFill>
+                <a:latin typeface="BIZ UDPゴシック" panose="020B0400000000000000" pitchFamily="50" charset="-128"/>
+                <a:ea typeface="BIZ UDPゴシック" panose="020B0400000000000000" pitchFamily="50" charset="-128"/>
+              </a:rPr>
+              <a:t>MCDFT</a:t>
+            </a:r>
+            <a:endParaRPr kumimoji="1" lang="ja-JP" altLang="en-US" dirty="0">
+              <a:solidFill>
+                <a:schemeClr val="tx1"/>
+              </a:solidFill>
+              <a:latin typeface="BIZ UDPゴシック" panose="020B0400000000000000" pitchFamily="50" charset="-128"/>
+              <a:ea typeface="BIZ UDPゴシック" panose="020B0400000000000000" pitchFamily="50" charset="-128"/>
+            </a:endParaRPr>
+          </a:p>
+        </p:txBody>
+      </p:sp>
+      <p:sp>
+        <p:nvSpPr>
+          <p:cNvPr id="9" name="フローチャート: 結合子 8">
+            <a:extLst>
+              <a:ext uri="{FF2B5EF4-FFF2-40B4-BE49-F238E27FC236}">
+                <a16:creationId xmlns:a16="http://schemas.microsoft.com/office/drawing/2014/main" id="{3C0654BF-03E3-6D63-87B2-03C68920018F}"/>
+              </a:ext>
+            </a:extLst>
+          </p:cNvPr>
+          <p:cNvSpPr/>
+          <p:nvPr/>
+        </p:nvSpPr>
+        <p:spPr>
+          <a:xfrm>
+            <a:off x="7342066" y="3055877"/>
+            <a:ext cx="763051" cy="707886"/>
+          </a:xfrm>
+          <a:prstGeom prst="flowChartConnector">
+            <a:avLst/>
+          </a:prstGeom>
+          <a:solidFill>
+            <a:srgbClr val="00B0F0"/>
+          </a:solidFill>
+          <a:ln>
+            <a:solidFill>
+              <a:schemeClr val="tx1"/>
+            </a:solidFill>
+          </a:ln>
+        </p:spPr>
+        <p:style>
+          <a:lnRef idx="2">
+            <a:schemeClr val="accent1">
+              <a:shade val="15000"/>
+            </a:schemeClr>
+          </a:lnRef>
+          <a:fillRef idx="1">
+            <a:schemeClr val="accent1"/>
+          </a:fillRef>
+          <a:effectRef idx="0">
+            <a:schemeClr val="accent1"/>
+          </a:effectRef>
+          <a:fontRef idx="minor">
+            <a:schemeClr val="lt1"/>
+          </a:fontRef>
+        </p:style>
+        <p:txBody>
+          <a:bodyPr rtlCol="0" anchor="ctr"/>
+          <a:lstStyle/>
+          <a:p>
+            <a:pPr algn="ctr"/>
+            <a:r>
+              <a:rPr kumimoji="1" lang="en-US" altLang="ja-JP" sz="2400" dirty="0">
+                <a:solidFill>
+                  <a:schemeClr val="bg1"/>
+                </a:solidFill>
+              </a:rPr>
+              <a:t>H</a:t>
+            </a:r>
+            <a:endParaRPr kumimoji="1" lang="ja-JP" altLang="en-US" sz="2400" dirty="0">
+              <a:solidFill>
+                <a:schemeClr val="bg1"/>
+              </a:solidFill>
+            </a:endParaRPr>
+          </a:p>
+        </p:txBody>
+      </p:sp>
+      <p:sp>
+        <p:nvSpPr>
+          <p:cNvPr id="10" name="フローチャート: 結合子 9">
+            <a:extLst>
+              <a:ext uri="{FF2B5EF4-FFF2-40B4-BE49-F238E27FC236}">
+                <a16:creationId xmlns:a16="http://schemas.microsoft.com/office/drawing/2014/main" id="{F4D13220-61C3-A4C7-C635-DA1E5FDF95F3}"/>
+              </a:ext>
+            </a:extLst>
+          </p:cNvPr>
+          <p:cNvSpPr/>
+          <p:nvPr/>
+        </p:nvSpPr>
+        <p:spPr>
+          <a:xfrm>
+            <a:off x="9304347" y="3055877"/>
+            <a:ext cx="763051" cy="707886"/>
+          </a:xfrm>
+          <a:prstGeom prst="flowChartConnector">
+            <a:avLst/>
+          </a:prstGeom>
+          <a:solidFill>
+            <a:schemeClr val="accent1"/>
+          </a:solidFill>
+          <a:ln>
+            <a:solidFill>
+              <a:schemeClr val="tx1"/>
+            </a:solidFill>
+          </a:ln>
+        </p:spPr>
+        <p:style>
+          <a:lnRef idx="2">
+            <a:schemeClr val="accent1">
+              <a:shade val="15000"/>
+            </a:schemeClr>
+          </a:lnRef>
+          <a:fillRef idx="1">
+            <a:schemeClr val="accent1"/>
+          </a:fillRef>
+          <a:effectRef idx="0">
+            <a:schemeClr val="accent1"/>
+          </a:effectRef>
+          <a:fontRef idx="minor">
+            <a:schemeClr val="lt1"/>
+          </a:fontRef>
+        </p:style>
+        <p:txBody>
+          <a:bodyPr rtlCol="0" anchor="ctr"/>
+          <a:lstStyle/>
+          <a:p>
+            <a:pPr algn="ctr"/>
+            <a:r>
+              <a:rPr kumimoji="1" lang="en-US" altLang="ja-JP" sz="2400" dirty="0">
+                <a:solidFill>
+                  <a:schemeClr val="bg1"/>
+                </a:solidFill>
+              </a:rPr>
+              <a:t>D</a:t>
+            </a:r>
+            <a:endParaRPr kumimoji="1" lang="ja-JP" altLang="en-US" sz="2400" dirty="0">
+              <a:solidFill>
+                <a:schemeClr val="bg1"/>
+              </a:solidFill>
+            </a:endParaRPr>
+          </a:p>
+        </p:txBody>
+      </p:sp>
+      <p:cxnSp>
+        <p:nvCxnSpPr>
+          <p:cNvPr id="11" name="直線矢印コネクタ 10">
+            <a:extLst>
+              <a:ext uri="{FF2B5EF4-FFF2-40B4-BE49-F238E27FC236}">
+                <a16:creationId xmlns:a16="http://schemas.microsoft.com/office/drawing/2014/main" id="{2ADC5480-5281-6646-EB66-F89D15E6E26E}"/>
+              </a:ext>
+            </a:extLst>
+          </p:cNvPr>
+          <p:cNvCxnSpPr>
+            <a:cxnSpLocks/>
+          </p:cNvCxnSpPr>
+          <p:nvPr/>
+        </p:nvCxnSpPr>
+        <p:spPr>
+          <a:xfrm>
+            <a:off x="8250160" y="3400591"/>
+            <a:ext cx="914400" cy="0"/>
+          </a:xfrm>
+          <a:prstGeom prst="straightConnector1">
+            <a:avLst/>
+          </a:prstGeom>
+          <a:ln w="38100">
+            <a:solidFill>
+              <a:schemeClr val="tx1"/>
+            </a:solidFill>
+            <a:headEnd type="triangle"/>
+            <a:tailEnd type="triangle"/>
+          </a:ln>
+        </p:spPr>
+        <p:style>
+          <a:lnRef idx="1">
+            <a:schemeClr val="accent1"/>
+          </a:lnRef>
+          <a:fillRef idx="0">
+            <a:schemeClr val="accent1"/>
+          </a:fillRef>
+          <a:effectRef idx="0">
+            <a:schemeClr val="accent1"/>
+          </a:effectRef>
+          <a:fontRef idx="minor">
+            <a:schemeClr val="tx1"/>
+          </a:fontRef>
+        </p:style>
+      </p:cxnSp>
+      <p:sp>
+        <p:nvSpPr>
+          <p:cNvPr id="12" name="テキスト ボックス 11">
+            <a:extLst>
+              <a:ext uri="{FF2B5EF4-FFF2-40B4-BE49-F238E27FC236}">
+                <a16:creationId xmlns:a16="http://schemas.microsoft.com/office/drawing/2014/main" id="{CC222DC6-42A2-8291-AC50-F46AB548BC64}"/>
+              </a:ext>
+            </a:extLst>
+          </p:cNvPr>
+          <p:cNvSpPr txBox="1"/>
+          <p:nvPr/>
+        </p:nvSpPr>
+        <p:spPr>
+          <a:xfrm>
+            <a:off x="8541065" y="2938926"/>
+            <a:ext cx="327334" cy="461665"/>
+          </a:xfrm>
+          <a:prstGeom prst="rect">
+            <a:avLst/>
+          </a:prstGeom>
+          <a:noFill/>
+        </p:spPr>
+        <p:txBody>
+          <a:bodyPr wrap="square" rtlCol="0">
+            <a:spAutoFit/>
+          </a:bodyPr>
+          <a:lstStyle/>
+          <a:p>
+            <a:r>
+              <a:rPr kumimoji="1" lang="ja-JP" altLang="en-US" sz="2400" dirty="0"/>
+              <a:t>！</a:t>
+            </a:r>
+          </a:p>
+        </p:txBody>
+      </p:sp>
+      <p:sp>
+        <p:nvSpPr>
+          <p:cNvPr id="13" name="テキスト ボックス 12">
+            <a:extLst>
+              <a:ext uri="{FF2B5EF4-FFF2-40B4-BE49-F238E27FC236}">
+                <a16:creationId xmlns:a16="http://schemas.microsoft.com/office/drawing/2014/main" id="{87F35F18-0102-83AB-4E24-6EF1B4E5DBFB}"/>
               </a:ext>
             </a:extLst>
           </p:cNvPr>
@@ -8404,17 +9192,17 @@
                 <a:latin typeface="BIZ UDPゴシック" panose="020B0400000000000000" pitchFamily="50" charset="-128"/>
                 <a:ea typeface="BIZ UDPゴシック" panose="020B0400000000000000" pitchFamily="50" charset="-128"/>
               </a:rPr>
-              <a:t>準備</a:t>
+              <a:t>手法</a:t>
             </a:r>
           </a:p>
         </p:txBody>
       </p:sp>
       <p:sp>
         <p:nvSpPr>
-          <p:cNvPr id="23" name="テキスト ボックス 22">
+          <p:cNvPr id="14" name="テキスト ボックス 13">
             <a:extLst>
               <a:ext uri="{FF2B5EF4-FFF2-40B4-BE49-F238E27FC236}">
-                <a16:creationId xmlns:a16="http://schemas.microsoft.com/office/drawing/2014/main" id="{608C5834-3AF7-AA7C-507E-5EFF68B87FBA}"/>
+                <a16:creationId xmlns:a16="http://schemas.microsoft.com/office/drawing/2014/main" id="{CE14AE74-19CF-DD44-0462-02746855F621}"/>
               </a:ext>
             </a:extLst>
           </p:cNvPr>
@@ -8423,378 +9211,8 @@
         </p:nvSpPr>
         <p:spPr>
           <a:xfrm>
-            <a:off x="1353707" y="1797764"/>
-            <a:ext cx="954107" cy="400110"/>
-          </a:xfrm>
-          <a:prstGeom prst="rect">
-            <a:avLst/>
-          </a:prstGeom>
-          <a:noFill/>
-        </p:spPr>
-        <p:txBody>
-          <a:bodyPr wrap="none" rtlCol="0">
-            <a:spAutoFit/>
-          </a:bodyPr>
-          <a:lstStyle/>
-          <a:p>
-            <a:r>
-              <a:rPr kumimoji="1" lang="ja-JP" altLang="en-US" sz="2000" dirty="0">
-                <a:latin typeface="BIZ UDPゴシック" panose="020B0400000000000000" pitchFamily="50" charset="-128"/>
-                <a:ea typeface="BIZ UDPゴシック" panose="020B0400000000000000" pitchFamily="50" charset="-128"/>
-              </a:rPr>
-              <a:t>汎関数</a:t>
-            </a:r>
-          </a:p>
-        </p:txBody>
-      </p:sp>
-      <p:sp>
-        <p:nvSpPr>
-          <p:cNvPr id="24" name="テキスト ボックス 23">
-            <a:extLst>
-              <a:ext uri="{FF2B5EF4-FFF2-40B4-BE49-F238E27FC236}">
-                <a16:creationId xmlns:a16="http://schemas.microsoft.com/office/drawing/2014/main" id="{EC7915B3-8721-7971-1623-43889102E106}"/>
-              </a:ext>
-            </a:extLst>
-          </p:cNvPr>
-          <p:cNvSpPr txBox="1"/>
-          <p:nvPr/>
-        </p:nvSpPr>
-        <p:spPr>
-          <a:xfrm>
-            <a:off x="1353707" y="2513749"/>
-            <a:ext cx="1210588" cy="400110"/>
-          </a:xfrm>
-          <a:prstGeom prst="rect">
-            <a:avLst/>
-          </a:prstGeom>
-          <a:noFill/>
-        </p:spPr>
-        <p:txBody>
-          <a:bodyPr wrap="none" rtlCol="0">
-            <a:spAutoFit/>
-          </a:bodyPr>
-          <a:lstStyle/>
-          <a:p>
-            <a:r>
-              <a:rPr kumimoji="1" lang="ja-JP" altLang="en-US" sz="2000" dirty="0">
-                <a:latin typeface="BIZ UDPゴシック" panose="020B0400000000000000" pitchFamily="50" charset="-128"/>
-                <a:ea typeface="BIZ UDPゴシック" panose="020B0400000000000000" pitchFamily="50" charset="-128"/>
-              </a:rPr>
-              <a:t>基底関数</a:t>
-            </a:r>
-            <a:endParaRPr kumimoji="1" lang="en-US" altLang="ja-JP" sz="2000" dirty="0">
-              <a:latin typeface="BIZ UDPゴシック" panose="020B0400000000000000" pitchFamily="50" charset="-128"/>
-              <a:ea typeface="BIZ UDPゴシック" panose="020B0400000000000000" pitchFamily="50" charset="-128"/>
-            </a:endParaRPr>
-          </a:p>
-        </p:txBody>
-      </p:sp>
-      <p:sp>
-        <p:nvSpPr>
-          <p:cNvPr id="25" name="テキスト ボックス 24">
-            <a:extLst>
-              <a:ext uri="{FF2B5EF4-FFF2-40B4-BE49-F238E27FC236}">
-                <a16:creationId xmlns:a16="http://schemas.microsoft.com/office/drawing/2014/main" id="{63B8C4AA-C059-74F7-1C18-969FE7EC04ED}"/>
-              </a:ext>
-            </a:extLst>
-          </p:cNvPr>
-          <p:cNvSpPr txBox="1"/>
-          <p:nvPr/>
-        </p:nvSpPr>
-        <p:spPr>
-          <a:xfrm>
-            <a:off x="3377087" y="1828542"/>
-            <a:ext cx="736484" cy="369332"/>
-          </a:xfrm>
-          <a:prstGeom prst="rect">
-            <a:avLst/>
-          </a:prstGeom>
-          <a:noFill/>
-        </p:spPr>
-        <p:txBody>
-          <a:bodyPr wrap="none" rtlCol="0">
-            <a:spAutoFit/>
-          </a:bodyPr>
-          <a:lstStyle/>
-          <a:p>
-            <a:r>
-              <a:rPr kumimoji="1" lang="en-US" altLang="ja-JP" dirty="0"/>
-              <a:t>B3LYP</a:t>
-            </a:r>
-            <a:endParaRPr kumimoji="1" lang="ja-JP" altLang="en-US" dirty="0"/>
-          </a:p>
-        </p:txBody>
-      </p:sp>
-      <p:sp>
-        <p:nvSpPr>
-          <p:cNvPr id="26" name="テキスト ボックス 25">
-            <a:extLst>
-              <a:ext uri="{FF2B5EF4-FFF2-40B4-BE49-F238E27FC236}">
-                <a16:creationId xmlns:a16="http://schemas.microsoft.com/office/drawing/2014/main" id="{F385FD20-4AFB-D780-B327-F38A03247CF4}"/>
-              </a:ext>
-            </a:extLst>
-          </p:cNvPr>
-          <p:cNvSpPr txBox="1"/>
-          <p:nvPr/>
-        </p:nvSpPr>
-        <p:spPr>
-          <a:xfrm>
-            <a:off x="4385705" y="2513749"/>
-            <a:ext cx="869149" cy="369332"/>
-          </a:xfrm>
-          <a:prstGeom prst="rect">
-            <a:avLst/>
-          </a:prstGeom>
-          <a:noFill/>
-        </p:spPr>
-        <p:txBody>
-          <a:bodyPr wrap="none" rtlCol="0">
-            <a:spAutoFit/>
-          </a:bodyPr>
-          <a:lstStyle/>
-          <a:p>
-            <a:r>
-              <a:rPr kumimoji="1" lang="en-US" altLang="ja-JP" dirty="0"/>
-              <a:t>6-311G</a:t>
-            </a:r>
-            <a:endParaRPr kumimoji="1" lang="ja-JP" altLang="en-US" dirty="0"/>
-          </a:p>
-        </p:txBody>
-      </p:sp>
-      <p:sp>
-        <p:nvSpPr>
-          <p:cNvPr id="27" name="テキスト ボックス 26">
-            <a:extLst>
-              <a:ext uri="{FF2B5EF4-FFF2-40B4-BE49-F238E27FC236}">
-                <a16:creationId xmlns:a16="http://schemas.microsoft.com/office/drawing/2014/main" id="{69DFB8DD-DD72-3C74-404E-547DD3284253}"/>
-              </a:ext>
-            </a:extLst>
-          </p:cNvPr>
-          <p:cNvSpPr txBox="1"/>
-          <p:nvPr/>
-        </p:nvSpPr>
-        <p:spPr>
-          <a:xfrm>
-            <a:off x="3377087" y="2513749"/>
-            <a:ext cx="752129" cy="369332"/>
-          </a:xfrm>
-          <a:prstGeom prst="rect">
-            <a:avLst/>
-          </a:prstGeom>
-          <a:noFill/>
-        </p:spPr>
-        <p:txBody>
-          <a:bodyPr wrap="none" rtlCol="0">
-            <a:spAutoFit/>
-          </a:bodyPr>
-          <a:lstStyle/>
-          <a:p>
-            <a:r>
-              <a:rPr kumimoji="1" lang="en-US" altLang="ja-JP" dirty="0"/>
-              <a:t>6-31G</a:t>
-            </a:r>
-            <a:endParaRPr kumimoji="1" lang="ja-JP" altLang="en-US" dirty="0"/>
-          </a:p>
-        </p:txBody>
-      </p:sp>
-      <p:sp>
-        <p:nvSpPr>
-          <p:cNvPr id="28" name="テキスト ボックス 27">
-            <a:extLst>
-              <a:ext uri="{FF2B5EF4-FFF2-40B4-BE49-F238E27FC236}">
-                <a16:creationId xmlns:a16="http://schemas.microsoft.com/office/drawing/2014/main" id="{FB7AA9AA-F393-B227-AA6B-52D3C184C1FB}"/>
-              </a:ext>
-            </a:extLst>
-          </p:cNvPr>
-          <p:cNvSpPr txBox="1"/>
-          <p:nvPr/>
-        </p:nvSpPr>
-        <p:spPr>
-          <a:xfrm>
-            <a:off x="5511343" y="2513749"/>
-            <a:ext cx="984629" cy="369332"/>
-          </a:xfrm>
-          <a:prstGeom prst="rect">
-            <a:avLst/>
-          </a:prstGeom>
-          <a:noFill/>
-        </p:spPr>
-        <p:txBody>
-          <a:bodyPr wrap="none" rtlCol="0">
-            <a:spAutoFit/>
-          </a:bodyPr>
-          <a:lstStyle/>
-          <a:p>
-            <a:r>
-              <a:rPr kumimoji="1" lang="en-US" altLang="ja-JP" dirty="0"/>
-              <a:t>6-31G++</a:t>
-            </a:r>
-            <a:endParaRPr kumimoji="1" lang="ja-JP" altLang="en-US" dirty="0"/>
-          </a:p>
-        </p:txBody>
-      </p:sp>
-      <p:sp>
-        <p:nvSpPr>
-          <p:cNvPr id="29" name="テキスト ボックス 28">
-            <a:extLst>
-              <a:ext uri="{FF2B5EF4-FFF2-40B4-BE49-F238E27FC236}">
-                <a16:creationId xmlns:a16="http://schemas.microsoft.com/office/drawing/2014/main" id="{BC12F8FE-EC67-7E45-EA95-DC8ECAC18BA5}"/>
-              </a:ext>
-            </a:extLst>
-          </p:cNvPr>
-          <p:cNvSpPr txBox="1"/>
-          <p:nvPr/>
-        </p:nvSpPr>
-        <p:spPr>
-          <a:xfrm>
-            <a:off x="6752461" y="2513749"/>
-            <a:ext cx="1053045" cy="369332"/>
-          </a:xfrm>
-          <a:prstGeom prst="rect">
-            <a:avLst/>
-          </a:prstGeom>
-          <a:noFill/>
-        </p:spPr>
-        <p:txBody>
-          <a:bodyPr wrap="none" rtlCol="0">
-            <a:spAutoFit/>
-          </a:bodyPr>
-          <a:lstStyle/>
-          <a:p>
-            <a:r>
-              <a:rPr kumimoji="1" lang="en-US" altLang="ja-JP" dirty="0"/>
-              <a:t>cc - PVDZ</a:t>
-            </a:r>
-            <a:endParaRPr kumimoji="1" lang="ja-JP" altLang="en-US" dirty="0"/>
-          </a:p>
-        </p:txBody>
-      </p:sp>
-      <p:sp>
-        <p:nvSpPr>
-          <p:cNvPr id="30" name="テキスト ボックス 29">
-            <a:extLst>
-              <a:ext uri="{FF2B5EF4-FFF2-40B4-BE49-F238E27FC236}">
-                <a16:creationId xmlns:a16="http://schemas.microsoft.com/office/drawing/2014/main" id="{3DCF778F-2E6D-D5CF-95F8-4A64A7BC2384}"/>
-              </a:ext>
-            </a:extLst>
-          </p:cNvPr>
-          <p:cNvSpPr txBox="1"/>
-          <p:nvPr/>
-        </p:nvSpPr>
-        <p:spPr>
-          <a:xfrm>
-            <a:off x="8061995" y="2513749"/>
-            <a:ext cx="972189" cy="369332"/>
-          </a:xfrm>
-          <a:prstGeom prst="rect">
-            <a:avLst/>
-          </a:prstGeom>
-          <a:noFill/>
-        </p:spPr>
-        <p:txBody>
-          <a:bodyPr wrap="none" rtlCol="0">
-            <a:spAutoFit/>
-          </a:bodyPr>
-          <a:lstStyle/>
-          <a:p>
-            <a:r>
-              <a:rPr kumimoji="1" lang="en-US" altLang="ja-JP" dirty="0"/>
-              <a:t>cc- PVTZ</a:t>
-            </a:r>
-            <a:endParaRPr kumimoji="1" lang="ja-JP" altLang="en-US" dirty="0"/>
-          </a:p>
-        </p:txBody>
-      </p:sp>
-      <p:sp>
-        <p:nvSpPr>
-          <p:cNvPr id="31" name="テキスト ボックス 30">
-            <a:extLst>
-              <a:ext uri="{FF2B5EF4-FFF2-40B4-BE49-F238E27FC236}">
-                <a16:creationId xmlns:a16="http://schemas.microsoft.com/office/drawing/2014/main" id="{2C09DB60-D6B2-20AA-785F-13787EEC04C3}"/>
-              </a:ext>
-            </a:extLst>
-          </p:cNvPr>
-          <p:cNvSpPr txBox="1"/>
-          <p:nvPr/>
-        </p:nvSpPr>
-        <p:spPr>
-          <a:xfrm>
-            <a:off x="9290675" y="2513749"/>
-            <a:ext cx="972189" cy="369332"/>
-          </a:xfrm>
-          <a:prstGeom prst="rect">
-            <a:avLst/>
-          </a:prstGeom>
-          <a:noFill/>
-        </p:spPr>
-        <p:txBody>
-          <a:bodyPr wrap="none" rtlCol="0">
-            <a:spAutoFit/>
-          </a:bodyPr>
-          <a:lstStyle/>
-          <a:p>
-            <a:r>
-              <a:rPr kumimoji="1" lang="en-US" altLang="ja-JP" dirty="0"/>
-              <a:t>cc- PVTZ</a:t>
-            </a:r>
-            <a:endParaRPr kumimoji="1" lang="ja-JP" altLang="en-US" dirty="0"/>
-          </a:p>
-        </p:txBody>
-      </p:sp>
-      <p:sp>
-        <p:nvSpPr>
-          <p:cNvPr id="32" name="テキスト ボックス 31">
-            <a:extLst>
-              <a:ext uri="{FF2B5EF4-FFF2-40B4-BE49-F238E27FC236}">
-                <a16:creationId xmlns:a16="http://schemas.microsoft.com/office/drawing/2014/main" id="{3C3817FE-086F-ECA3-00AC-92E334AA49A2}"/>
-              </a:ext>
-            </a:extLst>
-          </p:cNvPr>
-          <p:cNvSpPr txBox="1"/>
-          <p:nvPr/>
-        </p:nvSpPr>
-        <p:spPr>
-          <a:xfrm>
-            <a:off x="792455" y="3229734"/>
-            <a:ext cx="2236510" cy="584775"/>
-          </a:xfrm>
-          <a:prstGeom prst="rect">
-            <a:avLst/>
-          </a:prstGeom>
-          <a:noFill/>
-        </p:spPr>
-        <p:txBody>
-          <a:bodyPr wrap="none" rtlCol="0">
-            <a:spAutoFit/>
-          </a:bodyPr>
-          <a:lstStyle/>
-          <a:p>
-            <a:r>
-              <a:rPr kumimoji="1" lang="ja-JP" altLang="en-US" sz="3200" dirty="0">
-                <a:latin typeface="BIZ UDPゴシック" panose="020B0400000000000000" pitchFamily="50" charset="-128"/>
-                <a:ea typeface="BIZ UDPゴシック" panose="020B0400000000000000" pitchFamily="50" charset="-128"/>
-              </a:rPr>
-              <a:t>今後の予定</a:t>
-            </a:r>
-          </a:p>
-        </p:txBody>
-      </p:sp>
-      <p:sp>
-        <p:nvSpPr>
-          <p:cNvPr id="33" name="テキスト ボックス 32">
-            <a:extLst>
-              <a:ext uri="{FF2B5EF4-FFF2-40B4-BE49-F238E27FC236}">
-                <a16:creationId xmlns:a16="http://schemas.microsoft.com/office/drawing/2014/main" id="{96138435-45CD-CD34-C203-44CB7735F1A5}"/>
-              </a:ext>
-            </a:extLst>
-          </p:cNvPr>
-          <p:cNvSpPr txBox="1"/>
-          <p:nvPr/>
-        </p:nvSpPr>
-        <p:spPr>
-          <a:xfrm>
-            <a:off x="1352673" y="4055749"/>
-            <a:ext cx="9531839" cy="830997"/>
+            <a:off x="1353708" y="1246898"/>
+            <a:ext cx="9789360" cy="1200329"/>
           </a:xfrm>
           <a:prstGeom prst="rect">
             <a:avLst/>
@@ -8812,29 +9230,96 @@
                 <a:latin typeface="BIZ UDPゴシック" panose="020B0400000000000000" pitchFamily="50" charset="-128"/>
                 <a:ea typeface="BIZ UDPゴシック" panose="020B0400000000000000" pitchFamily="50" charset="-128"/>
               </a:rPr>
-              <a:t>汎関数・基底関数が決まった後に、</a:t>
+              <a:t>通常の計算手法では</a:t>
             </a:r>
             <a:r>
               <a:rPr kumimoji="1" lang="en-US" altLang="ja-JP" sz="2400" dirty="0">
                 <a:latin typeface="BIZ UDPゴシック" panose="020B0400000000000000" pitchFamily="50" charset="-128"/>
                 <a:ea typeface="BIZ UDPゴシック" panose="020B0400000000000000" pitchFamily="50" charset="-128"/>
               </a:rPr>
-              <a:t>CPLB</a:t>
+              <a:t>H</a:t>
             </a:r>
             <a:r>
               <a:rPr kumimoji="1" lang="ja-JP" altLang="en-US" sz="2400" dirty="0">
                 <a:latin typeface="BIZ UDPゴシック" panose="020B0400000000000000" pitchFamily="50" charset="-128"/>
                 <a:ea typeface="BIZ UDPゴシック" panose="020B0400000000000000" pitchFamily="50" charset="-128"/>
               </a:rPr>
-              <a:t>法で氷表面での重水素濃縮反応機構を調べる</a:t>
-            </a:r>
+              <a:t>原子と</a:t>
+            </a:r>
+            <a:r>
+              <a:rPr kumimoji="1" lang="en-US" altLang="ja-JP" sz="2400" dirty="0">
+                <a:latin typeface="BIZ UDPゴシック" panose="020B0400000000000000" pitchFamily="50" charset="-128"/>
+                <a:ea typeface="BIZ UDPゴシック" panose="020B0400000000000000" pitchFamily="50" charset="-128"/>
+              </a:rPr>
+              <a:t>D</a:t>
+            </a:r>
+            <a:r>
+              <a:rPr kumimoji="1" lang="ja-JP" altLang="en-US" sz="2400" dirty="0">
+                <a:latin typeface="BIZ UDPゴシック" panose="020B0400000000000000" pitchFamily="50" charset="-128"/>
+                <a:ea typeface="BIZ UDPゴシック" panose="020B0400000000000000" pitchFamily="50" charset="-128"/>
+              </a:rPr>
+              <a:t>原子の量子効果を区別できない</a:t>
+            </a:r>
+            <a:endParaRPr kumimoji="1" lang="en-US" altLang="ja-JP" sz="2400" dirty="0">
+              <a:latin typeface="BIZ UDPゴシック" panose="020B0400000000000000" pitchFamily="50" charset="-128"/>
+              <a:ea typeface="BIZ UDPゴシック" panose="020B0400000000000000" pitchFamily="50" charset="-128"/>
+            </a:endParaRPr>
+          </a:p>
+          <a:p>
+            <a:r>
+              <a:rPr kumimoji="1" lang="en-US" altLang="ja-JP" sz="2400" dirty="0">
+                <a:latin typeface="BIZ UDPゴシック" panose="020B0400000000000000" pitchFamily="50" charset="-128"/>
+                <a:ea typeface="BIZ UDPゴシック" panose="020B0400000000000000" pitchFamily="50" charset="-128"/>
+              </a:rPr>
+              <a:t>H</a:t>
+            </a:r>
+            <a:r>
+              <a:rPr kumimoji="1" lang="ja-JP" altLang="en-US" sz="2400" dirty="0">
+                <a:latin typeface="BIZ UDPゴシック" panose="020B0400000000000000" pitchFamily="50" charset="-128"/>
+                <a:ea typeface="BIZ UDPゴシック" panose="020B0400000000000000" pitchFamily="50" charset="-128"/>
+              </a:rPr>
+              <a:t>原子と</a:t>
+            </a:r>
+            <a:r>
+              <a:rPr kumimoji="1" lang="en-US" altLang="ja-JP" sz="2400" dirty="0">
+                <a:latin typeface="BIZ UDPゴシック" panose="020B0400000000000000" pitchFamily="50" charset="-128"/>
+                <a:ea typeface="BIZ UDPゴシック" panose="020B0400000000000000" pitchFamily="50" charset="-128"/>
+              </a:rPr>
+              <a:t>D</a:t>
+            </a:r>
+            <a:r>
+              <a:rPr kumimoji="1" lang="ja-JP" altLang="en-US" sz="2400" dirty="0">
+                <a:latin typeface="BIZ UDPゴシック" panose="020B0400000000000000" pitchFamily="50" charset="-128"/>
+                <a:ea typeface="BIZ UDPゴシック" panose="020B0400000000000000" pitchFamily="50" charset="-128"/>
+              </a:rPr>
+              <a:t>原子の量子効果を調べるために</a:t>
+            </a:r>
+            <a:r>
+              <a:rPr kumimoji="1" lang="en-US" altLang="ja-JP" sz="2400" dirty="0">
+                <a:latin typeface="BIZ UDPゴシック" panose="020B0400000000000000" pitchFamily="50" charset="-128"/>
+                <a:ea typeface="BIZ UDPゴシック" panose="020B0400000000000000" pitchFamily="50" charset="-128"/>
+              </a:rPr>
+              <a:t>MCDFT</a:t>
+            </a:r>
+            <a:r>
+              <a:rPr kumimoji="1" lang="ja-JP" altLang="en-US" sz="2400" dirty="0">
+                <a:latin typeface="BIZ UDPゴシック" panose="020B0400000000000000" pitchFamily="50" charset="-128"/>
+                <a:ea typeface="BIZ UDPゴシック" panose="020B0400000000000000" pitchFamily="50" charset="-128"/>
+              </a:rPr>
+              <a:t>法を使う</a:t>
+            </a:r>
+          </a:p>
+          <a:p>
+            <a:endParaRPr lang="en-US" altLang="ja-JP" sz="2400" b="1" dirty="0">
+              <a:latin typeface="+mn-ea"/>
+            </a:endParaRPr>
           </a:p>
         </p:txBody>
       </p:sp>
     </p:spTree>
     <p:extLst>
       <p:ext uri="{BB962C8B-B14F-4D97-AF65-F5344CB8AC3E}">
-        <p14:creationId xmlns:p14="http://schemas.microsoft.com/office/powerpoint/2010/main" val="1540254594"/>
+        <p14:creationId xmlns:p14="http://schemas.microsoft.com/office/powerpoint/2010/main" val="1014903753"/>
       </p:ext>
     </p:extLst>
   </p:cSld>
@@ -8893,6 +9378,409 @@
     </p:spTree>
     <p:extLst>
       <p:ext uri="{BB962C8B-B14F-4D97-AF65-F5344CB8AC3E}">
+        <p14:creationId xmlns:p14="http://schemas.microsoft.com/office/powerpoint/2010/main" val="1540254594"/>
+      </p:ext>
+    </p:extLst>
+  </p:cSld>
+  <p:clrMapOvr>
+    <a:masterClrMapping/>
+  </p:clrMapOvr>
+</p:sld>
+</file>
+
+<file path=ppt/slides/slide6.xml><?xml version="1.0" encoding="utf-8"?>
+<p:sld xmlns:a="http://schemas.openxmlformats.org/drawingml/2006/main" xmlns:r="http://schemas.openxmlformats.org/officeDocument/2006/relationships" xmlns:p="http://schemas.openxmlformats.org/presentationml/2006/main">
+  <p:cSld>
+    <p:spTree>
+      <p:nvGrpSpPr>
+        <p:cNvPr id="1" name=""/>
+        <p:cNvGrpSpPr/>
+        <p:nvPr/>
+      </p:nvGrpSpPr>
+      <p:grpSpPr>
+        <a:xfrm>
+          <a:off x="0" y="0"/>
+          <a:ext cx="0" cy="0"/>
+          <a:chOff x="0" y="0"/>
+          <a:chExt cx="0" cy="0"/>
+        </a:xfrm>
+      </p:grpSpPr>
+      <p:sp>
+        <p:nvSpPr>
+          <p:cNvPr id="2" name="スライド番号プレースホルダー 1">
+            <a:extLst>
+              <a:ext uri="{FF2B5EF4-FFF2-40B4-BE49-F238E27FC236}">
+                <a16:creationId xmlns:a16="http://schemas.microsoft.com/office/drawing/2014/main" id="{F10FA19E-B58F-696E-9107-B1398F244FD7}"/>
+              </a:ext>
+            </a:extLst>
+          </p:cNvPr>
+          <p:cNvSpPr>
+            <a:spLocks noGrp="1"/>
+          </p:cNvSpPr>
+          <p:nvPr>
+            <p:ph type="sldNum" sz="quarter" idx="12"/>
+          </p:nvPr>
+        </p:nvSpPr>
+        <p:spPr/>
+        <p:txBody>
+          <a:bodyPr/>
+          <a:lstStyle/>
+          <a:p>
+            <a:fld id="{ECBD650F-6923-4A4C-ADE2-BB0B86E7CCFF}" type="slidenum">
+              <a:rPr lang="zh-CN" altLang="en-US" smtClean="0"/>
+              <a:t>6</a:t>
+            </a:fld>
+            <a:endParaRPr lang="zh-CN" altLang="en-US"/>
+          </a:p>
+        </p:txBody>
+      </p:sp>
+      <p:cxnSp>
+        <p:nvCxnSpPr>
+          <p:cNvPr id="3" name="直線矢印コネクタ 2">
+            <a:extLst>
+              <a:ext uri="{FF2B5EF4-FFF2-40B4-BE49-F238E27FC236}">
+                <a16:creationId xmlns:a16="http://schemas.microsoft.com/office/drawing/2014/main" id="{B86308E6-B4A4-7DBD-39F9-03A19A167DD7}"/>
+              </a:ext>
+            </a:extLst>
+          </p:cNvPr>
+          <p:cNvCxnSpPr>
+            <a:cxnSpLocks/>
+          </p:cNvCxnSpPr>
+          <p:nvPr/>
+        </p:nvCxnSpPr>
+        <p:spPr>
+          <a:xfrm>
+            <a:off x="3227783" y="3804433"/>
+            <a:ext cx="307921" cy="0"/>
+          </a:xfrm>
+          <a:prstGeom prst="straightConnector1">
+            <a:avLst/>
+          </a:prstGeom>
+          <a:ln w="19050">
+            <a:solidFill>
+              <a:schemeClr val="tx1"/>
+            </a:solidFill>
+            <a:tailEnd type="triangle"/>
+          </a:ln>
+        </p:spPr>
+        <p:style>
+          <a:lnRef idx="1">
+            <a:schemeClr val="accent1"/>
+          </a:lnRef>
+          <a:fillRef idx="0">
+            <a:schemeClr val="accent1"/>
+          </a:fillRef>
+          <a:effectRef idx="0">
+            <a:schemeClr val="accent1"/>
+          </a:effectRef>
+          <a:fontRef idx="minor">
+            <a:schemeClr val="tx1"/>
+          </a:fontRef>
+        </p:style>
+      </p:cxnSp>
+      <p:cxnSp>
+        <p:nvCxnSpPr>
+          <p:cNvPr id="4" name="直線矢印コネクタ 3">
+            <a:extLst>
+              <a:ext uri="{FF2B5EF4-FFF2-40B4-BE49-F238E27FC236}">
+                <a16:creationId xmlns:a16="http://schemas.microsoft.com/office/drawing/2014/main" id="{782B268D-C22C-F70D-EC11-83DF84F7FDF5}"/>
+              </a:ext>
+            </a:extLst>
+          </p:cNvPr>
+          <p:cNvCxnSpPr>
+            <a:cxnSpLocks/>
+          </p:cNvCxnSpPr>
+          <p:nvPr/>
+        </p:nvCxnSpPr>
+        <p:spPr>
+          <a:xfrm>
+            <a:off x="3236781" y="3937914"/>
+            <a:ext cx="307921" cy="0"/>
+          </a:xfrm>
+          <a:prstGeom prst="straightConnector1">
+            <a:avLst/>
+          </a:prstGeom>
+          <a:ln w="19050">
+            <a:solidFill>
+              <a:schemeClr val="tx1"/>
+            </a:solidFill>
+            <a:tailEnd type="triangle"/>
+          </a:ln>
+        </p:spPr>
+        <p:style>
+          <a:lnRef idx="1">
+            <a:schemeClr val="accent1"/>
+          </a:lnRef>
+          <a:fillRef idx="0">
+            <a:schemeClr val="accent1"/>
+          </a:fillRef>
+          <a:effectRef idx="0">
+            <a:schemeClr val="accent1"/>
+          </a:effectRef>
+          <a:fontRef idx="minor">
+            <a:schemeClr val="tx1"/>
+          </a:fontRef>
+        </p:style>
+      </p:cxnSp>
+      <p:cxnSp>
+        <p:nvCxnSpPr>
+          <p:cNvPr id="5" name="直線矢印コネクタ 4">
+            <a:extLst>
+              <a:ext uri="{FF2B5EF4-FFF2-40B4-BE49-F238E27FC236}">
+                <a16:creationId xmlns:a16="http://schemas.microsoft.com/office/drawing/2014/main" id="{19D6DB49-DC4D-5AFB-C6F7-F79DBD14C3AC}"/>
+              </a:ext>
+            </a:extLst>
+          </p:cNvPr>
+          <p:cNvCxnSpPr>
+            <a:cxnSpLocks/>
+          </p:cNvCxnSpPr>
+          <p:nvPr/>
+        </p:nvCxnSpPr>
+        <p:spPr>
+          <a:xfrm>
+            <a:off x="3227783" y="4288415"/>
+            <a:ext cx="307921" cy="0"/>
+          </a:xfrm>
+          <a:prstGeom prst="straightConnector1">
+            <a:avLst/>
+          </a:prstGeom>
+          <a:ln w="19050">
+            <a:solidFill>
+              <a:schemeClr val="tx1"/>
+            </a:solidFill>
+            <a:tailEnd type="triangle"/>
+          </a:ln>
+        </p:spPr>
+        <p:style>
+          <a:lnRef idx="1">
+            <a:schemeClr val="accent1"/>
+          </a:lnRef>
+          <a:fillRef idx="0">
+            <a:schemeClr val="accent1"/>
+          </a:fillRef>
+          <a:effectRef idx="0">
+            <a:schemeClr val="accent1"/>
+          </a:effectRef>
+          <a:fontRef idx="minor">
+            <a:schemeClr val="tx1"/>
+          </a:fontRef>
+        </p:style>
+      </p:cxnSp>
+      <p:cxnSp>
+        <p:nvCxnSpPr>
+          <p:cNvPr id="6" name="直線矢印コネクタ 5">
+            <a:extLst>
+              <a:ext uri="{FF2B5EF4-FFF2-40B4-BE49-F238E27FC236}">
+                <a16:creationId xmlns:a16="http://schemas.microsoft.com/office/drawing/2014/main" id="{49C333A3-DE58-6244-CF90-DB760BE08E1C}"/>
+              </a:ext>
+            </a:extLst>
+          </p:cNvPr>
+          <p:cNvCxnSpPr>
+            <a:cxnSpLocks/>
+          </p:cNvCxnSpPr>
+          <p:nvPr/>
+        </p:nvCxnSpPr>
+        <p:spPr>
+          <a:xfrm>
+            <a:off x="3236781" y="4421896"/>
+            <a:ext cx="307921" cy="0"/>
+          </a:xfrm>
+          <a:prstGeom prst="straightConnector1">
+            <a:avLst/>
+          </a:prstGeom>
+          <a:ln w="19050">
+            <a:solidFill>
+              <a:schemeClr val="tx1"/>
+            </a:solidFill>
+            <a:tailEnd type="triangle"/>
+          </a:ln>
+        </p:spPr>
+        <p:style>
+          <a:lnRef idx="1">
+            <a:schemeClr val="accent1"/>
+          </a:lnRef>
+          <a:fillRef idx="0">
+            <a:schemeClr val="accent1"/>
+          </a:fillRef>
+          <a:effectRef idx="0">
+            <a:schemeClr val="accent1"/>
+          </a:effectRef>
+          <a:fontRef idx="minor">
+            <a:schemeClr val="tx1"/>
+          </a:fontRef>
+        </p:style>
+      </p:cxnSp>
+      <p:cxnSp>
+        <p:nvCxnSpPr>
+          <p:cNvPr id="8" name="直線矢印コネクタ 7">
+            <a:extLst>
+              <a:ext uri="{FF2B5EF4-FFF2-40B4-BE49-F238E27FC236}">
+                <a16:creationId xmlns:a16="http://schemas.microsoft.com/office/drawing/2014/main" id="{F4711499-52D7-14F5-4399-80B3F69DBC9C}"/>
+              </a:ext>
+            </a:extLst>
+          </p:cNvPr>
+          <p:cNvCxnSpPr/>
+          <p:nvPr/>
+        </p:nvCxnSpPr>
+        <p:spPr>
+          <a:xfrm>
+            <a:off x="4193627" y="3164139"/>
+            <a:ext cx="0" cy="529722"/>
+          </a:xfrm>
+          <a:prstGeom prst="straightConnector1">
+            <a:avLst/>
+          </a:prstGeom>
+          <a:ln w="38100">
+            <a:solidFill>
+              <a:schemeClr val="tx1"/>
+            </a:solidFill>
+            <a:tailEnd type="triangle"/>
+          </a:ln>
+        </p:spPr>
+        <p:style>
+          <a:lnRef idx="1">
+            <a:schemeClr val="accent1"/>
+          </a:lnRef>
+          <a:fillRef idx="0">
+            <a:schemeClr val="accent1"/>
+          </a:fillRef>
+          <a:effectRef idx="0">
+            <a:schemeClr val="accent1"/>
+          </a:effectRef>
+          <a:fontRef idx="minor">
+            <a:schemeClr val="tx1"/>
+          </a:fontRef>
+        </p:style>
+      </p:cxnSp>
+      <p:cxnSp>
+        <p:nvCxnSpPr>
+          <p:cNvPr id="9" name="直線矢印コネクタ 8">
+            <a:extLst>
+              <a:ext uri="{FF2B5EF4-FFF2-40B4-BE49-F238E27FC236}">
+                <a16:creationId xmlns:a16="http://schemas.microsoft.com/office/drawing/2014/main" id="{FDEA49E4-323A-3513-F9A0-2AB51D42D6C9}"/>
+              </a:ext>
+            </a:extLst>
+          </p:cNvPr>
+          <p:cNvCxnSpPr/>
+          <p:nvPr/>
+        </p:nvCxnSpPr>
+        <p:spPr>
+          <a:xfrm>
+            <a:off x="4377558" y="3164139"/>
+            <a:ext cx="0" cy="529722"/>
+          </a:xfrm>
+          <a:prstGeom prst="straightConnector1">
+            <a:avLst/>
+          </a:prstGeom>
+          <a:ln w="38100">
+            <a:solidFill>
+              <a:schemeClr val="tx1"/>
+            </a:solidFill>
+            <a:tailEnd type="triangle"/>
+          </a:ln>
+        </p:spPr>
+        <p:style>
+          <a:lnRef idx="1">
+            <a:schemeClr val="accent1"/>
+          </a:lnRef>
+          <a:fillRef idx="0">
+            <a:schemeClr val="accent1"/>
+          </a:fillRef>
+          <a:effectRef idx="0">
+            <a:schemeClr val="accent1"/>
+          </a:effectRef>
+          <a:fontRef idx="minor">
+            <a:schemeClr val="tx1"/>
+          </a:fontRef>
+        </p:style>
+      </p:cxnSp>
+      <p:cxnSp>
+        <p:nvCxnSpPr>
+          <p:cNvPr id="10" name="直線矢印コネクタ 9">
+            <a:extLst>
+              <a:ext uri="{FF2B5EF4-FFF2-40B4-BE49-F238E27FC236}">
+                <a16:creationId xmlns:a16="http://schemas.microsoft.com/office/drawing/2014/main" id="{9D3B0CCD-B99C-7F76-551D-5C085D8CD0C8}"/>
+              </a:ext>
+            </a:extLst>
+          </p:cNvPr>
+          <p:cNvCxnSpPr/>
+          <p:nvPr/>
+        </p:nvCxnSpPr>
+        <p:spPr>
+          <a:xfrm>
+            <a:off x="4163146" y="4609311"/>
+            <a:ext cx="0" cy="529722"/>
+          </a:xfrm>
+          <a:prstGeom prst="straightConnector1">
+            <a:avLst/>
+          </a:prstGeom>
+          <a:ln w="38100">
+            <a:solidFill>
+              <a:schemeClr val="tx1"/>
+            </a:solidFill>
+            <a:tailEnd type="triangle"/>
+          </a:ln>
+        </p:spPr>
+        <p:style>
+          <a:lnRef idx="1">
+            <a:schemeClr val="accent1"/>
+          </a:lnRef>
+          <a:fillRef idx="0">
+            <a:schemeClr val="accent1"/>
+          </a:fillRef>
+          <a:effectRef idx="0">
+            <a:schemeClr val="accent1"/>
+          </a:effectRef>
+          <a:fontRef idx="minor">
+            <a:schemeClr val="tx1"/>
+          </a:fontRef>
+        </p:style>
+      </p:cxnSp>
+      <p:cxnSp>
+        <p:nvCxnSpPr>
+          <p:cNvPr id="11" name="直線矢印コネクタ 10">
+            <a:extLst>
+              <a:ext uri="{FF2B5EF4-FFF2-40B4-BE49-F238E27FC236}">
+                <a16:creationId xmlns:a16="http://schemas.microsoft.com/office/drawing/2014/main" id="{448A5F77-F9E2-418C-2F22-67911E683475}"/>
+              </a:ext>
+            </a:extLst>
+          </p:cNvPr>
+          <p:cNvCxnSpPr/>
+          <p:nvPr/>
+        </p:nvCxnSpPr>
+        <p:spPr>
+          <a:xfrm>
+            <a:off x="4347077" y="4609311"/>
+            <a:ext cx="0" cy="529722"/>
+          </a:xfrm>
+          <a:prstGeom prst="straightConnector1">
+            <a:avLst/>
+          </a:prstGeom>
+          <a:ln w="38100">
+            <a:solidFill>
+              <a:schemeClr val="tx1"/>
+            </a:solidFill>
+            <a:tailEnd type="triangle"/>
+          </a:ln>
+        </p:spPr>
+        <p:style>
+          <a:lnRef idx="1">
+            <a:schemeClr val="accent1"/>
+          </a:lnRef>
+          <a:fillRef idx="0">
+            <a:schemeClr val="accent1"/>
+          </a:fillRef>
+          <a:effectRef idx="0">
+            <a:schemeClr val="accent1"/>
+          </a:effectRef>
+          <a:fontRef idx="minor">
+            <a:schemeClr val="tx1"/>
+          </a:fontRef>
+        </p:style>
+      </p:cxnSp>
+    </p:spTree>
+    <p:extLst>
+      <p:ext uri="{BB962C8B-B14F-4D97-AF65-F5344CB8AC3E}">
         <p14:creationId xmlns:p14="http://schemas.microsoft.com/office/powerpoint/2010/main" val="3602187057"/>
       </p:ext>
     </p:extLst>
@@ -8903,7 +9791,7 @@
 </p:sld>
 </file>
 
-<file path=ppt/slides/slide6.xml><?xml version="1.0" encoding="utf-8"?>
+<file path=ppt/slides/slide7.xml><?xml version="1.0" encoding="utf-8"?>
 <p:sld xmlns:a="http://schemas.openxmlformats.org/drawingml/2006/main" xmlns:r="http://schemas.openxmlformats.org/officeDocument/2006/relationships" xmlns:p="http://schemas.openxmlformats.org/presentationml/2006/main">
   <p:cSld>
     <p:spTree>
@@ -8943,7 +9831,7 @@
           <a:p>
             <a:fld id="{ECBD650F-6923-4A4C-ADE2-BB0B86E7CCFF}" type="slidenum">
               <a:rPr lang="zh-CN" altLang="en-US" smtClean="0"/>
-              <a:t>6</a:t>
+              <a:t>7</a:t>
             </a:fld>
             <a:endParaRPr lang="zh-CN" altLang="en-US"/>
           </a:p>

--- a/20231018.pptx
+++ b/20231018.pptx
@@ -5,16 +5,14 @@
     <p:sldMasterId id="2147483959" r:id="rId1"/>
   </p:sldMasterIdLst>
   <p:notesMasterIdLst>
-    <p:notesMasterId r:id="rId9"/>
+    <p:notesMasterId r:id="rId7"/>
   </p:notesMasterIdLst>
   <p:sldIdLst>
     <p:sldId id="256" r:id="rId2"/>
     <p:sldId id="315" r:id="rId3"/>
     <p:sldId id="321" r:id="rId4"/>
-    <p:sldId id="316" r:id="rId5"/>
-    <p:sldId id="320" r:id="rId6"/>
-    <p:sldId id="317" r:id="rId7"/>
-    <p:sldId id="291" r:id="rId8"/>
+    <p:sldId id="322" r:id="rId5"/>
+    <p:sldId id="316" r:id="rId6"/>
   </p:sldIdLst>
   <p:sldSz cx="12192000" cy="6858000"/>
   <p:notesSz cx="6858000" cy="9144000"/>
@@ -2111,7 +2109,7 @@
           <a:p>
             <a:fld id="{D92BB75E-7D0E-406D-829B-CAF34726F3EB}" type="datetimeFigureOut">
               <a:rPr kumimoji="1" lang="ja-JP" altLang="en-US" smtClean="0"/>
-              <a:t>2023/10/19</a:t>
+              <a:t>2023/10/20</a:t>
             </a:fld>
             <a:endParaRPr kumimoji="1" lang="ja-JP" altLang="en-US"/>
           </a:p>
@@ -2541,7 +2539,7 @@
           <a:p>
             <a:fld id="{691B7FCD-955D-4274-86E7-9D7AEF0202E2}" type="datetime1">
               <a:rPr lang="zh-CN" altLang="en-US" smtClean="0"/>
-              <a:t>2023/10/19</a:t>
+              <a:t>2023/10/20</a:t>
             </a:fld>
             <a:endParaRPr lang="zh-CN" altLang="en-US"/>
           </a:p>
@@ -2744,7 +2742,7 @@
           <a:p>
             <a:fld id="{691B7FCD-955D-4274-86E7-9D7AEF0202E2}" type="datetime1">
               <a:rPr lang="zh-CN" altLang="en-US" smtClean="0"/>
-              <a:t>2023/10/19</a:t>
+              <a:t>2023/10/20</a:t>
             </a:fld>
             <a:endParaRPr lang="zh-CN" altLang="en-US"/>
           </a:p>
@@ -2957,7 +2955,7 @@
           <a:p>
             <a:fld id="{691B7FCD-955D-4274-86E7-9D7AEF0202E2}" type="datetime1">
               <a:rPr lang="zh-CN" altLang="en-US" smtClean="0"/>
-              <a:t>2023/10/19</a:t>
+              <a:t>2023/10/20</a:t>
             </a:fld>
             <a:endParaRPr lang="zh-CN" altLang="en-US"/>
           </a:p>
@@ -3160,7 +3158,7 @@
           <a:p>
             <a:fld id="{691B7FCD-955D-4274-86E7-9D7AEF0202E2}" type="datetime1">
               <a:rPr lang="zh-CN" altLang="en-US" smtClean="0"/>
-              <a:t>2023/10/19</a:t>
+              <a:t>2023/10/20</a:t>
             </a:fld>
             <a:endParaRPr lang="zh-CN" altLang="en-US"/>
           </a:p>
@@ -3407,7 +3405,7 @@
           <a:p>
             <a:fld id="{691B7FCD-955D-4274-86E7-9D7AEF0202E2}" type="datetime1">
               <a:rPr lang="zh-CN" altLang="en-US" smtClean="0"/>
-              <a:t>2023/10/19</a:t>
+              <a:t>2023/10/20</a:t>
             </a:fld>
             <a:endParaRPr lang="zh-CN" altLang="en-US"/>
           </a:p>
@@ -3704,7 +3702,7 @@
           <a:p>
             <a:fld id="{691B7FCD-955D-4274-86E7-9D7AEF0202E2}" type="datetime1">
               <a:rPr lang="zh-CN" altLang="en-US" smtClean="0"/>
-              <a:t>2023/10/19</a:t>
+              <a:t>2023/10/20</a:t>
             </a:fld>
             <a:endParaRPr lang="zh-CN" altLang="en-US"/>
           </a:p>
@@ -4136,7 +4134,7 @@
           <a:p>
             <a:fld id="{691B7FCD-955D-4274-86E7-9D7AEF0202E2}" type="datetime1">
               <a:rPr lang="zh-CN" altLang="en-US" smtClean="0"/>
-              <a:t>2023/10/19</a:t>
+              <a:t>2023/10/20</a:t>
             </a:fld>
             <a:endParaRPr lang="zh-CN" altLang="en-US"/>
           </a:p>
@@ -4255,7 +4253,7 @@
           <a:p>
             <a:fld id="{691B7FCD-955D-4274-86E7-9D7AEF0202E2}" type="datetime1">
               <a:rPr lang="zh-CN" altLang="en-US" smtClean="0"/>
-              <a:t>2023/10/19</a:t>
+              <a:t>2023/10/20</a:t>
             </a:fld>
             <a:endParaRPr lang="zh-CN" altLang="en-US"/>
           </a:p>
@@ -4351,7 +4349,7 @@
           <a:p>
             <a:fld id="{691B7FCD-955D-4274-86E7-9D7AEF0202E2}" type="datetime1">
               <a:rPr lang="zh-CN" altLang="en-US" smtClean="0"/>
-              <a:t>2023/10/19</a:t>
+              <a:t>2023/10/20</a:t>
             </a:fld>
             <a:endParaRPr lang="zh-CN" altLang="en-US"/>
           </a:p>
@@ -4661,7 +4659,7 @@
           <a:p>
             <a:fld id="{691B7FCD-955D-4274-86E7-9D7AEF0202E2}" type="datetime1">
               <a:rPr lang="zh-CN" altLang="en-US" smtClean="0"/>
-              <a:t>2023/10/19</a:t>
+              <a:t>2023/10/20</a:t>
             </a:fld>
             <a:endParaRPr lang="zh-CN" altLang="en-US"/>
           </a:p>
@@ -4919,7 +4917,7 @@
           <a:p>
             <a:fld id="{691B7FCD-955D-4274-86E7-9D7AEF0202E2}" type="datetime1">
               <a:rPr lang="zh-CN" altLang="en-US" smtClean="0"/>
-              <a:t>2023/10/19</a:t>
+              <a:t>2023/10/20</a:t>
             </a:fld>
             <a:endParaRPr lang="zh-CN" altLang="en-US"/>
           </a:p>
@@ -5165,7 +5163,7 @@
           <a:p>
             <a:fld id="{691B7FCD-955D-4274-86E7-9D7AEF0202E2}" type="datetime1">
               <a:rPr lang="zh-CN" altLang="en-US" smtClean="0"/>
-              <a:t>2023/10/19</a:t>
+              <a:t>2023/10/20</a:t>
             </a:fld>
             <a:endParaRPr lang="zh-CN" altLang="en-US"/>
           </a:p>
@@ -5762,55 +5760,6 @@
           <a:chExt cx="0" cy="0"/>
         </a:xfrm>
       </p:grpSpPr>
-      <p:sp>
-        <p:nvSpPr>
-          <p:cNvPr id="3" name="雲 2">
-            <a:extLst>
-              <a:ext uri="{FF2B5EF4-FFF2-40B4-BE49-F238E27FC236}">
-                <a16:creationId xmlns:a16="http://schemas.microsoft.com/office/drawing/2014/main" id="{9B7B1745-B9C6-050F-D374-BDC995504E8C}"/>
-              </a:ext>
-            </a:extLst>
-          </p:cNvPr>
-          <p:cNvSpPr/>
-          <p:nvPr/>
-        </p:nvSpPr>
-        <p:spPr>
-          <a:xfrm>
-            <a:off x="5644708" y="2116784"/>
-            <a:ext cx="2119016" cy="1413221"/>
-          </a:xfrm>
-          <a:prstGeom prst="cloud">
-            <a:avLst/>
-          </a:prstGeom>
-        </p:spPr>
-        <p:style>
-          <a:lnRef idx="2">
-            <a:schemeClr val="accent1">
-              <a:shade val="15000"/>
-            </a:schemeClr>
-          </a:lnRef>
-          <a:fillRef idx="1">
-            <a:schemeClr val="accent1"/>
-          </a:fillRef>
-          <a:effectRef idx="0">
-            <a:schemeClr val="accent1"/>
-          </a:effectRef>
-          <a:fontRef idx="minor">
-            <a:schemeClr val="lt1"/>
-          </a:fontRef>
-        </p:style>
-        <p:txBody>
-          <a:bodyPr rtlCol="0" anchor="ctr"/>
-          <a:lstStyle/>
-          <a:p>
-            <a:pPr algn="ctr"/>
-            <a:r>
-              <a:rPr kumimoji="1" lang="ja-JP" altLang="en-US" sz="2400" dirty="0"/>
-              <a:t>分子雲</a:t>
-            </a:r>
-          </a:p>
-        </p:txBody>
-      </p:sp>
       <mc:AlternateContent xmlns:mc="http://schemas.openxmlformats.org/markup-compatibility/2006">
         <mc:Choice xmlns:a14="http://schemas.microsoft.com/office/drawing/2010/main" Requires="a14">
           <p:sp>
@@ -5827,7 +5776,7 @@
             </p:nvSpPr>
             <p:spPr>
               <a:xfrm>
-                <a:off x="8890746" y="673816"/>
+                <a:off x="9344626" y="1217368"/>
                 <a:ext cx="1202573" cy="666529"/>
               </a:xfrm>
               <a:prstGeom prst="rect">
@@ -5935,7 +5884,7 @@
             </p:nvSpPr>
             <p:spPr>
               <a:xfrm>
-                <a:off x="8890746" y="673816"/>
+                <a:off x="9344626" y="1217368"/>
                 <a:ext cx="1202573" cy="666529"/>
               </a:xfrm>
               <a:prstGeom prst="rect">
@@ -5979,7 +5928,7 @@
             </p:nvSpPr>
             <p:spPr>
               <a:xfrm>
-                <a:off x="8510064" y="3530005"/>
+                <a:off x="8551654" y="4553273"/>
                 <a:ext cx="1963936" cy="722442"/>
               </a:xfrm>
               <a:prstGeom prst="rect">
@@ -6143,7 +6092,7 @@
             </p:nvSpPr>
             <p:spPr>
               <a:xfrm>
-                <a:off x="8510064" y="3530005"/>
+                <a:off x="8551654" y="4553273"/>
                 <a:ext cx="1963936" cy="722442"/>
               </a:xfrm>
               <a:prstGeom prst="rect">
@@ -6223,8 +6172,8 @@
         </p:nvSpPr>
         <p:spPr>
           <a:xfrm>
-            <a:off x="1353707" y="1246898"/>
-            <a:ext cx="4742292" cy="4708981"/>
+            <a:off x="793850" y="1246898"/>
+            <a:ext cx="5383398" cy="4154984"/>
           </a:xfrm>
           <a:prstGeom prst="rect">
             <a:avLst/>
@@ -6249,12 +6198,52 @@
           </a:p>
           <a:p>
             <a:r>
-              <a:rPr lang="ja-JP" altLang="en-US" sz="2400" dirty="0">
+              <a:rPr lang="ja-JP" altLang="en-US" sz="2000" dirty="0">
                 <a:latin typeface="+mn-ea"/>
               </a:rPr>
-              <a:t>宇宙空間において星の前駆体であり、多数の分子が存在している</a:t>
-            </a:r>
-            <a:endParaRPr lang="en-US" altLang="ja-JP" sz="2400" dirty="0">
+              <a:t>宇宙空間において分子の密度が高い領域</a:t>
+            </a:r>
+            <a:endParaRPr lang="en-US" altLang="ja-JP" sz="2000" dirty="0">
+              <a:latin typeface="+mn-ea"/>
+            </a:endParaRPr>
+          </a:p>
+          <a:p>
+            <a:r>
+              <a:rPr lang="ja-JP" altLang="en-US" sz="2000" dirty="0">
+                <a:latin typeface="+mn-ea"/>
+              </a:rPr>
+              <a:t>収縮することで星が誕生する</a:t>
+            </a:r>
+            <a:endParaRPr lang="en-US" altLang="ja-JP" sz="2000" dirty="0">
+              <a:latin typeface="+mn-ea"/>
+            </a:endParaRPr>
+          </a:p>
+          <a:p>
+            <a:r>
+              <a:rPr lang="en-US" altLang="ja-JP" sz="2000" dirty="0">
+                <a:latin typeface="+mn-ea"/>
+              </a:rPr>
+              <a:t>H(D)</a:t>
+            </a:r>
+            <a:r>
+              <a:rPr lang="ja-JP" altLang="en-US" sz="2000" dirty="0">
+                <a:latin typeface="+mn-ea"/>
+              </a:rPr>
+              <a:t>、</a:t>
+            </a:r>
+            <a:r>
+              <a:rPr lang="en-US" altLang="ja-JP" sz="2000" dirty="0">
+                <a:latin typeface="+mn-ea"/>
+              </a:rPr>
+              <a:t>CO</a:t>
+            </a:r>
+            <a:r>
+              <a:rPr lang="ja-JP" altLang="en-US" sz="2000" dirty="0">
+                <a:latin typeface="+mn-ea"/>
+              </a:rPr>
+              <a:t>や氷微粒子などから成る</a:t>
+            </a:r>
+            <a:endParaRPr lang="en-US" altLang="ja-JP" sz="2000" dirty="0">
               <a:latin typeface="+mn-ea"/>
             </a:endParaRPr>
           </a:p>
@@ -6281,12 +6270,6 @@
           </a:p>
           <a:p>
             <a:r>
-              <a:rPr lang="ja-JP" altLang="en-US" sz="2400" dirty="0">
-                <a:latin typeface="+mn-ea"/>
-              </a:rPr>
-              <a:t>分子内に含まれる</a:t>
-            </a:r>
-            <a:r>
               <a:rPr lang="en-US" altLang="ja-JP" sz="2400" dirty="0">
                 <a:latin typeface="+mn-ea"/>
               </a:rPr>
@@ -6296,7 +6279,30 @@
               <a:rPr lang="ja-JP" altLang="en-US" sz="2400" dirty="0">
                 <a:latin typeface="+mn-ea"/>
               </a:rPr>
-              <a:t>原子の割合が高まること</a:t>
+              <a:t>原子を含む分子内の割合が高まる</a:t>
+            </a:r>
+            <a:endParaRPr lang="en-US" altLang="ja-JP" sz="2400" dirty="0">
+              <a:latin typeface="+mn-ea"/>
+            </a:endParaRPr>
+          </a:p>
+          <a:p>
+            <a:r>
+              <a:rPr lang="ja-JP" altLang="en-US" sz="2400" dirty="0">
+                <a:latin typeface="+mn-ea"/>
+              </a:rPr>
+              <a:t>メタノールでは</a:t>
+            </a:r>
+            <a:r>
+              <a:rPr lang="en-US" altLang="ja-JP" sz="2400" dirty="0">
+                <a:latin typeface="+mn-ea"/>
+              </a:rPr>
+              <a:t>1</a:t>
+            </a:r>
+            <a:r>
+              <a:rPr lang="ja-JP" altLang="en-US" sz="2400" dirty="0">
+                <a:latin typeface="+mn-ea"/>
+              </a:rPr>
+              <a:t>万倍濃縮</a:t>
             </a:r>
             <a:endParaRPr lang="en-US" altLang="ja-JP" sz="2400" dirty="0">
               <a:latin typeface="+mn-ea"/>
@@ -6354,7 +6360,7 @@
         </p:nvSpPr>
         <p:spPr>
           <a:xfrm>
-            <a:off x="-5401231" y="4423376"/>
+            <a:off x="-1499083" y="7493835"/>
             <a:ext cx="4423368" cy="1631216"/>
           </a:xfrm>
           <a:prstGeom prst="rect">
@@ -6567,7 +6573,7 @@
         </p:nvSpPr>
         <p:spPr>
           <a:xfrm>
-            <a:off x="6331064" y="3879340"/>
+            <a:off x="5859426" y="3897239"/>
             <a:ext cx="712601" cy="958543"/>
           </a:xfrm>
           <a:prstGeom prst="downArrow">
@@ -6616,7 +6622,7 @@
         </p:nvSpPr>
         <p:spPr>
           <a:xfrm>
-            <a:off x="6479615" y="5150008"/>
+            <a:off x="7709709" y="5396757"/>
             <a:ext cx="492443" cy="461665"/>
           </a:xfrm>
           <a:prstGeom prst="rect">
@@ -6654,8 +6660,8 @@
         </p:nvSpPr>
         <p:spPr>
           <a:xfrm rot="5400000">
-            <a:off x="8117544" y="2054128"/>
-            <a:ext cx="2424128" cy="2199730"/>
+            <a:off x="8040015" y="1677918"/>
+            <a:ext cx="2424128" cy="2987948"/>
           </a:xfrm>
           <a:prstGeom prst="wedgeRoundRectCallout">
             <a:avLst>
@@ -6708,7 +6714,7 @@
         </p:nvSpPr>
         <p:spPr>
           <a:xfrm>
-            <a:off x="8951648" y="2887189"/>
+            <a:off x="8480010" y="2905088"/>
             <a:ext cx="895481" cy="611702"/>
           </a:xfrm>
           <a:prstGeom prst="ellipse">
@@ -6765,8 +6771,8 @@
         </p:nvSpPr>
         <p:spPr>
           <a:xfrm>
-            <a:off x="8574495" y="2372972"/>
-            <a:ext cx="281211" cy="369332"/>
+            <a:off x="8102857" y="2390871"/>
+            <a:ext cx="281211" cy="400110"/>
           </a:xfrm>
           <a:prstGeom prst="rect">
             <a:avLst/>
@@ -6780,10 +6786,10 @@
           <a:lstStyle/>
           <a:p>
             <a:r>
-              <a:rPr kumimoji="1" lang="en-US" altLang="ja-JP" dirty="0"/>
+              <a:rPr kumimoji="1" lang="en-US" altLang="ja-JP" sz="2000" dirty="0"/>
               <a:t>H</a:t>
             </a:r>
-            <a:endParaRPr kumimoji="1" lang="ja-JP" altLang="en-US" dirty="0"/>
+            <a:endParaRPr kumimoji="1" lang="ja-JP" altLang="en-US" sz="2000" dirty="0"/>
           </a:p>
         </p:txBody>
       </p:sp>
@@ -6801,8 +6807,8 @@
         </p:nvSpPr>
         <p:spPr>
           <a:xfrm>
-            <a:off x="9122252" y="2378581"/>
-            <a:ext cx="458331" cy="369332"/>
+            <a:off x="8650614" y="2396480"/>
+            <a:ext cx="488595" cy="400110"/>
           </a:xfrm>
           <a:prstGeom prst="rect">
             <a:avLst/>
@@ -6816,10 +6822,10 @@
           <a:lstStyle/>
           <a:p>
             <a:r>
-              <a:rPr kumimoji="1" lang="en-US" altLang="ja-JP" dirty="0"/>
+              <a:rPr kumimoji="1" lang="en-US" altLang="ja-JP" sz="2000" dirty="0"/>
               <a:t>CO</a:t>
             </a:r>
-            <a:endParaRPr kumimoji="1" lang="ja-JP" altLang="en-US" dirty="0"/>
+            <a:endParaRPr kumimoji="1" lang="ja-JP" altLang="en-US" sz="2000" dirty="0"/>
           </a:p>
         </p:txBody>
       </p:sp>
@@ -6837,8 +6843,8 @@
         </p:nvSpPr>
         <p:spPr>
           <a:xfrm>
-            <a:off x="9834380" y="2384339"/>
-            <a:ext cx="327334" cy="369332"/>
+            <a:off x="9362742" y="2402238"/>
+            <a:ext cx="341760" cy="400110"/>
           </a:xfrm>
           <a:prstGeom prst="rect">
             <a:avLst/>
@@ -6852,10 +6858,10 @@
           <a:lstStyle/>
           <a:p>
             <a:r>
-              <a:rPr kumimoji="1" lang="en-US" altLang="ja-JP" dirty="0"/>
+              <a:rPr kumimoji="1" lang="en-US" altLang="ja-JP" sz="2000" dirty="0"/>
               <a:t>D</a:t>
             </a:r>
-            <a:endParaRPr kumimoji="1" lang="ja-JP" altLang="en-US" dirty="0"/>
+            <a:endParaRPr kumimoji="1" lang="ja-JP" altLang="en-US" sz="2000" dirty="0"/>
           </a:p>
         </p:txBody>
       </p:sp>
@@ -6873,7 +6879,7 @@
         </p:nvCxnSpPr>
         <p:spPr>
           <a:xfrm>
-            <a:off x="9376960" y="1358468"/>
+            <a:off x="8905322" y="1376367"/>
             <a:ext cx="0" cy="529722"/>
           </a:xfrm>
           <a:prstGeom prst="straightConnector1">
@@ -6915,7 +6921,7 @@
         </p:nvCxnSpPr>
         <p:spPr>
           <a:xfrm>
-            <a:off x="9560891" y="1358468"/>
+            <a:off x="9089253" y="1376367"/>
             <a:ext cx="0" cy="529722"/>
           </a:xfrm>
           <a:prstGeom prst="straightConnector1">
@@ -6957,8 +6963,8 @@
         </p:nvSpPr>
         <p:spPr>
           <a:xfrm>
-            <a:off x="10471279" y="1013004"/>
-            <a:ext cx="469981" cy="2802251"/>
+            <a:off x="10499605" y="1559073"/>
+            <a:ext cx="469981" cy="3345967"/>
           </a:xfrm>
           <a:prstGeom prst="rightBracket">
             <a:avLst>
@@ -7011,7 +7017,7 @@
         </p:nvSpPr>
         <p:spPr>
           <a:xfrm>
-            <a:off x="10880788" y="2188306"/>
+            <a:off x="10969586" y="2862724"/>
             <a:ext cx="1260281" cy="369332"/>
           </a:xfrm>
           <a:prstGeom prst="rect">
@@ -7095,6 +7101,617 @@
             <a:r>
               <a:rPr kumimoji="1" lang="en-US" altLang="ja-JP" sz="1400" dirty="0"/>
               <a:t>. J.571, L173</a:t>
+            </a:r>
+          </a:p>
+        </p:txBody>
+      </p:sp>
+      <p:pic>
+        <p:nvPicPr>
+          <p:cNvPr id="15" name="図 14">
+            <a:extLst>
+              <a:ext uri="{FF2B5EF4-FFF2-40B4-BE49-F238E27FC236}">
+                <a16:creationId xmlns:a16="http://schemas.microsoft.com/office/drawing/2014/main" id="{C1DB348A-26BA-E12B-BFF7-AEDAFC4EFD1B}"/>
+              </a:ext>
+            </a:extLst>
+          </p:cNvPr>
+          <p:cNvPicPr>
+            <a:picLocks noChangeAspect="1"/>
+          </p:cNvPicPr>
+          <p:nvPr/>
+        </p:nvPicPr>
+        <p:blipFill rotWithShape="1">
+          <a:blip r:embed="rId4">
+            <a:extLst>
+              <a:ext uri="{28A0092B-C50C-407E-A947-70E740481C1C}">
+                <a14:useLocalDpi xmlns:a14="http://schemas.microsoft.com/office/drawing/2010/main" val="0"/>
+              </a:ext>
+            </a:extLst>
+          </a:blip>
+          <a:srcRect l="2305" t="6595" r="15107" b="-302"/>
+          <a:stretch/>
+        </p:blipFill>
+        <p:spPr>
+          <a:xfrm>
+            <a:off x="5585320" y="4935509"/>
+            <a:ext cx="1866637" cy="1355442"/>
+          </a:xfrm>
+          <a:prstGeom prst="rect">
+            <a:avLst/>
+          </a:prstGeom>
+        </p:spPr>
+      </p:pic>
+      <p:sp>
+        <p:nvSpPr>
+          <p:cNvPr id="21" name="テキスト ボックス 20">
+            <a:extLst>
+              <a:ext uri="{FF2B5EF4-FFF2-40B4-BE49-F238E27FC236}">
+                <a16:creationId xmlns:a16="http://schemas.microsoft.com/office/drawing/2014/main" id="{4F00C5FF-58AD-BB41-24AE-78DFCD967625}"/>
+              </a:ext>
+            </a:extLst>
+          </p:cNvPr>
+          <p:cNvSpPr txBox="1"/>
+          <p:nvPr/>
+        </p:nvSpPr>
+        <p:spPr>
+          <a:xfrm>
+            <a:off x="-5649471" y="1246898"/>
+            <a:ext cx="5383398" cy="3970318"/>
+          </a:xfrm>
+          <a:prstGeom prst="rect">
+            <a:avLst/>
+          </a:prstGeom>
+          <a:noFill/>
+        </p:spPr>
+        <p:txBody>
+          <a:bodyPr wrap="square" rtlCol="0">
+            <a:spAutoFit/>
+          </a:bodyPr>
+          <a:lstStyle/>
+          <a:p>
+            <a:r>
+              <a:rPr lang="ja-JP" altLang="en-US" sz="2400" b="1" dirty="0">
+                <a:latin typeface="+mn-ea"/>
+              </a:rPr>
+              <a:t>星間分子雲</a:t>
+            </a:r>
+            <a:endParaRPr lang="en-US" altLang="ja-JP" sz="2400" b="1" dirty="0">
+              <a:latin typeface="+mn-ea"/>
+            </a:endParaRPr>
+          </a:p>
+          <a:p>
+            <a:r>
+              <a:rPr lang="ja-JP" altLang="en-US" sz="2400" dirty="0">
+                <a:latin typeface="+mn-ea"/>
+              </a:rPr>
+              <a:t>宇宙空間において星の前駆体であり、多数の分子が生成されている</a:t>
+            </a:r>
+            <a:endParaRPr lang="en-US" altLang="ja-JP" sz="2400" dirty="0">
+              <a:latin typeface="+mn-ea"/>
+            </a:endParaRPr>
+          </a:p>
+          <a:p>
+            <a:endParaRPr lang="en-US" altLang="ja-JP" sz="2000" dirty="0">
+              <a:latin typeface="+mn-ea"/>
+            </a:endParaRPr>
+          </a:p>
+          <a:p>
+            <a:endParaRPr lang="en-US" altLang="ja-JP" sz="2000" dirty="0">
+              <a:latin typeface="+mn-ea"/>
+            </a:endParaRPr>
+          </a:p>
+          <a:p>
+            <a:r>
+              <a:rPr lang="ja-JP" altLang="en-US" sz="2400" b="1" dirty="0">
+                <a:latin typeface="+mn-ea"/>
+              </a:rPr>
+              <a:t>重水素濃縮</a:t>
+            </a:r>
+            <a:endParaRPr lang="en-US" altLang="ja-JP" sz="2400" b="1" dirty="0">
+              <a:latin typeface="+mn-ea"/>
+            </a:endParaRPr>
+          </a:p>
+          <a:p>
+            <a:r>
+              <a:rPr lang="ja-JP" altLang="en-US" sz="2400" dirty="0">
+                <a:latin typeface="+mn-ea"/>
+              </a:rPr>
+              <a:t>分子内に含まれる</a:t>
+            </a:r>
+            <a:r>
+              <a:rPr lang="en-US" altLang="ja-JP" sz="2400" dirty="0">
+                <a:latin typeface="+mn-ea"/>
+              </a:rPr>
+              <a:t>D</a:t>
+            </a:r>
+            <a:r>
+              <a:rPr lang="ja-JP" altLang="en-US" sz="2400" dirty="0">
+                <a:latin typeface="+mn-ea"/>
+              </a:rPr>
+              <a:t>原子の割合が高まること</a:t>
+            </a:r>
+            <a:endParaRPr lang="en-US" altLang="ja-JP" sz="2400" dirty="0">
+              <a:latin typeface="+mn-ea"/>
+            </a:endParaRPr>
+          </a:p>
+          <a:p>
+            <a:endParaRPr lang="en-US" altLang="ja-JP" sz="2000" dirty="0">
+              <a:latin typeface="+mn-ea"/>
+            </a:endParaRPr>
+          </a:p>
+          <a:p>
+            <a:endParaRPr lang="en-US" altLang="ja-JP" sz="2400" dirty="0">
+              <a:latin typeface="+mn-ea"/>
+            </a:endParaRPr>
+          </a:p>
+          <a:p>
+            <a:r>
+              <a:rPr lang="ja-JP" altLang="en-US" sz="2400" dirty="0">
+                <a:solidFill>
+                  <a:srgbClr val="FF0000"/>
+                </a:solidFill>
+                <a:latin typeface="+mn-ea"/>
+              </a:rPr>
+              <a:t>➡ </a:t>
+            </a:r>
+            <a:r>
+              <a:rPr lang="ja-JP" altLang="en-US" sz="2400" b="1" dirty="0">
+                <a:solidFill>
+                  <a:srgbClr val="FF0000"/>
+                </a:solidFill>
+                <a:latin typeface="+mn-ea"/>
+              </a:rPr>
+              <a:t>重水素濃縮のメカニズムは不明</a:t>
+            </a:r>
+            <a:endParaRPr lang="en-US" altLang="ja-JP" sz="2400" b="1" dirty="0">
+              <a:solidFill>
+                <a:srgbClr val="FF0000"/>
+              </a:solidFill>
+              <a:latin typeface="+mn-ea"/>
+            </a:endParaRPr>
+          </a:p>
+        </p:txBody>
+      </p:sp>
+      <p:sp>
+        <p:nvSpPr>
+          <p:cNvPr id="24" name="テキスト ボックス 23">
+            <a:extLst>
+              <a:ext uri="{FF2B5EF4-FFF2-40B4-BE49-F238E27FC236}">
+                <a16:creationId xmlns:a16="http://schemas.microsoft.com/office/drawing/2014/main" id="{8FE952F8-800D-4545-D9A3-8E7EB6D63B8D}"/>
+              </a:ext>
+            </a:extLst>
+          </p:cNvPr>
+          <p:cNvSpPr txBox="1"/>
+          <p:nvPr/>
+        </p:nvSpPr>
+        <p:spPr>
+          <a:xfrm>
+            <a:off x="8262612" y="602626"/>
+            <a:ext cx="1096775" cy="769441"/>
+          </a:xfrm>
+          <a:prstGeom prst="rect">
+            <a:avLst/>
+          </a:prstGeom>
+          <a:noFill/>
+        </p:spPr>
+        <p:txBody>
+          <a:bodyPr wrap="none" rtlCol="0">
+            <a:spAutoFit/>
+          </a:bodyPr>
+          <a:lstStyle/>
+          <a:p>
+            <a:r>
+              <a:rPr kumimoji="1" lang="en-US" altLang="ja-JP" sz="4400" dirty="0">
+                <a:solidFill>
+                  <a:srgbClr val="00B0F0"/>
+                </a:solidFill>
+              </a:rPr>
+              <a:t>H&gt;&gt;</a:t>
+            </a:r>
+            <a:endParaRPr kumimoji="1" lang="ja-JP" altLang="en-US" sz="4400" dirty="0">
+              <a:solidFill>
+                <a:srgbClr val="00B0F0"/>
+              </a:solidFill>
+            </a:endParaRPr>
+          </a:p>
+        </p:txBody>
+      </p:sp>
+      <p:sp>
+        <p:nvSpPr>
+          <p:cNvPr id="27" name="テキスト ボックス 26">
+            <a:extLst>
+              <a:ext uri="{FF2B5EF4-FFF2-40B4-BE49-F238E27FC236}">
+                <a16:creationId xmlns:a16="http://schemas.microsoft.com/office/drawing/2014/main" id="{3C6B3B3A-7A1A-8848-E046-5BBB8AA3D112}"/>
+              </a:ext>
+            </a:extLst>
+          </p:cNvPr>
+          <p:cNvSpPr txBox="1"/>
+          <p:nvPr/>
+        </p:nvSpPr>
+        <p:spPr>
+          <a:xfrm>
+            <a:off x="9271875" y="770441"/>
+            <a:ext cx="373820" cy="461665"/>
+          </a:xfrm>
+          <a:prstGeom prst="rect">
+            <a:avLst/>
+          </a:prstGeom>
+          <a:noFill/>
+        </p:spPr>
+        <p:txBody>
+          <a:bodyPr wrap="none" rtlCol="0">
+            <a:spAutoFit/>
+          </a:bodyPr>
+          <a:lstStyle/>
+          <a:p>
+            <a:r>
+              <a:rPr kumimoji="1" lang="en-US" altLang="ja-JP" sz="2400" dirty="0"/>
+              <a:t>D</a:t>
+            </a:r>
+            <a:endParaRPr kumimoji="1" lang="ja-JP" altLang="en-US" sz="2400" dirty="0"/>
+          </a:p>
+        </p:txBody>
+      </p:sp>
+      <mc:AlternateContent xmlns:mc="http://schemas.openxmlformats.org/markup-compatibility/2006">
+        <mc:Choice xmlns:a14="http://schemas.microsoft.com/office/drawing/2010/main" Requires="a14">
+          <p:sp>
+            <p:nvSpPr>
+              <p:cNvPr id="29" name="テキスト ボックス 28">
+                <a:extLst>
+                  <a:ext uri="{FF2B5EF4-FFF2-40B4-BE49-F238E27FC236}">
+                    <a16:creationId xmlns:a16="http://schemas.microsoft.com/office/drawing/2014/main" id="{D91D02B5-193D-B7CC-DA0D-74973E0A69D4}"/>
+                  </a:ext>
+                </a:extLst>
+              </p:cNvPr>
+              <p:cNvSpPr txBox="1"/>
+              <p:nvPr/>
+            </p:nvSpPr>
+            <p:spPr>
+              <a:xfrm>
+                <a:off x="9349580" y="3863425"/>
+                <a:ext cx="1396473" cy="461665"/>
+              </a:xfrm>
+              <a:prstGeom prst="rect">
+                <a:avLst/>
+              </a:prstGeom>
+              <a:noFill/>
+            </p:spPr>
+            <p:txBody>
+              <a:bodyPr wrap="none" rtlCol="0">
+                <a:spAutoFit/>
+              </a:bodyPr>
+              <a:lstStyle/>
+              <a:p>
+                <a14:m>
+                  <m:oMathPara xmlns:m="http://schemas.openxmlformats.org/officeDocument/2006/math">
+                    <m:oMathParaPr>
+                      <m:jc m:val="centerGroup"/>
+                    </m:oMathParaPr>
+                    <m:oMath xmlns:m="http://schemas.openxmlformats.org/officeDocument/2006/math">
+                      <m:sSub>
+                        <m:sSubPr>
+                          <m:ctrlPr>
+                            <a:rPr kumimoji="1" lang="en-US" altLang="ja-JP" sz="2400" i="1" dirty="0" smtClean="0">
+                              <a:latin typeface="Cambria Math" panose="02040503050406030204" pitchFamily="18" charset="0"/>
+                            </a:rPr>
+                          </m:ctrlPr>
+                        </m:sSubPr>
+                        <m:e>
+                          <m:r>
+                            <m:rPr>
+                              <m:sty m:val="p"/>
+                            </m:rPr>
+                            <a:rPr kumimoji="1" lang="en-US" altLang="ja-JP" sz="2400" dirty="0">
+                              <a:latin typeface="Cambria Math" panose="02040503050406030204" pitchFamily="18" charset="0"/>
+                            </a:rPr>
+                            <m:t>CH</m:t>
+                          </m:r>
+                        </m:e>
+                        <m:sub>
+                          <m:r>
+                            <a:rPr kumimoji="1" lang="en-US" altLang="ja-JP" sz="2400" dirty="0">
+                              <a:latin typeface="Cambria Math" panose="02040503050406030204" pitchFamily="18" charset="0"/>
+                            </a:rPr>
+                            <m:t>2</m:t>
+                          </m:r>
+                        </m:sub>
+                      </m:sSub>
+                      <m:r>
+                        <m:rPr>
+                          <m:sty m:val="p"/>
+                        </m:rPr>
+                        <a:rPr kumimoji="1" lang="en-US" altLang="ja-JP" sz="2400" dirty="0">
+                          <a:latin typeface="Cambria Math" panose="02040503050406030204" pitchFamily="18" charset="0"/>
+                        </a:rPr>
+                        <m:t>DOH</m:t>
+                      </m:r>
+                    </m:oMath>
+                  </m:oMathPara>
+                </a14:m>
+                <a:endParaRPr kumimoji="1" lang="ja-JP" altLang="en-US" sz="2400" dirty="0">
+                  <a:solidFill>
+                    <a:srgbClr val="00B0F0"/>
+                  </a:solidFill>
+                </a:endParaRPr>
+              </a:p>
+            </p:txBody>
+          </p:sp>
+        </mc:Choice>
+        <mc:Fallback>
+          <p:sp>
+            <p:nvSpPr>
+              <p:cNvPr id="29" name="テキスト ボックス 28">
+                <a:extLst>
+                  <a:ext uri="{FF2B5EF4-FFF2-40B4-BE49-F238E27FC236}">
+                    <a16:creationId xmlns:a16="http://schemas.microsoft.com/office/drawing/2014/main" id="{D91D02B5-193D-B7CC-DA0D-74973E0A69D4}"/>
+                  </a:ext>
+                </a:extLst>
+              </p:cNvPr>
+              <p:cNvSpPr txBox="1">
+                <a:spLocks noRot="1" noChangeAspect="1" noMove="1" noResize="1" noEditPoints="1" noAdjustHandles="1" noChangeArrowheads="1" noChangeShapeType="1" noTextEdit="1"/>
+              </p:cNvSpPr>
+              <p:nvPr/>
+            </p:nvSpPr>
+            <p:spPr>
+              <a:xfrm>
+                <a:off x="9349580" y="3863425"/>
+                <a:ext cx="1396473" cy="461665"/>
+              </a:xfrm>
+              <a:prstGeom prst="rect">
+                <a:avLst/>
+              </a:prstGeom>
+              <a:blipFill>
+                <a:blip r:embed="rId5"/>
+                <a:stretch>
+                  <a:fillRect b="-1333"/>
+                </a:stretch>
+              </a:blipFill>
+            </p:spPr>
+            <p:txBody>
+              <a:bodyPr/>
+              <a:lstStyle/>
+              <a:p>
+                <a:r>
+                  <a:rPr lang="ja-JP" altLang="en-US">
+                    <a:noFill/>
+                  </a:rPr>
+                  <a:t> </a:t>
+                </a:r>
+              </a:p>
+            </p:txBody>
+          </p:sp>
+        </mc:Fallback>
+      </mc:AlternateContent>
+      <mc:AlternateContent xmlns:mc="http://schemas.openxmlformats.org/markup-compatibility/2006">
+        <mc:Choice xmlns:a14="http://schemas.microsoft.com/office/drawing/2010/main" Requires="a14">
+          <p:sp>
+            <p:nvSpPr>
+              <p:cNvPr id="30" name="テキスト ボックス 29">
+                <a:extLst>
+                  <a:ext uri="{FF2B5EF4-FFF2-40B4-BE49-F238E27FC236}">
+                    <a16:creationId xmlns:a16="http://schemas.microsoft.com/office/drawing/2014/main" id="{9EDCEFCF-4A5C-F2D6-E10C-ECF35229693E}"/>
+                  </a:ext>
+                </a:extLst>
+              </p:cNvPr>
+              <p:cNvSpPr txBox="1"/>
+              <p:nvPr/>
+            </p:nvSpPr>
+            <p:spPr>
+              <a:xfrm>
+                <a:off x="7912070" y="3858933"/>
+                <a:ext cx="1192891" cy="461665"/>
+              </a:xfrm>
+              <a:prstGeom prst="rect">
+                <a:avLst/>
+              </a:prstGeom>
+              <a:noFill/>
+            </p:spPr>
+            <p:txBody>
+              <a:bodyPr wrap="none" rtlCol="0">
+                <a:spAutoFit/>
+              </a:bodyPr>
+              <a:lstStyle/>
+              <a:p>
+                <a14:m>
+                  <m:oMathPara xmlns:m="http://schemas.openxmlformats.org/officeDocument/2006/math">
+                    <m:oMathParaPr>
+                      <m:jc m:val="centerGroup"/>
+                    </m:oMathParaPr>
+                    <m:oMath xmlns:m="http://schemas.openxmlformats.org/officeDocument/2006/math">
+                      <m:sSub>
+                        <m:sSubPr>
+                          <m:ctrlPr>
+                            <a:rPr kumimoji="1" lang="en-US" altLang="ja-JP" sz="2400" i="1" dirty="0" smtClean="0">
+                              <a:latin typeface="Cambria Math" panose="02040503050406030204" pitchFamily="18" charset="0"/>
+                            </a:rPr>
+                          </m:ctrlPr>
+                        </m:sSubPr>
+                        <m:e>
+                          <m:r>
+                            <m:rPr>
+                              <m:sty m:val="p"/>
+                            </m:rPr>
+                            <a:rPr kumimoji="1" lang="en-US" altLang="ja-JP" sz="2400" dirty="0">
+                              <a:latin typeface="Cambria Math" panose="02040503050406030204" pitchFamily="18" charset="0"/>
+                            </a:rPr>
+                            <m:t>CH</m:t>
+                          </m:r>
+                        </m:e>
+                        <m:sub>
+                          <m:r>
+                            <a:rPr kumimoji="1" lang="en-US" altLang="ja-JP" sz="2400" dirty="0">
+                              <a:latin typeface="Cambria Math" panose="02040503050406030204" pitchFamily="18" charset="0"/>
+                            </a:rPr>
+                            <m:t>3</m:t>
+                          </m:r>
+                        </m:sub>
+                      </m:sSub>
+                      <m:r>
+                        <m:rPr>
+                          <m:sty m:val="p"/>
+                        </m:rPr>
+                        <a:rPr kumimoji="1" lang="en-US" altLang="ja-JP" sz="2400" dirty="0">
+                          <a:latin typeface="Cambria Math" panose="02040503050406030204" pitchFamily="18" charset="0"/>
+                        </a:rPr>
+                        <m:t>OH</m:t>
+                      </m:r>
+                    </m:oMath>
+                  </m:oMathPara>
+                </a14:m>
+                <a:endParaRPr kumimoji="1" lang="ja-JP" altLang="en-US" sz="2400" dirty="0"/>
+              </a:p>
+            </p:txBody>
+          </p:sp>
+        </mc:Choice>
+        <mc:Fallback>
+          <p:sp>
+            <p:nvSpPr>
+              <p:cNvPr id="30" name="テキスト ボックス 29">
+                <a:extLst>
+                  <a:ext uri="{FF2B5EF4-FFF2-40B4-BE49-F238E27FC236}">
+                    <a16:creationId xmlns:a16="http://schemas.microsoft.com/office/drawing/2014/main" id="{9EDCEFCF-4A5C-F2D6-E10C-ECF35229693E}"/>
+                  </a:ext>
+                </a:extLst>
+              </p:cNvPr>
+              <p:cNvSpPr txBox="1">
+                <a:spLocks noRot="1" noChangeAspect="1" noMove="1" noResize="1" noEditPoints="1" noAdjustHandles="1" noChangeArrowheads="1" noChangeShapeType="1" noTextEdit="1"/>
+              </p:cNvSpPr>
+              <p:nvPr/>
+            </p:nvSpPr>
+            <p:spPr>
+              <a:xfrm>
+                <a:off x="7912070" y="3858933"/>
+                <a:ext cx="1192891" cy="461665"/>
+              </a:xfrm>
+              <a:prstGeom prst="rect">
+                <a:avLst/>
+              </a:prstGeom>
+              <a:blipFill>
+                <a:blip r:embed="rId6"/>
+                <a:stretch>
+                  <a:fillRect b="-1316"/>
+                </a:stretch>
+              </a:blipFill>
+            </p:spPr>
+            <p:txBody>
+              <a:bodyPr/>
+              <a:lstStyle/>
+              <a:p>
+                <a:r>
+                  <a:rPr lang="ja-JP" altLang="en-US">
+                    <a:noFill/>
+                  </a:rPr>
+                  <a:t> </a:t>
+                </a:r>
+              </a:p>
+            </p:txBody>
+          </p:sp>
+        </mc:Fallback>
+      </mc:AlternateContent>
+      <p:sp>
+        <p:nvSpPr>
+          <p:cNvPr id="36" name="テキスト ボックス 35">
+            <a:extLst>
+              <a:ext uri="{FF2B5EF4-FFF2-40B4-BE49-F238E27FC236}">
+                <a16:creationId xmlns:a16="http://schemas.microsoft.com/office/drawing/2014/main" id="{41605260-342F-A57C-52A6-9EEC625FE0AD}"/>
+              </a:ext>
+            </a:extLst>
+          </p:cNvPr>
+          <p:cNvSpPr txBox="1"/>
+          <p:nvPr/>
+        </p:nvSpPr>
+        <p:spPr>
+          <a:xfrm>
+            <a:off x="9139665" y="3936779"/>
+            <a:ext cx="312906" cy="400110"/>
+          </a:xfrm>
+          <a:prstGeom prst="rect">
+            <a:avLst/>
+          </a:prstGeom>
+          <a:noFill/>
+        </p:spPr>
+        <p:txBody>
+          <a:bodyPr wrap="square" rtlCol="0">
+            <a:spAutoFit/>
+          </a:bodyPr>
+          <a:lstStyle/>
+          <a:p>
+            <a:r>
+              <a:rPr kumimoji="1" lang="en-US" altLang="ja-JP" sz="2000" dirty="0"/>
+              <a:t>~</a:t>
+            </a:r>
+            <a:endParaRPr kumimoji="1" lang="ja-JP" altLang="en-US" sz="2000" dirty="0"/>
+          </a:p>
+        </p:txBody>
+      </p:sp>
+      <p:pic>
+        <p:nvPicPr>
+          <p:cNvPr id="38" name="図 37">
+            <a:extLst>
+              <a:ext uri="{FF2B5EF4-FFF2-40B4-BE49-F238E27FC236}">
+                <a16:creationId xmlns:a16="http://schemas.microsoft.com/office/drawing/2014/main" id="{8EC9FAB6-CCE8-0BA8-A1F3-543127F691AF}"/>
+              </a:ext>
+            </a:extLst>
+          </p:cNvPr>
+          <p:cNvPicPr>
+            <a:picLocks noChangeAspect="1"/>
+          </p:cNvPicPr>
+          <p:nvPr/>
+        </p:nvPicPr>
+        <p:blipFill rotWithShape="1">
+          <a:blip r:embed="rId7">
+            <a:extLst>
+              <a:ext uri="{28A0092B-C50C-407E-A947-70E740481C1C}">
+                <a14:useLocalDpi xmlns:a14="http://schemas.microsoft.com/office/drawing/2010/main" val="0"/>
+              </a:ext>
+            </a:extLst>
+          </a:blip>
+          <a:srcRect t="11297" r="31437"/>
+          <a:stretch/>
+        </p:blipFill>
+        <p:spPr>
+          <a:xfrm>
+            <a:off x="5743826" y="1767423"/>
+            <a:ext cx="1475903" cy="1884120"/>
+          </a:xfrm>
+          <a:prstGeom prst="rect">
+            <a:avLst/>
+          </a:prstGeom>
+        </p:spPr>
+      </p:pic>
+      <p:sp>
+        <p:nvSpPr>
+          <p:cNvPr id="39" name="テキスト ボックス 38">
+            <a:extLst>
+              <a:ext uri="{FF2B5EF4-FFF2-40B4-BE49-F238E27FC236}">
+                <a16:creationId xmlns:a16="http://schemas.microsoft.com/office/drawing/2014/main" id="{6C9202EB-6207-FC57-2DC1-190C86200807}"/>
+              </a:ext>
+            </a:extLst>
+          </p:cNvPr>
+          <p:cNvSpPr txBox="1"/>
+          <p:nvPr/>
+        </p:nvSpPr>
+        <p:spPr>
+          <a:xfrm>
+            <a:off x="5656863" y="1141234"/>
+            <a:ext cx="1723549" cy="461665"/>
+          </a:xfrm>
+          <a:prstGeom prst="rect">
+            <a:avLst/>
+          </a:prstGeom>
+          <a:noFill/>
+        </p:spPr>
+        <p:txBody>
+          <a:bodyPr wrap="none" rtlCol="0">
+            <a:spAutoFit/>
+          </a:bodyPr>
+          <a:lstStyle/>
+          <a:p>
+            <a:r>
+              <a:rPr kumimoji="1" lang="ja-JP" altLang="en-US" sz="2400" dirty="0">
+                <a:latin typeface="BIZ UDPゴシック" panose="020B0400000000000000" pitchFamily="50" charset="-128"/>
+                <a:ea typeface="BIZ UDPゴシック" panose="020B0400000000000000" pitchFamily="50" charset="-128"/>
+              </a:rPr>
+              <a:t>星間分子雲</a:t>
             </a:r>
           </a:p>
         </p:txBody>
@@ -7355,7 +7972,7 @@
         <p:spPr>
           <a:xfrm>
             <a:off x="7217850" y="3066611"/>
-            <a:ext cx="668260" cy="369332"/>
+            <a:ext cx="668260" cy="461665"/>
           </a:xfrm>
           <a:prstGeom prst="rect">
             <a:avLst/>
@@ -7369,173 +7986,13 @@
           <a:lstStyle/>
           <a:p>
             <a:r>
-              <a:rPr kumimoji="1" lang="en-US" altLang="ja-JP" dirty="0"/>
+              <a:rPr kumimoji="1" lang="en-US" altLang="ja-JP" sz="2400" dirty="0"/>
               <a:t>CO</a:t>
             </a:r>
-            <a:endParaRPr kumimoji="1" lang="ja-JP" altLang="en-US" dirty="0"/>
-          </a:p>
-        </p:txBody>
-      </p:sp>
-      <p:sp>
-        <p:nvSpPr>
-          <p:cNvPr id="8" name="テキスト ボックス 7">
-            <a:extLst>
-              <a:ext uri="{FF2B5EF4-FFF2-40B4-BE49-F238E27FC236}">
-                <a16:creationId xmlns:a16="http://schemas.microsoft.com/office/drawing/2014/main" id="{97925AEA-0E9A-FDAE-B277-9F989DB00AEE}"/>
-              </a:ext>
-            </a:extLst>
-          </p:cNvPr>
-          <p:cNvSpPr txBox="1"/>
-          <p:nvPr/>
-        </p:nvSpPr>
-        <p:spPr>
-          <a:xfrm>
-            <a:off x="6126769" y="2300993"/>
-            <a:ext cx="479598" cy="369332"/>
-          </a:xfrm>
-          <a:prstGeom prst="rect">
-            <a:avLst/>
-          </a:prstGeom>
-          <a:noFill/>
-        </p:spPr>
-        <p:txBody>
-          <a:bodyPr wrap="square" rtlCol="0">
-            <a:spAutoFit/>
-          </a:bodyPr>
-          <a:lstStyle/>
-          <a:p>
-            <a:r>
-              <a:rPr kumimoji="1" lang="en-US" altLang="ja-JP" dirty="0"/>
-              <a:t>H</a:t>
-            </a:r>
-            <a:endParaRPr kumimoji="1" lang="ja-JP" altLang="en-US" dirty="0"/>
-          </a:p>
-        </p:txBody>
-      </p:sp>
-      <p:sp>
-        <p:nvSpPr>
-          <p:cNvPr id="9" name="テキスト ボックス 8">
-            <a:extLst>
-              <a:ext uri="{FF2B5EF4-FFF2-40B4-BE49-F238E27FC236}">
-                <a16:creationId xmlns:a16="http://schemas.microsoft.com/office/drawing/2014/main" id="{ACF187B7-CBDA-B95C-A3B6-D5A6D9883475}"/>
-              </a:ext>
-            </a:extLst>
-          </p:cNvPr>
-          <p:cNvSpPr txBox="1"/>
-          <p:nvPr/>
-        </p:nvSpPr>
-        <p:spPr>
-          <a:xfrm>
-            <a:off x="6026597" y="3889396"/>
-            <a:ext cx="477263" cy="369332"/>
-          </a:xfrm>
-          <a:prstGeom prst="rect">
-            <a:avLst/>
-          </a:prstGeom>
-          <a:noFill/>
-        </p:spPr>
-        <p:txBody>
-          <a:bodyPr wrap="square" rtlCol="0">
-            <a:spAutoFit/>
-          </a:bodyPr>
-          <a:lstStyle/>
-          <a:p>
-            <a:r>
-              <a:rPr kumimoji="1" lang="en-US" altLang="ja-JP" dirty="0"/>
-              <a:t>D</a:t>
-            </a:r>
-            <a:endParaRPr kumimoji="1" lang="ja-JP" altLang="en-US" dirty="0"/>
-          </a:p>
-        </p:txBody>
-      </p:sp>
-      <p:cxnSp>
-        <p:nvCxnSpPr>
-          <p:cNvPr id="10" name="直線矢印コネクタ 9">
-            <a:extLst>
-              <a:ext uri="{FF2B5EF4-FFF2-40B4-BE49-F238E27FC236}">
-                <a16:creationId xmlns:a16="http://schemas.microsoft.com/office/drawing/2014/main" id="{3618D913-F124-28BA-6EEA-6CAD1058D328}"/>
-              </a:ext>
-            </a:extLst>
-          </p:cNvPr>
-          <p:cNvCxnSpPr>
-            <a:cxnSpLocks/>
-          </p:cNvCxnSpPr>
-          <p:nvPr/>
-        </p:nvCxnSpPr>
-        <p:spPr>
-          <a:xfrm>
-            <a:off x="6579917" y="2527934"/>
-            <a:ext cx="766814" cy="496402"/>
-          </a:xfrm>
-          <a:prstGeom prst="straightConnector1">
-            <a:avLst/>
-          </a:prstGeom>
-          <a:ln w="28575">
-            <a:solidFill>
-              <a:schemeClr val="tx1"/>
-            </a:solidFill>
-            <a:tailEnd type="triangle"/>
-          </a:ln>
-        </p:spPr>
-        <p:style>
-          <a:lnRef idx="1">
-            <a:schemeClr val="accent1"/>
-          </a:lnRef>
-          <a:fillRef idx="0">
-            <a:schemeClr val="accent1"/>
-          </a:fillRef>
-          <a:effectRef idx="0">
-            <a:schemeClr val="accent1"/>
-          </a:effectRef>
-          <a:fontRef idx="minor">
-            <a:schemeClr val="tx1"/>
-          </a:fontRef>
-        </p:style>
-      </p:cxnSp>
-      <p:cxnSp>
-        <p:nvCxnSpPr>
-          <p:cNvPr id="11" name="直線矢印コネクタ 10">
-            <a:extLst>
-              <a:ext uri="{FF2B5EF4-FFF2-40B4-BE49-F238E27FC236}">
-                <a16:creationId xmlns:a16="http://schemas.microsoft.com/office/drawing/2014/main" id="{D1A8E506-DDAA-3379-031F-B7953FAE8097}"/>
-              </a:ext>
-            </a:extLst>
-          </p:cNvPr>
-          <p:cNvCxnSpPr>
-            <a:cxnSpLocks/>
-          </p:cNvCxnSpPr>
-          <p:nvPr/>
-        </p:nvCxnSpPr>
-        <p:spPr>
-          <a:xfrm flipV="1">
-            <a:off x="6395157" y="3397936"/>
-            <a:ext cx="809621" cy="524707"/>
-          </a:xfrm>
-          <a:prstGeom prst="straightConnector1">
-            <a:avLst/>
-          </a:prstGeom>
-          <a:ln w="28575">
-            <a:solidFill>
-              <a:schemeClr val="tx1"/>
-            </a:solidFill>
-            <a:tailEnd type="triangle"/>
-          </a:ln>
-        </p:spPr>
-        <p:style>
-          <a:lnRef idx="1">
-            <a:schemeClr val="accent1"/>
-          </a:lnRef>
-          <a:fillRef idx="0">
-            <a:schemeClr val="accent1"/>
-          </a:fillRef>
-          <a:effectRef idx="0">
-            <a:schemeClr val="accent1"/>
-          </a:effectRef>
-          <a:fontRef idx="minor">
-            <a:schemeClr val="tx1"/>
-          </a:fontRef>
-        </p:style>
-      </p:cxnSp>
+            <a:endParaRPr kumimoji="1" lang="ja-JP" altLang="en-US" sz="2400" dirty="0"/>
+          </a:p>
+        </p:txBody>
+      </p:sp>
       <p:cxnSp>
         <p:nvCxnSpPr>
           <p:cNvPr id="12" name="直線矢印コネクタ 11">
@@ -7638,8 +8095,8 @@
         </p:nvSpPr>
         <p:spPr>
           <a:xfrm>
-            <a:off x="7846171" y="2095325"/>
-            <a:ext cx="646914" cy="369332"/>
+            <a:off x="7846170" y="2095325"/>
+            <a:ext cx="893347" cy="461665"/>
           </a:xfrm>
           <a:prstGeom prst="rect">
             <a:avLst/>
@@ -7653,7 +8110,7 @@
           <a:lstStyle/>
           <a:p>
             <a:r>
-              <a:rPr kumimoji="1" lang="en-US" altLang="ja-JP" dirty="0"/>
+              <a:rPr kumimoji="1" lang="en-US" altLang="ja-JP" sz="2400" dirty="0"/>
               <a:t>CHO</a:t>
             </a:r>
           </a:p>
@@ -7673,7 +8130,7 @@
         </p:nvSpPr>
         <p:spPr>
           <a:xfrm>
-            <a:off x="792456" y="422306"/>
+            <a:off x="656265" y="404343"/>
             <a:ext cx="1826141" cy="584775"/>
           </a:xfrm>
           <a:prstGeom prst="rect">
@@ -7711,8 +8168,8 @@
         </p:nvSpPr>
         <p:spPr>
           <a:xfrm>
-            <a:off x="1353708" y="1246898"/>
-            <a:ext cx="4423368" cy="4893647"/>
+            <a:off x="867680" y="1450783"/>
+            <a:ext cx="5033578" cy="3416320"/>
           </a:xfrm>
           <a:prstGeom prst="rect">
             <a:avLst/>
@@ -7764,7 +8221,7 @@
               <a:rPr lang="ja-JP" altLang="en-US" sz="2400" dirty="0">
                 <a:latin typeface="+mn-ea"/>
               </a:rPr>
-              <a:t>原子の逐次反応によって生成</a:t>
+              <a:t>原子が次々と反応することによって生成</a:t>
             </a:r>
             <a:endParaRPr lang="en-US" altLang="ja-JP" sz="2400" dirty="0">
               <a:latin typeface="+mn-ea"/>
@@ -7799,51 +8256,6 @@
               <a:t>氷表面でのメタノール生成過程における同位体効果を解明する</a:t>
             </a:r>
             <a:endParaRPr lang="en-US" altLang="ja-JP" sz="2400" dirty="0">
-              <a:latin typeface="+mn-ea"/>
-            </a:endParaRPr>
-          </a:p>
-          <a:p>
-            <a:endParaRPr lang="en-US" altLang="ja-JP" sz="2400" dirty="0">
-              <a:latin typeface="+mn-ea"/>
-            </a:endParaRPr>
-          </a:p>
-          <a:p>
-            <a:endParaRPr lang="en-US" altLang="ja-JP" sz="2400" dirty="0">
-              <a:latin typeface="+mn-ea"/>
-            </a:endParaRPr>
-          </a:p>
-          <a:p>
-            <a:r>
-              <a:rPr lang="ja-JP" altLang="en-US" sz="2400" dirty="0">
-                <a:solidFill>
-                  <a:srgbClr val="FF0000"/>
-                </a:solidFill>
-                <a:latin typeface="+mn-ea"/>
-              </a:rPr>
-              <a:t>➡ </a:t>
-            </a:r>
-            <a:r>
-              <a:rPr lang="en-US" altLang="ja-JP" sz="2400" b="1" dirty="0">
-                <a:solidFill>
-                  <a:srgbClr val="FF0000"/>
-                </a:solidFill>
-                <a:latin typeface="+mn-ea"/>
-              </a:rPr>
-              <a:t>D</a:t>
-            </a:r>
-            <a:r>
-              <a:rPr lang="ja-JP" altLang="en-US" sz="2400" b="1" dirty="0">
-                <a:solidFill>
-                  <a:srgbClr val="FF0000"/>
-                </a:solidFill>
-                <a:latin typeface="+mn-ea"/>
-              </a:rPr>
-              <a:t>原子を扱える手法が必要</a:t>
-            </a:r>
-            <a:endParaRPr lang="en-US" altLang="ja-JP" sz="2400" b="1" dirty="0">
-              <a:solidFill>
-                <a:srgbClr val="FF0000"/>
-              </a:solidFill>
               <a:latin typeface="+mn-ea"/>
             </a:endParaRPr>
           </a:p>
@@ -7866,7 +8278,7 @@
             <p:spPr>
               <a:xfrm>
                 <a:off x="9892451" y="2767779"/>
-                <a:ext cx="1178336" cy="369332"/>
+                <a:ext cx="1178336" cy="461665"/>
               </a:xfrm>
               <a:prstGeom prst="rect">
                 <a:avLst/>
@@ -7889,7 +8301,7 @@
                       <m:sSub>
                         <m:sSubPr>
                           <m:ctrlPr>
-                            <a:rPr kumimoji="1" lang="en-US" altLang="ja-JP" b="0" i="1" dirty="0" smtClean="0">
+                            <a:rPr kumimoji="1" lang="en-US" altLang="ja-JP" sz="2400" b="0" i="1" dirty="0" smtClean="0">
                               <a:latin typeface="Cambria Math" panose="02040503050406030204" pitchFamily="18" charset="0"/>
                             </a:rPr>
                           </m:ctrlPr>
@@ -7899,7 +8311,7 @@
                             <m:rPr>
                               <m:sty m:val="p"/>
                             </m:rPr>
-                            <a:rPr kumimoji="1" lang="en-US" altLang="ja-JP" i="0" dirty="0" smtClean="0">
+                            <a:rPr kumimoji="1" lang="en-US" altLang="ja-JP" sz="2400" i="0" dirty="0" smtClean="0">
                               <a:latin typeface="Cambria Math" panose="02040503050406030204" pitchFamily="18" charset="0"/>
                             </a:rPr>
                             <m:t>H</m:t>
@@ -7907,7 +8319,7 @@
                         </m:e>
                         <m:sub>
                           <m:r>
-                            <a:rPr kumimoji="1" lang="en-US" altLang="ja-JP" b="0" i="0" dirty="0" smtClean="0">
+                            <a:rPr kumimoji="1" lang="en-US" altLang="ja-JP" sz="2400" b="0" i="0" dirty="0" smtClean="0">
                               <a:latin typeface="Cambria Math" panose="02040503050406030204" pitchFamily="18" charset="0"/>
                             </a:rPr>
                             <m:t>2</m:t>
@@ -7918,7 +8330,7 @@
                         <m:rPr>
                           <m:sty m:val="p"/>
                         </m:rPr>
-                        <a:rPr kumimoji="1" lang="en-US" altLang="ja-JP" i="0" dirty="0" smtClean="0">
+                        <a:rPr kumimoji="1" lang="en-US" altLang="ja-JP" sz="2400" i="0" dirty="0" smtClean="0">
                           <a:latin typeface="Cambria Math" panose="02040503050406030204" pitchFamily="18" charset="0"/>
                         </a:rPr>
                         <m:t>CO</m:t>
@@ -7926,7 +8338,7 @@
                     </m:oMath>
                   </m:oMathPara>
                 </a14:m>
-                <a:endParaRPr kumimoji="1" lang="ja-JP" altLang="en-US" dirty="0">
+                <a:endParaRPr kumimoji="1" lang="ja-JP" altLang="en-US" sz="2400" dirty="0">
                   <a:latin typeface="BIZ UDPゴシック" panose="020B0400000000000000" pitchFamily="50" charset="-128"/>
                   <a:ea typeface="BIZ UDPゴシック" panose="020B0400000000000000" pitchFamily="50" charset="-128"/>
                 </a:endParaRPr>
@@ -7952,7 +8364,7 @@
             <p:spPr>
               <a:xfrm>
                 <a:off x="9892451" y="2767779"/>
-                <a:ext cx="1178336" cy="369332"/>
+                <a:ext cx="1178336" cy="461665"/>
               </a:xfrm>
               <a:prstGeom prst="rect">
                 <a:avLst/>
@@ -7960,7 +8372,7 @@
               <a:blipFill>
                 <a:blip r:embed="rId2"/>
                 <a:stretch>
-                  <a:fillRect b="-1639"/>
+                  <a:fillRect b="-5263"/>
                 </a:stretch>
               </a:blipFill>
             </p:spPr>
@@ -8111,8 +8523,8 @@
             </p:nvSpPr>
             <p:spPr>
               <a:xfrm>
-                <a:off x="8543766" y="4220021"/>
-                <a:ext cx="1095107" cy="369332"/>
+                <a:off x="8570808" y="4236547"/>
+                <a:ext cx="1396473" cy="461665"/>
               </a:xfrm>
               <a:prstGeom prst="rect">
                 <a:avLst/>
@@ -8140,7 +8552,7 @@
                       <m:sSub>
                         <m:sSubPr>
                           <m:ctrlPr>
-                            <a:rPr kumimoji="1" lang="en-US" altLang="ja-JP" b="0" i="1" dirty="0" smtClean="0">
+                            <a:rPr kumimoji="1" lang="en-US" altLang="ja-JP" sz="2400" b="0" i="1" dirty="0" smtClean="0">
                               <a:latin typeface="Cambria Math" panose="02040503050406030204" pitchFamily="18" charset="0"/>
                             </a:rPr>
                           </m:ctrlPr>
@@ -8150,7 +8562,7 @@
                             <m:rPr>
                               <m:sty m:val="p"/>
                             </m:rPr>
-                            <a:rPr kumimoji="1" lang="en-US" altLang="ja-JP" i="0" dirty="0" smtClean="0">
+                            <a:rPr kumimoji="1" lang="en-US" altLang="ja-JP" sz="2400" i="0" dirty="0" smtClean="0">
                               <a:latin typeface="Cambria Math" panose="02040503050406030204" pitchFamily="18" charset="0"/>
                             </a:rPr>
                             <m:t>CH</m:t>
@@ -8158,7 +8570,7 @@
                         </m:e>
                         <m:sub>
                           <m:r>
-                            <a:rPr kumimoji="1" lang="en-US" altLang="ja-JP" b="0" i="0" dirty="0" smtClean="0">
+                            <a:rPr kumimoji="1" lang="en-US" altLang="ja-JP" sz="2400" b="0" i="0" dirty="0" smtClean="0">
                               <a:latin typeface="Cambria Math" panose="02040503050406030204" pitchFamily="18" charset="0"/>
                             </a:rPr>
                             <m:t>2</m:t>
@@ -8169,7 +8581,7 @@
                         <m:rPr>
                           <m:sty m:val="p"/>
                         </m:rPr>
-                        <a:rPr kumimoji="1" lang="en-US" altLang="ja-JP" i="0" dirty="0" smtClean="0">
+                        <a:rPr kumimoji="1" lang="en-US" altLang="ja-JP" sz="2400" i="0" dirty="0" smtClean="0">
                           <a:latin typeface="Cambria Math" panose="02040503050406030204" pitchFamily="18" charset="0"/>
                         </a:rPr>
                         <m:t>DOH</m:t>
@@ -8177,7 +8589,7 @@
                     </m:oMath>
                   </m:oMathPara>
                 </a14:m>
-                <a:endParaRPr kumimoji="1" lang="en-US" altLang="ja-JP" dirty="0"/>
+                <a:endParaRPr kumimoji="1" lang="en-US" altLang="ja-JP" sz="2400" dirty="0"/>
               </a:p>
             </p:txBody>
           </p:sp>
@@ -8199,8 +8611,8 @@
             </p:nvSpPr>
             <p:spPr>
               <a:xfrm>
-                <a:off x="8543766" y="4220021"/>
-                <a:ext cx="1095107" cy="369332"/>
+                <a:off x="8570808" y="4236547"/>
+                <a:ext cx="1396473" cy="461665"/>
               </a:xfrm>
               <a:prstGeom prst="rect">
                 <a:avLst/>
@@ -8320,6 +8732,398 @@
           </a:fontRef>
         </p:style>
       </p:cxnSp>
+      <p:sp>
+        <p:nvSpPr>
+          <p:cNvPr id="6" name="テキスト ボックス 5">
+            <a:extLst>
+              <a:ext uri="{FF2B5EF4-FFF2-40B4-BE49-F238E27FC236}">
+                <a16:creationId xmlns:a16="http://schemas.microsoft.com/office/drawing/2014/main" id="{E7DB0272-72A5-C1E0-7FD0-4A903696C348}"/>
+              </a:ext>
+            </a:extLst>
+          </p:cNvPr>
+          <p:cNvSpPr txBox="1"/>
+          <p:nvPr/>
+        </p:nvSpPr>
+        <p:spPr>
+          <a:xfrm>
+            <a:off x="6319225" y="3066610"/>
+            <a:ext cx="906017" cy="461665"/>
+          </a:xfrm>
+          <a:prstGeom prst="rect">
+            <a:avLst/>
+          </a:prstGeom>
+          <a:noFill/>
+        </p:spPr>
+        <p:txBody>
+          <a:bodyPr wrap="none" rtlCol="0">
+            <a:spAutoFit/>
+          </a:bodyPr>
+          <a:lstStyle/>
+          <a:p>
+            <a:r>
+              <a:rPr kumimoji="1" lang="en-US" altLang="ja-JP" sz="2400" dirty="0"/>
+              <a:t>H(D)+</a:t>
+            </a:r>
+            <a:endParaRPr kumimoji="1" lang="ja-JP" altLang="en-US" sz="2400" dirty="0"/>
+          </a:p>
+        </p:txBody>
+      </p:sp>
+      <p:sp>
+        <p:nvSpPr>
+          <p:cNvPr id="14" name="テキスト ボックス 13">
+            <a:extLst>
+              <a:ext uri="{FF2B5EF4-FFF2-40B4-BE49-F238E27FC236}">
+                <a16:creationId xmlns:a16="http://schemas.microsoft.com/office/drawing/2014/main" id="{99FDC1CD-8B82-66C4-3F9F-CC8AC8DDE856}"/>
+              </a:ext>
+            </a:extLst>
+          </p:cNvPr>
+          <p:cNvSpPr txBox="1"/>
+          <p:nvPr/>
+        </p:nvSpPr>
+        <p:spPr>
+          <a:xfrm>
+            <a:off x="7016322" y="2095325"/>
+            <a:ext cx="906017" cy="461665"/>
+          </a:xfrm>
+          <a:prstGeom prst="rect">
+            <a:avLst/>
+          </a:prstGeom>
+          <a:noFill/>
+        </p:spPr>
+        <p:txBody>
+          <a:bodyPr wrap="none" rtlCol="0">
+            <a:spAutoFit/>
+          </a:bodyPr>
+          <a:lstStyle/>
+          <a:p>
+            <a:r>
+              <a:rPr kumimoji="1" lang="en-US" altLang="ja-JP" sz="2400" dirty="0"/>
+              <a:t>H(D)+</a:t>
+            </a:r>
+            <a:endParaRPr kumimoji="1" lang="ja-JP" altLang="en-US" sz="2400" dirty="0"/>
+          </a:p>
+        </p:txBody>
+      </p:sp>
+      <p:sp>
+        <p:nvSpPr>
+          <p:cNvPr id="16" name="テキスト ボックス 15">
+            <a:extLst>
+              <a:ext uri="{FF2B5EF4-FFF2-40B4-BE49-F238E27FC236}">
+                <a16:creationId xmlns:a16="http://schemas.microsoft.com/office/drawing/2014/main" id="{F080DFEB-CEB8-D9D3-6915-04D5E8A9B4DA}"/>
+              </a:ext>
+            </a:extLst>
+          </p:cNvPr>
+          <p:cNvSpPr txBox="1"/>
+          <p:nvPr/>
+        </p:nvSpPr>
+        <p:spPr>
+          <a:xfrm>
+            <a:off x="10858500" y="2753485"/>
+            <a:ext cx="906017" cy="461665"/>
+          </a:xfrm>
+          <a:prstGeom prst="rect">
+            <a:avLst/>
+          </a:prstGeom>
+          <a:noFill/>
+        </p:spPr>
+        <p:txBody>
+          <a:bodyPr wrap="none" rtlCol="0">
+            <a:spAutoFit/>
+          </a:bodyPr>
+          <a:lstStyle/>
+          <a:p>
+            <a:r>
+              <a:rPr kumimoji="1" lang="en-US" altLang="ja-JP" sz="2400" dirty="0"/>
+              <a:t>+H(D)</a:t>
+            </a:r>
+            <a:endParaRPr kumimoji="1" lang="ja-JP" altLang="en-US" sz="2400" dirty="0"/>
+          </a:p>
+        </p:txBody>
+      </p:sp>
+      <mc:AlternateContent xmlns:mc="http://schemas.openxmlformats.org/markup-compatibility/2006">
+        <mc:Choice xmlns:a14="http://schemas.microsoft.com/office/drawing/2010/main" Requires="a14">
+          <p:sp>
+            <p:nvSpPr>
+              <p:cNvPr id="17" name="テキスト ボックス 16">
+                <a:extLst>
+                  <a:ext uri="{FF2B5EF4-FFF2-40B4-BE49-F238E27FC236}">
+                    <a16:creationId xmlns:a16="http://schemas.microsoft.com/office/drawing/2014/main" id="{7B3649B6-EFDF-1D85-AC53-FD1210449ED2}"/>
+                  </a:ext>
+                </a:extLst>
+              </p:cNvPr>
+              <p:cNvSpPr txBox="1"/>
+              <p:nvPr/>
+            </p:nvSpPr>
+            <p:spPr>
+              <a:xfrm>
+                <a:off x="7001386" y="4213710"/>
+                <a:ext cx="1550361" cy="461665"/>
+              </a:xfrm>
+              <a:prstGeom prst="rect">
+                <a:avLst/>
+              </a:prstGeom>
+              <a:noFill/>
+            </p:spPr>
+            <p:txBody>
+              <a:bodyPr wrap="none" rtlCol="0">
+                <a:spAutoFit/>
+              </a:bodyPr>
+              <a:lstStyle/>
+              <a:p>
+                <a14:m>
+                  <m:oMathPara xmlns:m="http://schemas.openxmlformats.org/officeDocument/2006/math">
+                    <m:oMathParaPr>
+                      <m:jc m:val="centerGroup"/>
+                    </m:oMathParaPr>
+                    <m:oMath xmlns:m="http://schemas.openxmlformats.org/officeDocument/2006/math">
+                      <m:sSub>
+                        <m:sSubPr>
+                          <m:ctrlPr>
+                            <a:rPr kumimoji="1" lang="en-US" altLang="ja-JP" sz="2400" i="1" dirty="0" smtClean="0">
+                              <a:latin typeface="Cambria Math" panose="02040503050406030204" pitchFamily="18" charset="0"/>
+                            </a:rPr>
+                          </m:ctrlPr>
+                        </m:sSubPr>
+                        <m:e>
+                          <m:r>
+                            <m:rPr>
+                              <m:sty m:val="p"/>
+                            </m:rPr>
+                            <a:rPr kumimoji="1" lang="en-US" altLang="ja-JP" sz="2400" dirty="0">
+                              <a:latin typeface="Cambria Math" panose="02040503050406030204" pitchFamily="18" charset="0"/>
+                            </a:rPr>
+                            <m:t>CH</m:t>
+                          </m:r>
+                        </m:e>
+                        <m:sub>
+                          <m:r>
+                            <a:rPr kumimoji="1" lang="en-US" altLang="ja-JP" sz="2400" dirty="0">
+                              <a:latin typeface="Cambria Math" panose="02040503050406030204" pitchFamily="18" charset="0"/>
+                            </a:rPr>
+                            <m:t>3</m:t>
+                          </m:r>
+                        </m:sub>
+                      </m:sSub>
+                      <m:r>
+                        <m:rPr>
+                          <m:sty m:val="p"/>
+                        </m:rPr>
+                        <a:rPr kumimoji="1" lang="en-US" altLang="ja-JP" sz="2400" dirty="0">
+                          <a:latin typeface="Cambria Math" panose="02040503050406030204" pitchFamily="18" charset="0"/>
+                        </a:rPr>
+                        <m:t>OH</m:t>
+                      </m:r>
+                      <m:r>
+                        <a:rPr kumimoji="1" lang="en-US" altLang="ja-JP" sz="2400" b="0" i="0" dirty="0" smtClean="0">
+                          <a:latin typeface="Cambria Math" panose="02040503050406030204" pitchFamily="18" charset="0"/>
+                        </a:rPr>
+                        <m:t> </m:t>
+                      </m:r>
+                      <m:r>
+                        <m:rPr>
+                          <m:sty m:val="p"/>
+                        </m:rPr>
+                        <a:rPr kumimoji="1" lang="en-US" altLang="ja-JP" sz="2400" b="0" i="0" dirty="0" smtClean="0">
+                          <a:latin typeface="Cambria Math" panose="02040503050406030204" pitchFamily="18" charset="0"/>
+                        </a:rPr>
+                        <m:t>or</m:t>
+                      </m:r>
+                    </m:oMath>
+                  </m:oMathPara>
+                </a14:m>
+                <a:endParaRPr kumimoji="1" lang="ja-JP" altLang="en-US" sz="2400" dirty="0"/>
+              </a:p>
+            </p:txBody>
+          </p:sp>
+        </mc:Choice>
+        <mc:Fallback>
+          <p:sp>
+            <p:nvSpPr>
+              <p:cNvPr id="17" name="テキスト ボックス 16">
+                <a:extLst>
+                  <a:ext uri="{FF2B5EF4-FFF2-40B4-BE49-F238E27FC236}">
+                    <a16:creationId xmlns:a16="http://schemas.microsoft.com/office/drawing/2014/main" id="{7B3649B6-EFDF-1D85-AC53-FD1210449ED2}"/>
+                  </a:ext>
+                </a:extLst>
+              </p:cNvPr>
+              <p:cNvSpPr txBox="1">
+                <a:spLocks noRot="1" noChangeAspect="1" noMove="1" noResize="1" noEditPoints="1" noAdjustHandles="1" noChangeArrowheads="1" noChangeShapeType="1" noTextEdit="1"/>
+              </p:cNvSpPr>
+              <p:nvPr/>
+            </p:nvSpPr>
+            <p:spPr>
+              <a:xfrm>
+                <a:off x="7001386" y="4213710"/>
+                <a:ext cx="1550361" cy="461665"/>
+              </a:xfrm>
+              <a:prstGeom prst="rect">
+                <a:avLst/>
+              </a:prstGeom>
+              <a:blipFill>
+                <a:blip r:embed="rId4"/>
+                <a:stretch>
+                  <a:fillRect b="-1316"/>
+                </a:stretch>
+              </a:blipFill>
+            </p:spPr>
+            <p:txBody>
+              <a:bodyPr/>
+              <a:lstStyle/>
+              <a:p>
+                <a:r>
+                  <a:rPr lang="ja-JP" altLang="en-US">
+                    <a:noFill/>
+                  </a:rPr>
+                  <a:t> </a:t>
+                </a:r>
+              </a:p>
+            </p:txBody>
+          </p:sp>
+        </mc:Fallback>
+      </mc:AlternateContent>
+      <p:sp>
+        <p:nvSpPr>
+          <p:cNvPr id="21" name="テキスト ボックス 20">
+            <a:extLst>
+              <a:ext uri="{FF2B5EF4-FFF2-40B4-BE49-F238E27FC236}">
+                <a16:creationId xmlns:a16="http://schemas.microsoft.com/office/drawing/2014/main" id="{EE8AB460-9363-FE64-0795-2FC3704EE8F7}"/>
+              </a:ext>
+            </a:extLst>
+          </p:cNvPr>
+          <p:cNvSpPr txBox="1"/>
+          <p:nvPr/>
+        </p:nvSpPr>
+        <p:spPr>
+          <a:xfrm>
+            <a:off x="-1575720" y="-2555160"/>
+            <a:ext cx="6097604" cy="923330"/>
+          </a:xfrm>
+          <a:prstGeom prst="rect">
+            <a:avLst/>
+          </a:prstGeom>
+          <a:noFill/>
+        </p:spPr>
+        <p:txBody>
+          <a:bodyPr wrap="square">
+            <a:spAutoFit/>
+          </a:bodyPr>
+          <a:lstStyle/>
+          <a:p>
+            <a:endParaRPr lang="en-US" altLang="ja-JP" sz="1800" dirty="0">
+              <a:latin typeface="+mn-ea"/>
+            </a:endParaRPr>
+          </a:p>
+          <a:p>
+            <a:endParaRPr lang="en-US" altLang="ja-JP" sz="1800" dirty="0">
+              <a:latin typeface="+mn-ea"/>
+            </a:endParaRPr>
+          </a:p>
+          <a:p>
+            <a:r>
+              <a:rPr lang="ja-JP" altLang="en-US" sz="1800" dirty="0">
+                <a:solidFill>
+                  <a:srgbClr val="FF0000"/>
+                </a:solidFill>
+                <a:latin typeface="+mn-ea"/>
+              </a:rPr>
+              <a:t>➡ </a:t>
+            </a:r>
+            <a:r>
+              <a:rPr lang="en-US" altLang="ja-JP" sz="1800" b="1" dirty="0">
+                <a:solidFill>
+                  <a:srgbClr val="FF0000"/>
+                </a:solidFill>
+                <a:latin typeface="+mn-ea"/>
+              </a:rPr>
+              <a:t>D</a:t>
+            </a:r>
+            <a:r>
+              <a:rPr lang="ja-JP" altLang="en-US" sz="1800" b="1" dirty="0">
+                <a:solidFill>
+                  <a:srgbClr val="FF0000"/>
+                </a:solidFill>
+                <a:latin typeface="+mn-ea"/>
+              </a:rPr>
+              <a:t>原子を扱える手法が必要</a:t>
+            </a:r>
+            <a:endParaRPr lang="en-US" altLang="ja-JP" sz="1800" b="1" dirty="0">
+              <a:solidFill>
+                <a:srgbClr val="FF0000"/>
+              </a:solidFill>
+              <a:latin typeface="+mn-ea"/>
+            </a:endParaRPr>
+          </a:p>
+        </p:txBody>
+      </p:sp>
+      <p:sp>
+        <p:nvSpPr>
+          <p:cNvPr id="22" name="テキスト ボックス 21">
+            <a:extLst>
+              <a:ext uri="{FF2B5EF4-FFF2-40B4-BE49-F238E27FC236}">
+                <a16:creationId xmlns:a16="http://schemas.microsoft.com/office/drawing/2014/main" id="{24F4644A-6FEE-63A2-E334-600B2D78D0B8}"/>
+              </a:ext>
+            </a:extLst>
+          </p:cNvPr>
+          <p:cNvSpPr txBox="1"/>
+          <p:nvPr/>
+        </p:nvSpPr>
+        <p:spPr>
+          <a:xfrm>
+            <a:off x="867679" y="5833479"/>
+            <a:ext cx="8555453" cy="830997"/>
+          </a:xfrm>
+          <a:prstGeom prst="rect">
+            <a:avLst/>
+          </a:prstGeom>
+          <a:noFill/>
+        </p:spPr>
+        <p:txBody>
+          <a:bodyPr wrap="square" rtlCol="0">
+            <a:spAutoFit/>
+          </a:bodyPr>
+          <a:lstStyle/>
+          <a:p>
+            <a:r>
+              <a:rPr lang="ja-JP" altLang="en-US" sz="2400" b="1" dirty="0">
+                <a:latin typeface="+mn-ea"/>
+              </a:rPr>
+              <a:t>現在</a:t>
+            </a:r>
+            <a:endParaRPr lang="en-US" altLang="ja-JP" sz="2400" b="1" dirty="0">
+              <a:latin typeface="+mn-ea"/>
+            </a:endParaRPr>
+          </a:p>
+          <a:p>
+            <a:r>
+              <a:rPr lang="en-US" altLang="ja-JP" sz="2400" dirty="0">
+                <a:latin typeface="+mn-ea"/>
+              </a:rPr>
+              <a:t>H</a:t>
+            </a:r>
+            <a:r>
+              <a:rPr lang="ja-JP" altLang="en-US" sz="2400" dirty="0">
+                <a:latin typeface="+mn-ea"/>
+              </a:rPr>
+              <a:t>と</a:t>
+            </a:r>
+            <a:r>
+              <a:rPr lang="en-US" altLang="ja-JP" sz="2400" dirty="0">
+                <a:latin typeface="+mn-ea"/>
+              </a:rPr>
+              <a:t>CO</a:t>
+            </a:r>
+            <a:r>
+              <a:rPr lang="ja-JP" altLang="en-US" sz="2400" dirty="0">
+                <a:latin typeface="+mn-ea"/>
+              </a:rPr>
+              <a:t>の反応を計算し、適切な計算条件を探索中</a:t>
+            </a:r>
+            <a:endParaRPr lang="en-US" altLang="ja-JP" sz="2400" dirty="0">
+              <a:latin typeface="+mn-ea"/>
+            </a:endParaRPr>
+          </a:p>
+        </p:txBody>
+      </p:sp>
     </p:spTree>
     <p:extLst>
       <p:ext uri="{BB962C8B-B14F-4D97-AF65-F5344CB8AC3E}">
@@ -8355,7 +9159,7 @@
           <p:cNvPr id="2" name="スライド番号プレースホルダー 1">
             <a:extLst>
               <a:ext uri="{FF2B5EF4-FFF2-40B4-BE49-F238E27FC236}">
-                <a16:creationId xmlns:a16="http://schemas.microsoft.com/office/drawing/2014/main" id="{F10FA19E-B58F-696E-9107-B1398F244FD7}"/>
+                <a16:creationId xmlns:a16="http://schemas.microsoft.com/office/drawing/2014/main" id="{F332B103-0359-E569-0F19-B206EC357102}"/>
               </a:ext>
             </a:extLst>
           </p:cNvPr>
@@ -8366,12 +9170,7 @@
             <p:ph type="sldNum" sz="quarter" idx="12"/>
           </p:nvPr>
         </p:nvSpPr>
-        <p:spPr>
-          <a:xfrm>
-            <a:off x="8859759" y="6129327"/>
-            <a:ext cx="2743200" cy="365125"/>
-          </a:xfrm>
-        </p:spPr>
+        <p:spPr/>
         <p:txBody>
           <a:bodyPr/>
           <a:lstStyle/>
@@ -8384,12 +9183,42 @@
           </a:p>
         </p:txBody>
       </p:sp>
-      <p:sp>
-        <p:nvSpPr>
-          <p:cNvPr id="22" name="四角形: 角を丸くする 21">
+    </p:spTree>
+    <p:extLst>
+      <p:ext uri="{BB962C8B-B14F-4D97-AF65-F5344CB8AC3E}">
+        <p14:creationId xmlns:p14="http://schemas.microsoft.com/office/powerpoint/2010/main" val="3540047298"/>
+      </p:ext>
+    </p:extLst>
+  </p:cSld>
+  <p:clrMapOvr>
+    <a:masterClrMapping/>
+  </p:clrMapOvr>
+</p:sld>
+</file>
+
+<file path=ppt/slides/slide5.xml><?xml version="1.0" encoding="utf-8"?>
+<p:sld xmlns:a="http://schemas.openxmlformats.org/drawingml/2006/main" xmlns:r="http://schemas.openxmlformats.org/officeDocument/2006/relationships" xmlns:p="http://schemas.openxmlformats.org/presentationml/2006/main">
+  <p:cSld>
+    <p:spTree>
+      <p:nvGrpSpPr>
+        <p:cNvPr id="1" name=""/>
+        <p:cNvGrpSpPr/>
+        <p:nvPr/>
+      </p:nvGrpSpPr>
+      <p:grpSpPr>
+        <a:xfrm>
+          <a:off x="0" y="0"/>
+          <a:ext cx="0" cy="0"/>
+          <a:chOff x="0" y="0"/>
+          <a:chExt cx="0" cy="0"/>
+        </a:xfrm>
+      </p:grpSpPr>
+      <p:sp>
+        <p:nvSpPr>
+          <p:cNvPr id="18" name="四角形: 角を丸くする 17">
             <a:extLst>
               <a:ext uri="{FF2B5EF4-FFF2-40B4-BE49-F238E27FC236}">
-                <a16:creationId xmlns:a16="http://schemas.microsoft.com/office/drawing/2014/main" id="{C9B86A37-F16B-16CF-E660-75D4EC44297C}"/>
+                <a16:creationId xmlns:a16="http://schemas.microsoft.com/office/drawing/2014/main" id="{FEC97F18-5695-B323-8C91-B45B16268697}"/>
               </a:ext>
             </a:extLst>
           </p:cNvPr>
@@ -8398,21 +9227,18 @@
         </p:nvSpPr>
         <p:spPr>
           <a:xfrm>
-            <a:off x="2442143" y="2246551"/>
-            <a:ext cx="1317997" cy="707886"/>
+            <a:off x="1830986" y="2582716"/>
+            <a:ext cx="3612928" cy="1992430"/>
           </a:xfrm>
           <a:prstGeom prst="roundRect">
             <a:avLst/>
           </a:prstGeom>
-          <a:solidFill>
-            <a:schemeClr val="accent1">
-              <a:lumMod val="60000"/>
-              <a:lumOff val="40000"/>
-            </a:schemeClr>
-          </a:solidFill>
-          <a:ln>
+          <a:noFill/>
+          <a:ln w="57150">
             <a:solidFill>
-              <a:schemeClr val="bg1"/>
+              <a:schemeClr val="bg1">
+                <a:lumMod val="65000"/>
+              </a:schemeClr>
             </a:solidFill>
           </a:ln>
         </p:spPr>
@@ -8437,16 +9263,41 @@
           <a:lstStyle/>
           <a:p>
             <a:pPr algn="ctr"/>
-            <a:r>
-              <a:rPr kumimoji="1" lang="ja-JP" altLang="en-US" dirty="0">
-                <a:solidFill>
-                  <a:schemeClr val="tx1"/>
-                </a:solidFill>
-                <a:latin typeface="BIZ UDPゴシック" panose="020B0400000000000000" pitchFamily="50" charset="-128"/>
-                <a:ea typeface="BIZ UDPゴシック" panose="020B0400000000000000" pitchFamily="50" charset="-128"/>
-              </a:rPr>
-              <a:t>通常計算手法</a:t>
-            </a:r>
+            <a:endParaRPr kumimoji="1" lang="ja-JP" altLang="en-US"/>
+          </a:p>
+        </p:txBody>
+      </p:sp>
+      <p:sp>
+        <p:nvSpPr>
+          <p:cNvPr id="2" name="スライド番号プレースホルダー 1">
+            <a:extLst>
+              <a:ext uri="{FF2B5EF4-FFF2-40B4-BE49-F238E27FC236}">
+                <a16:creationId xmlns:a16="http://schemas.microsoft.com/office/drawing/2014/main" id="{F10FA19E-B58F-696E-9107-B1398F244FD7}"/>
+              </a:ext>
+            </a:extLst>
+          </p:cNvPr>
+          <p:cNvSpPr>
+            <a:spLocks noGrp="1"/>
+          </p:cNvSpPr>
+          <p:nvPr>
+            <p:ph type="sldNum" sz="quarter" idx="12"/>
+          </p:nvPr>
+        </p:nvSpPr>
+        <p:spPr>
+          <a:xfrm>
+            <a:off x="8859759" y="6129327"/>
+            <a:ext cx="2743200" cy="365125"/>
+          </a:xfrm>
+        </p:spPr>
+        <p:txBody>
+          <a:bodyPr/>
+          <a:lstStyle/>
+          <a:p>
+            <a:fld id="{ECBD650F-6923-4A4C-ADE2-BB0B86E7CCFF}" type="slidenum">
+              <a:rPr lang="zh-CN" altLang="en-US" smtClean="0"/>
+              <a:t>5</a:t>
+            </a:fld>
+            <a:endParaRPr lang="zh-CN" altLang="en-US"/>
           </a:p>
         </p:txBody>
       </p:sp>
@@ -8464,7 +9315,722 @@
         </p:nvSpPr>
         <p:spPr>
           <a:xfrm>
-            <a:off x="1797859" y="3053655"/>
+            <a:off x="2275137" y="3066426"/>
+            <a:ext cx="763051" cy="707886"/>
+          </a:xfrm>
+          <a:prstGeom prst="flowChartConnector">
+            <a:avLst/>
+          </a:prstGeom>
+          <a:solidFill>
+            <a:schemeClr val="accent1">
+              <a:lumMod val="40000"/>
+              <a:lumOff val="60000"/>
+            </a:schemeClr>
+          </a:solidFill>
+          <a:ln w="38100">
+            <a:solidFill>
+              <a:schemeClr val="tx1"/>
+            </a:solidFill>
+          </a:ln>
+        </p:spPr>
+        <p:style>
+          <a:lnRef idx="2">
+            <a:schemeClr val="accent1">
+              <a:shade val="15000"/>
+            </a:schemeClr>
+          </a:lnRef>
+          <a:fillRef idx="1">
+            <a:schemeClr val="accent1"/>
+          </a:fillRef>
+          <a:effectRef idx="0">
+            <a:schemeClr val="accent1"/>
+          </a:effectRef>
+          <a:fontRef idx="minor">
+            <a:schemeClr val="lt1"/>
+          </a:fontRef>
+        </p:style>
+        <p:txBody>
+          <a:bodyPr rtlCol="0" anchor="ctr"/>
+          <a:lstStyle/>
+          <a:p>
+            <a:pPr algn="ctr"/>
+            <a:r>
+              <a:rPr kumimoji="1" lang="en-US" altLang="ja-JP" sz="2400" b="1" dirty="0">
+                <a:solidFill>
+                  <a:schemeClr val="tx1"/>
+                </a:solidFill>
+                <a:latin typeface="Times New Roman" panose="02020603050405020304" pitchFamily="18" charset="0"/>
+                <a:cs typeface="Times New Roman" panose="02020603050405020304" pitchFamily="18" charset="0"/>
+              </a:rPr>
+              <a:t>H</a:t>
+            </a:r>
+            <a:endParaRPr kumimoji="1" lang="ja-JP" altLang="en-US" sz="2400" b="1" dirty="0">
+              <a:solidFill>
+                <a:schemeClr val="tx1"/>
+              </a:solidFill>
+              <a:latin typeface="Times New Roman" panose="02020603050405020304" pitchFamily="18" charset="0"/>
+              <a:cs typeface="Times New Roman" panose="02020603050405020304" pitchFamily="18" charset="0"/>
+            </a:endParaRPr>
+          </a:p>
+        </p:txBody>
+      </p:sp>
+      <p:sp>
+        <p:nvSpPr>
+          <p:cNvPr id="22" name="四角形: 角を丸くする 21">
+            <a:extLst>
+              <a:ext uri="{FF2B5EF4-FFF2-40B4-BE49-F238E27FC236}">
+                <a16:creationId xmlns:a16="http://schemas.microsoft.com/office/drawing/2014/main" id="{C9B86A37-F16B-16CF-E660-75D4EC44297C}"/>
+              </a:ext>
+            </a:extLst>
+          </p:cNvPr>
+          <p:cNvSpPr/>
+          <p:nvPr/>
+        </p:nvSpPr>
+        <p:spPr>
+          <a:xfrm>
+            <a:off x="1353979" y="2329134"/>
+            <a:ext cx="2031325" cy="461665"/>
+          </a:xfrm>
+          <a:prstGeom prst="roundRect">
+            <a:avLst/>
+          </a:prstGeom>
+          <a:solidFill>
+            <a:schemeClr val="bg1"/>
+          </a:solidFill>
+          <a:ln>
+            <a:noFill/>
+          </a:ln>
+        </p:spPr>
+        <p:style>
+          <a:lnRef idx="2">
+            <a:schemeClr val="accent1">
+              <a:shade val="15000"/>
+            </a:schemeClr>
+          </a:lnRef>
+          <a:fillRef idx="1">
+            <a:schemeClr val="accent1"/>
+          </a:fillRef>
+          <a:effectRef idx="0">
+            <a:schemeClr val="accent1"/>
+          </a:effectRef>
+          <a:fontRef idx="minor">
+            <a:schemeClr val="lt1"/>
+          </a:fontRef>
+        </p:style>
+        <p:txBody>
+          <a:bodyPr rtlCol="0" anchor="ctr"/>
+          <a:lstStyle/>
+          <a:p>
+            <a:pPr algn="ctr"/>
+            <a:r>
+              <a:rPr kumimoji="1" lang="ja-JP" altLang="en-US" sz="2400" b="1" dirty="0">
+                <a:solidFill>
+                  <a:schemeClr val="tx1"/>
+                </a:solidFill>
+                <a:latin typeface="BIZ UDPゴシック" panose="020B0400000000000000" pitchFamily="50" charset="-128"/>
+                <a:ea typeface="BIZ UDPゴシック" panose="020B0400000000000000" pitchFamily="50" charset="-128"/>
+              </a:rPr>
+              <a:t>通常の計算</a:t>
+            </a:r>
+          </a:p>
+        </p:txBody>
+      </p:sp>
+      <p:sp>
+        <p:nvSpPr>
+          <p:cNvPr id="28" name="フローチャート: 結合子 27">
+            <a:extLst>
+              <a:ext uri="{FF2B5EF4-FFF2-40B4-BE49-F238E27FC236}">
+                <a16:creationId xmlns:a16="http://schemas.microsoft.com/office/drawing/2014/main" id="{62C4D0AD-B9FC-B796-829A-9F65683FFFCC}"/>
+              </a:ext>
+            </a:extLst>
+          </p:cNvPr>
+          <p:cNvSpPr/>
+          <p:nvPr/>
+        </p:nvSpPr>
+        <p:spPr>
+          <a:xfrm>
+            <a:off x="4237418" y="3066426"/>
+            <a:ext cx="763051" cy="707886"/>
+          </a:xfrm>
+          <a:prstGeom prst="flowChartConnector">
+            <a:avLst/>
+          </a:prstGeom>
+          <a:solidFill>
+            <a:schemeClr val="accent6">
+              <a:lumMod val="40000"/>
+              <a:lumOff val="60000"/>
+            </a:schemeClr>
+          </a:solidFill>
+          <a:ln w="38100">
+            <a:solidFill>
+              <a:schemeClr val="tx1"/>
+            </a:solidFill>
+          </a:ln>
+        </p:spPr>
+        <p:style>
+          <a:lnRef idx="2">
+            <a:schemeClr val="accent1">
+              <a:shade val="15000"/>
+            </a:schemeClr>
+          </a:lnRef>
+          <a:fillRef idx="1">
+            <a:schemeClr val="accent1"/>
+          </a:fillRef>
+          <a:effectRef idx="0">
+            <a:schemeClr val="accent1"/>
+          </a:effectRef>
+          <a:fontRef idx="minor">
+            <a:schemeClr val="lt1"/>
+          </a:fontRef>
+        </p:style>
+        <p:txBody>
+          <a:bodyPr rtlCol="0" anchor="ctr"/>
+          <a:lstStyle/>
+          <a:p>
+            <a:pPr algn="ctr"/>
+            <a:r>
+              <a:rPr kumimoji="1" lang="en-US" altLang="ja-JP" sz="2400" b="1" dirty="0">
+                <a:solidFill>
+                  <a:schemeClr val="tx1"/>
+                </a:solidFill>
+                <a:latin typeface="Times New Roman" panose="02020603050405020304" pitchFamily="18" charset="0"/>
+                <a:cs typeface="Times New Roman" panose="02020603050405020304" pitchFamily="18" charset="0"/>
+              </a:rPr>
+              <a:t>D</a:t>
+            </a:r>
+            <a:endParaRPr kumimoji="1" lang="ja-JP" altLang="en-US" sz="2400" b="1" dirty="0">
+              <a:solidFill>
+                <a:schemeClr val="tx1"/>
+              </a:solidFill>
+              <a:latin typeface="Times New Roman" panose="02020603050405020304" pitchFamily="18" charset="0"/>
+              <a:cs typeface="Times New Roman" panose="02020603050405020304" pitchFamily="18" charset="0"/>
+            </a:endParaRPr>
+          </a:p>
+        </p:txBody>
+      </p:sp>
+      <p:cxnSp>
+        <p:nvCxnSpPr>
+          <p:cNvPr id="37" name="直線矢印コネクタ 36">
+            <a:extLst>
+              <a:ext uri="{FF2B5EF4-FFF2-40B4-BE49-F238E27FC236}">
+                <a16:creationId xmlns:a16="http://schemas.microsoft.com/office/drawing/2014/main" id="{8AE9B949-B6D9-D86C-C34D-FAD91A813E2A}"/>
+              </a:ext>
+            </a:extLst>
+          </p:cNvPr>
+          <p:cNvCxnSpPr>
+            <a:cxnSpLocks/>
+          </p:cNvCxnSpPr>
+          <p:nvPr/>
+        </p:nvCxnSpPr>
+        <p:spPr>
+          <a:xfrm>
+            <a:off x="3183231" y="3411140"/>
+            <a:ext cx="914400" cy="0"/>
+          </a:xfrm>
+          <a:prstGeom prst="straightConnector1">
+            <a:avLst/>
+          </a:prstGeom>
+          <a:ln w="38100">
+            <a:solidFill>
+              <a:schemeClr val="tx1"/>
+            </a:solidFill>
+            <a:prstDash val="sysDash"/>
+            <a:headEnd type="triangle"/>
+            <a:tailEnd type="triangle"/>
+          </a:ln>
+        </p:spPr>
+        <p:style>
+          <a:lnRef idx="1">
+            <a:schemeClr val="accent1"/>
+          </a:lnRef>
+          <a:fillRef idx="0">
+            <a:schemeClr val="accent1"/>
+          </a:fillRef>
+          <a:effectRef idx="0">
+            <a:schemeClr val="accent1"/>
+          </a:effectRef>
+          <a:fontRef idx="minor">
+            <a:schemeClr val="tx1"/>
+          </a:fontRef>
+        </p:style>
+      </p:cxnSp>
+      <p:sp>
+        <p:nvSpPr>
+          <p:cNvPr id="44" name="テキスト ボックス 43">
+            <a:extLst>
+              <a:ext uri="{FF2B5EF4-FFF2-40B4-BE49-F238E27FC236}">
+                <a16:creationId xmlns:a16="http://schemas.microsoft.com/office/drawing/2014/main" id="{2583196E-669E-D1DF-E97E-4797466857E8}"/>
+              </a:ext>
+            </a:extLst>
+          </p:cNvPr>
+          <p:cNvSpPr txBox="1"/>
+          <p:nvPr/>
+        </p:nvSpPr>
+        <p:spPr>
+          <a:xfrm>
+            <a:off x="3426010" y="3074602"/>
+            <a:ext cx="618239" cy="707886"/>
+          </a:xfrm>
+          <a:prstGeom prst="rect">
+            <a:avLst/>
+          </a:prstGeom>
+          <a:noFill/>
+        </p:spPr>
+        <p:txBody>
+          <a:bodyPr wrap="square" rtlCol="0">
+            <a:spAutoFit/>
+          </a:bodyPr>
+          <a:lstStyle/>
+          <a:p>
+            <a:r>
+              <a:rPr kumimoji="1" lang="en-US" altLang="ja-JP" sz="4000" dirty="0">
+                <a:solidFill>
+                  <a:srgbClr val="FF0000"/>
+                </a:solidFill>
+                <a:latin typeface="Arial Black" panose="020B0A04020102020204" pitchFamily="34" charset="0"/>
+              </a:rPr>
+              <a:t>?</a:t>
+            </a:r>
+            <a:endParaRPr kumimoji="1" lang="ja-JP" altLang="en-US" sz="4000" dirty="0">
+              <a:solidFill>
+                <a:srgbClr val="FF0000"/>
+              </a:solidFill>
+              <a:latin typeface="Arial Black" panose="020B0A04020102020204" pitchFamily="34" charset="0"/>
+            </a:endParaRPr>
+          </a:p>
+        </p:txBody>
+      </p:sp>
+      <p:sp>
+        <p:nvSpPr>
+          <p:cNvPr id="46" name="テキスト ボックス 45">
+            <a:extLst>
+              <a:ext uri="{FF2B5EF4-FFF2-40B4-BE49-F238E27FC236}">
+                <a16:creationId xmlns:a16="http://schemas.microsoft.com/office/drawing/2014/main" id="{F7070842-156E-BB1C-F071-BCD890645336}"/>
+              </a:ext>
+            </a:extLst>
+          </p:cNvPr>
+          <p:cNvSpPr txBox="1"/>
+          <p:nvPr/>
+        </p:nvSpPr>
+        <p:spPr>
+          <a:xfrm>
+            <a:off x="2562756" y="3874988"/>
+            <a:ext cx="2322893" cy="523220"/>
+          </a:xfrm>
+          <a:prstGeom prst="rect">
+            <a:avLst/>
+          </a:prstGeom>
+          <a:noFill/>
+        </p:spPr>
+        <p:txBody>
+          <a:bodyPr wrap="square" rtlCol="0">
+            <a:spAutoFit/>
+          </a:bodyPr>
+          <a:lstStyle/>
+          <a:p>
+            <a:r>
+              <a:rPr kumimoji="1" lang="ja-JP" altLang="en-US" sz="2400" dirty="0">
+                <a:latin typeface="BIZ UDPゴシック" panose="020B0400000000000000" pitchFamily="50" charset="-128"/>
+                <a:ea typeface="BIZ UDPゴシック" panose="020B0400000000000000" pitchFamily="50" charset="-128"/>
+              </a:rPr>
+              <a:t>区別</a:t>
+            </a:r>
+            <a:r>
+              <a:rPr kumimoji="1" lang="ja-JP" altLang="en-US" sz="2800" b="1" dirty="0">
+                <a:latin typeface="BIZ UDPゴシック" panose="020B0400000000000000" pitchFamily="50" charset="-128"/>
+                <a:ea typeface="BIZ UDPゴシック" panose="020B0400000000000000" pitchFamily="50" charset="-128"/>
+              </a:rPr>
+              <a:t>できない</a:t>
+            </a:r>
+            <a:endParaRPr kumimoji="1" lang="ja-JP" altLang="en-US" sz="2400" b="1" dirty="0">
+              <a:latin typeface="BIZ UDPゴシック" panose="020B0400000000000000" pitchFamily="50" charset="-128"/>
+              <a:ea typeface="BIZ UDPゴシック" panose="020B0400000000000000" pitchFamily="50" charset="-128"/>
+            </a:endParaRPr>
+          </a:p>
+        </p:txBody>
+      </p:sp>
+      <p:sp>
+        <p:nvSpPr>
+          <p:cNvPr id="4" name="テキスト ボックス 3">
+            <a:extLst>
+              <a:ext uri="{FF2B5EF4-FFF2-40B4-BE49-F238E27FC236}">
+                <a16:creationId xmlns:a16="http://schemas.microsoft.com/office/drawing/2014/main" id="{9AA17BE4-2179-C90A-F547-B405C95F62BA}"/>
+              </a:ext>
+            </a:extLst>
+          </p:cNvPr>
+          <p:cNvSpPr txBox="1"/>
+          <p:nvPr/>
+        </p:nvSpPr>
+        <p:spPr>
+          <a:xfrm>
+            <a:off x="4998720" y="4638598"/>
+            <a:ext cx="3194555" cy="400110"/>
+          </a:xfrm>
+          <a:prstGeom prst="rect">
+            <a:avLst/>
+          </a:prstGeom>
+          <a:noFill/>
+        </p:spPr>
+        <p:txBody>
+          <a:bodyPr wrap="square" rtlCol="0">
+            <a:spAutoFit/>
+          </a:bodyPr>
+          <a:lstStyle/>
+          <a:p>
+            <a:r>
+              <a:rPr lang="ja-JP" altLang="en-US" sz="2000" dirty="0">
+                <a:solidFill>
+                  <a:srgbClr val="FF0000"/>
+                </a:solidFill>
+                <a:latin typeface="+mn-ea"/>
+              </a:rPr>
+              <a:t>➡ </a:t>
+            </a:r>
+            <a:r>
+              <a:rPr lang="ja-JP" altLang="en-US" sz="2000" b="1" dirty="0">
+                <a:solidFill>
+                  <a:srgbClr val="FF0000"/>
+                </a:solidFill>
+                <a:latin typeface="+mn-ea"/>
+              </a:rPr>
+              <a:t>最適な基底関数が不明</a:t>
+            </a:r>
+            <a:endParaRPr lang="en-US" altLang="ja-JP" sz="2000" b="1" dirty="0">
+              <a:solidFill>
+                <a:srgbClr val="FF0000"/>
+              </a:solidFill>
+              <a:latin typeface="+mn-ea"/>
+            </a:endParaRPr>
+          </a:p>
+        </p:txBody>
+      </p:sp>
+      <p:sp>
+        <p:nvSpPr>
+          <p:cNvPr id="6" name="テキスト ボックス 5">
+            <a:extLst>
+              <a:ext uri="{FF2B5EF4-FFF2-40B4-BE49-F238E27FC236}">
+                <a16:creationId xmlns:a16="http://schemas.microsoft.com/office/drawing/2014/main" id="{F0A049D2-00CD-B9D9-E6D0-00FF91F5868C}"/>
+              </a:ext>
+            </a:extLst>
+          </p:cNvPr>
+          <p:cNvSpPr txBox="1"/>
+          <p:nvPr/>
+        </p:nvSpPr>
+        <p:spPr>
+          <a:xfrm>
+            <a:off x="1353708" y="5293190"/>
+            <a:ext cx="9095677" cy="461665"/>
+          </a:xfrm>
+          <a:prstGeom prst="rect">
+            <a:avLst/>
+          </a:prstGeom>
+          <a:noFill/>
+        </p:spPr>
+        <p:txBody>
+          <a:bodyPr wrap="square" rtlCol="0">
+            <a:spAutoFit/>
+          </a:bodyPr>
+          <a:lstStyle/>
+          <a:p>
+            <a:r>
+              <a:rPr lang="ja-JP" altLang="en-US" sz="2400" dirty="0">
+                <a:latin typeface="BIZ UDPゴシック" panose="020B0400000000000000" pitchFamily="50" charset="-128"/>
+                <a:ea typeface="BIZ UDPゴシック" panose="020B0400000000000000" pitchFamily="50" charset="-128"/>
+              </a:rPr>
+              <a:t>現在</a:t>
+            </a:r>
+            <a:r>
+              <a:rPr lang="en-US" altLang="ja-JP" sz="2400" dirty="0">
+                <a:latin typeface="BIZ UDPゴシック" panose="020B0400000000000000" pitchFamily="50" charset="-128"/>
+                <a:ea typeface="BIZ UDPゴシック" panose="020B0400000000000000" pitchFamily="50" charset="-128"/>
+              </a:rPr>
+              <a:t>MCDFT</a:t>
+            </a:r>
+            <a:r>
+              <a:rPr lang="ja-JP" altLang="en-US" sz="2400" dirty="0">
+                <a:latin typeface="BIZ UDPゴシック" panose="020B0400000000000000" pitchFamily="50" charset="-128"/>
+                <a:ea typeface="BIZ UDPゴシック" panose="020B0400000000000000" pitchFamily="50" charset="-128"/>
+              </a:rPr>
+              <a:t>法の最適な計算条件を調べている</a:t>
+            </a:r>
+            <a:endParaRPr lang="en-US" altLang="ja-JP" sz="2400" dirty="0">
+              <a:latin typeface="BIZ UDPゴシック" panose="020B0400000000000000" pitchFamily="50" charset="-128"/>
+              <a:ea typeface="BIZ UDPゴシック" panose="020B0400000000000000" pitchFamily="50" charset="-128"/>
+            </a:endParaRPr>
+          </a:p>
+        </p:txBody>
+      </p:sp>
+      <p:sp>
+        <p:nvSpPr>
+          <p:cNvPr id="7" name="テキスト ボックス 6">
+            <a:extLst>
+              <a:ext uri="{FF2B5EF4-FFF2-40B4-BE49-F238E27FC236}">
+                <a16:creationId xmlns:a16="http://schemas.microsoft.com/office/drawing/2014/main" id="{908856FD-C68E-3ADD-6B1B-46C84034184D}"/>
+              </a:ext>
+            </a:extLst>
+          </p:cNvPr>
+          <p:cNvSpPr txBox="1"/>
+          <p:nvPr/>
+        </p:nvSpPr>
+        <p:spPr>
+          <a:xfrm>
+            <a:off x="792456" y="4453933"/>
+            <a:ext cx="1005403" cy="584775"/>
+          </a:xfrm>
+          <a:prstGeom prst="rect">
+            <a:avLst/>
+          </a:prstGeom>
+          <a:noFill/>
+        </p:spPr>
+        <p:txBody>
+          <a:bodyPr wrap="none" rtlCol="0">
+            <a:spAutoFit/>
+          </a:bodyPr>
+          <a:lstStyle/>
+          <a:p>
+            <a:r>
+              <a:rPr kumimoji="1" lang="ja-JP" altLang="en-US" sz="3200" dirty="0">
+                <a:latin typeface="BIZ UDPゴシック" panose="020B0400000000000000" pitchFamily="50" charset="-128"/>
+                <a:ea typeface="BIZ UDPゴシック" panose="020B0400000000000000" pitchFamily="50" charset="-128"/>
+              </a:rPr>
+              <a:t>準備</a:t>
+            </a:r>
+          </a:p>
+        </p:txBody>
+      </p:sp>
+      <p:sp>
+        <p:nvSpPr>
+          <p:cNvPr id="13" name="テキスト ボックス 12">
+            <a:extLst>
+              <a:ext uri="{FF2B5EF4-FFF2-40B4-BE49-F238E27FC236}">
+                <a16:creationId xmlns:a16="http://schemas.microsoft.com/office/drawing/2014/main" id="{87F35F18-0102-83AB-4E24-6EF1B4E5DBFB}"/>
+              </a:ext>
+            </a:extLst>
+          </p:cNvPr>
+          <p:cNvSpPr txBox="1"/>
+          <p:nvPr/>
+        </p:nvSpPr>
+        <p:spPr>
+          <a:xfrm>
+            <a:off x="792456" y="422306"/>
+            <a:ext cx="1005403" cy="584775"/>
+          </a:xfrm>
+          <a:prstGeom prst="rect">
+            <a:avLst/>
+          </a:prstGeom>
+          <a:noFill/>
+        </p:spPr>
+        <p:txBody>
+          <a:bodyPr wrap="none" rtlCol="0">
+            <a:spAutoFit/>
+          </a:bodyPr>
+          <a:lstStyle/>
+          <a:p>
+            <a:r>
+              <a:rPr kumimoji="1" lang="ja-JP" altLang="en-US" sz="3200" dirty="0">
+                <a:latin typeface="BIZ UDPゴシック" panose="020B0400000000000000" pitchFamily="50" charset="-128"/>
+                <a:ea typeface="BIZ UDPゴシック" panose="020B0400000000000000" pitchFamily="50" charset="-128"/>
+              </a:rPr>
+              <a:t>手法</a:t>
+            </a:r>
+          </a:p>
+        </p:txBody>
+      </p:sp>
+      <p:sp>
+        <p:nvSpPr>
+          <p:cNvPr id="14" name="テキスト ボックス 13">
+            <a:extLst>
+              <a:ext uri="{FF2B5EF4-FFF2-40B4-BE49-F238E27FC236}">
+                <a16:creationId xmlns:a16="http://schemas.microsoft.com/office/drawing/2014/main" id="{CE14AE74-19CF-DD44-0462-02746855F621}"/>
+              </a:ext>
+            </a:extLst>
+          </p:cNvPr>
+          <p:cNvSpPr txBox="1"/>
+          <p:nvPr/>
+        </p:nvSpPr>
+        <p:spPr>
+          <a:xfrm>
+            <a:off x="1353708" y="1246898"/>
+            <a:ext cx="9789360" cy="1200329"/>
+          </a:xfrm>
+          <a:prstGeom prst="rect">
+            <a:avLst/>
+          </a:prstGeom>
+          <a:noFill/>
+        </p:spPr>
+        <p:txBody>
+          <a:bodyPr wrap="square" rtlCol="0">
+            <a:spAutoFit/>
+          </a:bodyPr>
+          <a:lstStyle/>
+          <a:p>
+            <a:r>
+              <a:rPr kumimoji="1" lang="ja-JP" altLang="en-US" sz="2400" dirty="0">
+                <a:latin typeface="BIZ UDPゴシック" panose="020B0400000000000000" pitchFamily="50" charset="-128"/>
+                <a:ea typeface="BIZ UDPゴシック" panose="020B0400000000000000" pitchFamily="50" charset="-128"/>
+              </a:rPr>
+              <a:t>通常の計算手法では</a:t>
+            </a:r>
+            <a:r>
+              <a:rPr kumimoji="1" lang="en-US" altLang="ja-JP" sz="2400" dirty="0">
+                <a:latin typeface="BIZ UDPゴシック" panose="020B0400000000000000" pitchFamily="50" charset="-128"/>
+                <a:ea typeface="BIZ UDPゴシック" panose="020B0400000000000000" pitchFamily="50" charset="-128"/>
+              </a:rPr>
+              <a:t>H</a:t>
+            </a:r>
+            <a:r>
+              <a:rPr kumimoji="1" lang="ja-JP" altLang="en-US" sz="2400" dirty="0">
+                <a:latin typeface="BIZ UDPゴシック" panose="020B0400000000000000" pitchFamily="50" charset="-128"/>
+                <a:ea typeface="BIZ UDPゴシック" panose="020B0400000000000000" pitchFamily="50" charset="-128"/>
+              </a:rPr>
+              <a:t>原子と</a:t>
+            </a:r>
+            <a:r>
+              <a:rPr kumimoji="1" lang="en-US" altLang="ja-JP" sz="2400" dirty="0">
+                <a:latin typeface="BIZ UDPゴシック" panose="020B0400000000000000" pitchFamily="50" charset="-128"/>
+                <a:ea typeface="BIZ UDPゴシック" panose="020B0400000000000000" pitchFamily="50" charset="-128"/>
+              </a:rPr>
+              <a:t>D</a:t>
+            </a:r>
+            <a:r>
+              <a:rPr kumimoji="1" lang="ja-JP" altLang="en-US" sz="2400" dirty="0">
+                <a:latin typeface="BIZ UDPゴシック" panose="020B0400000000000000" pitchFamily="50" charset="-128"/>
+                <a:ea typeface="BIZ UDPゴシック" panose="020B0400000000000000" pitchFamily="50" charset="-128"/>
+              </a:rPr>
+              <a:t>原子の量子効果を区別できない</a:t>
+            </a:r>
+            <a:endParaRPr kumimoji="1" lang="en-US" altLang="ja-JP" sz="2400" dirty="0">
+              <a:latin typeface="BIZ UDPゴシック" panose="020B0400000000000000" pitchFamily="50" charset="-128"/>
+              <a:ea typeface="BIZ UDPゴシック" panose="020B0400000000000000" pitchFamily="50" charset="-128"/>
+            </a:endParaRPr>
+          </a:p>
+          <a:p>
+            <a:r>
+              <a:rPr kumimoji="1" lang="en-US" altLang="ja-JP" sz="2400" dirty="0">
+                <a:latin typeface="BIZ UDPゴシック" panose="020B0400000000000000" pitchFamily="50" charset="-128"/>
+                <a:ea typeface="BIZ UDPゴシック" panose="020B0400000000000000" pitchFamily="50" charset="-128"/>
+              </a:rPr>
+              <a:t>H</a:t>
+            </a:r>
+            <a:r>
+              <a:rPr kumimoji="1" lang="ja-JP" altLang="en-US" sz="2400" dirty="0">
+                <a:latin typeface="BIZ UDPゴシック" panose="020B0400000000000000" pitchFamily="50" charset="-128"/>
+                <a:ea typeface="BIZ UDPゴシック" panose="020B0400000000000000" pitchFamily="50" charset="-128"/>
+              </a:rPr>
+              <a:t>原子と</a:t>
+            </a:r>
+            <a:r>
+              <a:rPr kumimoji="1" lang="en-US" altLang="ja-JP" sz="2400" dirty="0">
+                <a:latin typeface="BIZ UDPゴシック" panose="020B0400000000000000" pitchFamily="50" charset="-128"/>
+                <a:ea typeface="BIZ UDPゴシック" panose="020B0400000000000000" pitchFamily="50" charset="-128"/>
+              </a:rPr>
+              <a:t>D</a:t>
+            </a:r>
+            <a:r>
+              <a:rPr kumimoji="1" lang="ja-JP" altLang="en-US" sz="2400" dirty="0">
+                <a:latin typeface="BIZ UDPゴシック" panose="020B0400000000000000" pitchFamily="50" charset="-128"/>
+                <a:ea typeface="BIZ UDPゴシック" panose="020B0400000000000000" pitchFamily="50" charset="-128"/>
+              </a:rPr>
+              <a:t>原子の量子効果を調べるために</a:t>
+            </a:r>
+            <a:r>
+              <a:rPr kumimoji="1" lang="en-US" altLang="ja-JP" sz="2400" dirty="0">
+                <a:latin typeface="BIZ UDPゴシック" panose="020B0400000000000000" pitchFamily="50" charset="-128"/>
+                <a:ea typeface="BIZ UDPゴシック" panose="020B0400000000000000" pitchFamily="50" charset="-128"/>
+              </a:rPr>
+              <a:t>MCDFT</a:t>
+            </a:r>
+            <a:r>
+              <a:rPr kumimoji="1" lang="ja-JP" altLang="en-US" sz="2400" dirty="0">
+                <a:latin typeface="BIZ UDPゴシック" panose="020B0400000000000000" pitchFamily="50" charset="-128"/>
+                <a:ea typeface="BIZ UDPゴシック" panose="020B0400000000000000" pitchFamily="50" charset="-128"/>
+              </a:rPr>
+              <a:t>法を使う</a:t>
+            </a:r>
+          </a:p>
+          <a:p>
+            <a:endParaRPr lang="en-US" altLang="ja-JP" sz="2400" b="1" dirty="0">
+              <a:latin typeface="+mn-ea"/>
+            </a:endParaRPr>
+          </a:p>
+        </p:txBody>
+      </p:sp>
+      <p:sp>
+        <p:nvSpPr>
+          <p:cNvPr id="3" name="四角形: 角を丸くする 2">
+            <a:extLst>
+              <a:ext uri="{FF2B5EF4-FFF2-40B4-BE49-F238E27FC236}">
+                <a16:creationId xmlns:a16="http://schemas.microsoft.com/office/drawing/2014/main" id="{C973C136-A2AF-9897-F104-58A57040B081}"/>
+              </a:ext>
+            </a:extLst>
+          </p:cNvPr>
+          <p:cNvSpPr/>
+          <p:nvPr/>
+        </p:nvSpPr>
+        <p:spPr>
+          <a:xfrm>
+            <a:off x="-3717533" y="2246551"/>
+            <a:ext cx="1317997" cy="707886"/>
+          </a:xfrm>
+          <a:prstGeom prst="roundRect">
+            <a:avLst/>
+          </a:prstGeom>
+          <a:noFill/>
+          <a:ln>
+            <a:solidFill>
+              <a:schemeClr val="tx1"/>
+            </a:solidFill>
+          </a:ln>
+        </p:spPr>
+        <p:style>
+          <a:lnRef idx="2">
+            <a:schemeClr val="accent1">
+              <a:shade val="15000"/>
+            </a:schemeClr>
+          </a:lnRef>
+          <a:fillRef idx="1">
+            <a:schemeClr val="accent1"/>
+          </a:fillRef>
+          <a:effectRef idx="0">
+            <a:schemeClr val="accent1"/>
+          </a:effectRef>
+          <a:fontRef idx="minor">
+            <a:schemeClr val="lt1"/>
+          </a:fontRef>
+        </p:style>
+        <p:txBody>
+          <a:bodyPr rtlCol="0" anchor="ctr"/>
+          <a:lstStyle/>
+          <a:p>
+            <a:pPr algn="ctr"/>
+            <a:r>
+              <a:rPr kumimoji="1" lang="ja-JP" altLang="en-US" dirty="0">
+                <a:solidFill>
+                  <a:schemeClr val="tx1"/>
+                </a:solidFill>
+                <a:latin typeface="BIZ UDPゴシック" panose="020B0400000000000000" pitchFamily="50" charset="-128"/>
+                <a:ea typeface="BIZ UDPゴシック" panose="020B0400000000000000" pitchFamily="50" charset="-128"/>
+              </a:rPr>
+              <a:t>通常計算手法</a:t>
+            </a:r>
+          </a:p>
+        </p:txBody>
+      </p:sp>
+      <p:sp>
+        <p:nvSpPr>
+          <p:cNvPr id="5" name="フローチャート: 結合子 4">
+            <a:extLst>
+              <a:ext uri="{FF2B5EF4-FFF2-40B4-BE49-F238E27FC236}">
+                <a16:creationId xmlns:a16="http://schemas.microsoft.com/office/drawing/2014/main" id="{B397E3F9-6A4C-4EFF-A49E-2DC982FCCF00}"/>
+              </a:ext>
+            </a:extLst>
+          </p:cNvPr>
+          <p:cNvSpPr/>
+          <p:nvPr/>
+        </p:nvSpPr>
+        <p:spPr>
+          <a:xfrm>
+            <a:off x="-4361817" y="3053655"/>
             <a:ext cx="763051" cy="707886"/>
           </a:xfrm>
           <a:prstGeom prst="flowChartConnector">
@@ -8503,14 +10069,14 @@
             <a:r>
               <a:rPr kumimoji="1" lang="en-US" altLang="ja-JP" sz="2400" dirty="0">
                 <a:solidFill>
-                  <a:schemeClr val="bg1"/>
+                  <a:schemeClr val="tx1"/>
                 </a:solidFill>
               </a:rPr>
               <a:t>H</a:t>
             </a:r>
             <a:endParaRPr kumimoji="1" lang="ja-JP" altLang="en-US" sz="2400" dirty="0">
               <a:solidFill>
-                <a:schemeClr val="bg1"/>
+                <a:schemeClr val="tx1"/>
               </a:solidFill>
             </a:endParaRPr>
           </a:p>
@@ -8518,10 +10084,10 @@
       </p:sp>
       <p:sp>
         <p:nvSpPr>
-          <p:cNvPr id="28" name="フローチャート: 結合子 27">
+          <p:cNvPr id="15" name="フローチャート: 結合子 14">
             <a:extLst>
               <a:ext uri="{FF2B5EF4-FFF2-40B4-BE49-F238E27FC236}">
-                <a16:creationId xmlns:a16="http://schemas.microsoft.com/office/drawing/2014/main" id="{62C4D0AD-B9FC-B796-829A-9F65683FFFCC}"/>
+                <a16:creationId xmlns:a16="http://schemas.microsoft.com/office/drawing/2014/main" id="{1DA946AE-3FF4-1E76-9F2D-9C69ED9C28A2}"/>
               </a:ext>
             </a:extLst>
           </p:cNvPr>
@@ -8530,7 +10096,7 @@
         </p:nvSpPr>
         <p:spPr>
           <a:xfrm>
-            <a:off x="3760140" y="3053655"/>
+            <a:off x="-2399536" y="3053655"/>
             <a:ext cx="763051" cy="707886"/>
           </a:xfrm>
           <a:prstGeom prst="flowChartConnector">
@@ -8584,10 +10150,10 @@
       </p:sp>
       <p:cxnSp>
         <p:nvCxnSpPr>
-          <p:cNvPr id="37" name="直線矢印コネクタ 36">
+          <p:cNvPr id="16" name="直線矢印コネクタ 15">
             <a:extLst>
               <a:ext uri="{FF2B5EF4-FFF2-40B4-BE49-F238E27FC236}">
-                <a16:creationId xmlns:a16="http://schemas.microsoft.com/office/drawing/2014/main" id="{8AE9B949-B6D9-D86C-C34D-FAD91A813E2A}"/>
+                <a16:creationId xmlns:a16="http://schemas.microsoft.com/office/drawing/2014/main" id="{7185B1F9-A137-9FF1-B1B5-C31AF4B45A08}"/>
               </a:ext>
             </a:extLst>
           </p:cNvPr>
@@ -8598,7 +10164,7 @@
         </p:nvCxnSpPr>
         <p:spPr>
           <a:xfrm>
-            <a:off x="2705953" y="3398369"/>
+            <a:off x="-3453723" y="3398369"/>
             <a:ext cx="914400" cy="0"/>
           </a:xfrm>
           <a:prstGeom prst="straightConnector1">
@@ -8629,10 +10195,10 @@
       </p:cxnSp>
       <p:sp>
         <p:nvSpPr>
-          <p:cNvPr id="44" name="テキスト ボックス 43">
+          <p:cNvPr id="17" name="テキスト ボックス 16">
             <a:extLst>
               <a:ext uri="{FF2B5EF4-FFF2-40B4-BE49-F238E27FC236}">
-                <a16:creationId xmlns:a16="http://schemas.microsoft.com/office/drawing/2014/main" id="{2583196E-669E-D1DF-E97E-4797466857E8}"/>
+                <a16:creationId xmlns:a16="http://schemas.microsoft.com/office/drawing/2014/main" id="{FD505578-93C4-4E73-7037-DA7E9642165D}"/>
               </a:ext>
             </a:extLst>
           </p:cNvPr>
@@ -8641,7 +10207,7 @@
         </p:nvSpPr>
         <p:spPr>
           <a:xfrm>
-            <a:off x="2996858" y="2936704"/>
+            <a:off x="-3162818" y="2936704"/>
             <a:ext cx="327334" cy="461665"/>
           </a:xfrm>
           <a:prstGeom prst="rect">
@@ -8665,221 +10231,10 @@
       </p:sp>
       <p:sp>
         <p:nvSpPr>
-          <p:cNvPr id="46" name="テキスト ボックス 45">
+          <p:cNvPr id="19" name="四角形: 角を丸くする 18">
             <a:extLst>
               <a:ext uri="{FF2B5EF4-FFF2-40B4-BE49-F238E27FC236}">
-                <a16:creationId xmlns:a16="http://schemas.microsoft.com/office/drawing/2014/main" id="{F7070842-156E-BB1C-F071-BCD890645336}"/>
-              </a:ext>
-            </a:extLst>
-          </p:cNvPr>
-          <p:cNvSpPr txBox="1"/>
-          <p:nvPr/>
-        </p:nvSpPr>
-        <p:spPr>
-          <a:xfrm>
-            <a:off x="2085478" y="3939217"/>
-            <a:ext cx="2031325" cy="461665"/>
-          </a:xfrm>
-          <a:prstGeom prst="rect">
-            <a:avLst/>
-          </a:prstGeom>
-          <a:noFill/>
-        </p:spPr>
-        <p:txBody>
-          <a:bodyPr wrap="square" rtlCol="0">
-            <a:spAutoFit/>
-          </a:bodyPr>
-          <a:lstStyle/>
-          <a:p>
-            <a:r>
-              <a:rPr kumimoji="1" lang="ja-JP" altLang="en-US" sz="2400" dirty="0">
-                <a:latin typeface="BIZ UDPゴシック" panose="020B0400000000000000" pitchFamily="50" charset="-128"/>
-                <a:ea typeface="BIZ UDPゴシック" panose="020B0400000000000000" pitchFamily="50" charset="-128"/>
-              </a:rPr>
-              <a:t>区別できない</a:t>
-            </a:r>
-          </a:p>
-        </p:txBody>
-      </p:sp>
-      <p:sp>
-        <p:nvSpPr>
-          <p:cNvPr id="47" name="テキスト ボックス 46">
-            <a:extLst>
-              <a:ext uri="{FF2B5EF4-FFF2-40B4-BE49-F238E27FC236}">
-                <a16:creationId xmlns:a16="http://schemas.microsoft.com/office/drawing/2014/main" id="{DEB61A33-8F96-4356-4314-9BE0C33F34AD}"/>
-              </a:ext>
-            </a:extLst>
-          </p:cNvPr>
-          <p:cNvSpPr txBox="1"/>
-          <p:nvPr/>
-        </p:nvSpPr>
-        <p:spPr>
-          <a:xfrm>
-            <a:off x="7645048" y="3939218"/>
-            <a:ext cx="1697901" cy="461665"/>
-          </a:xfrm>
-          <a:prstGeom prst="rect">
-            <a:avLst/>
-          </a:prstGeom>
-          <a:noFill/>
-        </p:spPr>
-        <p:txBody>
-          <a:bodyPr wrap="none" rtlCol="0">
-            <a:spAutoFit/>
-          </a:bodyPr>
-          <a:lstStyle/>
-          <a:p>
-            <a:r>
-              <a:rPr kumimoji="1" lang="ja-JP" altLang="en-US" sz="2400" dirty="0">
-                <a:latin typeface="BIZ UDPゴシック" panose="020B0400000000000000" pitchFamily="50" charset="-128"/>
-                <a:ea typeface="BIZ UDPゴシック" panose="020B0400000000000000" pitchFamily="50" charset="-128"/>
-              </a:rPr>
-              <a:t>区別できる</a:t>
-            </a:r>
-          </a:p>
-        </p:txBody>
-      </p:sp>
-      <p:sp>
-        <p:nvSpPr>
-          <p:cNvPr id="4" name="テキスト ボックス 3">
-            <a:extLst>
-              <a:ext uri="{FF2B5EF4-FFF2-40B4-BE49-F238E27FC236}">
-                <a16:creationId xmlns:a16="http://schemas.microsoft.com/office/drawing/2014/main" id="{9AA17BE4-2179-C90A-F547-B405C95F62BA}"/>
-              </a:ext>
-            </a:extLst>
-          </p:cNvPr>
-          <p:cNvSpPr txBox="1"/>
-          <p:nvPr/>
-        </p:nvSpPr>
-        <p:spPr>
-          <a:xfrm>
-            <a:off x="4304268" y="4366938"/>
-            <a:ext cx="3194555" cy="400110"/>
-          </a:xfrm>
-          <a:prstGeom prst="rect">
-            <a:avLst/>
-          </a:prstGeom>
-          <a:noFill/>
-        </p:spPr>
-        <p:txBody>
-          <a:bodyPr wrap="square" rtlCol="0">
-            <a:spAutoFit/>
-          </a:bodyPr>
-          <a:lstStyle/>
-          <a:p>
-            <a:r>
-              <a:rPr lang="ja-JP" altLang="en-US" sz="2000" dirty="0">
-                <a:solidFill>
-                  <a:srgbClr val="FF0000"/>
-                </a:solidFill>
-                <a:latin typeface="+mn-ea"/>
-              </a:rPr>
-              <a:t>➡ </a:t>
-            </a:r>
-            <a:r>
-              <a:rPr lang="ja-JP" altLang="en-US" sz="2000" b="1" dirty="0">
-                <a:solidFill>
-                  <a:srgbClr val="FF0000"/>
-                </a:solidFill>
-                <a:latin typeface="+mn-ea"/>
-              </a:rPr>
-              <a:t>最適な基底関数が不明</a:t>
-            </a:r>
-            <a:endParaRPr lang="en-US" altLang="ja-JP" sz="2000" b="1" dirty="0">
-              <a:solidFill>
-                <a:srgbClr val="FF0000"/>
-              </a:solidFill>
-              <a:latin typeface="+mn-ea"/>
-            </a:endParaRPr>
-          </a:p>
-        </p:txBody>
-      </p:sp>
-      <p:sp>
-        <p:nvSpPr>
-          <p:cNvPr id="6" name="テキスト ボックス 5">
-            <a:extLst>
-              <a:ext uri="{FF2B5EF4-FFF2-40B4-BE49-F238E27FC236}">
-                <a16:creationId xmlns:a16="http://schemas.microsoft.com/office/drawing/2014/main" id="{F0A049D2-00CD-B9D9-E6D0-00FF91F5868C}"/>
-              </a:ext>
-            </a:extLst>
-          </p:cNvPr>
-          <p:cNvSpPr txBox="1"/>
-          <p:nvPr/>
-        </p:nvSpPr>
-        <p:spPr>
-          <a:xfrm>
-            <a:off x="1353708" y="5293190"/>
-            <a:ext cx="9095677" cy="461665"/>
-          </a:xfrm>
-          <a:prstGeom prst="rect">
-            <a:avLst/>
-          </a:prstGeom>
-          <a:noFill/>
-        </p:spPr>
-        <p:txBody>
-          <a:bodyPr wrap="square" rtlCol="0">
-            <a:spAutoFit/>
-          </a:bodyPr>
-          <a:lstStyle/>
-          <a:p>
-            <a:r>
-              <a:rPr lang="ja-JP" altLang="en-US" sz="2400" dirty="0">
-                <a:latin typeface="BIZ UDPゴシック" panose="020B0400000000000000" pitchFamily="50" charset="-128"/>
-                <a:ea typeface="BIZ UDPゴシック" panose="020B0400000000000000" pitchFamily="50" charset="-128"/>
-              </a:rPr>
-              <a:t>現在高精度手法の結果に近い汎関数と基底関数を調べている</a:t>
-            </a:r>
-            <a:endParaRPr lang="en-US" altLang="ja-JP" sz="2400" dirty="0">
-              <a:latin typeface="BIZ UDPゴシック" panose="020B0400000000000000" pitchFamily="50" charset="-128"/>
-              <a:ea typeface="BIZ UDPゴシック" panose="020B0400000000000000" pitchFamily="50" charset="-128"/>
-            </a:endParaRPr>
-          </a:p>
-        </p:txBody>
-      </p:sp>
-      <p:sp>
-        <p:nvSpPr>
-          <p:cNvPr id="7" name="テキスト ボックス 6">
-            <a:extLst>
-              <a:ext uri="{FF2B5EF4-FFF2-40B4-BE49-F238E27FC236}">
-                <a16:creationId xmlns:a16="http://schemas.microsoft.com/office/drawing/2014/main" id="{908856FD-C68E-3ADD-6B1B-46C84034184D}"/>
-              </a:ext>
-            </a:extLst>
-          </p:cNvPr>
-          <p:cNvSpPr txBox="1"/>
-          <p:nvPr/>
-        </p:nvSpPr>
-        <p:spPr>
-          <a:xfrm>
-            <a:off x="792456" y="4453933"/>
-            <a:ext cx="1005403" cy="584775"/>
-          </a:xfrm>
-          <a:prstGeom prst="rect">
-            <a:avLst/>
-          </a:prstGeom>
-          <a:noFill/>
-        </p:spPr>
-        <p:txBody>
-          <a:bodyPr wrap="none" rtlCol="0">
-            <a:spAutoFit/>
-          </a:bodyPr>
-          <a:lstStyle/>
-          <a:p>
-            <a:r>
-              <a:rPr kumimoji="1" lang="ja-JP" altLang="en-US" sz="3200" dirty="0">
-                <a:latin typeface="BIZ UDPゴシック" panose="020B0400000000000000" pitchFamily="50" charset="-128"/>
-                <a:ea typeface="BIZ UDPゴシック" panose="020B0400000000000000" pitchFamily="50" charset="-128"/>
-              </a:rPr>
-              <a:t>準備</a:t>
-            </a:r>
-          </a:p>
-        </p:txBody>
-      </p:sp>
-      <p:sp>
-        <p:nvSpPr>
-          <p:cNvPr id="8" name="四角形: 角を丸くする 7">
-            <a:extLst>
-              <a:ext uri="{FF2B5EF4-FFF2-40B4-BE49-F238E27FC236}">
-                <a16:creationId xmlns:a16="http://schemas.microsoft.com/office/drawing/2014/main" id="{37A16FD5-AB0D-32BE-8BE7-D147DDA9C979}"/>
+                <a16:creationId xmlns:a16="http://schemas.microsoft.com/office/drawing/2014/main" id="{E520CDFB-71AB-4535-B887-5C6C96358C28}"/>
               </a:ext>
             </a:extLst>
           </p:cNvPr>
@@ -8888,21 +10243,18 @@
         </p:nvSpPr>
         <p:spPr>
           <a:xfrm>
-            <a:off x="8105117" y="2246551"/>
-            <a:ext cx="1317997" cy="707886"/>
+            <a:off x="7138277" y="2582716"/>
+            <a:ext cx="3612928" cy="1992430"/>
           </a:xfrm>
           <a:prstGeom prst="roundRect">
             <a:avLst/>
           </a:prstGeom>
-          <a:solidFill>
-            <a:schemeClr val="accent1">
-              <a:lumMod val="60000"/>
-              <a:lumOff val="40000"/>
-            </a:schemeClr>
-          </a:solidFill>
-          <a:ln>
+          <a:noFill/>
+          <a:ln w="57150">
             <a:solidFill>
-              <a:schemeClr val="bg1"/>
+              <a:schemeClr val="bg1">
+                <a:lumMod val="65000"/>
+              </a:schemeClr>
             </a:solidFill>
           </a:ln>
         </p:spPr>
@@ -8927,32 +10279,16 @@
           <a:lstStyle/>
           <a:p>
             <a:pPr algn="ctr"/>
-            <a:r>
-              <a:rPr kumimoji="1" lang="en-US" altLang="ja-JP" dirty="0">
-                <a:solidFill>
-                  <a:schemeClr val="tx1"/>
-                </a:solidFill>
-                <a:latin typeface="BIZ UDPゴシック" panose="020B0400000000000000" pitchFamily="50" charset="-128"/>
-                <a:ea typeface="BIZ UDPゴシック" panose="020B0400000000000000" pitchFamily="50" charset="-128"/>
-              </a:rPr>
-              <a:t>MCDFT</a:t>
-            </a:r>
-            <a:endParaRPr kumimoji="1" lang="ja-JP" altLang="en-US" dirty="0">
-              <a:solidFill>
-                <a:schemeClr val="tx1"/>
-              </a:solidFill>
-              <a:latin typeface="BIZ UDPゴシック" panose="020B0400000000000000" pitchFamily="50" charset="-128"/>
-              <a:ea typeface="BIZ UDPゴシック" panose="020B0400000000000000" pitchFamily="50" charset="-128"/>
-            </a:endParaRPr>
-          </a:p>
-        </p:txBody>
-      </p:sp>
-      <p:sp>
-        <p:nvSpPr>
-          <p:cNvPr id="9" name="フローチャート: 結合子 8">
+            <a:endParaRPr kumimoji="1" lang="ja-JP" altLang="en-US"/>
+          </a:p>
+        </p:txBody>
+      </p:sp>
+      <p:sp>
+        <p:nvSpPr>
+          <p:cNvPr id="20" name="フローチャート: 結合子 19">
             <a:extLst>
               <a:ext uri="{FF2B5EF4-FFF2-40B4-BE49-F238E27FC236}">
-                <a16:creationId xmlns:a16="http://schemas.microsoft.com/office/drawing/2014/main" id="{3C0654BF-03E3-6D63-87B2-03C68920018F}"/>
+                <a16:creationId xmlns:a16="http://schemas.microsoft.com/office/drawing/2014/main" id="{45AFD98A-8687-5DBD-C196-3C8AFFF0F5A0}"/>
               </a:ext>
             </a:extLst>
           </p:cNvPr>
@@ -8961,16 +10297,19 @@
         </p:nvSpPr>
         <p:spPr>
           <a:xfrm>
-            <a:off x="7342066" y="3055877"/>
+            <a:off x="7582428" y="3066426"/>
             <a:ext cx="763051" cy="707886"/>
           </a:xfrm>
           <a:prstGeom prst="flowChartConnector">
             <a:avLst/>
           </a:prstGeom>
           <a:solidFill>
-            <a:srgbClr val="00B0F0"/>
+            <a:schemeClr val="accent1">
+              <a:lumMod val="40000"/>
+              <a:lumOff val="60000"/>
+            </a:schemeClr>
           </a:solidFill>
-          <a:ln>
+          <a:ln w="38100">
             <a:solidFill>
               <a:schemeClr val="tx1"/>
             </a:solidFill>
@@ -8998,27 +10337,31 @@
           <a:p>
             <a:pPr algn="ctr"/>
             <a:r>
-              <a:rPr kumimoji="1" lang="en-US" altLang="ja-JP" sz="2400" dirty="0">
+              <a:rPr kumimoji="1" lang="en-US" altLang="ja-JP" sz="2400" b="1" dirty="0">
                 <a:solidFill>
-                  <a:schemeClr val="bg1"/>
+                  <a:schemeClr val="tx1"/>
                 </a:solidFill>
+                <a:latin typeface="Times New Roman" panose="02020603050405020304" pitchFamily="18" charset="0"/>
+                <a:cs typeface="Times New Roman" panose="02020603050405020304" pitchFamily="18" charset="0"/>
               </a:rPr>
               <a:t>H</a:t>
             </a:r>
-            <a:endParaRPr kumimoji="1" lang="ja-JP" altLang="en-US" sz="2400" dirty="0">
+            <a:endParaRPr kumimoji="1" lang="ja-JP" altLang="en-US" sz="2400" b="1" dirty="0">
               <a:solidFill>
-                <a:schemeClr val="bg1"/>
+                <a:schemeClr val="tx1"/>
               </a:solidFill>
+              <a:latin typeface="Times New Roman" panose="02020603050405020304" pitchFamily="18" charset="0"/>
+              <a:cs typeface="Times New Roman" panose="02020603050405020304" pitchFamily="18" charset="0"/>
             </a:endParaRPr>
           </a:p>
         </p:txBody>
       </p:sp>
       <p:sp>
         <p:nvSpPr>
-          <p:cNvPr id="10" name="フローチャート: 結合子 9">
+          <p:cNvPr id="21" name="四角形: 角を丸くする 20">
             <a:extLst>
               <a:ext uri="{FF2B5EF4-FFF2-40B4-BE49-F238E27FC236}">
-                <a16:creationId xmlns:a16="http://schemas.microsoft.com/office/drawing/2014/main" id="{F4D13220-61C3-A4C7-C635-DA1E5FDF95F3}"/>
+                <a16:creationId xmlns:a16="http://schemas.microsoft.com/office/drawing/2014/main" id="{696D54A5-0AE5-38B4-0C3B-69DC9E4874B5}"/>
               </a:ext>
             </a:extLst>
           </p:cNvPr>
@@ -9027,16 +10370,87 @@
         </p:nvSpPr>
         <p:spPr>
           <a:xfrm>
-            <a:off x="9304347" y="3055877"/>
+            <a:off x="6661270" y="2329134"/>
+            <a:ext cx="2031325" cy="461665"/>
+          </a:xfrm>
+          <a:prstGeom prst="roundRect">
+            <a:avLst/>
+          </a:prstGeom>
+          <a:solidFill>
+            <a:schemeClr val="bg1"/>
+          </a:solidFill>
+          <a:ln>
+            <a:noFill/>
+          </a:ln>
+        </p:spPr>
+        <p:style>
+          <a:lnRef idx="2">
+            <a:schemeClr val="accent1">
+              <a:shade val="15000"/>
+            </a:schemeClr>
+          </a:lnRef>
+          <a:fillRef idx="1">
+            <a:schemeClr val="accent1"/>
+          </a:fillRef>
+          <a:effectRef idx="0">
+            <a:schemeClr val="accent1"/>
+          </a:effectRef>
+          <a:fontRef idx="minor">
+            <a:schemeClr val="lt1"/>
+          </a:fontRef>
+        </p:style>
+        <p:txBody>
+          <a:bodyPr rtlCol="0" anchor="ctr"/>
+          <a:lstStyle/>
+          <a:p>
+            <a:pPr algn="ctr"/>
+            <a:r>
+              <a:rPr kumimoji="1" lang="en-US" altLang="ja-JP" sz="2400" b="1" dirty="0">
+                <a:solidFill>
+                  <a:schemeClr val="tx1"/>
+                </a:solidFill>
+                <a:latin typeface="BIZ UDPゴシック" panose="020B0400000000000000" pitchFamily="50" charset="-128"/>
+                <a:ea typeface="BIZ UDPゴシック" panose="020B0400000000000000" pitchFamily="50" charset="-128"/>
+              </a:rPr>
+              <a:t>MCDFT</a:t>
+            </a:r>
+            <a:endParaRPr kumimoji="1" lang="ja-JP" altLang="en-US" sz="2400" b="1" dirty="0">
+              <a:solidFill>
+                <a:schemeClr val="tx1"/>
+              </a:solidFill>
+              <a:latin typeface="BIZ UDPゴシック" panose="020B0400000000000000" pitchFamily="50" charset="-128"/>
+              <a:ea typeface="BIZ UDPゴシック" panose="020B0400000000000000" pitchFamily="50" charset="-128"/>
+            </a:endParaRPr>
+          </a:p>
+        </p:txBody>
+      </p:sp>
+      <p:sp>
+        <p:nvSpPr>
+          <p:cNvPr id="23" name="フローチャート: 結合子 22">
+            <a:extLst>
+              <a:ext uri="{FF2B5EF4-FFF2-40B4-BE49-F238E27FC236}">
+                <a16:creationId xmlns:a16="http://schemas.microsoft.com/office/drawing/2014/main" id="{AD797E46-23E8-5FCF-005F-05BBF0E3ED8A}"/>
+              </a:ext>
+            </a:extLst>
+          </p:cNvPr>
+          <p:cNvSpPr/>
+          <p:nvPr/>
+        </p:nvSpPr>
+        <p:spPr>
+          <a:xfrm>
+            <a:off x="9544709" y="3066426"/>
             <a:ext cx="763051" cy="707886"/>
           </a:xfrm>
           <a:prstGeom prst="flowChartConnector">
             <a:avLst/>
           </a:prstGeom>
           <a:solidFill>
-            <a:schemeClr val="accent1"/>
+            <a:schemeClr val="accent6">
+              <a:lumMod val="40000"/>
+              <a:lumOff val="60000"/>
+            </a:schemeClr>
           </a:solidFill>
-          <a:ln>
+          <a:ln w="38100">
             <a:solidFill>
               <a:schemeClr val="tx1"/>
             </a:solidFill>
@@ -9064,27 +10478,31 @@
           <a:p>
             <a:pPr algn="ctr"/>
             <a:r>
-              <a:rPr kumimoji="1" lang="en-US" altLang="ja-JP" sz="2400" dirty="0">
+              <a:rPr kumimoji="1" lang="en-US" altLang="ja-JP" sz="2400" b="1" dirty="0">
                 <a:solidFill>
-                  <a:schemeClr val="bg1"/>
+                  <a:schemeClr val="tx1"/>
                 </a:solidFill>
+                <a:latin typeface="Times New Roman" panose="02020603050405020304" pitchFamily="18" charset="0"/>
+                <a:cs typeface="Times New Roman" panose="02020603050405020304" pitchFamily="18" charset="0"/>
               </a:rPr>
               <a:t>D</a:t>
             </a:r>
-            <a:endParaRPr kumimoji="1" lang="ja-JP" altLang="en-US" sz="2400" dirty="0">
+            <a:endParaRPr kumimoji="1" lang="ja-JP" altLang="en-US" sz="2400" b="1" dirty="0">
               <a:solidFill>
-                <a:schemeClr val="bg1"/>
+                <a:schemeClr val="tx1"/>
               </a:solidFill>
+              <a:latin typeface="Times New Roman" panose="02020603050405020304" pitchFamily="18" charset="0"/>
+              <a:cs typeface="Times New Roman" panose="02020603050405020304" pitchFamily="18" charset="0"/>
             </a:endParaRPr>
           </a:p>
         </p:txBody>
       </p:sp>
       <p:cxnSp>
         <p:nvCxnSpPr>
-          <p:cNvPr id="11" name="直線矢印コネクタ 10">
+          <p:cNvPr id="24" name="直線矢印コネクタ 23">
             <a:extLst>
               <a:ext uri="{FF2B5EF4-FFF2-40B4-BE49-F238E27FC236}">
-                <a16:creationId xmlns:a16="http://schemas.microsoft.com/office/drawing/2014/main" id="{2ADC5480-5281-6646-EB66-F89D15E6E26E}"/>
+                <a16:creationId xmlns:a16="http://schemas.microsoft.com/office/drawing/2014/main" id="{0E0BB68B-CC4A-ADC1-F656-AD306FC3686E}"/>
               </a:ext>
             </a:extLst>
           </p:cNvPr>
@@ -9095,7 +10513,7 @@
         </p:nvCxnSpPr>
         <p:spPr>
           <a:xfrm>
-            <a:off x="8250160" y="3400591"/>
+            <a:off x="8490522" y="3411140"/>
             <a:ext cx="914400" cy="0"/>
           </a:xfrm>
           <a:prstGeom prst="straightConnector1">
@@ -9105,6 +10523,7 @@
             <a:solidFill>
               <a:schemeClr val="tx1"/>
             </a:solidFill>
+            <a:prstDash val="sysDash"/>
             <a:headEnd type="triangle"/>
             <a:tailEnd type="triangle"/>
           </a:ln>
@@ -9126,10 +10545,10 @@
       </p:cxnSp>
       <p:sp>
         <p:nvSpPr>
-          <p:cNvPr id="12" name="テキスト ボックス 11">
+          <p:cNvPr id="25" name="テキスト ボックス 24">
             <a:extLst>
               <a:ext uri="{FF2B5EF4-FFF2-40B4-BE49-F238E27FC236}">
-                <a16:creationId xmlns:a16="http://schemas.microsoft.com/office/drawing/2014/main" id="{CC222DC6-42A2-8291-AC50-F46AB548BC64}"/>
+                <a16:creationId xmlns:a16="http://schemas.microsoft.com/office/drawing/2014/main" id="{408C83E7-BC94-89E0-EF45-ADE47E4E3BA9}"/>
               </a:ext>
             </a:extLst>
           </p:cNvPr>
@@ -9138,8 +10557,8 @@
         </p:nvSpPr>
         <p:spPr>
           <a:xfrm>
-            <a:off x="8541065" y="2938926"/>
-            <a:ext cx="327334" cy="461665"/>
+            <a:off x="8822296" y="3074111"/>
+            <a:ext cx="618239" cy="707886"/>
           </a:xfrm>
           <a:prstGeom prst="rect">
             <a:avLst/>
@@ -9153,18 +10572,29 @@
           <a:lstStyle/>
           <a:p>
             <a:r>
-              <a:rPr kumimoji="1" lang="ja-JP" altLang="en-US" sz="2400" dirty="0"/>
-              <a:t>！</a:t>
-            </a:r>
-          </a:p>
-        </p:txBody>
-      </p:sp>
-      <p:sp>
-        <p:nvSpPr>
-          <p:cNvPr id="13" name="テキスト ボックス 12">
+              <a:rPr kumimoji="1" lang="en-US" altLang="ja-JP" sz="4000" dirty="0">
+                <a:solidFill>
+                  <a:srgbClr val="FF0000"/>
+                </a:solidFill>
+                <a:latin typeface="Arial Black" panose="020B0A04020102020204" pitchFamily="34" charset="0"/>
+              </a:rPr>
+              <a:t>!</a:t>
+            </a:r>
+            <a:endParaRPr kumimoji="1" lang="ja-JP" altLang="en-US" sz="4000" dirty="0">
+              <a:solidFill>
+                <a:srgbClr val="FF0000"/>
+              </a:solidFill>
+              <a:latin typeface="Arial Black" panose="020B0A04020102020204" pitchFamily="34" charset="0"/>
+            </a:endParaRPr>
+          </a:p>
+        </p:txBody>
+      </p:sp>
+      <p:sp>
+        <p:nvSpPr>
+          <p:cNvPr id="26" name="テキスト ボックス 25">
             <a:extLst>
               <a:ext uri="{FF2B5EF4-FFF2-40B4-BE49-F238E27FC236}">
-                <a16:creationId xmlns:a16="http://schemas.microsoft.com/office/drawing/2014/main" id="{87F35F18-0102-83AB-4E24-6EF1B4E5DBFB}"/>
+                <a16:creationId xmlns:a16="http://schemas.microsoft.com/office/drawing/2014/main" id="{8E43DA75-8DED-1A39-01B8-25275F2D48B8}"/>
               </a:ext>
             </a:extLst>
           </p:cNvPr>
@@ -9173,8 +10603,8 @@
         </p:nvSpPr>
         <p:spPr>
           <a:xfrm>
-            <a:off x="792456" y="422306"/>
-            <a:ext cx="1005403" cy="584775"/>
+            <a:off x="7870047" y="3874988"/>
+            <a:ext cx="2322893" cy="523220"/>
           </a:xfrm>
           <a:prstGeom prst="rect">
             <a:avLst/>
@@ -9182,44 +10612,6 @@
           <a:noFill/>
         </p:spPr>
         <p:txBody>
-          <a:bodyPr wrap="none" rtlCol="0">
-            <a:spAutoFit/>
-          </a:bodyPr>
-          <a:lstStyle/>
-          <a:p>
-            <a:r>
-              <a:rPr kumimoji="1" lang="ja-JP" altLang="en-US" sz="3200" dirty="0">
-                <a:latin typeface="BIZ UDPゴシック" panose="020B0400000000000000" pitchFamily="50" charset="-128"/>
-                <a:ea typeface="BIZ UDPゴシック" panose="020B0400000000000000" pitchFamily="50" charset="-128"/>
-              </a:rPr>
-              <a:t>手法</a:t>
-            </a:r>
-          </a:p>
-        </p:txBody>
-      </p:sp>
-      <p:sp>
-        <p:nvSpPr>
-          <p:cNvPr id="14" name="テキスト ボックス 13">
-            <a:extLst>
-              <a:ext uri="{FF2B5EF4-FFF2-40B4-BE49-F238E27FC236}">
-                <a16:creationId xmlns:a16="http://schemas.microsoft.com/office/drawing/2014/main" id="{CE14AE74-19CF-DD44-0462-02746855F621}"/>
-              </a:ext>
-            </a:extLst>
-          </p:cNvPr>
-          <p:cNvSpPr txBox="1"/>
-          <p:nvPr/>
-        </p:nvSpPr>
-        <p:spPr>
-          <a:xfrm>
-            <a:off x="1353708" y="1246898"/>
-            <a:ext cx="9789360" cy="1200329"/>
-          </a:xfrm>
-          <a:prstGeom prst="rect">
-            <a:avLst/>
-          </a:prstGeom>
-          <a:noFill/>
-        </p:spPr>
-        <p:txBody>
           <a:bodyPr wrap="square" rtlCol="0">
             <a:spAutoFit/>
           </a:bodyPr>
@@ -9230,88 +10622,18 @@
                 <a:latin typeface="BIZ UDPゴシック" panose="020B0400000000000000" pitchFamily="50" charset="-128"/>
                 <a:ea typeface="BIZ UDPゴシック" panose="020B0400000000000000" pitchFamily="50" charset="-128"/>
               </a:rPr>
-              <a:t>通常の計算手法では</a:t>
-            </a:r>
-            <a:r>
-              <a:rPr kumimoji="1" lang="en-US" altLang="ja-JP" sz="2400" dirty="0">
+              <a:t>区別</a:t>
+            </a:r>
+            <a:r>
+              <a:rPr kumimoji="1" lang="ja-JP" altLang="en-US" sz="2800" b="1" dirty="0">
                 <a:latin typeface="BIZ UDPゴシック" panose="020B0400000000000000" pitchFamily="50" charset="-128"/>
                 <a:ea typeface="BIZ UDPゴシック" panose="020B0400000000000000" pitchFamily="50" charset="-128"/>
               </a:rPr>
-              <a:t>H</a:t>
-            </a:r>
-            <a:r>
-              <a:rPr kumimoji="1" lang="ja-JP" altLang="en-US" sz="2400" dirty="0">
-                <a:latin typeface="BIZ UDPゴシック" panose="020B0400000000000000" pitchFamily="50" charset="-128"/>
-                <a:ea typeface="BIZ UDPゴシック" panose="020B0400000000000000" pitchFamily="50" charset="-128"/>
-              </a:rPr>
-              <a:t>原子と</a:t>
-            </a:r>
-            <a:r>
-              <a:rPr kumimoji="1" lang="en-US" altLang="ja-JP" sz="2400" dirty="0">
-                <a:latin typeface="BIZ UDPゴシック" panose="020B0400000000000000" pitchFamily="50" charset="-128"/>
-                <a:ea typeface="BIZ UDPゴシック" panose="020B0400000000000000" pitchFamily="50" charset="-128"/>
-              </a:rPr>
-              <a:t>D</a:t>
-            </a:r>
-            <a:r>
-              <a:rPr kumimoji="1" lang="ja-JP" altLang="en-US" sz="2400" dirty="0">
-                <a:latin typeface="BIZ UDPゴシック" panose="020B0400000000000000" pitchFamily="50" charset="-128"/>
-                <a:ea typeface="BIZ UDPゴシック" panose="020B0400000000000000" pitchFamily="50" charset="-128"/>
-              </a:rPr>
-              <a:t>原子の量子効果を区別できない</a:t>
-            </a:r>
-            <a:endParaRPr kumimoji="1" lang="en-US" altLang="ja-JP" sz="2400" dirty="0">
+              <a:t>できる</a:t>
+            </a:r>
+            <a:endParaRPr kumimoji="1" lang="ja-JP" altLang="en-US" sz="2400" b="1" dirty="0">
               <a:latin typeface="BIZ UDPゴシック" panose="020B0400000000000000" pitchFamily="50" charset="-128"/>
               <a:ea typeface="BIZ UDPゴシック" panose="020B0400000000000000" pitchFamily="50" charset="-128"/>
-            </a:endParaRPr>
-          </a:p>
-          <a:p>
-            <a:r>
-              <a:rPr kumimoji="1" lang="en-US" altLang="ja-JP" sz="2400" dirty="0">
-                <a:latin typeface="BIZ UDPゴシック" panose="020B0400000000000000" pitchFamily="50" charset="-128"/>
-                <a:ea typeface="BIZ UDPゴシック" panose="020B0400000000000000" pitchFamily="50" charset="-128"/>
-              </a:rPr>
-              <a:t>H</a:t>
-            </a:r>
-            <a:r>
-              <a:rPr kumimoji="1" lang="ja-JP" altLang="en-US" sz="2400" dirty="0">
-                <a:latin typeface="BIZ UDPゴシック" panose="020B0400000000000000" pitchFamily="50" charset="-128"/>
-                <a:ea typeface="BIZ UDPゴシック" panose="020B0400000000000000" pitchFamily="50" charset="-128"/>
-              </a:rPr>
-              <a:t>原子と</a:t>
-            </a:r>
-            <a:r>
-              <a:rPr kumimoji="1" lang="en-US" altLang="ja-JP" sz="2400" dirty="0">
-                <a:latin typeface="BIZ UDPゴシック" panose="020B0400000000000000" pitchFamily="50" charset="-128"/>
-                <a:ea typeface="BIZ UDPゴシック" panose="020B0400000000000000" pitchFamily="50" charset="-128"/>
-              </a:rPr>
-              <a:t>D</a:t>
-            </a:r>
-            <a:r>
-              <a:rPr kumimoji="1" lang="ja-JP" altLang="en-US" sz="2400" dirty="0">
-                <a:latin typeface="BIZ UDPゴシック" panose="020B0400000000000000" pitchFamily="50" charset="-128"/>
-                <a:ea typeface="BIZ UDPゴシック" panose="020B0400000000000000" pitchFamily="50" charset="-128"/>
-              </a:rPr>
-              <a:t>原子の量子効果を調べるために</a:t>
-            </a:r>
-            <a:r>
-              <a:rPr kumimoji="1" lang="en-US" altLang="ja-JP" sz="2400" dirty="0">
-                <a:latin typeface="BIZ UDPゴシック" panose="020B0400000000000000" pitchFamily="50" charset="-128"/>
-                <a:ea typeface="BIZ UDPゴシック" panose="020B0400000000000000" pitchFamily="50" charset="-128"/>
-              </a:rPr>
-              <a:t>MCDFT</a:t>
-            </a:r>
-            <a:r>
-              <a:rPr kumimoji="1" lang="ja-JP" altLang="en-US" sz="2400" dirty="0">
-                <a:latin typeface="BIZ UDPゴシック" panose="020B0400000000000000" pitchFamily="50" charset="-128"/>
-                <a:ea typeface="BIZ UDPゴシック" panose="020B0400000000000000" pitchFamily="50" charset="-128"/>
-              </a:rPr>
-              <a:t>法を使う</a:t>
-            </a:r>
-          </a:p>
-          <a:p>
-            <a:endParaRPr lang="en-US" altLang="ja-JP" sz="2400" b="1" dirty="0">
-              <a:latin typeface="+mn-ea"/>
             </a:endParaRPr>
           </a:p>
         </p:txBody>
@@ -9320,5174 +10642,6 @@
     <p:extLst>
       <p:ext uri="{BB962C8B-B14F-4D97-AF65-F5344CB8AC3E}">
         <p14:creationId xmlns:p14="http://schemas.microsoft.com/office/powerpoint/2010/main" val="1014903753"/>
-      </p:ext>
-    </p:extLst>
-  </p:cSld>
-  <p:clrMapOvr>
-    <a:masterClrMapping/>
-  </p:clrMapOvr>
-</p:sld>
-</file>
-
-<file path=ppt/slides/slide5.xml><?xml version="1.0" encoding="utf-8"?>
-<p:sld xmlns:a="http://schemas.openxmlformats.org/drawingml/2006/main" xmlns:r="http://schemas.openxmlformats.org/officeDocument/2006/relationships" xmlns:p="http://schemas.openxmlformats.org/presentationml/2006/main">
-  <p:cSld>
-    <p:spTree>
-      <p:nvGrpSpPr>
-        <p:cNvPr id="1" name=""/>
-        <p:cNvGrpSpPr/>
-        <p:nvPr/>
-      </p:nvGrpSpPr>
-      <p:grpSpPr>
-        <a:xfrm>
-          <a:off x="0" y="0"/>
-          <a:ext cx="0" cy="0"/>
-          <a:chOff x="0" y="0"/>
-          <a:chExt cx="0" cy="0"/>
-        </a:xfrm>
-      </p:grpSpPr>
-      <p:sp>
-        <p:nvSpPr>
-          <p:cNvPr id="2" name="スライド番号プレースホルダー 1">
-            <a:extLst>
-              <a:ext uri="{FF2B5EF4-FFF2-40B4-BE49-F238E27FC236}">
-                <a16:creationId xmlns:a16="http://schemas.microsoft.com/office/drawing/2014/main" id="{F10FA19E-B58F-696E-9107-B1398F244FD7}"/>
-              </a:ext>
-            </a:extLst>
-          </p:cNvPr>
-          <p:cNvSpPr>
-            <a:spLocks noGrp="1"/>
-          </p:cNvSpPr>
-          <p:nvPr>
-            <p:ph type="sldNum" sz="quarter" idx="12"/>
-          </p:nvPr>
-        </p:nvSpPr>
-        <p:spPr/>
-        <p:txBody>
-          <a:bodyPr/>
-          <a:lstStyle/>
-          <a:p>
-            <a:fld id="{ECBD650F-6923-4A4C-ADE2-BB0B86E7CCFF}" type="slidenum">
-              <a:rPr lang="zh-CN" altLang="en-US" smtClean="0"/>
-              <a:t>5</a:t>
-            </a:fld>
-            <a:endParaRPr lang="zh-CN" altLang="en-US"/>
-          </a:p>
-        </p:txBody>
-      </p:sp>
-    </p:spTree>
-    <p:extLst>
-      <p:ext uri="{BB962C8B-B14F-4D97-AF65-F5344CB8AC3E}">
-        <p14:creationId xmlns:p14="http://schemas.microsoft.com/office/powerpoint/2010/main" val="1540254594"/>
-      </p:ext>
-    </p:extLst>
-  </p:cSld>
-  <p:clrMapOvr>
-    <a:masterClrMapping/>
-  </p:clrMapOvr>
-</p:sld>
-</file>
-
-<file path=ppt/slides/slide6.xml><?xml version="1.0" encoding="utf-8"?>
-<p:sld xmlns:a="http://schemas.openxmlformats.org/drawingml/2006/main" xmlns:r="http://schemas.openxmlformats.org/officeDocument/2006/relationships" xmlns:p="http://schemas.openxmlformats.org/presentationml/2006/main">
-  <p:cSld>
-    <p:spTree>
-      <p:nvGrpSpPr>
-        <p:cNvPr id="1" name=""/>
-        <p:cNvGrpSpPr/>
-        <p:nvPr/>
-      </p:nvGrpSpPr>
-      <p:grpSpPr>
-        <a:xfrm>
-          <a:off x="0" y="0"/>
-          <a:ext cx="0" cy="0"/>
-          <a:chOff x="0" y="0"/>
-          <a:chExt cx="0" cy="0"/>
-        </a:xfrm>
-      </p:grpSpPr>
-      <p:sp>
-        <p:nvSpPr>
-          <p:cNvPr id="2" name="スライド番号プレースホルダー 1">
-            <a:extLst>
-              <a:ext uri="{FF2B5EF4-FFF2-40B4-BE49-F238E27FC236}">
-                <a16:creationId xmlns:a16="http://schemas.microsoft.com/office/drawing/2014/main" id="{F10FA19E-B58F-696E-9107-B1398F244FD7}"/>
-              </a:ext>
-            </a:extLst>
-          </p:cNvPr>
-          <p:cNvSpPr>
-            <a:spLocks noGrp="1"/>
-          </p:cNvSpPr>
-          <p:nvPr>
-            <p:ph type="sldNum" sz="quarter" idx="12"/>
-          </p:nvPr>
-        </p:nvSpPr>
-        <p:spPr/>
-        <p:txBody>
-          <a:bodyPr/>
-          <a:lstStyle/>
-          <a:p>
-            <a:fld id="{ECBD650F-6923-4A4C-ADE2-BB0B86E7CCFF}" type="slidenum">
-              <a:rPr lang="zh-CN" altLang="en-US" smtClean="0"/>
-              <a:t>6</a:t>
-            </a:fld>
-            <a:endParaRPr lang="zh-CN" altLang="en-US"/>
-          </a:p>
-        </p:txBody>
-      </p:sp>
-      <p:cxnSp>
-        <p:nvCxnSpPr>
-          <p:cNvPr id="3" name="直線矢印コネクタ 2">
-            <a:extLst>
-              <a:ext uri="{FF2B5EF4-FFF2-40B4-BE49-F238E27FC236}">
-                <a16:creationId xmlns:a16="http://schemas.microsoft.com/office/drawing/2014/main" id="{B86308E6-B4A4-7DBD-39F9-03A19A167DD7}"/>
-              </a:ext>
-            </a:extLst>
-          </p:cNvPr>
-          <p:cNvCxnSpPr>
-            <a:cxnSpLocks/>
-          </p:cNvCxnSpPr>
-          <p:nvPr/>
-        </p:nvCxnSpPr>
-        <p:spPr>
-          <a:xfrm>
-            <a:off x="3227783" y="3804433"/>
-            <a:ext cx="307921" cy="0"/>
-          </a:xfrm>
-          <a:prstGeom prst="straightConnector1">
-            <a:avLst/>
-          </a:prstGeom>
-          <a:ln w="19050">
-            <a:solidFill>
-              <a:schemeClr val="tx1"/>
-            </a:solidFill>
-            <a:tailEnd type="triangle"/>
-          </a:ln>
-        </p:spPr>
-        <p:style>
-          <a:lnRef idx="1">
-            <a:schemeClr val="accent1"/>
-          </a:lnRef>
-          <a:fillRef idx="0">
-            <a:schemeClr val="accent1"/>
-          </a:fillRef>
-          <a:effectRef idx="0">
-            <a:schemeClr val="accent1"/>
-          </a:effectRef>
-          <a:fontRef idx="minor">
-            <a:schemeClr val="tx1"/>
-          </a:fontRef>
-        </p:style>
-      </p:cxnSp>
-      <p:cxnSp>
-        <p:nvCxnSpPr>
-          <p:cNvPr id="4" name="直線矢印コネクタ 3">
-            <a:extLst>
-              <a:ext uri="{FF2B5EF4-FFF2-40B4-BE49-F238E27FC236}">
-                <a16:creationId xmlns:a16="http://schemas.microsoft.com/office/drawing/2014/main" id="{782B268D-C22C-F70D-EC11-83DF84F7FDF5}"/>
-              </a:ext>
-            </a:extLst>
-          </p:cNvPr>
-          <p:cNvCxnSpPr>
-            <a:cxnSpLocks/>
-          </p:cNvCxnSpPr>
-          <p:nvPr/>
-        </p:nvCxnSpPr>
-        <p:spPr>
-          <a:xfrm>
-            <a:off x="3236781" y="3937914"/>
-            <a:ext cx="307921" cy="0"/>
-          </a:xfrm>
-          <a:prstGeom prst="straightConnector1">
-            <a:avLst/>
-          </a:prstGeom>
-          <a:ln w="19050">
-            <a:solidFill>
-              <a:schemeClr val="tx1"/>
-            </a:solidFill>
-            <a:tailEnd type="triangle"/>
-          </a:ln>
-        </p:spPr>
-        <p:style>
-          <a:lnRef idx="1">
-            <a:schemeClr val="accent1"/>
-          </a:lnRef>
-          <a:fillRef idx="0">
-            <a:schemeClr val="accent1"/>
-          </a:fillRef>
-          <a:effectRef idx="0">
-            <a:schemeClr val="accent1"/>
-          </a:effectRef>
-          <a:fontRef idx="minor">
-            <a:schemeClr val="tx1"/>
-          </a:fontRef>
-        </p:style>
-      </p:cxnSp>
-      <p:cxnSp>
-        <p:nvCxnSpPr>
-          <p:cNvPr id="5" name="直線矢印コネクタ 4">
-            <a:extLst>
-              <a:ext uri="{FF2B5EF4-FFF2-40B4-BE49-F238E27FC236}">
-                <a16:creationId xmlns:a16="http://schemas.microsoft.com/office/drawing/2014/main" id="{19D6DB49-DC4D-5AFB-C6F7-F79DBD14C3AC}"/>
-              </a:ext>
-            </a:extLst>
-          </p:cNvPr>
-          <p:cNvCxnSpPr>
-            <a:cxnSpLocks/>
-          </p:cNvCxnSpPr>
-          <p:nvPr/>
-        </p:nvCxnSpPr>
-        <p:spPr>
-          <a:xfrm>
-            <a:off x="3227783" y="4288415"/>
-            <a:ext cx="307921" cy="0"/>
-          </a:xfrm>
-          <a:prstGeom prst="straightConnector1">
-            <a:avLst/>
-          </a:prstGeom>
-          <a:ln w="19050">
-            <a:solidFill>
-              <a:schemeClr val="tx1"/>
-            </a:solidFill>
-            <a:tailEnd type="triangle"/>
-          </a:ln>
-        </p:spPr>
-        <p:style>
-          <a:lnRef idx="1">
-            <a:schemeClr val="accent1"/>
-          </a:lnRef>
-          <a:fillRef idx="0">
-            <a:schemeClr val="accent1"/>
-          </a:fillRef>
-          <a:effectRef idx="0">
-            <a:schemeClr val="accent1"/>
-          </a:effectRef>
-          <a:fontRef idx="minor">
-            <a:schemeClr val="tx1"/>
-          </a:fontRef>
-        </p:style>
-      </p:cxnSp>
-      <p:cxnSp>
-        <p:nvCxnSpPr>
-          <p:cNvPr id="6" name="直線矢印コネクタ 5">
-            <a:extLst>
-              <a:ext uri="{FF2B5EF4-FFF2-40B4-BE49-F238E27FC236}">
-                <a16:creationId xmlns:a16="http://schemas.microsoft.com/office/drawing/2014/main" id="{49C333A3-DE58-6244-CF90-DB760BE08E1C}"/>
-              </a:ext>
-            </a:extLst>
-          </p:cNvPr>
-          <p:cNvCxnSpPr>
-            <a:cxnSpLocks/>
-          </p:cNvCxnSpPr>
-          <p:nvPr/>
-        </p:nvCxnSpPr>
-        <p:spPr>
-          <a:xfrm>
-            <a:off x="3236781" y="4421896"/>
-            <a:ext cx="307921" cy="0"/>
-          </a:xfrm>
-          <a:prstGeom prst="straightConnector1">
-            <a:avLst/>
-          </a:prstGeom>
-          <a:ln w="19050">
-            <a:solidFill>
-              <a:schemeClr val="tx1"/>
-            </a:solidFill>
-            <a:tailEnd type="triangle"/>
-          </a:ln>
-        </p:spPr>
-        <p:style>
-          <a:lnRef idx="1">
-            <a:schemeClr val="accent1"/>
-          </a:lnRef>
-          <a:fillRef idx="0">
-            <a:schemeClr val="accent1"/>
-          </a:fillRef>
-          <a:effectRef idx="0">
-            <a:schemeClr val="accent1"/>
-          </a:effectRef>
-          <a:fontRef idx="minor">
-            <a:schemeClr val="tx1"/>
-          </a:fontRef>
-        </p:style>
-      </p:cxnSp>
-      <p:cxnSp>
-        <p:nvCxnSpPr>
-          <p:cNvPr id="8" name="直線矢印コネクタ 7">
-            <a:extLst>
-              <a:ext uri="{FF2B5EF4-FFF2-40B4-BE49-F238E27FC236}">
-                <a16:creationId xmlns:a16="http://schemas.microsoft.com/office/drawing/2014/main" id="{F4711499-52D7-14F5-4399-80B3F69DBC9C}"/>
-              </a:ext>
-            </a:extLst>
-          </p:cNvPr>
-          <p:cNvCxnSpPr/>
-          <p:nvPr/>
-        </p:nvCxnSpPr>
-        <p:spPr>
-          <a:xfrm>
-            <a:off x="4193627" y="3164139"/>
-            <a:ext cx="0" cy="529722"/>
-          </a:xfrm>
-          <a:prstGeom prst="straightConnector1">
-            <a:avLst/>
-          </a:prstGeom>
-          <a:ln w="38100">
-            <a:solidFill>
-              <a:schemeClr val="tx1"/>
-            </a:solidFill>
-            <a:tailEnd type="triangle"/>
-          </a:ln>
-        </p:spPr>
-        <p:style>
-          <a:lnRef idx="1">
-            <a:schemeClr val="accent1"/>
-          </a:lnRef>
-          <a:fillRef idx="0">
-            <a:schemeClr val="accent1"/>
-          </a:fillRef>
-          <a:effectRef idx="0">
-            <a:schemeClr val="accent1"/>
-          </a:effectRef>
-          <a:fontRef idx="minor">
-            <a:schemeClr val="tx1"/>
-          </a:fontRef>
-        </p:style>
-      </p:cxnSp>
-      <p:cxnSp>
-        <p:nvCxnSpPr>
-          <p:cNvPr id="9" name="直線矢印コネクタ 8">
-            <a:extLst>
-              <a:ext uri="{FF2B5EF4-FFF2-40B4-BE49-F238E27FC236}">
-                <a16:creationId xmlns:a16="http://schemas.microsoft.com/office/drawing/2014/main" id="{FDEA49E4-323A-3513-F9A0-2AB51D42D6C9}"/>
-              </a:ext>
-            </a:extLst>
-          </p:cNvPr>
-          <p:cNvCxnSpPr/>
-          <p:nvPr/>
-        </p:nvCxnSpPr>
-        <p:spPr>
-          <a:xfrm>
-            <a:off x="4377558" y="3164139"/>
-            <a:ext cx="0" cy="529722"/>
-          </a:xfrm>
-          <a:prstGeom prst="straightConnector1">
-            <a:avLst/>
-          </a:prstGeom>
-          <a:ln w="38100">
-            <a:solidFill>
-              <a:schemeClr val="tx1"/>
-            </a:solidFill>
-            <a:tailEnd type="triangle"/>
-          </a:ln>
-        </p:spPr>
-        <p:style>
-          <a:lnRef idx="1">
-            <a:schemeClr val="accent1"/>
-          </a:lnRef>
-          <a:fillRef idx="0">
-            <a:schemeClr val="accent1"/>
-          </a:fillRef>
-          <a:effectRef idx="0">
-            <a:schemeClr val="accent1"/>
-          </a:effectRef>
-          <a:fontRef idx="minor">
-            <a:schemeClr val="tx1"/>
-          </a:fontRef>
-        </p:style>
-      </p:cxnSp>
-      <p:cxnSp>
-        <p:nvCxnSpPr>
-          <p:cNvPr id="10" name="直線矢印コネクタ 9">
-            <a:extLst>
-              <a:ext uri="{FF2B5EF4-FFF2-40B4-BE49-F238E27FC236}">
-                <a16:creationId xmlns:a16="http://schemas.microsoft.com/office/drawing/2014/main" id="{9D3B0CCD-B99C-7F76-551D-5C085D8CD0C8}"/>
-              </a:ext>
-            </a:extLst>
-          </p:cNvPr>
-          <p:cNvCxnSpPr/>
-          <p:nvPr/>
-        </p:nvCxnSpPr>
-        <p:spPr>
-          <a:xfrm>
-            <a:off x="4163146" y="4609311"/>
-            <a:ext cx="0" cy="529722"/>
-          </a:xfrm>
-          <a:prstGeom prst="straightConnector1">
-            <a:avLst/>
-          </a:prstGeom>
-          <a:ln w="38100">
-            <a:solidFill>
-              <a:schemeClr val="tx1"/>
-            </a:solidFill>
-            <a:tailEnd type="triangle"/>
-          </a:ln>
-        </p:spPr>
-        <p:style>
-          <a:lnRef idx="1">
-            <a:schemeClr val="accent1"/>
-          </a:lnRef>
-          <a:fillRef idx="0">
-            <a:schemeClr val="accent1"/>
-          </a:fillRef>
-          <a:effectRef idx="0">
-            <a:schemeClr val="accent1"/>
-          </a:effectRef>
-          <a:fontRef idx="minor">
-            <a:schemeClr val="tx1"/>
-          </a:fontRef>
-        </p:style>
-      </p:cxnSp>
-      <p:cxnSp>
-        <p:nvCxnSpPr>
-          <p:cNvPr id="11" name="直線矢印コネクタ 10">
-            <a:extLst>
-              <a:ext uri="{FF2B5EF4-FFF2-40B4-BE49-F238E27FC236}">
-                <a16:creationId xmlns:a16="http://schemas.microsoft.com/office/drawing/2014/main" id="{448A5F77-F9E2-418C-2F22-67911E683475}"/>
-              </a:ext>
-            </a:extLst>
-          </p:cNvPr>
-          <p:cNvCxnSpPr/>
-          <p:nvPr/>
-        </p:nvCxnSpPr>
-        <p:spPr>
-          <a:xfrm>
-            <a:off x="4347077" y="4609311"/>
-            <a:ext cx="0" cy="529722"/>
-          </a:xfrm>
-          <a:prstGeom prst="straightConnector1">
-            <a:avLst/>
-          </a:prstGeom>
-          <a:ln w="38100">
-            <a:solidFill>
-              <a:schemeClr val="tx1"/>
-            </a:solidFill>
-            <a:tailEnd type="triangle"/>
-          </a:ln>
-        </p:spPr>
-        <p:style>
-          <a:lnRef idx="1">
-            <a:schemeClr val="accent1"/>
-          </a:lnRef>
-          <a:fillRef idx="0">
-            <a:schemeClr val="accent1"/>
-          </a:fillRef>
-          <a:effectRef idx="0">
-            <a:schemeClr val="accent1"/>
-          </a:effectRef>
-          <a:fontRef idx="minor">
-            <a:schemeClr val="tx1"/>
-          </a:fontRef>
-        </p:style>
-      </p:cxnSp>
-    </p:spTree>
-    <p:extLst>
-      <p:ext uri="{BB962C8B-B14F-4D97-AF65-F5344CB8AC3E}">
-        <p14:creationId xmlns:p14="http://schemas.microsoft.com/office/powerpoint/2010/main" val="3602187057"/>
-      </p:ext>
-    </p:extLst>
-  </p:cSld>
-  <p:clrMapOvr>
-    <a:masterClrMapping/>
-  </p:clrMapOvr>
-</p:sld>
-</file>
-
-<file path=ppt/slides/slide7.xml><?xml version="1.0" encoding="utf-8"?>
-<p:sld xmlns:a="http://schemas.openxmlformats.org/drawingml/2006/main" xmlns:r="http://schemas.openxmlformats.org/officeDocument/2006/relationships" xmlns:p="http://schemas.openxmlformats.org/presentationml/2006/main">
-  <p:cSld>
-    <p:spTree>
-      <p:nvGrpSpPr>
-        <p:cNvPr id="1" name=""/>
-        <p:cNvGrpSpPr/>
-        <p:nvPr/>
-      </p:nvGrpSpPr>
-      <p:grpSpPr>
-        <a:xfrm>
-          <a:off x="0" y="0"/>
-          <a:ext cx="0" cy="0"/>
-          <a:chOff x="0" y="0"/>
-          <a:chExt cx="0" cy="0"/>
-        </a:xfrm>
-      </p:grpSpPr>
-      <p:sp>
-        <p:nvSpPr>
-          <p:cNvPr id="2" name="スライド番号プレースホルダー 1">
-            <a:extLst>
-              <a:ext uri="{FF2B5EF4-FFF2-40B4-BE49-F238E27FC236}">
-                <a16:creationId xmlns:a16="http://schemas.microsoft.com/office/drawing/2014/main" id="{7AEC657E-2388-875A-3C0D-FB76177F8950}"/>
-              </a:ext>
-            </a:extLst>
-          </p:cNvPr>
-          <p:cNvSpPr>
-            <a:spLocks noGrp="1"/>
-          </p:cNvSpPr>
-          <p:nvPr>
-            <p:ph type="sldNum" sz="quarter" idx="12"/>
-          </p:nvPr>
-        </p:nvSpPr>
-        <p:spPr/>
-        <p:txBody>
-          <a:bodyPr/>
-          <a:lstStyle/>
-          <a:p>
-            <a:fld id="{ECBD650F-6923-4A4C-ADE2-BB0B86E7CCFF}" type="slidenum">
-              <a:rPr lang="zh-CN" altLang="en-US" smtClean="0"/>
-              <a:t>7</a:t>
-            </a:fld>
-            <a:endParaRPr lang="zh-CN" altLang="en-US"/>
-          </a:p>
-        </p:txBody>
-      </p:sp>
-      <mc:AlternateContent xmlns:mc="http://schemas.openxmlformats.org/markup-compatibility/2006" xmlns:a14="http://schemas.microsoft.com/office/drawing/2010/main">
-        <mc:Choice Requires="a14">
-          <p:sp>
-            <p:nvSpPr>
-              <p:cNvPr id="6" name="テキスト ボックス 5">
-                <a:extLst>
-                  <a:ext uri="{FF2B5EF4-FFF2-40B4-BE49-F238E27FC236}">
-                    <a16:creationId xmlns:a16="http://schemas.microsoft.com/office/drawing/2014/main" id="{3A12FDEF-E75E-E0A8-FE49-353654DE9440}"/>
-                  </a:ext>
-                </a:extLst>
-              </p:cNvPr>
-              <p:cNvSpPr txBox="1"/>
-              <p:nvPr/>
-            </p:nvSpPr>
-            <p:spPr>
-              <a:xfrm>
-                <a:off x="8469381" y="3617799"/>
-                <a:ext cx="784125" cy="369332"/>
-              </a:xfrm>
-              <a:prstGeom prst="rect">
-                <a:avLst/>
-              </a:prstGeom>
-              <a:noFill/>
-              <a:ln>
-                <a:solidFill>
-                  <a:schemeClr val="tx1"/>
-                </a:solidFill>
-              </a:ln>
-            </p:spPr>
-            <p:txBody>
-              <a:bodyPr wrap="none" rtlCol="0">
-                <a:spAutoFit/>
-              </a:bodyPr>
-              <a:lstStyle/>
-              <a:p>
-                <a:pPr/>
-                <a14:m>
-                  <m:oMathPara xmlns:m="http://schemas.openxmlformats.org/officeDocument/2006/math">
-                    <m:oMathParaPr>
-                      <m:jc m:val="centerGroup"/>
-                    </m:oMathParaPr>
-                    <m:oMath xmlns:m="http://schemas.openxmlformats.org/officeDocument/2006/math">
-                      <m:sSub>
-                        <m:sSubPr>
-                          <m:ctrlPr>
-                            <a:rPr kumimoji="1" lang="en-US" altLang="ja-JP" b="0" i="1" dirty="0" smtClean="0">
-                              <a:latin typeface="Cambria Math" panose="02040503050406030204" pitchFamily="18" charset="0"/>
-                            </a:rPr>
-                          </m:ctrlPr>
-                        </m:sSubPr>
-                        <m:e>
-                          <m:r>
-                            <m:rPr>
-                              <m:sty m:val="p"/>
-                            </m:rPr>
-                            <a:rPr kumimoji="1" lang="en-US" altLang="ja-JP" i="0" dirty="0" smtClean="0">
-                              <a:latin typeface="Cambria Math" panose="02040503050406030204" pitchFamily="18" charset="0"/>
-                            </a:rPr>
-                            <m:t>H</m:t>
-                          </m:r>
-                        </m:e>
-                        <m:sub>
-                          <m:r>
-                            <a:rPr kumimoji="1" lang="en-US" altLang="ja-JP" b="0" i="0" dirty="0" smtClean="0">
-                              <a:latin typeface="Cambria Math" panose="02040503050406030204" pitchFamily="18" charset="0"/>
-                            </a:rPr>
-                            <m:t>2</m:t>
-                          </m:r>
-                        </m:sub>
-                      </m:sSub>
-                      <m:r>
-                        <m:rPr>
-                          <m:sty m:val="p"/>
-                        </m:rPr>
-                        <a:rPr kumimoji="1" lang="en-US" altLang="ja-JP" i="0" dirty="0" smtClean="0">
-                          <a:latin typeface="Cambria Math" panose="02040503050406030204" pitchFamily="18" charset="0"/>
-                        </a:rPr>
-                        <m:t>CO</m:t>
-                      </m:r>
-                    </m:oMath>
-                  </m:oMathPara>
-                </a14:m>
-                <a:endParaRPr kumimoji="1" lang="en-US" altLang="ja-JP" dirty="0"/>
-              </a:p>
-            </p:txBody>
-          </p:sp>
-        </mc:Choice>
-        <mc:Fallback xmlns="">
-          <p:sp>
-            <p:nvSpPr>
-              <p:cNvPr id="6" name="テキスト ボックス 5">
-                <a:extLst>
-                  <a:ext uri="{FF2B5EF4-FFF2-40B4-BE49-F238E27FC236}">
-                    <a16:creationId xmlns:a16="http://schemas.microsoft.com/office/drawing/2014/main" id="{3A12FDEF-E75E-E0A8-FE49-353654DE9440}"/>
-                  </a:ext>
-                </a:extLst>
-              </p:cNvPr>
-              <p:cNvSpPr txBox="1">
-                <a:spLocks noRot="1" noChangeAspect="1" noMove="1" noResize="1" noEditPoints="1" noAdjustHandles="1" noChangeArrowheads="1" noChangeShapeType="1" noTextEdit="1"/>
-              </p:cNvSpPr>
-              <p:nvPr/>
-            </p:nvSpPr>
-            <p:spPr>
-              <a:xfrm>
-                <a:off x="8469381" y="3617799"/>
-                <a:ext cx="784125" cy="369332"/>
-              </a:xfrm>
-              <a:prstGeom prst="rect">
-                <a:avLst/>
-              </a:prstGeom>
-              <a:blipFill>
-                <a:blip r:embed="rId2"/>
-                <a:stretch>
-                  <a:fillRect/>
-                </a:stretch>
-              </a:blipFill>
-              <a:ln>
-                <a:solidFill>
-                  <a:schemeClr val="tx1"/>
-                </a:solidFill>
-              </a:ln>
-            </p:spPr>
-            <p:txBody>
-              <a:bodyPr/>
-              <a:lstStyle/>
-              <a:p>
-                <a:r>
-                  <a:rPr lang="ja-JP" altLang="en-US">
-                    <a:noFill/>
-                  </a:rPr>
-                  <a:t> </a:t>
-                </a:r>
-              </a:p>
-            </p:txBody>
-          </p:sp>
-        </mc:Fallback>
-      </mc:AlternateContent>
-      <mc:AlternateContent xmlns:mc="http://schemas.openxmlformats.org/markup-compatibility/2006" xmlns:a14="http://schemas.microsoft.com/office/drawing/2010/main">
-        <mc:Choice Requires="a14">
-          <p:sp>
-            <p:nvSpPr>
-              <p:cNvPr id="7" name="テキスト ボックス 6">
-                <a:extLst>
-                  <a:ext uri="{FF2B5EF4-FFF2-40B4-BE49-F238E27FC236}">
-                    <a16:creationId xmlns:a16="http://schemas.microsoft.com/office/drawing/2014/main" id="{3FF6E57F-5CE1-ADAD-6198-032831DF42E3}"/>
-                  </a:ext>
-                </a:extLst>
-              </p:cNvPr>
-              <p:cNvSpPr txBox="1"/>
-              <p:nvPr/>
-            </p:nvSpPr>
-            <p:spPr>
-              <a:xfrm>
-                <a:off x="5725616" y="3617799"/>
-                <a:ext cx="829073" cy="369332"/>
-              </a:xfrm>
-              <a:prstGeom prst="rect">
-                <a:avLst/>
-              </a:prstGeom>
-              <a:noFill/>
-              <a:ln>
-                <a:solidFill>
-                  <a:schemeClr val="tx1"/>
-                </a:solidFill>
-              </a:ln>
-            </p:spPr>
-            <p:txBody>
-              <a:bodyPr wrap="none" rtlCol="0">
-                <a:spAutoFit/>
-              </a:bodyPr>
-              <a:lstStyle/>
-              <a:p>
-                <a:pPr/>
-                <a14:m>
-                  <m:oMathPara xmlns:m="http://schemas.openxmlformats.org/officeDocument/2006/math">
-                    <m:oMathParaPr>
-                      <m:jc m:val="centerGroup"/>
-                    </m:oMathParaPr>
-                    <m:oMath xmlns:m="http://schemas.openxmlformats.org/officeDocument/2006/math">
-                      <m:r>
-                        <m:rPr>
-                          <m:sty m:val="p"/>
-                        </m:rPr>
-                        <a:rPr kumimoji="1" lang="en-US" altLang="ja-JP" i="0" dirty="0" smtClean="0">
-                          <a:latin typeface="Cambria Math" panose="02040503050406030204" pitchFamily="18" charset="0"/>
-                        </a:rPr>
-                        <m:t>HDCO</m:t>
-                      </m:r>
-                    </m:oMath>
-                  </m:oMathPara>
-                </a14:m>
-                <a:endParaRPr kumimoji="1" lang="en-US" altLang="ja-JP" dirty="0"/>
-              </a:p>
-            </p:txBody>
-          </p:sp>
-        </mc:Choice>
-        <mc:Fallback xmlns="">
-          <p:sp>
-            <p:nvSpPr>
-              <p:cNvPr id="7" name="テキスト ボックス 6">
-                <a:extLst>
-                  <a:ext uri="{FF2B5EF4-FFF2-40B4-BE49-F238E27FC236}">
-                    <a16:creationId xmlns:a16="http://schemas.microsoft.com/office/drawing/2014/main" id="{3FF6E57F-5CE1-ADAD-6198-032831DF42E3}"/>
-                  </a:ext>
-                </a:extLst>
-              </p:cNvPr>
-              <p:cNvSpPr txBox="1">
-                <a:spLocks noRot="1" noChangeAspect="1" noMove="1" noResize="1" noEditPoints="1" noAdjustHandles="1" noChangeArrowheads="1" noChangeShapeType="1" noTextEdit="1"/>
-              </p:cNvSpPr>
-              <p:nvPr/>
-            </p:nvSpPr>
-            <p:spPr>
-              <a:xfrm>
-                <a:off x="5725616" y="3617799"/>
-                <a:ext cx="829073" cy="369332"/>
-              </a:xfrm>
-              <a:prstGeom prst="rect">
-                <a:avLst/>
-              </a:prstGeom>
-              <a:blipFill>
-                <a:blip r:embed="rId3"/>
-                <a:stretch>
-                  <a:fillRect/>
-                </a:stretch>
-              </a:blipFill>
-              <a:ln>
-                <a:solidFill>
-                  <a:schemeClr val="tx1"/>
-                </a:solidFill>
-              </a:ln>
-            </p:spPr>
-            <p:txBody>
-              <a:bodyPr/>
-              <a:lstStyle/>
-              <a:p>
-                <a:r>
-                  <a:rPr lang="ja-JP" altLang="en-US">
-                    <a:noFill/>
-                  </a:rPr>
-                  <a:t> </a:t>
-                </a:r>
-              </a:p>
-            </p:txBody>
-          </p:sp>
-        </mc:Fallback>
-      </mc:AlternateContent>
-      <mc:AlternateContent xmlns:mc="http://schemas.openxmlformats.org/markup-compatibility/2006" xmlns:a14="http://schemas.microsoft.com/office/drawing/2010/main">
-        <mc:Choice Requires="a14">
-          <p:sp>
-            <p:nvSpPr>
-              <p:cNvPr id="8" name="テキスト ボックス 7">
-                <a:extLst>
-                  <a:ext uri="{FF2B5EF4-FFF2-40B4-BE49-F238E27FC236}">
-                    <a16:creationId xmlns:a16="http://schemas.microsoft.com/office/drawing/2014/main" id="{CEFBD026-8712-E1BB-69BB-17E4B70D36DF}"/>
-                  </a:ext>
-                </a:extLst>
-              </p:cNvPr>
-              <p:cNvSpPr txBox="1"/>
-              <p:nvPr/>
-            </p:nvSpPr>
-            <p:spPr>
-              <a:xfrm>
-                <a:off x="3254633" y="3617799"/>
-                <a:ext cx="777713" cy="369332"/>
-              </a:xfrm>
-              <a:prstGeom prst="rect">
-                <a:avLst/>
-              </a:prstGeom>
-              <a:noFill/>
-              <a:ln>
-                <a:solidFill>
-                  <a:schemeClr val="tx1"/>
-                </a:solidFill>
-              </a:ln>
-            </p:spPr>
-            <p:txBody>
-              <a:bodyPr wrap="none" rtlCol="0">
-                <a:spAutoFit/>
-              </a:bodyPr>
-              <a:lstStyle/>
-              <a:p>
-                <a:pPr/>
-                <a14:m>
-                  <m:oMathPara xmlns:m="http://schemas.openxmlformats.org/officeDocument/2006/math">
-                    <m:oMathParaPr>
-                      <m:jc m:val="centerGroup"/>
-                    </m:oMathParaPr>
-                    <m:oMath xmlns:m="http://schemas.openxmlformats.org/officeDocument/2006/math">
-                      <m:sSub>
-                        <m:sSubPr>
-                          <m:ctrlPr>
-                            <a:rPr kumimoji="1" lang="en-US" altLang="ja-JP" b="0" i="1" dirty="0" smtClean="0">
-                              <a:latin typeface="Cambria Math" panose="02040503050406030204" pitchFamily="18" charset="0"/>
-                            </a:rPr>
-                          </m:ctrlPr>
-                        </m:sSubPr>
-                        <m:e>
-                          <m:r>
-                            <m:rPr>
-                              <m:sty m:val="p"/>
-                            </m:rPr>
-                            <a:rPr kumimoji="1" lang="en-US" altLang="ja-JP" i="0" dirty="0" smtClean="0">
-                              <a:latin typeface="Cambria Math" panose="02040503050406030204" pitchFamily="18" charset="0"/>
-                            </a:rPr>
-                            <m:t>D</m:t>
-                          </m:r>
-                        </m:e>
-                        <m:sub>
-                          <m:r>
-                            <a:rPr kumimoji="1" lang="en-US" altLang="ja-JP" b="0" i="0" dirty="0" smtClean="0">
-                              <a:latin typeface="Cambria Math" panose="02040503050406030204" pitchFamily="18" charset="0"/>
-                            </a:rPr>
-                            <m:t>2</m:t>
-                          </m:r>
-                        </m:sub>
-                      </m:sSub>
-                      <m:r>
-                        <m:rPr>
-                          <m:sty m:val="p"/>
-                        </m:rPr>
-                        <a:rPr kumimoji="1" lang="en-US" altLang="ja-JP" i="0" dirty="0" smtClean="0">
-                          <a:latin typeface="Cambria Math" panose="02040503050406030204" pitchFamily="18" charset="0"/>
-                        </a:rPr>
-                        <m:t>CO</m:t>
-                      </m:r>
-                    </m:oMath>
-                  </m:oMathPara>
-                </a14:m>
-                <a:endParaRPr kumimoji="1" lang="en-US" altLang="ja-JP" dirty="0"/>
-              </a:p>
-            </p:txBody>
-          </p:sp>
-        </mc:Choice>
-        <mc:Fallback xmlns="">
-          <p:sp>
-            <p:nvSpPr>
-              <p:cNvPr id="8" name="テキスト ボックス 7">
-                <a:extLst>
-                  <a:ext uri="{FF2B5EF4-FFF2-40B4-BE49-F238E27FC236}">
-                    <a16:creationId xmlns:a16="http://schemas.microsoft.com/office/drawing/2014/main" id="{CEFBD026-8712-E1BB-69BB-17E4B70D36DF}"/>
-                  </a:ext>
-                </a:extLst>
-              </p:cNvPr>
-              <p:cNvSpPr txBox="1">
-                <a:spLocks noRot="1" noChangeAspect="1" noMove="1" noResize="1" noEditPoints="1" noAdjustHandles="1" noChangeArrowheads="1" noChangeShapeType="1" noTextEdit="1"/>
-              </p:cNvSpPr>
-              <p:nvPr/>
-            </p:nvSpPr>
-            <p:spPr>
-              <a:xfrm>
-                <a:off x="3254633" y="3617799"/>
-                <a:ext cx="777713" cy="369332"/>
-              </a:xfrm>
-              <a:prstGeom prst="rect">
-                <a:avLst/>
-              </a:prstGeom>
-              <a:blipFill>
-                <a:blip r:embed="rId4"/>
-                <a:stretch>
-                  <a:fillRect/>
-                </a:stretch>
-              </a:blipFill>
-              <a:ln>
-                <a:solidFill>
-                  <a:schemeClr val="tx1"/>
-                </a:solidFill>
-              </a:ln>
-            </p:spPr>
-            <p:txBody>
-              <a:bodyPr/>
-              <a:lstStyle/>
-              <a:p>
-                <a:r>
-                  <a:rPr lang="ja-JP" altLang="en-US">
-                    <a:noFill/>
-                  </a:rPr>
-                  <a:t> </a:t>
-                </a:r>
-              </a:p>
-            </p:txBody>
-          </p:sp>
-        </mc:Fallback>
-      </mc:AlternateContent>
-      <mc:AlternateContent xmlns:mc="http://schemas.openxmlformats.org/markup-compatibility/2006" xmlns:a14="http://schemas.microsoft.com/office/drawing/2010/main">
-        <mc:Choice Requires="a14">
-          <p:sp>
-            <p:nvSpPr>
-              <p:cNvPr id="9" name="テキスト ボックス 8">
-                <a:extLst>
-                  <a:ext uri="{FF2B5EF4-FFF2-40B4-BE49-F238E27FC236}">
-                    <a16:creationId xmlns:a16="http://schemas.microsoft.com/office/drawing/2014/main" id="{42F15BA5-1051-D1E0-2B88-0F0B79978CB0}"/>
-                  </a:ext>
-                </a:extLst>
-              </p:cNvPr>
-              <p:cNvSpPr txBox="1"/>
-              <p:nvPr/>
-            </p:nvSpPr>
-            <p:spPr>
-              <a:xfrm>
-                <a:off x="1858111" y="4449896"/>
-                <a:ext cx="1611980" cy="369332"/>
-              </a:xfrm>
-              <a:prstGeom prst="rect">
-                <a:avLst/>
-              </a:prstGeom>
-              <a:noFill/>
-            </p:spPr>
-            <p:txBody>
-              <a:bodyPr wrap="none" rtlCol="0">
-                <a:spAutoFit/>
-              </a:bodyPr>
-              <a:lstStyle/>
-              <a:p>
-                <a:pPr/>
-                <a14:m>
-                  <m:oMathPara xmlns:m="http://schemas.openxmlformats.org/officeDocument/2006/math">
-                    <m:oMathParaPr>
-                      <m:jc m:val="centerGroup"/>
-                    </m:oMathParaPr>
-                    <m:oMath xmlns:m="http://schemas.openxmlformats.org/officeDocument/2006/math">
-                      <m:r>
-                        <a:rPr kumimoji="1" lang="en-US" altLang="ja-JP" i="1" dirty="0" smtClean="0">
-                          <a:latin typeface="Cambria Math" panose="02040503050406030204" pitchFamily="18" charset="0"/>
-                        </a:rPr>
-                        <m:t>𝐶</m:t>
-                      </m:r>
-                      <m:sSub>
-                        <m:sSubPr>
-                          <m:ctrlPr>
-                            <a:rPr kumimoji="1" lang="en-US" altLang="ja-JP" b="0" i="1" dirty="0" smtClean="0">
-                              <a:latin typeface="Cambria Math" panose="02040503050406030204" pitchFamily="18" charset="0"/>
-                            </a:rPr>
-                          </m:ctrlPr>
-                        </m:sSubPr>
-                        <m:e>
-                          <m:r>
-                            <a:rPr kumimoji="1" lang="en-US" altLang="ja-JP" i="1" dirty="0" smtClean="0">
-                              <a:latin typeface="Cambria Math" panose="02040503050406030204" pitchFamily="18" charset="0"/>
-                            </a:rPr>
-                            <m:t>𝐷</m:t>
-                          </m:r>
-                        </m:e>
-                        <m:sub>
-                          <m:r>
-                            <a:rPr kumimoji="1" lang="en-US" altLang="ja-JP" b="0" i="1" dirty="0" smtClean="0">
-                              <a:latin typeface="Cambria Math" panose="02040503050406030204" pitchFamily="18" charset="0"/>
-                            </a:rPr>
-                            <m:t>3</m:t>
-                          </m:r>
-                        </m:sub>
-                      </m:sSub>
-                      <m:r>
-                        <a:rPr kumimoji="1" lang="en-US" altLang="ja-JP" i="1" dirty="0" smtClean="0">
-                          <a:latin typeface="Cambria Math" panose="02040503050406030204" pitchFamily="18" charset="0"/>
-                        </a:rPr>
-                        <m:t>𝑂</m:t>
-                      </m:r>
-                      <m:r>
-                        <a:rPr kumimoji="1" lang="en-US" altLang="ja-JP" i="1" dirty="0" smtClean="0">
-                          <a:latin typeface="Cambria Math" panose="02040503050406030204" pitchFamily="18" charset="0"/>
-                        </a:rPr>
-                        <m:t>,</m:t>
-                      </m:r>
-                      <m:r>
-                        <a:rPr kumimoji="1" lang="en-US" altLang="ja-JP" i="1" dirty="0" smtClean="0">
-                          <a:latin typeface="Cambria Math" panose="02040503050406030204" pitchFamily="18" charset="0"/>
-                        </a:rPr>
-                        <m:t>𝐶</m:t>
-                      </m:r>
-                      <m:sSub>
-                        <m:sSubPr>
-                          <m:ctrlPr>
-                            <a:rPr kumimoji="1" lang="en-US" altLang="ja-JP" b="0" i="1" dirty="0" smtClean="0">
-                              <a:latin typeface="Cambria Math" panose="02040503050406030204" pitchFamily="18" charset="0"/>
-                            </a:rPr>
-                          </m:ctrlPr>
-                        </m:sSubPr>
-                        <m:e>
-                          <m:r>
-                            <a:rPr kumimoji="1" lang="en-US" altLang="ja-JP" i="1" dirty="0" smtClean="0">
-                              <a:latin typeface="Cambria Math" panose="02040503050406030204" pitchFamily="18" charset="0"/>
-                            </a:rPr>
-                            <m:t>𝐷</m:t>
-                          </m:r>
-                        </m:e>
-                        <m:sub>
-                          <m:r>
-                            <a:rPr kumimoji="1" lang="en-US" altLang="ja-JP" b="0" i="1" dirty="0" smtClean="0">
-                              <a:latin typeface="Cambria Math" panose="02040503050406030204" pitchFamily="18" charset="0"/>
-                            </a:rPr>
-                            <m:t>2</m:t>
-                          </m:r>
-                        </m:sub>
-                      </m:sSub>
-                      <m:r>
-                        <a:rPr kumimoji="1" lang="en-US" altLang="ja-JP" i="1" dirty="0" smtClean="0">
-                          <a:latin typeface="Cambria Math" panose="02040503050406030204" pitchFamily="18" charset="0"/>
-                        </a:rPr>
-                        <m:t>𝑂</m:t>
-                      </m:r>
-                      <m:r>
-                        <a:rPr kumimoji="1" lang="en-US" altLang="ja-JP" i="1" dirty="0">
-                          <a:latin typeface="Cambria Math" panose="02040503050406030204" pitchFamily="18" charset="0"/>
-                        </a:rPr>
-                        <m:t>𝐷</m:t>
-                      </m:r>
-                    </m:oMath>
-                  </m:oMathPara>
-                </a14:m>
-                <a:endParaRPr kumimoji="1" lang="en-US" altLang="ja-JP" dirty="0"/>
-              </a:p>
-            </p:txBody>
-          </p:sp>
-        </mc:Choice>
-        <mc:Fallback xmlns="">
-          <p:sp>
-            <p:nvSpPr>
-              <p:cNvPr id="9" name="テキスト ボックス 8">
-                <a:extLst>
-                  <a:ext uri="{FF2B5EF4-FFF2-40B4-BE49-F238E27FC236}">
-                    <a16:creationId xmlns:a16="http://schemas.microsoft.com/office/drawing/2014/main" id="{42F15BA5-1051-D1E0-2B88-0F0B79978CB0}"/>
-                  </a:ext>
-                </a:extLst>
-              </p:cNvPr>
-              <p:cNvSpPr txBox="1">
-                <a:spLocks noRot="1" noChangeAspect="1" noMove="1" noResize="1" noEditPoints="1" noAdjustHandles="1" noChangeArrowheads="1" noChangeShapeType="1" noTextEdit="1"/>
-              </p:cNvSpPr>
-              <p:nvPr/>
-            </p:nvSpPr>
-            <p:spPr>
-              <a:xfrm>
-                <a:off x="1858111" y="4449896"/>
-                <a:ext cx="1611980" cy="369332"/>
-              </a:xfrm>
-              <a:prstGeom prst="rect">
-                <a:avLst/>
-              </a:prstGeom>
-              <a:blipFill>
-                <a:blip r:embed="rId5"/>
-                <a:stretch>
-                  <a:fillRect/>
-                </a:stretch>
-              </a:blipFill>
-            </p:spPr>
-            <p:txBody>
-              <a:bodyPr/>
-              <a:lstStyle/>
-              <a:p>
-                <a:r>
-                  <a:rPr lang="ja-JP" altLang="en-US">
-                    <a:noFill/>
-                  </a:rPr>
-                  <a:t> </a:t>
-                </a:r>
-              </a:p>
-            </p:txBody>
-          </p:sp>
-        </mc:Fallback>
-      </mc:AlternateContent>
-      <mc:AlternateContent xmlns:mc="http://schemas.openxmlformats.org/markup-compatibility/2006" xmlns:a14="http://schemas.microsoft.com/office/drawing/2010/main">
-        <mc:Choice Requires="a14">
-          <p:sp>
-            <p:nvSpPr>
-              <p:cNvPr id="10" name="テキスト ボックス 9">
-                <a:extLst>
-                  <a:ext uri="{FF2B5EF4-FFF2-40B4-BE49-F238E27FC236}">
-                    <a16:creationId xmlns:a16="http://schemas.microsoft.com/office/drawing/2014/main" id="{CC74466F-58AA-9378-6A70-A3440C7CA207}"/>
-                  </a:ext>
-                </a:extLst>
-              </p:cNvPr>
-              <p:cNvSpPr txBox="1"/>
-              <p:nvPr/>
-            </p:nvSpPr>
-            <p:spPr>
-              <a:xfrm>
-                <a:off x="4146625" y="4311397"/>
-                <a:ext cx="1784911" cy="646331"/>
-              </a:xfrm>
-              <a:prstGeom prst="rect">
-                <a:avLst/>
-              </a:prstGeom>
-              <a:noFill/>
-            </p:spPr>
-            <p:txBody>
-              <a:bodyPr wrap="none" rtlCol="0">
-                <a:spAutoFit/>
-              </a:bodyPr>
-              <a:lstStyle/>
-              <a:p>
-                <a:pPr/>
-                <a14:m>
-                  <m:oMathPara xmlns:m="http://schemas.openxmlformats.org/officeDocument/2006/math">
-                    <m:oMathParaPr>
-                      <m:jc m:val="centerGroup"/>
-                    </m:oMathParaPr>
-                    <m:oMath xmlns:m="http://schemas.openxmlformats.org/officeDocument/2006/math">
-                      <m:r>
-                        <a:rPr kumimoji="1" lang="en-US" altLang="ja-JP" i="1" dirty="0" smtClean="0">
-                          <a:latin typeface="Cambria Math" panose="02040503050406030204" pitchFamily="18" charset="0"/>
-                        </a:rPr>
-                        <m:t>𝐶𝐻𝐷𝑂𝐷</m:t>
-                      </m:r>
-                      <m:r>
-                        <a:rPr kumimoji="1" lang="en-US" altLang="ja-JP" i="1" dirty="0" smtClean="0">
-                          <a:latin typeface="Cambria Math" panose="02040503050406030204" pitchFamily="18" charset="0"/>
-                        </a:rPr>
-                        <m:t>,</m:t>
-                      </m:r>
-                    </m:oMath>
-                  </m:oMathPara>
-                </a14:m>
-                <a:endParaRPr kumimoji="1" lang="en-US" altLang="ja-JP" dirty="0"/>
-              </a:p>
-              <a:p>
-                <a:pPr/>
-                <a14:m>
-                  <m:oMathPara xmlns:m="http://schemas.openxmlformats.org/officeDocument/2006/math">
-                    <m:oMathParaPr>
-                      <m:jc m:val="centerGroup"/>
-                    </m:oMathParaPr>
-                    <m:oMath xmlns:m="http://schemas.openxmlformats.org/officeDocument/2006/math">
-                      <m:r>
-                        <a:rPr kumimoji="1" lang="en-US" altLang="ja-JP" i="1" dirty="0" smtClean="0">
-                          <a:latin typeface="Cambria Math" panose="02040503050406030204" pitchFamily="18" charset="0"/>
-                        </a:rPr>
-                        <m:t>𝐶𝐻</m:t>
-                      </m:r>
-                      <m:sSub>
-                        <m:sSubPr>
-                          <m:ctrlPr>
-                            <a:rPr kumimoji="1" lang="en-US" altLang="ja-JP" b="0" i="1" dirty="0" smtClean="0">
-                              <a:latin typeface="Cambria Math" panose="02040503050406030204" pitchFamily="18" charset="0"/>
-                            </a:rPr>
-                          </m:ctrlPr>
-                        </m:sSubPr>
-                        <m:e>
-                          <m:r>
-                            <a:rPr kumimoji="1" lang="en-US" altLang="ja-JP" i="1" dirty="0" smtClean="0">
-                              <a:latin typeface="Cambria Math" panose="02040503050406030204" pitchFamily="18" charset="0"/>
-                            </a:rPr>
-                            <m:t>𝐷</m:t>
-                          </m:r>
-                        </m:e>
-                        <m:sub>
-                          <m:r>
-                            <a:rPr kumimoji="1" lang="en-US" altLang="ja-JP" b="0" i="1" dirty="0" smtClean="0">
-                              <a:latin typeface="Cambria Math" panose="02040503050406030204" pitchFamily="18" charset="0"/>
-                            </a:rPr>
-                            <m:t>2</m:t>
-                          </m:r>
-                        </m:sub>
-                      </m:sSub>
-                      <m:r>
-                        <a:rPr kumimoji="1" lang="en-US" altLang="ja-JP" i="1" dirty="0" smtClean="0">
-                          <a:latin typeface="Cambria Math" panose="02040503050406030204" pitchFamily="18" charset="0"/>
-                        </a:rPr>
-                        <m:t>𝑂</m:t>
-                      </m:r>
-                      <m:r>
-                        <a:rPr kumimoji="1" lang="en-US" altLang="ja-JP" i="1" dirty="0" smtClean="0">
-                          <a:latin typeface="Cambria Math" panose="02040503050406030204" pitchFamily="18" charset="0"/>
-                        </a:rPr>
-                        <m:t>,</m:t>
-                      </m:r>
-                      <m:r>
-                        <a:rPr kumimoji="1" lang="en-US" altLang="ja-JP" i="1" dirty="0" smtClean="0">
-                          <a:latin typeface="Cambria Math" panose="02040503050406030204" pitchFamily="18" charset="0"/>
-                        </a:rPr>
-                        <m:t>𝐶</m:t>
-                      </m:r>
-                      <m:sSub>
-                        <m:sSubPr>
-                          <m:ctrlPr>
-                            <a:rPr kumimoji="1" lang="en-US" altLang="ja-JP" b="0" i="1" dirty="0" smtClean="0">
-                              <a:latin typeface="Cambria Math" panose="02040503050406030204" pitchFamily="18" charset="0"/>
-                            </a:rPr>
-                          </m:ctrlPr>
-                        </m:sSubPr>
-                        <m:e>
-                          <m:r>
-                            <a:rPr kumimoji="1" lang="en-US" altLang="ja-JP" i="1" dirty="0" smtClean="0">
-                              <a:latin typeface="Cambria Math" panose="02040503050406030204" pitchFamily="18" charset="0"/>
-                            </a:rPr>
-                            <m:t>𝐷</m:t>
-                          </m:r>
-                        </m:e>
-                        <m:sub>
-                          <m:r>
-                            <a:rPr kumimoji="1" lang="en-US" altLang="ja-JP" b="0" i="1" dirty="0" smtClean="0">
-                              <a:latin typeface="Cambria Math" panose="02040503050406030204" pitchFamily="18" charset="0"/>
-                            </a:rPr>
-                            <m:t>2</m:t>
-                          </m:r>
-                        </m:sub>
-                      </m:sSub>
-                      <m:r>
-                        <a:rPr kumimoji="1" lang="en-US" altLang="ja-JP" i="1" dirty="0" smtClean="0">
-                          <a:latin typeface="Cambria Math" panose="02040503050406030204" pitchFamily="18" charset="0"/>
-                        </a:rPr>
-                        <m:t>𝑂𝐻</m:t>
-                      </m:r>
-                    </m:oMath>
-                  </m:oMathPara>
-                </a14:m>
-                <a:endParaRPr kumimoji="1" lang="en-US" altLang="ja-JP" dirty="0"/>
-              </a:p>
-            </p:txBody>
-          </p:sp>
-        </mc:Choice>
-        <mc:Fallback xmlns="">
-          <p:sp>
-            <p:nvSpPr>
-              <p:cNvPr id="10" name="テキスト ボックス 9">
-                <a:extLst>
-                  <a:ext uri="{FF2B5EF4-FFF2-40B4-BE49-F238E27FC236}">
-                    <a16:creationId xmlns:a16="http://schemas.microsoft.com/office/drawing/2014/main" id="{CC74466F-58AA-9378-6A70-A3440C7CA207}"/>
-                  </a:ext>
-                </a:extLst>
-              </p:cNvPr>
-              <p:cNvSpPr txBox="1">
-                <a:spLocks noRot="1" noChangeAspect="1" noMove="1" noResize="1" noEditPoints="1" noAdjustHandles="1" noChangeArrowheads="1" noChangeShapeType="1" noTextEdit="1"/>
-              </p:cNvSpPr>
-              <p:nvPr/>
-            </p:nvSpPr>
-            <p:spPr>
-              <a:xfrm>
-                <a:off x="4146625" y="4311397"/>
-                <a:ext cx="1784911" cy="646331"/>
-              </a:xfrm>
-              <a:prstGeom prst="rect">
-                <a:avLst/>
-              </a:prstGeom>
-              <a:blipFill>
-                <a:blip r:embed="rId6"/>
-                <a:stretch>
-                  <a:fillRect/>
-                </a:stretch>
-              </a:blipFill>
-            </p:spPr>
-            <p:txBody>
-              <a:bodyPr/>
-              <a:lstStyle/>
-              <a:p>
-                <a:r>
-                  <a:rPr lang="ja-JP" altLang="en-US">
-                    <a:noFill/>
-                  </a:rPr>
-                  <a:t> </a:t>
-                </a:r>
-              </a:p>
-            </p:txBody>
-          </p:sp>
-        </mc:Fallback>
-      </mc:AlternateContent>
-      <mc:AlternateContent xmlns:mc="http://schemas.openxmlformats.org/markup-compatibility/2006" xmlns:a14="http://schemas.microsoft.com/office/drawing/2010/main">
-        <mc:Choice Requires="a14">
-          <p:sp>
-            <p:nvSpPr>
-              <p:cNvPr id="11" name="テキスト ボックス 10">
-                <a:extLst>
-                  <a:ext uri="{FF2B5EF4-FFF2-40B4-BE49-F238E27FC236}">
-                    <a16:creationId xmlns:a16="http://schemas.microsoft.com/office/drawing/2014/main" id="{26CE01D8-8789-9852-CDFE-5C1C4D6E77B9}"/>
-                  </a:ext>
-                </a:extLst>
-              </p:cNvPr>
-              <p:cNvSpPr txBox="1"/>
-              <p:nvPr/>
-            </p:nvSpPr>
-            <p:spPr>
-              <a:xfrm>
-                <a:off x="7102184" y="4311397"/>
-                <a:ext cx="1853776" cy="646331"/>
-              </a:xfrm>
-              <a:prstGeom prst="rect">
-                <a:avLst/>
-              </a:prstGeom>
-              <a:noFill/>
-            </p:spPr>
-            <p:txBody>
-              <a:bodyPr wrap="none" rtlCol="0">
-                <a:spAutoFit/>
-              </a:bodyPr>
-              <a:lstStyle/>
-              <a:p>
-                <a:pPr/>
-                <a14:m>
-                  <m:oMathPara xmlns:m="http://schemas.openxmlformats.org/officeDocument/2006/math">
-                    <m:oMathParaPr>
-                      <m:jc m:val="centerGroup"/>
-                    </m:oMathParaPr>
-                    <m:oMath xmlns:m="http://schemas.openxmlformats.org/officeDocument/2006/math">
-                      <m:r>
-                        <a:rPr kumimoji="1" lang="en-US" altLang="ja-JP" i="1" dirty="0" smtClean="0">
-                          <a:latin typeface="Cambria Math" panose="02040503050406030204" pitchFamily="18" charset="0"/>
-                        </a:rPr>
-                        <m:t>𝐶</m:t>
-                      </m:r>
-                      <m:sSub>
-                        <m:sSubPr>
-                          <m:ctrlPr>
-                            <a:rPr kumimoji="1" lang="en-US" altLang="ja-JP" b="0" i="1" dirty="0" smtClean="0">
-                              <a:latin typeface="Cambria Math" panose="02040503050406030204" pitchFamily="18" charset="0"/>
-                            </a:rPr>
-                          </m:ctrlPr>
-                        </m:sSubPr>
-                        <m:e>
-                          <m:r>
-                            <a:rPr kumimoji="1" lang="en-US" altLang="ja-JP" i="1" dirty="0" smtClean="0">
-                              <a:latin typeface="Cambria Math" panose="02040503050406030204" pitchFamily="18" charset="0"/>
-                            </a:rPr>
-                            <m:t>𝐻</m:t>
-                          </m:r>
-                        </m:e>
-                        <m:sub>
-                          <m:r>
-                            <a:rPr kumimoji="1" lang="en-US" altLang="ja-JP" b="0" i="1" dirty="0" smtClean="0">
-                              <a:latin typeface="Cambria Math" panose="02040503050406030204" pitchFamily="18" charset="0"/>
-                            </a:rPr>
-                            <m:t>2</m:t>
-                          </m:r>
-                        </m:sub>
-                      </m:sSub>
-                      <m:r>
-                        <a:rPr kumimoji="1" lang="en-US" altLang="ja-JP" i="1" dirty="0" smtClean="0">
-                          <a:latin typeface="Cambria Math" panose="02040503050406030204" pitchFamily="18" charset="0"/>
-                        </a:rPr>
-                        <m:t>𝐷𝑂</m:t>
-                      </m:r>
-                      <m:r>
-                        <a:rPr kumimoji="1" lang="en-US" altLang="ja-JP" i="1" dirty="0" smtClean="0">
-                          <a:latin typeface="Cambria Math" panose="02040503050406030204" pitchFamily="18" charset="0"/>
-                        </a:rPr>
-                        <m:t>,</m:t>
-                      </m:r>
-                    </m:oMath>
-                  </m:oMathPara>
-                </a14:m>
-                <a:endParaRPr kumimoji="1" lang="en-US" altLang="ja-JP" dirty="0"/>
-              </a:p>
-              <a:p>
-                <a:pPr/>
-                <a14:m>
-                  <m:oMathPara xmlns:m="http://schemas.openxmlformats.org/officeDocument/2006/math">
-                    <m:oMathParaPr>
-                      <m:jc m:val="centerGroup"/>
-                    </m:oMathParaPr>
-                    <m:oMath xmlns:m="http://schemas.openxmlformats.org/officeDocument/2006/math">
-                      <m:r>
-                        <a:rPr kumimoji="1" lang="en-US" altLang="ja-JP" i="1" dirty="0" smtClean="0">
-                          <a:latin typeface="Cambria Math" panose="02040503050406030204" pitchFamily="18" charset="0"/>
-                        </a:rPr>
-                        <m:t>𝐶𝐻𝐷𝑂𝐻</m:t>
-                      </m:r>
-                      <m:r>
-                        <a:rPr kumimoji="1" lang="en-US" altLang="ja-JP" i="1" dirty="0" smtClean="0">
-                          <a:latin typeface="Cambria Math" panose="02040503050406030204" pitchFamily="18" charset="0"/>
-                        </a:rPr>
-                        <m:t>,</m:t>
-                      </m:r>
-                      <m:r>
-                        <a:rPr kumimoji="1" lang="en-US" altLang="ja-JP" i="1" dirty="0" smtClean="0">
-                          <a:latin typeface="Cambria Math" panose="02040503050406030204" pitchFamily="18" charset="0"/>
-                        </a:rPr>
-                        <m:t>𝐶</m:t>
-                      </m:r>
-                      <m:sSub>
-                        <m:sSubPr>
-                          <m:ctrlPr>
-                            <a:rPr kumimoji="1" lang="en-US" altLang="ja-JP" b="0" i="1" dirty="0" smtClean="0">
-                              <a:latin typeface="Cambria Math" panose="02040503050406030204" pitchFamily="18" charset="0"/>
-                            </a:rPr>
-                          </m:ctrlPr>
-                        </m:sSubPr>
-                        <m:e>
-                          <m:r>
-                            <a:rPr kumimoji="1" lang="en-US" altLang="ja-JP" i="1" dirty="0" smtClean="0">
-                              <a:latin typeface="Cambria Math" panose="02040503050406030204" pitchFamily="18" charset="0"/>
-                            </a:rPr>
-                            <m:t>𝐻</m:t>
-                          </m:r>
-                        </m:e>
-                        <m:sub>
-                          <m:r>
-                            <a:rPr kumimoji="1" lang="en-US" altLang="ja-JP" b="0" i="1" dirty="0" smtClean="0">
-                              <a:latin typeface="Cambria Math" panose="02040503050406030204" pitchFamily="18" charset="0"/>
-                            </a:rPr>
-                            <m:t>2</m:t>
-                          </m:r>
-                        </m:sub>
-                      </m:sSub>
-                      <m:r>
-                        <a:rPr kumimoji="1" lang="en-US" altLang="ja-JP" i="1" dirty="0" smtClean="0">
-                          <a:latin typeface="Cambria Math" panose="02040503050406030204" pitchFamily="18" charset="0"/>
-                        </a:rPr>
-                        <m:t>𝑂𝐷</m:t>
-                      </m:r>
-                    </m:oMath>
-                  </m:oMathPara>
-                </a14:m>
-                <a:endParaRPr kumimoji="1" lang="en-US" altLang="ja-JP" dirty="0"/>
-              </a:p>
-            </p:txBody>
-          </p:sp>
-        </mc:Choice>
-        <mc:Fallback xmlns="">
-          <p:sp>
-            <p:nvSpPr>
-              <p:cNvPr id="11" name="テキスト ボックス 10">
-                <a:extLst>
-                  <a:ext uri="{FF2B5EF4-FFF2-40B4-BE49-F238E27FC236}">
-                    <a16:creationId xmlns:a16="http://schemas.microsoft.com/office/drawing/2014/main" id="{26CE01D8-8789-9852-CDFE-5C1C4D6E77B9}"/>
-                  </a:ext>
-                </a:extLst>
-              </p:cNvPr>
-              <p:cNvSpPr txBox="1">
-                <a:spLocks noRot="1" noChangeAspect="1" noMove="1" noResize="1" noEditPoints="1" noAdjustHandles="1" noChangeArrowheads="1" noChangeShapeType="1" noTextEdit="1"/>
-              </p:cNvSpPr>
-              <p:nvPr/>
-            </p:nvSpPr>
-            <p:spPr>
-              <a:xfrm>
-                <a:off x="7102184" y="4311397"/>
-                <a:ext cx="1853776" cy="646331"/>
-              </a:xfrm>
-              <a:prstGeom prst="rect">
-                <a:avLst/>
-              </a:prstGeom>
-              <a:blipFill>
-                <a:blip r:embed="rId7"/>
-                <a:stretch>
-                  <a:fillRect/>
-                </a:stretch>
-              </a:blipFill>
-            </p:spPr>
-            <p:txBody>
-              <a:bodyPr/>
-              <a:lstStyle/>
-              <a:p>
-                <a:r>
-                  <a:rPr lang="ja-JP" altLang="en-US">
-                    <a:noFill/>
-                  </a:rPr>
-                  <a:t> </a:t>
-                </a:r>
-              </a:p>
-            </p:txBody>
-          </p:sp>
-        </mc:Fallback>
-      </mc:AlternateContent>
-      <mc:AlternateContent xmlns:mc="http://schemas.openxmlformats.org/markup-compatibility/2006" xmlns:a14="http://schemas.microsoft.com/office/drawing/2010/main">
-        <mc:Choice Requires="a14">
-          <p:sp>
-            <p:nvSpPr>
-              <p:cNvPr id="12" name="テキスト ボックス 11">
-                <a:extLst>
-                  <a:ext uri="{FF2B5EF4-FFF2-40B4-BE49-F238E27FC236}">
-                    <a16:creationId xmlns:a16="http://schemas.microsoft.com/office/drawing/2014/main" id="{86104A64-7C69-FAF3-0076-578AA2318A55}"/>
-                  </a:ext>
-                </a:extLst>
-              </p:cNvPr>
-              <p:cNvSpPr txBox="1"/>
-              <p:nvPr/>
-            </p:nvSpPr>
-            <p:spPr>
-              <a:xfrm>
-                <a:off x="9669574" y="4507097"/>
-                <a:ext cx="1636024" cy="369332"/>
-              </a:xfrm>
-              <a:prstGeom prst="rect">
-                <a:avLst/>
-              </a:prstGeom>
-              <a:noFill/>
-            </p:spPr>
-            <p:txBody>
-              <a:bodyPr wrap="none" rtlCol="0">
-                <a:spAutoFit/>
-              </a:bodyPr>
-              <a:lstStyle/>
-              <a:p>
-                <a:pPr/>
-                <a14:m>
-                  <m:oMathPara xmlns:m="http://schemas.openxmlformats.org/officeDocument/2006/math">
-                    <m:oMathParaPr>
-                      <m:jc m:val="centerGroup"/>
-                    </m:oMathParaPr>
-                    <m:oMath xmlns:m="http://schemas.openxmlformats.org/officeDocument/2006/math">
-                      <m:r>
-                        <a:rPr kumimoji="1" lang="en-US" altLang="ja-JP" i="1" dirty="0" smtClean="0">
-                          <a:latin typeface="Cambria Math" panose="02040503050406030204" pitchFamily="18" charset="0"/>
-                        </a:rPr>
-                        <m:t>𝐶</m:t>
-                      </m:r>
-                      <m:sSub>
-                        <m:sSubPr>
-                          <m:ctrlPr>
-                            <a:rPr kumimoji="1" lang="en-US" altLang="ja-JP" b="0" i="1" dirty="0" smtClean="0">
-                              <a:latin typeface="Cambria Math" panose="02040503050406030204" pitchFamily="18" charset="0"/>
-                            </a:rPr>
-                          </m:ctrlPr>
-                        </m:sSubPr>
-                        <m:e>
-                          <m:r>
-                            <a:rPr kumimoji="1" lang="en-US" altLang="ja-JP" i="1" dirty="0" smtClean="0">
-                              <a:latin typeface="Cambria Math" panose="02040503050406030204" pitchFamily="18" charset="0"/>
-                            </a:rPr>
-                            <m:t>𝐻</m:t>
-                          </m:r>
-                        </m:e>
-                        <m:sub>
-                          <m:r>
-                            <a:rPr kumimoji="1" lang="en-US" altLang="ja-JP" b="0" i="1" dirty="0" smtClean="0">
-                              <a:latin typeface="Cambria Math" panose="02040503050406030204" pitchFamily="18" charset="0"/>
-                            </a:rPr>
-                            <m:t>3</m:t>
-                          </m:r>
-                        </m:sub>
-                      </m:sSub>
-                      <m:r>
-                        <a:rPr kumimoji="1" lang="en-US" altLang="ja-JP" i="1" dirty="0" smtClean="0">
-                          <a:latin typeface="Cambria Math" panose="02040503050406030204" pitchFamily="18" charset="0"/>
-                        </a:rPr>
-                        <m:t>𝑂</m:t>
-                      </m:r>
-                      <m:r>
-                        <a:rPr kumimoji="1" lang="en-US" altLang="ja-JP" i="1" dirty="0" smtClean="0">
-                          <a:latin typeface="Cambria Math" panose="02040503050406030204" pitchFamily="18" charset="0"/>
-                        </a:rPr>
-                        <m:t>,</m:t>
-                      </m:r>
-                      <m:r>
-                        <a:rPr kumimoji="1" lang="en-US" altLang="ja-JP" i="1" dirty="0" smtClean="0">
-                          <a:latin typeface="Cambria Math" panose="02040503050406030204" pitchFamily="18" charset="0"/>
-                        </a:rPr>
-                        <m:t>𝐶</m:t>
-                      </m:r>
-                      <m:sSub>
-                        <m:sSubPr>
-                          <m:ctrlPr>
-                            <a:rPr kumimoji="1" lang="en-US" altLang="ja-JP" b="0" i="1" dirty="0" smtClean="0">
-                              <a:latin typeface="Cambria Math" panose="02040503050406030204" pitchFamily="18" charset="0"/>
-                            </a:rPr>
-                          </m:ctrlPr>
-                        </m:sSubPr>
-                        <m:e>
-                          <m:r>
-                            <a:rPr kumimoji="1" lang="en-US" altLang="ja-JP" i="1" dirty="0" smtClean="0">
-                              <a:latin typeface="Cambria Math" panose="02040503050406030204" pitchFamily="18" charset="0"/>
-                            </a:rPr>
-                            <m:t>𝐻</m:t>
-                          </m:r>
-                        </m:e>
-                        <m:sub>
-                          <m:r>
-                            <a:rPr kumimoji="1" lang="en-US" altLang="ja-JP" b="0" i="1" dirty="0" smtClean="0">
-                              <a:latin typeface="Cambria Math" panose="02040503050406030204" pitchFamily="18" charset="0"/>
-                            </a:rPr>
-                            <m:t>2</m:t>
-                          </m:r>
-                        </m:sub>
-                      </m:sSub>
-                      <m:r>
-                        <a:rPr kumimoji="1" lang="en-US" altLang="ja-JP" i="1" dirty="0" smtClean="0">
-                          <a:latin typeface="Cambria Math" panose="02040503050406030204" pitchFamily="18" charset="0"/>
-                        </a:rPr>
-                        <m:t>𝑂𝐻</m:t>
-                      </m:r>
-                    </m:oMath>
-                  </m:oMathPara>
-                </a14:m>
-                <a:endParaRPr kumimoji="1" lang="en-US" altLang="ja-JP" dirty="0"/>
-              </a:p>
-            </p:txBody>
-          </p:sp>
-        </mc:Choice>
-        <mc:Fallback xmlns="">
-          <p:sp>
-            <p:nvSpPr>
-              <p:cNvPr id="12" name="テキスト ボックス 11">
-                <a:extLst>
-                  <a:ext uri="{FF2B5EF4-FFF2-40B4-BE49-F238E27FC236}">
-                    <a16:creationId xmlns:a16="http://schemas.microsoft.com/office/drawing/2014/main" id="{86104A64-7C69-FAF3-0076-578AA2318A55}"/>
-                  </a:ext>
-                </a:extLst>
-              </p:cNvPr>
-              <p:cNvSpPr txBox="1">
-                <a:spLocks noRot="1" noChangeAspect="1" noMove="1" noResize="1" noEditPoints="1" noAdjustHandles="1" noChangeArrowheads="1" noChangeShapeType="1" noTextEdit="1"/>
-              </p:cNvSpPr>
-              <p:nvPr/>
-            </p:nvSpPr>
-            <p:spPr>
-              <a:xfrm>
-                <a:off x="9669574" y="4507097"/>
-                <a:ext cx="1636024" cy="369332"/>
-              </a:xfrm>
-              <a:prstGeom prst="rect">
-                <a:avLst/>
-              </a:prstGeom>
-              <a:blipFill>
-                <a:blip r:embed="rId8"/>
-                <a:stretch>
-                  <a:fillRect/>
-                </a:stretch>
-              </a:blipFill>
-            </p:spPr>
-            <p:txBody>
-              <a:bodyPr/>
-              <a:lstStyle/>
-              <a:p>
-                <a:r>
-                  <a:rPr lang="ja-JP" altLang="en-US">
-                    <a:noFill/>
-                  </a:rPr>
-                  <a:t> </a:t>
-                </a:r>
-              </a:p>
-            </p:txBody>
-          </p:sp>
-        </mc:Fallback>
-      </mc:AlternateContent>
-      <mc:AlternateContent xmlns:mc="http://schemas.openxmlformats.org/markup-compatibility/2006" xmlns:a14="http://schemas.microsoft.com/office/drawing/2010/main">
-        <mc:Choice Requires="a14">
-          <p:sp>
-            <p:nvSpPr>
-              <p:cNvPr id="13" name="テキスト ボックス 12">
-                <a:extLst>
-                  <a:ext uri="{FF2B5EF4-FFF2-40B4-BE49-F238E27FC236}">
-                    <a16:creationId xmlns:a16="http://schemas.microsoft.com/office/drawing/2014/main" id="{A6C953D2-6A33-024A-CC8A-5E10ABAF1901}"/>
-                  </a:ext>
-                </a:extLst>
-              </p:cNvPr>
-              <p:cNvSpPr txBox="1"/>
-              <p:nvPr/>
-            </p:nvSpPr>
-            <p:spPr>
-              <a:xfrm>
-                <a:off x="3254633" y="5561687"/>
-                <a:ext cx="936410" cy="369332"/>
-              </a:xfrm>
-              <a:prstGeom prst="rect">
-                <a:avLst/>
-              </a:prstGeom>
-              <a:noFill/>
-              <a:ln>
-                <a:solidFill>
-                  <a:schemeClr val="tx1"/>
-                </a:solidFill>
-              </a:ln>
-            </p:spPr>
-            <p:txBody>
-              <a:bodyPr wrap="none" rtlCol="0">
-                <a:spAutoFit/>
-              </a:bodyPr>
-              <a:lstStyle/>
-              <a:p>
-                <a:pPr/>
-                <a14:m>
-                  <m:oMathPara xmlns:m="http://schemas.openxmlformats.org/officeDocument/2006/math">
-                    <m:oMathParaPr>
-                      <m:jc m:val="centerGroup"/>
-                    </m:oMathParaPr>
-                    <m:oMath xmlns:m="http://schemas.openxmlformats.org/officeDocument/2006/math">
-                      <m:sSub>
-                        <m:sSubPr>
-                          <m:ctrlPr>
-                            <a:rPr kumimoji="1" lang="en-US" altLang="ja-JP" b="0" i="1" dirty="0" smtClean="0">
-                              <a:latin typeface="Cambria Math" panose="02040503050406030204" pitchFamily="18" charset="0"/>
-                            </a:rPr>
-                          </m:ctrlPr>
-                        </m:sSubPr>
-                        <m:e>
-                          <m:r>
-                            <m:rPr>
-                              <m:sty m:val="p"/>
-                            </m:rPr>
-                            <a:rPr kumimoji="1" lang="en-US" altLang="ja-JP" i="0" dirty="0" smtClean="0">
-                              <a:latin typeface="Cambria Math" panose="02040503050406030204" pitchFamily="18" charset="0"/>
-                            </a:rPr>
-                            <m:t>CD</m:t>
-                          </m:r>
-                        </m:e>
-                        <m:sub>
-                          <m:r>
-                            <a:rPr kumimoji="1" lang="en-US" altLang="ja-JP" b="0" i="0" dirty="0" smtClean="0">
-                              <a:latin typeface="Cambria Math" panose="02040503050406030204" pitchFamily="18" charset="0"/>
-                            </a:rPr>
-                            <m:t>3</m:t>
-                          </m:r>
-                        </m:sub>
-                      </m:sSub>
-                      <m:r>
-                        <m:rPr>
-                          <m:sty m:val="p"/>
-                        </m:rPr>
-                        <a:rPr kumimoji="1" lang="en-US" altLang="ja-JP" i="0" dirty="0" smtClean="0">
-                          <a:latin typeface="Cambria Math" panose="02040503050406030204" pitchFamily="18" charset="0"/>
-                        </a:rPr>
-                        <m:t>OH</m:t>
-                      </m:r>
-                    </m:oMath>
-                  </m:oMathPara>
-                </a14:m>
-                <a:endParaRPr kumimoji="1" lang="en-US" altLang="ja-JP" dirty="0"/>
-              </a:p>
-            </p:txBody>
-          </p:sp>
-        </mc:Choice>
-        <mc:Fallback xmlns="">
-          <p:sp>
-            <p:nvSpPr>
-              <p:cNvPr id="13" name="テキスト ボックス 12">
-                <a:extLst>
-                  <a:ext uri="{FF2B5EF4-FFF2-40B4-BE49-F238E27FC236}">
-                    <a16:creationId xmlns:a16="http://schemas.microsoft.com/office/drawing/2014/main" id="{A6C953D2-6A33-024A-CC8A-5E10ABAF1901}"/>
-                  </a:ext>
-                </a:extLst>
-              </p:cNvPr>
-              <p:cNvSpPr txBox="1">
-                <a:spLocks noRot="1" noChangeAspect="1" noMove="1" noResize="1" noEditPoints="1" noAdjustHandles="1" noChangeArrowheads="1" noChangeShapeType="1" noTextEdit="1"/>
-              </p:cNvSpPr>
-              <p:nvPr/>
-            </p:nvSpPr>
-            <p:spPr>
-              <a:xfrm>
-                <a:off x="3254633" y="5561687"/>
-                <a:ext cx="936410" cy="369332"/>
-              </a:xfrm>
-              <a:prstGeom prst="rect">
-                <a:avLst/>
-              </a:prstGeom>
-              <a:blipFill>
-                <a:blip r:embed="rId9"/>
-                <a:stretch>
-                  <a:fillRect/>
-                </a:stretch>
-              </a:blipFill>
-              <a:ln>
-                <a:solidFill>
-                  <a:schemeClr val="tx1"/>
-                </a:solidFill>
-              </a:ln>
-            </p:spPr>
-            <p:txBody>
-              <a:bodyPr/>
-              <a:lstStyle/>
-              <a:p>
-                <a:r>
-                  <a:rPr lang="ja-JP" altLang="en-US">
-                    <a:noFill/>
-                  </a:rPr>
-                  <a:t> </a:t>
-                </a:r>
-              </a:p>
-            </p:txBody>
-          </p:sp>
-        </mc:Fallback>
-      </mc:AlternateContent>
-      <mc:AlternateContent xmlns:mc="http://schemas.openxmlformats.org/markup-compatibility/2006" xmlns:a14="http://schemas.microsoft.com/office/drawing/2010/main">
-        <mc:Choice Requires="a14">
-          <p:sp>
-            <p:nvSpPr>
-              <p:cNvPr id="14" name="テキスト ボックス 13">
-                <a:extLst>
-                  <a:ext uri="{FF2B5EF4-FFF2-40B4-BE49-F238E27FC236}">
-                    <a16:creationId xmlns:a16="http://schemas.microsoft.com/office/drawing/2014/main" id="{50E66BF9-EFD4-5869-ECBA-F7D567852202}"/>
-                  </a:ext>
-                </a:extLst>
-              </p:cNvPr>
-              <p:cNvSpPr txBox="1"/>
-              <p:nvPr/>
-            </p:nvSpPr>
-            <p:spPr>
-              <a:xfrm>
-                <a:off x="990600" y="5561687"/>
-                <a:ext cx="929998" cy="369332"/>
-              </a:xfrm>
-              <a:prstGeom prst="rect">
-                <a:avLst/>
-              </a:prstGeom>
-              <a:noFill/>
-            </p:spPr>
-            <p:txBody>
-              <a:bodyPr wrap="none" rtlCol="0">
-                <a:spAutoFit/>
-              </a:bodyPr>
-              <a:lstStyle/>
-              <a:p>
-                <a:pPr/>
-                <a14:m>
-                  <m:oMathPara xmlns:m="http://schemas.openxmlformats.org/officeDocument/2006/math">
-                    <m:oMathParaPr>
-                      <m:jc m:val="centerGroup"/>
-                    </m:oMathParaPr>
-                    <m:oMath xmlns:m="http://schemas.openxmlformats.org/officeDocument/2006/math">
-                      <m:sSub>
-                        <m:sSubPr>
-                          <m:ctrlPr>
-                            <a:rPr kumimoji="1" lang="en-US" altLang="ja-JP" b="0" i="1" dirty="0" smtClean="0">
-                              <a:latin typeface="Cambria Math" panose="02040503050406030204" pitchFamily="18" charset="0"/>
-                            </a:rPr>
-                          </m:ctrlPr>
-                        </m:sSubPr>
-                        <m:e>
-                          <m:r>
-                            <m:rPr>
-                              <m:sty m:val="p"/>
-                            </m:rPr>
-                            <a:rPr kumimoji="1" lang="en-US" altLang="ja-JP" i="0" dirty="0" smtClean="0">
-                              <a:latin typeface="Cambria Math" panose="02040503050406030204" pitchFamily="18" charset="0"/>
-                            </a:rPr>
-                            <m:t>CD</m:t>
-                          </m:r>
-                        </m:e>
-                        <m:sub>
-                          <m:r>
-                            <a:rPr kumimoji="1" lang="en-US" altLang="ja-JP" b="0" i="0" dirty="0" smtClean="0">
-                              <a:latin typeface="Cambria Math" panose="02040503050406030204" pitchFamily="18" charset="0"/>
-                            </a:rPr>
-                            <m:t>3</m:t>
-                          </m:r>
-                        </m:sub>
-                      </m:sSub>
-                      <m:r>
-                        <m:rPr>
-                          <m:sty m:val="p"/>
-                        </m:rPr>
-                        <a:rPr kumimoji="1" lang="en-US" altLang="ja-JP" i="0" dirty="0" smtClean="0">
-                          <a:latin typeface="Cambria Math" panose="02040503050406030204" pitchFamily="18" charset="0"/>
-                        </a:rPr>
-                        <m:t>O</m:t>
-                      </m:r>
-                      <m:r>
-                        <m:rPr>
-                          <m:sty m:val="p"/>
-                        </m:rPr>
-                        <a:rPr kumimoji="1" lang="en-US" altLang="ja-JP" i="0" dirty="0">
-                          <a:latin typeface="Cambria Math" panose="02040503050406030204" pitchFamily="18" charset="0"/>
-                        </a:rPr>
-                        <m:t>D</m:t>
-                      </m:r>
-                    </m:oMath>
-                  </m:oMathPara>
-                </a14:m>
-                <a:endParaRPr kumimoji="1" lang="en-US" altLang="ja-JP" dirty="0"/>
-              </a:p>
-            </p:txBody>
-          </p:sp>
-        </mc:Choice>
-        <mc:Fallback xmlns="">
-          <p:sp>
-            <p:nvSpPr>
-              <p:cNvPr id="14" name="テキスト ボックス 13">
-                <a:extLst>
-                  <a:ext uri="{FF2B5EF4-FFF2-40B4-BE49-F238E27FC236}">
-                    <a16:creationId xmlns:a16="http://schemas.microsoft.com/office/drawing/2014/main" id="{50E66BF9-EFD4-5869-ECBA-F7D567852202}"/>
-                  </a:ext>
-                </a:extLst>
-              </p:cNvPr>
-              <p:cNvSpPr txBox="1">
-                <a:spLocks noRot="1" noChangeAspect="1" noMove="1" noResize="1" noEditPoints="1" noAdjustHandles="1" noChangeArrowheads="1" noChangeShapeType="1" noTextEdit="1"/>
-              </p:cNvSpPr>
-              <p:nvPr/>
-            </p:nvSpPr>
-            <p:spPr>
-              <a:xfrm>
-                <a:off x="990600" y="5561687"/>
-                <a:ext cx="929998" cy="369332"/>
-              </a:xfrm>
-              <a:prstGeom prst="rect">
-                <a:avLst/>
-              </a:prstGeom>
-              <a:blipFill>
-                <a:blip r:embed="rId10"/>
-                <a:stretch>
-                  <a:fillRect/>
-                </a:stretch>
-              </a:blipFill>
-            </p:spPr>
-            <p:txBody>
-              <a:bodyPr/>
-              <a:lstStyle/>
-              <a:p>
-                <a:r>
-                  <a:rPr lang="ja-JP" altLang="en-US">
-                    <a:noFill/>
-                  </a:rPr>
-                  <a:t> </a:t>
-                </a:r>
-              </a:p>
-            </p:txBody>
-          </p:sp>
-        </mc:Fallback>
-      </mc:AlternateContent>
-      <mc:AlternateContent xmlns:mc="http://schemas.openxmlformats.org/markup-compatibility/2006" xmlns:a14="http://schemas.microsoft.com/office/drawing/2010/main">
-        <mc:Choice Requires="a14">
-          <p:sp>
-            <p:nvSpPr>
-              <p:cNvPr id="15" name="テキスト ボックス 14">
-                <a:extLst>
-                  <a:ext uri="{FF2B5EF4-FFF2-40B4-BE49-F238E27FC236}">
-                    <a16:creationId xmlns:a16="http://schemas.microsoft.com/office/drawing/2014/main" id="{600A74A5-516F-18B4-C0CD-96882131A67C}"/>
-                  </a:ext>
-                </a:extLst>
-              </p:cNvPr>
-              <p:cNvSpPr txBox="1"/>
-              <p:nvPr/>
-            </p:nvSpPr>
-            <p:spPr>
-              <a:xfrm>
-                <a:off x="5725616" y="5553887"/>
-                <a:ext cx="1095107" cy="369332"/>
-              </a:xfrm>
-              <a:prstGeom prst="rect">
-                <a:avLst/>
-              </a:prstGeom>
-              <a:noFill/>
-              <a:ln>
-                <a:solidFill>
-                  <a:schemeClr val="tx1"/>
-                </a:solidFill>
-              </a:ln>
-            </p:spPr>
-            <p:txBody>
-              <a:bodyPr wrap="none" rtlCol="0">
-                <a:spAutoFit/>
-              </a:bodyPr>
-              <a:lstStyle/>
-              <a:p>
-                <a:pPr/>
-                <a14:m>
-                  <m:oMathPara xmlns:m="http://schemas.openxmlformats.org/officeDocument/2006/math">
-                    <m:oMathParaPr>
-                      <m:jc m:val="centerGroup"/>
-                    </m:oMathParaPr>
-                    <m:oMath xmlns:m="http://schemas.openxmlformats.org/officeDocument/2006/math">
-                      <m:sSub>
-                        <m:sSubPr>
-                          <m:ctrlPr>
-                            <a:rPr kumimoji="1" lang="en-US" altLang="ja-JP" b="0" i="1" dirty="0" smtClean="0">
-                              <a:latin typeface="Cambria Math" panose="02040503050406030204" pitchFamily="18" charset="0"/>
-                            </a:rPr>
-                          </m:ctrlPr>
-                        </m:sSubPr>
-                        <m:e>
-                          <m:r>
-                            <m:rPr>
-                              <m:sty m:val="p"/>
-                            </m:rPr>
-                            <a:rPr kumimoji="1" lang="en-US" altLang="ja-JP" i="0" dirty="0" smtClean="0">
-                              <a:latin typeface="Cambria Math" panose="02040503050406030204" pitchFamily="18" charset="0"/>
-                            </a:rPr>
-                            <m:t>CHD</m:t>
-                          </m:r>
-                        </m:e>
-                        <m:sub>
-                          <m:r>
-                            <a:rPr kumimoji="1" lang="en-US" altLang="ja-JP" b="0" i="0" dirty="0" smtClean="0">
-                              <a:latin typeface="Cambria Math" panose="02040503050406030204" pitchFamily="18" charset="0"/>
-                            </a:rPr>
-                            <m:t>2</m:t>
-                          </m:r>
-                        </m:sub>
-                      </m:sSub>
-                      <m:r>
-                        <m:rPr>
-                          <m:sty m:val="p"/>
-                        </m:rPr>
-                        <a:rPr kumimoji="1" lang="en-US" altLang="ja-JP" i="0" dirty="0" smtClean="0">
-                          <a:latin typeface="Cambria Math" panose="02040503050406030204" pitchFamily="18" charset="0"/>
-                        </a:rPr>
-                        <m:t>OH</m:t>
-                      </m:r>
-                    </m:oMath>
-                  </m:oMathPara>
-                </a14:m>
-                <a:endParaRPr kumimoji="1" lang="en-US" altLang="ja-JP" dirty="0"/>
-              </a:p>
-            </p:txBody>
-          </p:sp>
-        </mc:Choice>
-        <mc:Fallback xmlns="">
-          <p:sp>
-            <p:nvSpPr>
-              <p:cNvPr id="15" name="テキスト ボックス 14">
-                <a:extLst>
-                  <a:ext uri="{FF2B5EF4-FFF2-40B4-BE49-F238E27FC236}">
-                    <a16:creationId xmlns:a16="http://schemas.microsoft.com/office/drawing/2014/main" id="{600A74A5-516F-18B4-C0CD-96882131A67C}"/>
-                  </a:ext>
-                </a:extLst>
-              </p:cNvPr>
-              <p:cNvSpPr txBox="1">
-                <a:spLocks noRot="1" noChangeAspect="1" noMove="1" noResize="1" noEditPoints="1" noAdjustHandles="1" noChangeArrowheads="1" noChangeShapeType="1" noTextEdit="1"/>
-              </p:cNvSpPr>
-              <p:nvPr/>
-            </p:nvSpPr>
-            <p:spPr>
-              <a:xfrm>
-                <a:off x="5725616" y="5553887"/>
-                <a:ext cx="1095107" cy="369332"/>
-              </a:xfrm>
-              <a:prstGeom prst="rect">
-                <a:avLst/>
-              </a:prstGeom>
-              <a:blipFill>
-                <a:blip r:embed="rId11"/>
-                <a:stretch>
-                  <a:fillRect/>
-                </a:stretch>
-              </a:blipFill>
-              <a:ln>
-                <a:solidFill>
-                  <a:schemeClr val="tx1"/>
-                </a:solidFill>
-              </a:ln>
-            </p:spPr>
-            <p:txBody>
-              <a:bodyPr/>
-              <a:lstStyle/>
-              <a:p>
-                <a:r>
-                  <a:rPr lang="ja-JP" altLang="en-US">
-                    <a:noFill/>
-                  </a:rPr>
-                  <a:t> </a:t>
-                </a:r>
-              </a:p>
-            </p:txBody>
-          </p:sp>
-        </mc:Fallback>
-      </mc:AlternateContent>
-      <mc:AlternateContent xmlns:mc="http://schemas.openxmlformats.org/markup-compatibility/2006" xmlns:a14="http://schemas.microsoft.com/office/drawing/2010/main">
-        <mc:Choice Requires="a14">
-          <p:sp>
-            <p:nvSpPr>
-              <p:cNvPr id="16" name="テキスト ボックス 15">
-                <a:extLst>
-                  <a:ext uri="{FF2B5EF4-FFF2-40B4-BE49-F238E27FC236}">
-                    <a16:creationId xmlns:a16="http://schemas.microsoft.com/office/drawing/2014/main" id="{CEAB27AA-FD01-0BA9-B293-78C4E7FD5B53}"/>
-                  </a:ext>
-                </a:extLst>
-              </p:cNvPr>
-              <p:cNvSpPr txBox="1"/>
-              <p:nvPr/>
-            </p:nvSpPr>
-            <p:spPr>
-              <a:xfrm>
-                <a:off x="8469381" y="5570072"/>
-                <a:ext cx="1095107" cy="369332"/>
-              </a:xfrm>
-              <a:prstGeom prst="rect">
-                <a:avLst/>
-              </a:prstGeom>
-              <a:noFill/>
-              <a:ln>
-                <a:solidFill>
-                  <a:schemeClr val="tx1"/>
-                </a:solidFill>
-              </a:ln>
-            </p:spPr>
-            <p:txBody>
-              <a:bodyPr wrap="none" rtlCol="0">
-                <a:spAutoFit/>
-              </a:bodyPr>
-              <a:lstStyle/>
-              <a:p>
-                <a:pPr/>
-                <a14:m>
-                  <m:oMathPara xmlns:m="http://schemas.openxmlformats.org/officeDocument/2006/math">
-                    <m:oMathParaPr>
-                      <m:jc m:val="centerGroup"/>
-                    </m:oMathParaPr>
-                    <m:oMath xmlns:m="http://schemas.openxmlformats.org/officeDocument/2006/math">
-                      <m:sSub>
-                        <m:sSubPr>
-                          <m:ctrlPr>
-                            <a:rPr kumimoji="1" lang="en-US" altLang="ja-JP" b="0" i="1" dirty="0" smtClean="0">
-                              <a:latin typeface="Cambria Math" panose="02040503050406030204" pitchFamily="18" charset="0"/>
-                            </a:rPr>
-                          </m:ctrlPr>
-                        </m:sSubPr>
-                        <m:e>
-                          <m:r>
-                            <m:rPr>
-                              <m:sty m:val="p"/>
-                            </m:rPr>
-                            <a:rPr kumimoji="1" lang="en-US" altLang="ja-JP" i="0" dirty="0" smtClean="0">
-                              <a:latin typeface="Cambria Math" panose="02040503050406030204" pitchFamily="18" charset="0"/>
-                            </a:rPr>
-                            <m:t>CH</m:t>
-                          </m:r>
-                        </m:e>
-                        <m:sub>
-                          <m:r>
-                            <a:rPr kumimoji="1" lang="en-US" altLang="ja-JP" b="0" i="0" dirty="0" smtClean="0">
-                              <a:latin typeface="Cambria Math" panose="02040503050406030204" pitchFamily="18" charset="0"/>
-                            </a:rPr>
-                            <m:t>2</m:t>
-                          </m:r>
-                        </m:sub>
-                      </m:sSub>
-                      <m:r>
-                        <m:rPr>
-                          <m:sty m:val="p"/>
-                        </m:rPr>
-                        <a:rPr kumimoji="1" lang="en-US" altLang="ja-JP" i="0" dirty="0" smtClean="0">
-                          <a:latin typeface="Cambria Math" panose="02040503050406030204" pitchFamily="18" charset="0"/>
-                        </a:rPr>
-                        <m:t>DOH</m:t>
-                      </m:r>
-                    </m:oMath>
-                  </m:oMathPara>
-                </a14:m>
-                <a:endParaRPr kumimoji="1" lang="en-US" altLang="ja-JP" dirty="0"/>
-              </a:p>
-            </p:txBody>
-          </p:sp>
-        </mc:Choice>
-        <mc:Fallback xmlns="">
-          <p:sp>
-            <p:nvSpPr>
-              <p:cNvPr id="16" name="テキスト ボックス 15">
-                <a:extLst>
-                  <a:ext uri="{FF2B5EF4-FFF2-40B4-BE49-F238E27FC236}">
-                    <a16:creationId xmlns:a16="http://schemas.microsoft.com/office/drawing/2014/main" id="{CEAB27AA-FD01-0BA9-B293-78C4E7FD5B53}"/>
-                  </a:ext>
-                </a:extLst>
-              </p:cNvPr>
-              <p:cNvSpPr txBox="1">
-                <a:spLocks noRot="1" noChangeAspect="1" noMove="1" noResize="1" noEditPoints="1" noAdjustHandles="1" noChangeArrowheads="1" noChangeShapeType="1" noTextEdit="1"/>
-              </p:cNvSpPr>
-              <p:nvPr/>
-            </p:nvSpPr>
-            <p:spPr>
-              <a:xfrm>
-                <a:off x="8469381" y="5570072"/>
-                <a:ext cx="1095107" cy="369332"/>
-              </a:xfrm>
-              <a:prstGeom prst="rect">
-                <a:avLst/>
-              </a:prstGeom>
-              <a:blipFill>
-                <a:blip r:embed="rId12"/>
-                <a:stretch>
-                  <a:fillRect/>
-                </a:stretch>
-              </a:blipFill>
-              <a:ln>
-                <a:solidFill>
-                  <a:schemeClr val="tx1"/>
-                </a:solidFill>
-              </a:ln>
-            </p:spPr>
-            <p:txBody>
-              <a:bodyPr/>
-              <a:lstStyle/>
-              <a:p>
-                <a:r>
-                  <a:rPr lang="ja-JP" altLang="en-US">
-                    <a:noFill/>
-                  </a:rPr>
-                  <a:t> </a:t>
-                </a:r>
-              </a:p>
-            </p:txBody>
-          </p:sp>
-        </mc:Fallback>
-      </mc:AlternateContent>
-      <mc:AlternateContent xmlns:mc="http://schemas.openxmlformats.org/markup-compatibility/2006" xmlns:a14="http://schemas.microsoft.com/office/drawing/2010/main">
-        <mc:Choice Requires="a14">
-          <p:sp>
-            <p:nvSpPr>
-              <p:cNvPr id="17" name="テキスト ボックス 16">
-                <a:extLst>
-                  <a:ext uri="{FF2B5EF4-FFF2-40B4-BE49-F238E27FC236}">
-                    <a16:creationId xmlns:a16="http://schemas.microsoft.com/office/drawing/2014/main" id="{0EAFE742-F7D0-5E7F-336A-7C9F192B6238}"/>
-                  </a:ext>
-                </a:extLst>
-              </p:cNvPr>
-              <p:cNvSpPr txBox="1"/>
-              <p:nvPr/>
-            </p:nvSpPr>
-            <p:spPr>
-              <a:xfrm>
-                <a:off x="10823735" y="5561687"/>
-                <a:ext cx="942822" cy="369332"/>
-              </a:xfrm>
-              <a:prstGeom prst="rect">
-                <a:avLst/>
-              </a:prstGeom>
-              <a:noFill/>
-              <a:ln>
-                <a:solidFill>
-                  <a:schemeClr val="tx1"/>
-                </a:solidFill>
-              </a:ln>
-            </p:spPr>
-            <p:txBody>
-              <a:bodyPr wrap="none" rtlCol="0">
-                <a:spAutoFit/>
-              </a:bodyPr>
-              <a:lstStyle/>
-              <a:p>
-                <a:pPr/>
-                <a14:m>
-                  <m:oMathPara xmlns:m="http://schemas.openxmlformats.org/officeDocument/2006/math">
-                    <m:oMathParaPr>
-                      <m:jc m:val="centerGroup"/>
-                    </m:oMathParaPr>
-                    <m:oMath xmlns:m="http://schemas.openxmlformats.org/officeDocument/2006/math">
-                      <m:sSub>
-                        <m:sSubPr>
-                          <m:ctrlPr>
-                            <a:rPr kumimoji="1" lang="en-US" altLang="ja-JP" b="0" i="1" dirty="0" smtClean="0">
-                              <a:latin typeface="Cambria Math" panose="02040503050406030204" pitchFamily="18" charset="0"/>
-                            </a:rPr>
-                          </m:ctrlPr>
-                        </m:sSubPr>
-                        <m:e>
-                          <m:r>
-                            <m:rPr>
-                              <m:sty m:val="p"/>
-                            </m:rPr>
-                            <a:rPr kumimoji="1" lang="en-US" altLang="ja-JP" i="0" dirty="0" smtClean="0">
-                              <a:latin typeface="Cambria Math" panose="02040503050406030204" pitchFamily="18" charset="0"/>
-                            </a:rPr>
-                            <m:t>CH</m:t>
-                          </m:r>
-                        </m:e>
-                        <m:sub>
-                          <m:r>
-                            <a:rPr kumimoji="1" lang="en-US" altLang="ja-JP" b="0" i="0" dirty="0" smtClean="0">
-                              <a:latin typeface="Cambria Math" panose="02040503050406030204" pitchFamily="18" charset="0"/>
-                            </a:rPr>
-                            <m:t>3</m:t>
-                          </m:r>
-                        </m:sub>
-                      </m:sSub>
-                      <m:r>
-                        <m:rPr>
-                          <m:sty m:val="p"/>
-                        </m:rPr>
-                        <a:rPr kumimoji="1" lang="en-US" altLang="ja-JP" i="0" dirty="0" smtClean="0">
-                          <a:latin typeface="Cambria Math" panose="02040503050406030204" pitchFamily="18" charset="0"/>
-                        </a:rPr>
-                        <m:t>OH</m:t>
-                      </m:r>
-                    </m:oMath>
-                  </m:oMathPara>
-                </a14:m>
-                <a:endParaRPr kumimoji="1" lang="en-US" altLang="ja-JP" dirty="0"/>
-              </a:p>
-            </p:txBody>
-          </p:sp>
-        </mc:Choice>
-        <mc:Fallback xmlns="">
-          <p:sp>
-            <p:nvSpPr>
-              <p:cNvPr id="17" name="テキスト ボックス 16">
-                <a:extLst>
-                  <a:ext uri="{FF2B5EF4-FFF2-40B4-BE49-F238E27FC236}">
-                    <a16:creationId xmlns:a16="http://schemas.microsoft.com/office/drawing/2014/main" id="{0EAFE742-F7D0-5E7F-336A-7C9F192B6238}"/>
-                  </a:ext>
-                </a:extLst>
-              </p:cNvPr>
-              <p:cNvSpPr txBox="1">
-                <a:spLocks noRot="1" noChangeAspect="1" noMove="1" noResize="1" noEditPoints="1" noAdjustHandles="1" noChangeArrowheads="1" noChangeShapeType="1" noTextEdit="1"/>
-              </p:cNvSpPr>
-              <p:nvPr/>
-            </p:nvSpPr>
-            <p:spPr>
-              <a:xfrm>
-                <a:off x="10823735" y="5561687"/>
-                <a:ext cx="942822" cy="369332"/>
-              </a:xfrm>
-              <a:prstGeom prst="rect">
-                <a:avLst/>
-              </a:prstGeom>
-              <a:blipFill>
-                <a:blip r:embed="rId13"/>
-                <a:stretch>
-                  <a:fillRect/>
-                </a:stretch>
-              </a:blipFill>
-              <a:ln>
-                <a:solidFill>
-                  <a:schemeClr val="tx1"/>
-                </a:solidFill>
-              </a:ln>
-            </p:spPr>
-            <p:txBody>
-              <a:bodyPr/>
-              <a:lstStyle/>
-              <a:p>
-                <a:r>
-                  <a:rPr lang="ja-JP" altLang="en-US">
-                    <a:noFill/>
-                  </a:rPr>
-                  <a:t> </a:t>
-                </a:r>
-              </a:p>
-            </p:txBody>
-          </p:sp>
-        </mc:Fallback>
-      </mc:AlternateContent>
-      <mc:AlternateContent xmlns:mc="http://schemas.openxmlformats.org/markup-compatibility/2006" xmlns:a14="http://schemas.microsoft.com/office/drawing/2010/main">
-        <mc:Choice Requires="a14">
-          <p:sp>
-            <p:nvSpPr>
-              <p:cNvPr id="18" name="テキスト ボックス 17">
-                <a:extLst>
-                  <a:ext uri="{FF2B5EF4-FFF2-40B4-BE49-F238E27FC236}">
-                    <a16:creationId xmlns:a16="http://schemas.microsoft.com/office/drawing/2014/main" id="{C9643378-45A4-B540-C963-492061198151}"/>
-                  </a:ext>
-                </a:extLst>
-              </p:cNvPr>
-              <p:cNvSpPr txBox="1"/>
-              <p:nvPr/>
-            </p:nvSpPr>
-            <p:spPr>
-              <a:xfrm>
-                <a:off x="3253529" y="5931019"/>
-                <a:ext cx="1088695" cy="369332"/>
-              </a:xfrm>
-              <a:prstGeom prst="rect">
-                <a:avLst/>
-              </a:prstGeom>
-              <a:noFill/>
-            </p:spPr>
-            <p:txBody>
-              <a:bodyPr wrap="none" rtlCol="0">
-                <a:spAutoFit/>
-              </a:bodyPr>
-              <a:lstStyle/>
-              <a:p>
-                <a:pPr/>
-                <a14:m>
-                  <m:oMathPara xmlns:m="http://schemas.openxmlformats.org/officeDocument/2006/math">
-                    <m:oMathParaPr>
-                      <m:jc m:val="centerGroup"/>
-                    </m:oMathParaPr>
-                    <m:oMath xmlns:m="http://schemas.openxmlformats.org/officeDocument/2006/math">
-                      <m:sSub>
-                        <m:sSubPr>
-                          <m:ctrlPr>
-                            <a:rPr kumimoji="1" lang="en-US" altLang="ja-JP" b="0" i="1" dirty="0" smtClean="0">
-                              <a:latin typeface="Cambria Math" panose="02040503050406030204" pitchFamily="18" charset="0"/>
-                            </a:rPr>
-                          </m:ctrlPr>
-                        </m:sSubPr>
-                        <m:e>
-                          <m:r>
-                            <m:rPr>
-                              <m:sty m:val="p"/>
-                            </m:rPr>
-                            <a:rPr kumimoji="1" lang="en-US" altLang="ja-JP" i="0" dirty="0" smtClean="0">
-                              <a:latin typeface="Cambria Math" panose="02040503050406030204" pitchFamily="18" charset="0"/>
-                            </a:rPr>
-                            <m:t>CHD</m:t>
-                          </m:r>
-                        </m:e>
-                        <m:sub>
-                          <m:r>
-                            <a:rPr kumimoji="1" lang="en-US" altLang="ja-JP" b="0" i="0" dirty="0" smtClean="0">
-                              <a:latin typeface="Cambria Math" panose="02040503050406030204" pitchFamily="18" charset="0"/>
-                            </a:rPr>
-                            <m:t>2</m:t>
-                          </m:r>
-                        </m:sub>
-                      </m:sSub>
-                      <m:r>
-                        <m:rPr>
-                          <m:sty m:val="p"/>
-                        </m:rPr>
-                        <a:rPr kumimoji="1" lang="en-US" altLang="ja-JP" i="0" dirty="0" smtClean="0">
-                          <a:latin typeface="Cambria Math" panose="02040503050406030204" pitchFamily="18" charset="0"/>
-                        </a:rPr>
-                        <m:t>OD</m:t>
-                      </m:r>
-                    </m:oMath>
-                  </m:oMathPara>
-                </a14:m>
-                <a:endParaRPr kumimoji="1" lang="en-US" altLang="ja-JP" dirty="0"/>
-              </a:p>
-            </p:txBody>
-          </p:sp>
-        </mc:Choice>
-        <mc:Fallback xmlns="">
-          <p:sp>
-            <p:nvSpPr>
-              <p:cNvPr id="18" name="テキスト ボックス 17">
-                <a:extLst>
-                  <a:ext uri="{FF2B5EF4-FFF2-40B4-BE49-F238E27FC236}">
-                    <a16:creationId xmlns:a16="http://schemas.microsoft.com/office/drawing/2014/main" id="{C9643378-45A4-B540-C963-492061198151}"/>
-                  </a:ext>
-                </a:extLst>
-              </p:cNvPr>
-              <p:cNvSpPr txBox="1">
-                <a:spLocks noRot="1" noChangeAspect="1" noMove="1" noResize="1" noEditPoints="1" noAdjustHandles="1" noChangeArrowheads="1" noChangeShapeType="1" noTextEdit="1"/>
-              </p:cNvSpPr>
-              <p:nvPr/>
-            </p:nvSpPr>
-            <p:spPr>
-              <a:xfrm>
-                <a:off x="3253529" y="5931019"/>
-                <a:ext cx="1088695" cy="369332"/>
-              </a:xfrm>
-              <a:prstGeom prst="rect">
-                <a:avLst/>
-              </a:prstGeom>
-              <a:blipFill>
-                <a:blip r:embed="rId14"/>
-                <a:stretch>
-                  <a:fillRect/>
-                </a:stretch>
-              </a:blipFill>
-            </p:spPr>
-            <p:txBody>
-              <a:bodyPr/>
-              <a:lstStyle/>
-              <a:p>
-                <a:r>
-                  <a:rPr lang="ja-JP" altLang="en-US">
-                    <a:noFill/>
-                  </a:rPr>
-                  <a:t> </a:t>
-                </a:r>
-              </a:p>
-            </p:txBody>
-          </p:sp>
-        </mc:Fallback>
-      </mc:AlternateContent>
-      <mc:AlternateContent xmlns:mc="http://schemas.openxmlformats.org/markup-compatibility/2006" xmlns:a14="http://schemas.microsoft.com/office/drawing/2010/main">
-        <mc:Choice Requires="a14">
-          <p:sp>
-            <p:nvSpPr>
-              <p:cNvPr id="19" name="テキスト ボックス 18">
-                <a:extLst>
-                  <a:ext uri="{FF2B5EF4-FFF2-40B4-BE49-F238E27FC236}">
-                    <a16:creationId xmlns:a16="http://schemas.microsoft.com/office/drawing/2014/main" id="{75840B9F-3CA4-50E7-3EA9-BAC779560381}"/>
-                  </a:ext>
-                </a:extLst>
-              </p:cNvPr>
-              <p:cNvSpPr txBox="1"/>
-              <p:nvPr/>
-            </p:nvSpPr>
-            <p:spPr>
-              <a:xfrm>
-                <a:off x="5727218" y="5923219"/>
-                <a:ext cx="1088695" cy="369332"/>
-              </a:xfrm>
-              <a:prstGeom prst="rect">
-                <a:avLst/>
-              </a:prstGeom>
-              <a:noFill/>
-            </p:spPr>
-            <p:txBody>
-              <a:bodyPr wrap="none" rtlCol="0">
-                <a:spAutoFit/>
-              </a:bodyPr>
-              <a:lstStyle/>
-              <a:p>
-                <a:pPr/>
-                <a14:m>
-                  <m:oMathPara xmlns:m="http://schemas.openxmlformats.org/officeDocument/2006/math">
-                    <m:oMathParaPr>
-                      <m:jc m:val="centerGroup"/>
-                    </m:oMathParaPr>
-                    <m:oMath xmlns:m="http://schemas.openxmlformats.org/officeDocument/2006/math">
-                      <m:sSub>
-                        <m:sSubPr>
-                          <m:ctrlPr>
-                            <a:rPr kumimoji="1" lang="en-US" altLang="ja-JP" b="0" i="1" dirty="0" smtClean="0">
-                              <a:latin typeface="Cambria Math" panose="02040503050406030204" pitchFamily="18" charset="0"/>
-                            </a:rPr>
-                          </m:ctrlPr>
-                        </m:sSubPr>
-                        <m:e>
-                          <m:r>
-                            <m:rPr>
-                              <m:sty m:val="p"/>
-                            </m:rPr>
-                            <a:rPr kumimoji="1" lang="en-US" altLang="ja-JP" i="0" dirty="0" smtClean="0">
-                              <a:latin typeface="Cambria Math" panose="02040503050406030204" pitchFamily="18" charset="0"/>
-                            </a:rPr>
-                            <m:t>CH</m:t>
-                          </m:r>
-                        </m:e>
-                        <m:sub>
-                          <m:r>
-                            <a:rPr kumimoji="1" lang="en-US" altLang="ja-JP" b="0" i="0" dirty="0" smtClean="0">
-                              <a:latin typeface="Cambria Math" panose="02040503050406030204" pitchFamily="18" charset="0"/>
-                            </a:rPr>
-                            <m:t>2</m:t>
-                          </m:r>
-                        </m:sub>
-                      </m:sSub>
-                      <m:r>
-                        <m:rPr>
-                          <m:sty m:val="p"/>
-                        </m:rPr>
-                        <a:rPr kumimoji="1" lang="en-US" altLang="ja-JP" i="0" dirty="0" smtClean="0">
-                          <a:latin typeface="Cambria Math" panose="02040503050406030204" pitchFamily="18" charset="0"/>
-                        </a:rPr>
-                        <m:t>DOD</m:t>
-                      </m:r>
-                    </m:oMath>
-                  </m:oMathPara>
-                </a14:m>
-                <a:endParaRPr kumimoji="1" lang="en-US" altLang="ja-JP" dirty="0"/>
-              </a:p>
-            </p:txBody>
-          </p:sp>
-        </mc:Choice>
-        <mc:Fallback xmlns="">
-          <p:sp>
-            <p:nvSpPr>
-              <p:cNvPr id="19" name="テキスト ボックス 18">
-                <a:extLst>
-                  <a:ext uri="{FF2B5EF4-FFF2-40B4-BE49-F238E27FC236}">
-                    <a16:creationId xmlns:a16="http://schemas.microsoft.com/office/drawing/2014/main" id="{75840B9F-3CA4-50E7-3EA9-BAC779560381}"/>
-                  </a:ext>
-                </a:extLst>
-              </p:cNvPr>
-              <p:cNvSpPr txBox="1">
-                <a:spLocks noRot="1" noChangeAspect="1" noMove="1" noResize="1" noEditPoints="1" noAdjustHandles="1" noChangeArrowheads="1" noChangeShapeType="1" noTextEdit="1"/>
-              </p:cNvSpPr>
-              <p:nvPr/>
-            </p:nvSpPr>
-            <p:spPr>
-              <a:xfrm>
-                <a:off x="5727218" y="5923219"/>
-                <a:ext cx="1088695" cy="369332"/>
-              </a:xfrm>
-              <a:prstGeom prst="rect">
-                <a:avLst/>
-              </a:prstGeom>
-              <a:blipFill>
-                <a:blip r:embed="rId15"/>
-                <a:stretch>
-                  <a:fillRect/>
-                </a:stretch>
-              </a:blipFill>
-            </p:spPr>
-            <p:txBody>
-              <a:bodyPr/>
-              <a:lstStyle/>
-              <a:p>
-                <a:r>
-                  <a:rPr lang="ja-JP" altLang="en-US">
-                    <a:noFill/>
-                  </a:rPr>
-                  <a:t> </a:t>
-                </a:r>
-              </a:p>
-            </p:txBody>
-          </p:sp>
-        </mc:Fallback>
-      </mc:AlternateContent>
-      <mc:AlternateContent xmlns:mc="http://schemas.openxmlformats.org/markup-compatibility/2006" xmlns:a14="http://schemas.microsoft.com/office/drawing/2010/main">
-        <mc:Choice Requires="a14">
-          <p:sp>
-            <p:nvSpPr>
-              <p:cNvPr id="20" name="テキスト ボックス 19">
-                <a:extLst>
-                  <a:ext uri="{FF2B5EF4-FFF2-40B4-BE49-F238E27FC236}">
-                    <a16:creationId xmlns:a16="http://schemas.microsoft.com/office/drawing/2014/main" id="{7A069543-BFA7-4916-3EF5-20DD4DB84C7A}"/>
-                  </a:ext>
-                </a:extLst>
-              </p:cNvPr>
-              <p:cNvSpPr txBox="1"/>
-              <p:nvPr/>
-            </p:nvSpPr>
-            <p:spPr>
-              <a:xfrm>
-                <a:off x="8580215" y="5939404"/>
-                <a:ext cx="936410" cy="369332"/>
-              </a:xfrm>
-              <a:prstGeom prst="rect">
-                <a:avLst/>
-              </a:prstGeom>
-              <a:noFill/>
-            </p:spPr>
-            <p:txBody>
-              <a:bodyPr wrap="none" rtlCol="0">
-                <a:spAutoFit/>
-              </a:bodyPr>
-              <a:lstStyle/>
-              <a:p>
-                <a:pPr/>
-                <a14:m>
-                  <m:oMathPara xmlns:m="http://schemas.openxmlformats.org/officeDocument/2006/math">
-                    <m:oMathParaPr>
-                      <m:jc m:val="centerGroup"/>
-                    </m:oMathParaPr>
-                    <m:oMath xmlns:m="http://schemas.openxmlformats.org/officeDocument/2006/math">
-                      <m:sSub>
-                        <m:sSubPr>
-                          <m:ctrlPr>
-                            <a:rPr kumimoji="1" lang="en-US" altLang="ja-JP" b="0" i="1" dirty="0" smtClean="0">
-                              <a:latin typeface="Cambria Math" panose="02040503050406030204" pitchFamily="18" charset="0"/>
-                            </a:rPr>
-                          </m:ctrlPr>
-                        </m:sSubPr>
-                        <m:e>
-                          <m:r>
-                            <m:rPr>
-                              <m:sty m:val="p"/>
-                            </m:rPr>
-                            <a:rPr kumimoji="1" lang="en-US" altLang="ja-JP" i="0" dirty="0" smtClean="0">
-                              <a:latin typeface="Cambria Math" panose="02040503050406030204" pitchFamily="18" charset="0"/>
-                            </a:rPr>
-                            <m:t>CH</m:t>
-                          </m:r>
-                        </m:e>
-                        <m:sub>
-                          <m:r>
-                            <a:rPr kumimoji="1" lang="en-US" altLang="ja-JP" b="0" i="0" dirty="0" smtClean="0">
-                              <a:latin typeface="Cambria Math" panose="02040503050406030204" pitchFamily="18" charset="0"/>
-                            </a:rPr>
-                            <m:t>3</m:t>
-                          </m:r>
-                        </m:sub>
-                      </m:sSub>
-                      <m:r>
-                        <m:rPr>
-                          <m:sty m:val="p"/>
-                        </m:rPr>
-                        <a:rPr kumimoji="1" lang="en-US" altLang="ja-JP" i="0" dirty="0" smtClean="0">
-                          <a:latin typeface="Cambria Math" panose="02040503050406030204" pitchFamily="18" charset="0"/>
-                        </a:rPr>
-                        <m:t>OD</m:t>
-                      </m:r>
-                    </m:oMath>
-                  </m:oMathPara>
-                </a14:m>
-                <a:endParaRPr kumimoji="1" lang="en-US" altLang="ja-JP" dirty="0"/>
-              </a:p>
-            </p:txBody>
-          </p:sp>
-        </mc:Choice>
-        <mc:Fallback xmlns="">
-          <p:sp>
-            <p:nvSpPr>
-              <p:cNvPr id="20" name="テキスト ボックス 19">
-                <a:extLst>
-                  <a:ext uri="{FF2B5EF4-FFF2-40B4-BE49-F238E27FC236}">
-                    <a16:creationId xmlns:a16="http://schemas.microsoft.com/office/drawing/2014/main" id="{7A069543-BFA7-4916-3EF5-20DD4DB84C7A}"/>
-                  </a:ext>
-                </a:extLst>
-              </p:cNvPr>
-              <p:cNvSpPr txBox="1">
-                <a:spLocks noRot="1" noChangeAspect="1" noMove="1" noResize="1" noEditPoints="1" noAdjustHandles="1" noChangeArrowheads="1" noChangeShapeType="1" noTextEdit="1"/>
-              </p:cNvSpPr>
-              <p:nvPr/>
-            </p:nvSpPr>
-            <p:spPr>
-              <a:xfrm>
-                <a:off x="8580215" y="5939404"/>
-                <a:ext cx="936410" cy="369332"/>
-              </a:xfrm>
-              <a:prstGeom prst="rect">
-                <a:avLst/>
-              </a:prstGeom>
-              <a:blipFill>
-                <a:blip r:embed="rId16"/>
-                <a:stretch>
-                  <a:fillRect/>
-                </a:stretch>
-              </a:blipFill>
-            </p:spPr>
-            <p:txBody>
-              <a:bodyPr/>
-              <a:lstStyle/>
-              <a:p>
-                <a:r>
-                  <a:rPr lang="ja-JP" altLang="en-US">
-                    <a:noFill/>
-                  </a:rPr>
-                  <a:t> </a:t>
-                </a:r>
-              </a:p>
-            </p:txBody>
-          </p:sp>
-        </mc:Fallback>
-      </mc:AlternateContent>
-      <p:cxnSp>
-        <p:nvCxnSpPr>
-          <p:cNvPr id="25" name="直線矢印コネクタ 24">
-            <a:extLst>
-              <a:ext uri="{FF2B5EF4-FFF2-40B4-BE49-F238E27FC236}">
-                <a16:creationId xmlns:a16="http://schemas.microsoft.com/office/drawing/2014/main" id="{71BE0E5C-E267-C32E-844D-B1C50836BCC0}"/>
-              </a:ext>
-            </a:extLst>
-          </p:cNvPr>
-          <p:cNvCxnSpPr/>
-          <p:nvPr/>
-        </p:nvCxnSpPr>
-        <p:spPr>
-          <a:xfrm>
-            <a:off x="6652458" y="4085274"/>
-            <a:ext cx="623392" cy="409903"/>
-          </a:xfrm>
-          <a:prstGeom prst="straightConnector1">
-            <a:avLst/>
-          </a:prstGeom>
-          <a:ln w="28575">
-            <a:tailEnd type="triangle"/>
-          </a:ln>
-        </p:spPr>
-        <p:style>
-          <a:lnRef idx="3">
-            <a:schemeClr val="accent1"/>
-          </a:lnRef>
-          <a:fillRef idx="0">
-            <a:schemeClr val="accent1"/>
-          </a:fillRef>
-          <a:effectRef idx="2">
-            <a:schemeClr val="accent1"/>
-          </a:effectRef>
-          <a:fontRef idx="minor">
-            <a:schemeClr val="tx1"/>
-          </a:fontRef>
-        </p:style>
-      </p:cxnSp>
-      <p:cxnSp>
-        <p:nvCxnSpPr>
-          <p:cNvPr id="26" name="直線矢印コネクタ 25">
-            <a:extLst>
-              <a:ext uri="{FF2B5EF4-FFF2-40B4-BE49-F238E27FC236}">
-                <a16:creationId xmlns:a16="http://schemas.microsoft.com/office/drawing/2014/main" id="{370EE208-7444-1B47-9122-CEFD44809BE0}"/>
-              </a:ext>
-            </a:extLst>
-          </p:cNvPr>
-          <p:cNvCxnSpPr/>
-          <p:nvPr/>
-        </p:nvCxnSpPr>
-        <p:spPr>
-          <a:xfrm>
-            <a:off x="9357878" y="3983728"/>
-            <a:ext cx="623392" cy="409903"/>
-          </a:xfrm>
-          <a:prstGeom prst="straightConnector1">
-            <a:avLst/>
-          </a:prstGeom>
-          <a:ln w="28575">
-            <a:tailEnd type="triangle"/>
-          </a:ln>
-        </p:spPr>
-        <p:style>
-          <a:lnRef idx="3">
-            <a:schemeClr val="accent1"/>
-          </a:lnRef>
-          <a:fillRef idx="0">
-            <a:schemeClr val="accent1"/>
-          </a:fillRef>
-          <a:effectRef idx="2">
-            <a:schemeClr val="accent1"/>
-          </a:effectRef>
-          <a:fontRef idx="minor">
-            <a:schemeClr val="tx1"/>
-          </a:fontRef>
-        </p:style>
-      </p:cxnSp>
-      <p:cxnSp>
-        <p:nvCxnSpPr>
-          <p:cNvPr id="27" name="直線矢印コネクタ 26">
-            <a:extLst>
-              <a:ext uri="{FF2B5EF4-FFF2-40B4-BE49-F238E27FC236}">
-                <a16:creationId xmlns:a16="http://schemas.microsoft.com/office/drawing/2014/main" id="{FFFC48FB-2539-88EB-5B6B-5F267BAA70E4}"/>
-              </a:ext>
-            </a:extLst>
-          </p:cNvPr>
-          <p:cNvCxnSpPr/>
-          <p:nvPr/>
-        </p:nvCxnSpPr>
-        <p:spPr>
-          <a:xfrm>
-            <a:off x="10575777" y="4876429"/>
-            <a:ext cx="623392" cy="409903"/>
-          </a:xfrm>
-          <a:prstGeom prst="straightConnector1">
-            <a:avLst/>
-          </a:prstGeom>
-          <a:ln w="28575">
-            <a:tailEnd type="triangle"/>
-          </a:ln>
-        </p:spPr>
-        <p:style>
-          <a:lnRef idx="3">
-            <a:schemeClr val="accent1"/>
-          </a:lnRef>
-          <a:fillRef idx="0">
-            <a:schemeClr val="accent1"/>
-          </a:fillRef>
-          <a:effectRef idx="2">
-            <a:schemeClr val="accent1"/>
-          </a:effectRef>
-          <a:fontRef idx="minor">
-            <a:schemeClr val="tx1"/>
-          </a:fontRef>
-        </p:style>
-      </p:cxnSp>
-      <p:cxnSp>
-        <p:nvCxnSpPr>
-          <p:cNvPr id="28" name="直線矢印コネクタ 27">
-            <a:extLst>
-              <a:ext uri="{FF2B5EF4-FFF2-40B4-BE49-F238E27FC236}">
-                <a16:creationId xmlns:a16="http://schemas.microsoft.com/office/drawing/2014/main" id="{5265B8C6-0021-9AE2-15C0-29702B4119B6}"/>
-              </a:ext>
-            </a:extLst>
-          </p:cNvPr>
-          <p:cNvCxnSpPr/>
-          <p:nvPr/>
-        </p:nvCxnSpPr>
-        <p:spPr>
-          <a:xfrm>
-            <a:off x="3927319" y="4080259"/>
-            <a:ext cx="623392" cy="409903"/>
-          </a:xfrm>
-          <a:prstGeom prst="straightConnector1">
-            <a:avLst/>
-          </a:prstGeom>
-          <a:ln w="28575">
-            <a:tailEnd type="triangle"/>
-          </a:ln>
-        </p:spPr>
-        <p:style>
-          <a:lnRef idx="3">
-            <a:schemeClr val="accent1"/>
-          </a:lnRef>
-          <a:fillRef idx="0">
-            <a:schemeClr val="accent1"/>
-          </a:fillRef>
-          <a:effectRef idx="2">
-            <a:schemeClr val="accent1"/>
-          </a:effectRef>
-          <a:fontRef idx="minor">
-            <a:schemeClr val="tx1"/>
-          </a:fontRef>
-        </p:style>
-      </p:cxnSp>
-      <p:cxnSp>
-        <p:nvCxnSpPr>
-          <p:cNvPr id="29" name="直線矢印コネクタ 28">
-            <a:extLst>
-              <a:ext uri="{FF2B5EF4-FFF2-40B4-BE49-F238E27FC236}">
-                <a16:creationId xmlns:a16="http://schemas.microsoft.com/office/drawing/2014/main" id="{32382189-E7EB-3D81-B001-C88D8BF08A6F}"/>
-              </a:ext>
-            </a:extLst>
-          </p:cNvPr>
-          <p:cNvCxnSpPr/>
-          <p:nvPr/>
-        </p:nvCxnSpPr>
-        <p:spPr>
-          <a:xfrm>
-            <a:off x="5413920" y="5002596"/>
-            <a:ext cx="623392" cy="409903"/>
-          </a:xfrm>
-          <a:prstGeom prst="straightConnector1">
-            <a:avLst/>
-          </a:prstGeom>
-          <a:ln w="28575">
-            <a:tailEnd type="triangle"/>
-          </a:ln>
-        </p:spPr>
-        <p:style>
-          <a:lnRef idx="3">
-            <a:schemeClr val="accent1"/>
-          </a:lnRef>
-          <a:fillRef idx="0">
-            <a:schemeClr val="accent1"/>
-          </a:fillRef>
-          <a:effectRef idx="2">
-            <a:schemeClr val="accent1"/>
-          </a:effectRef>
-          <a:fontRef idx="minor">
-            <a:schemeClr val="tx1"/>
-          </a:fontRef>
-        </p:style>
-      </p:cxnSp>
-      <p:cxnSp>
-        <p:nvCxnSpPr>
-          <p:cNvPr id="30" name="直線矢印コネクタ 29">
-            <a:extLst>
-              <a:ext uri="{FF2B5EF4-FFF2-40B4-BE49-F238E27FC236}">
-                <a16:creationId xmlns:a16="http://schemas.microsoft.com/office/drawing/2014/main" id="{FA778450-F6AF-3A07-96AB-5E78F1A7CA17}"/>
-              </a:ext>
-            </a:extLst>
-          </p:cNvPr>
-          <p:cNvCxnSpPr/>
-          <p:nvPr/>
-        </p:nvCxnSpPr>
-        <p:spPr>
-          <a:xfrm>
-            <a:off x="8002925" y="5027439"/>
-            <a:ext cx="623392" cy="409903"/>
-          </a:xfrm>
-          <a:prstGeom prst="straightConnector1">
-            <a:avLst/>
-          </a:prstGeom>
-          <a:ln w="28575">
-            <a:tailEnd type="triangle"/>
-          </a:ln>
-        </p:spPr>
-        <p:style>
-          <a:lnRef idx="3">
-            <a:schemeClr val="accent1"/>
-          </a:lnRef>
-          <a:fillRef idx="0">
-            <a:schemeClr val="accent1"/>
-          </a:fillRef>
-          <a:effectRef idx="2">
-            <a:schemeClr val="accent1"/>
-          </a:effectRef>
-          <a:fontRef idx="minor">
-            <a:schemeClr val="tx1"/>
-          </a:fontRef>
-        </p:style>
-      </p:cxnSp>
-      <p:cxnSp>
-        <p:nvCxnSpPr>
-          <p:cNvPr id="31" name="直線矢印コネクタ 30">
-            <a:extLst>
-              <a:ext uri="{FF2B5EF4-FFF2-40B4-BE49-F238E27FC236}">
-                <a16:creationId xmlns:a16="http://schemas.microsoft.com/office/drawing/2014/main" id="{004E3C4B-76A8-861B-0EF4-5B7808F71892}"/>
-              </a:ext>
-            </a:extLst>
-          </p:cNvPr>
-          <p:cNvCxnSpPr/>
-          <p:nvPr/>
-        </p:nvCxnSpPr>
-        <p:spPr>
-          <a:xfrm>
-            <a:off x="2937909" y="4893970"/>
-            <a:ext cx="623392" cy="409903"/>
-          </a:xfrm>
-          <a:prstGeom prst="straightConnector1">
-            <a:avLst/>
-          </a:prstGeom>
-          <a:ln w="28575">
-            <a:tailEnd type="triangle"/>
-          </a:ln>
-        </p:spPr>
-        <p:style>
-          <a:lnRef idx="3">
-            <a:schemeClr val="accent1"/>
-          </a:lnRef>
-          <a:fillRef idx="0">
-            <a:schemeClr val="accent1"/>
-          </a:fillRef>
-          <a:effectRef idx="2">
-            <a:schemeClr val="accent1"/>
-          </a:effectRef>
-          <a:fontRef idx="minor">
-            <a:schemeClr val="tx1"/>
-          </a:fontRef>
-        </p:style>
-      </p:cxnSp>
-      <p:cxnSp>
-        <p:nvCxnSpPr>
-          <p:cNvPr id="35" name="直線矢印コネクタ 34">
-            <a:extLst>
-              <a:ext uri="{FF2B5EF4-FFF2-40B4-BE49-F238E27FC236}">
-                <a16:creationId xmlns:a16="http://schemas.microsoft.com/office/drawing/2014/main" id="{0CF95856-DF0C-0647-9DC0-DBC85CE5CC59}"/>
-              </a:ext>
-            </a:extLst>
-          </p:cNvPr>
-          <p:cNvCxnSpPr/>
-          <p:nvPr/>
-        </p:nvCxnSpPr>
-        <p:spPr>
-          <a:xfrm flipH="1">
-            <a:off x="2506502" y="4039993"/>
-            <a:ext cx="633975" cy="409903"/>
-          </a:xfrm>
-          <a:prstGeom prst="straightConnector1">
-            <a:avLst/>
-          </a:prstGeom>
-          <a:ln w="28575">
-            <a:tailEnd type="triangle"/>
-          </a:ln>
-        </p:spPr>
-        <p:style>
-          <a:lnRef idx="1">
-            <a:schemeClr val="accent1"/>
-          </a:lnRef>
-          <a:fillRef idx="0">
-            <a:schemeClr val="accent1"/>
-          </a:fillRef>
-          <a:effectRef idx="0">
-            <a:schemeClr val="accent1"/>
-          </a:effectRef>
-          <a:fontRef idx="minor">
-            <a:schemeClr val="tx1"/>
-          </a:fontRef>
-        </p:style>
-      </p:cxnSp>
-      <p:cxnSp>
-        <p:nvCxnSpPr>
-          <p:cNvPr id="36" name="直線矢印コネクタ 35">
-            <a:extLst>
-              <a:ext uri="{FF2B5EF4-FFF2-40B4-BE49-F238E27FC236}">
-                <a16:creationId xmlns:a16="http://schemas.microsoft.com/office/drawing/2014/main" id="{EE6DF55E-C3F9-945F-0721-ABDA28B935F0}"/>
-              </a:ext>
-            </a:extLst>
-          </p:cNvPr>
-          <p:cNvCxnSpPr/>
-          <p:nvPr/>
-        </p:nvCxnSpPr>
-        <p:spPr>
-          <a:xfrm flipH="1">
-            <a:off x="1455599" y="4985506"/>
-            <a:ext cx="633975" cy="409903"/>
-          </a:xfrm>
-          <a:prstGeom prst="straightConnector1">
-            <a:avLst/>
-          </a:prstGeom>
-          <a:ln w="28575">
-            <a:tailEnd type="triangle"/>
-          </a:ln>
-        </p:spPr>
-        <p:style>
-          <a:lnRef idx="1">
-            <a:schemeClr val="accent1"/>
-          </a:lnRef>
-          <a:fillRef idx="0">
-            <a:schemeClr val="accent1"/>
-          </a:fillRef>
-          <a:effectRef idx="0">
-            <a:schemeClr val="accent1"/>
-          </a:effectRef>
-          <a:fontRef idx="minor">
-            <a:schemeClr val="tx1"/>
-          </a:fontRef>
-        </p:style>
-      </p:cxnSp>
-      <p:cxnSp>
-        <p:nvCxnSpPr>
-          <p:cNvPr id="38" name="直線矢印コネクタ 37">
-            <a:extLst>
-              <a:ext uri="{FF2B5EF4-FFF2-40B4-BE49-F238E27FC236}">
-                <a16:creationId xmlns:a16="http://schemas.microsoft.com/office/drawing/2014/main" id="{6CC565EE-6EAE-59D5-F0ED-0B5E198B056D}"/>
-              </a:ext>
-            </a:extLst>
-          </p:cNvPr>
-          <p:cNvCxnSpPr>
-            <a:cxnSpLocks/>
-          </p:cNvCxnSpPr>
-          <p:nvPr/>
-        </p:nvCxnSpPr>
-        <p:spPr>
-          <a:xfrm flipH="1">
-            <a:off x="5257105" y="4042978"/>
-            <a:ext cx="509213" cy="336392"/>
-          </a:xfrm>
-          <a:prstGeom prst="straightConnector1">
-            <a:avLst/>
-          </a:prstGeom>
-          <a:ln w="28575">
-            <a:tailEnd type="triangle"/>
-          </a:ln>
-        </p:spPr>
-        <p:style>
-          <a:lnRef idx="1">
-            <a:schemeClr val="accent1"/>
-          </a:lnRef>
-          <a:fillRef idx="0">
-            <a:schemeClr val="accent1"/>
-          </a:fillRef>
-          <a:effectRef idx="0">
-            <a:schemeClr val="accent1"/>
-          </a:effectRef>
-          <a:fontRef idx="minor">
-            <a:schemeClr val="tx1"/>
-          </a:fontRef>
-        </p:style>
-      </p:cxnSp>
-      <p:cxnSp>
-        <p:nvCxnSpPr>
-          <p:cNvPr id="40" name="直線矢印コネクタ 39">
-            <a:extLst>
-              <a:ext uri="{FF2B5EF4-FFF2-40B4-BE49-F238E27FC236}">
-                <a16:creationId xmlns:a16="http://schemas.microsoft.com/office/drawing/2014/main" id="{28173425-5150-21DA-D240-AC89371B9DEF}"/>
-              </a:ext>
-            </a:extLst>
-          </p:cNvPr>
-          <p:cNvCxnSpPr/>
-          <p:nvPr/>
-        </p:nvCxnSpPr>
-        <p:spPr>
-          <a:xfrm flipH="1">
-            <a:off x="3805215" y="4889169"/>
-            <a:ext cx="633975" cy="409903"/>
-          </a:xfrm>
-          <a:prstGeom prst="straightConnector1">
-            <a:avLst/>
-          </a:prstGeom>
-          <a:ln w="28575">
-            <a:tailEnd type="triangle"/>
-          </a:ln>
-        </p:spPr>
-        <p:style>
-          <a:lnRef idx="1">
-            <a:schemeClr val="accent1"/>
-          </a:lnRef>
-          <a:fillRef idx="0">
-            <a:schemeClr val="accent1"/>
-          </a:fillRef>
-          <a:effectRef idx="0">
-            <a:schemeClr val="accent1"/>
-          </a:effectRef>
-          <a:fontRef idx="minor">
-            <a:schemeClr val="tx1"/>
-          </a:fontRef>
-        </p:style>
-      </p:cxnSp>
-      <p:cxnSp>
-        <p:nvCxnSpPr>
-          <p:cNvPr id="41" name="直線矢印コネクタ 40">
-            <a:extLst>
-              <a:ext uri="{FF2B5EF4-FFF2-40B4-BE49-F238E27FC236}">
-                <a16:creationId xmlns:a16="http://schemas.microsoft.com/office/drawing/2014/main" id="{3B6E5CE2-F7C0-BC44-5D08-0E4AF1F96843}"/>
-              </a:ext>
-            </a:extLst>
-          </p:cNvPr>
-          <p:cNvCxnSpPr>
-            <a:cxnSpLocks/>
-          </p:cNvCxnSpPr>
-          <p:nvPr/>
-        </p:nvCxnSpPr>
-        <p:spPr>
-          <a:xfrm flipH="1">
-            <a:off x="8233674" y="4085004"/>
-            <a:ext cx="464669" cy="318590"/>
-          </a:xfrm>
-          <a:prstGeom prst="straightConnector1">
-            <a:avLst/>
-          </a:prstGeom>
-          <a:ln w="28575">
-            <a:tailEnd type="triangle"/>
-          </a:ln>
-        </p:spPr>
-        <p:style>
-          <a:lnRef idx="1">
-            <a:schemeClr val="accent1"/>
-          </a:lnRef>
-          <a:fillRef idx="0">
-            <a:schemeClr val="accent1"/>
-          </a:fillRef>
-          <a:effectRef idx="0">
-            <a:schemeClr val="accent1"/>
-          </a:effectRef>
-          <a:fontRef idx="minor">
-            <a:schemeClr val="tx1"/>
-          </a:fontRef>
-        </p:style>
-      </p:cxnSp>
-      <p:cxnSp>
-        <p:nvCxnSpPr>
-          <p:cNvPr id="43" name="直線矢印コネクタ 42">
-            <a:extLst>
-              <a:ext uri="{FF2B5EF4-FFF2-40B4-BE49-F238E27FC236}">
-                <a16:creationId xmlns:a16="http://schemas.microsoft.com/office/drawing/2014/main" id="{9230EE6B-61B7-8869-8643-45AC68723675}"/>
-              </a:ext>
-            </a:extLst>
-          </p:cNvPr>
-          <p:cNvCxnSpPr/>
-          <p:nvPr/>
-        </p:nvCxnSpPr>
-        <p:spPr>
-          <a:xfrm flipH="1">
-            <a:off x="6948433" y="5002596"/>
-            <a:ext cx="633975" cy="409903"/>
-          </a:xfrm>
-          <a:prstGeom prst="straightConnector1">
-            <a:avLst/>
-          </a:prstGeom>
-          <a:ln w="28575">
-            <a:tailEnd type="triangle"/>
-          </a:ln>
-        </p:spPr>
-        <p:style>
-          <a:lnRef idx="1">
-            <a:schemeClr val="accent1"/>
-          </a:lnRef>
-          <a:fillRef idx="0">
-            <a:schemeClr val="accent1"/>
-          </a:fillRef>
-          <a:effectRef idx="0">
-            <a:schemeClr val="accent1"/>
-          </a:effectRef>
-          <a:fontRef idx="minor">
-            <a:schemeClr val="tx1"/>
-          </a:fontRef>
-        </p:style>
-      </p:cxnSp>
-      <p:cxnSp>
-        <p:nvCxnSpPr>
-          <p:cNvPr id="44" name="直線矢印コネクタ 43">
-            <a:extLst>
-              <a:ext uri="{FF2B5EF4-FFF2-40B4-BE49-F238E27FC236}">
-                <a16:creationId xmlns:a16="http://schemas.microsoft.com/office/drawing/2014/main" id="{737E99F0-E1BB-1B57-2B61-CFD8D93BA4FC}"/>
-              </a:ext>
-            </a:extLst>
-          </p:cNvPr>
-          <p:cNvCxnSpPr/>
-          <p:nvPr/>
-        </p:nvCxnSpPr>
-        <p:spPr>
-          <a:xfrm flipH="1">
-            <a:off x="9352586" y="4967190"/>
-            <a:ext cx="633975" cy="409903"/>
-          </a:xfrm>
-          <a:prstGeom prst="straightConnector1">
-            <a:avLst/>
-          </a:prstGeom>
-          <a:ln w="28575">
-            <a:tailEnd type="triangle"/>
-          </a:ln>
-        </p:spPr>
-        <p:style>
-          <a:lnRef idx="1">
-            <a:schemeClr val="accent1"/>
-          </a:lnRef>
-          <a:fillRef idx="0">
-            <a:schemeClr val="accent1"/>
-          </a:fillRef>
-          <a:effectRef idx="0">
-            <a:schemeClr val="accent1"/>
-          </a:effectRef>
-          <a:fontRef idx="minor">
-            <a:schemeClr val="tx1"/>
-          </a:fontRef>
-        </p:style>
-      </p:cxnSp>
-      <p:sp>
-        <p:nvSpPr>
-          <p:cNvPr id="47" name="テキスト ボックス 46">
-            <a:extLst>
-              <a:ext uri="{FF2B5EF4-FFF2-40B4-BE49-F238E27FC236}">
-                <a16:creationId xmlns:a16="http://schemas.microsoft.com/office/drawing/2014/main" id="{C6BBCCF8-4D8C-FA2C-B89F-E8C3E9343195}"/>
-              </a:ext>
-            </a:extLst>
-          </p:cNvPr>
-          <p:cNvSpPr txBox="1"/>
-          <p:nvPr/>
-        </p:nvSpPr>
-        <p:spPr>
-          <a:xfrm>
-            <a:off x="8429039" y="1843088"/>
-            <a:ext cx="3416320" cy="1200329"/>
-          </a:xfrm>
-          <a:prstGeom prst="rect">
-            <a:avLst/>
-          </a:prstGeom>
-          <a:noFill/>
-        </p:spPr>
-        <p:txBody>
-          <a:bodyPr wrap="none" rtlCol="0">
-            <a:spAutoFit/>
-          </a:bodyPr>
-          <a:lstStyle/>
-          <a:p>
-            <a:r>
-              <a:rPr kumimoji="1" lang="ja-JP" altLang="en-US" dirty="0"/>
-              <a:t>斜体：ラジカル分子</a:t>
-            </a:r>
-            <a:endParaRPr kumimoji="1" lang="en-US" altLang="ja-JP" dirty="0"/>
-          </a:p>
-          <a:p>
-            <a:r>
-              <a:rPr kumimoji="1" lang="ja-JP" altLang="en-US" dirty="0"/>
-              <a:t>黒枠：星間塵で観測された分子</a:t>
-            </a:r>
-            <a:endParaRPr kumimoji="1" lang="en-US" altLang="ja-JP" dirty="0"/>
-          </a:p>
-          <a:p>
-            <a:r>
-              <a:rPr kumimoji="1" lang="ja-JP" altLang="en-US" dirty="0"/>
-              <a:t>青線：付加反応</a:t>
-            </a:r>
-            <a:endParaRPr kumimoji="1" lang="en-US" altLang="ja-JP" dirty="0"/>
-          </a:p>
-          <a:p>
-            <a:r>
-              <a:rPr kumimoji="1" lang="ja-JP" altLang="en-US" dirty="0"/>
-              <a:t>黒線：置換反応</a:t>
-            </a:r>
-          </a:p>
-        </p:txBody>
-      </p:sp>
-      <p:sp>
-        <p:nvSpPr>
-          <p:cNvPr id="57" name="矢印: 下カーブ 56">
-            <a:extLst>
-              <a:ext uri="{FF2B5EF4-FFF2-40B4-BE49-F238E27FC236}">
-                <a16:creationId xmlns:a16="http://schemas.microsoft.com/office/drawing/2014/main" id="{56A04637-16C9-B46D-51D0-34DF04434C6F}"/>
-              </a:ext>
-            </a:extLst>
-          </p:cNvPr>
-          <p:cNvSpPr/>
-          <p:nvPr/>
-        </p:nvSpPr>
-        <p:spPr>
-          <a:xfrm>
-            <a:off x="6830736" y="3567994"/>
-            <a:ext cx="1451134" cy="331845"/>
-          </a:xfrm>
-          <a:prstGeom prst="curvedDownArrow">
-            <a:avLst/>
-          </a:prstGeom>
-          <a:solidFill>
-            <a:schemeClr val="tx1"/>
-          </a:solidFill>
-        </p:spPr>
-        <p:style>
-          <a:lnRef idx="2">
-            <a:schemeClr val="accent1">
-              <a:shade val="15000"/>
-            </a:schemeClr>
-          </a:lnRef>
-          <a:fillRef idx="1">
-            <a:schemeClr val="accent1"/>
-          </a:fillRef>
-          <a:effectRef idx="0">
-            <a:schemeClr val="accent1"/>
-          </a:effectRef>
-          <a:fontRef idx="minor">
-            <a:schemeClr val="lt1"/>
-          </a:fontRef>
-        </p:style>
-        <p:txBody>
-          <a:bodyPr rtlCol="0" anchor="ctr"/>
-          <a:lstStyle/>
-          <a:p>
-            <a:pPr algn="ctr"/>
-            <a:endParaRPr kumimoji="1" lang="ja-JP" altLang="en-US">
-              <a:solidFill>
-                <a:schemeClr val="tx1"/>
-              </a:solidFill>
-            </a:endParaRPr>
-          </a:p>
-        </p:txBody>
-      </p:sp>
-      <p:sp>
-        <p:nvSpPr>
-          <p:cNvPr id="59" name="矢印: 下カーブ 58">
-            <a:extLst>
-              <a:ext uri="{FF2B5EF4-FFF2-40B4-BE49-F238E27FC236}">
-                <a16:creationId xmlns:a16="http://schemas.microsoft.com/office/drawing/2014/main" id="{575CA654-1890-305B-092A-B176C3021C2D}"/>
-              </a:ext>
-            </a:extLst>
-          </p:cNvPr>
-          <p:cNvSpPr/>
-          <p:nvPr/>
-        </p:nvSpPr>
-        <p:spPr>
-          <a:xfrm>
-            <a:off x="2942660" y="4305404"/>
-            <a:ext cx="1243138" cy="270580"/>
-          </a:xfrm>
-          <a:prstGeom prst="curvedDownArrow">
-            <a:avLst/>
-          </a:prstGeom>
-          <a:solidFill>
-            <a:schemeClr val="tx1"/>
-          </a:solidFill>
-        </p:spPr>
-        <p:style>
-          <a:lnRef idx="2">
-            <a:schemeClr val="accent1">
-              <a:shade val="15000"/>
-            </a:schemeClr>
-          </a:lnRef>
-          <a:fillRef idx="1">
-            <a:schemeClr val="accent1"/>
-          </a:fillRef>
-          <a:effectRef idx="0">
-            <a:schemeClr val="accent1"/>
-          </a:effectRef>
-          <a:fontRef idx="minor">
-            <a:schemeClr val="lt1"/>
-          </a:fontRef>
-        </p:style>
-        <p:txBody>
-          <a:bodyPr rtlCol="0" anchor="ctr"/>
-          <a:lstStyle/>
-          <a:p>
-            <a:pPr algn="ctr"/>
-            <a:endParaRPr kumimoji="1" lang="ja-JP" altLang="en-US">
-              <a:solidFill>
-                <a:schemeClr val="tx1"/>
-              </a:solidFill>
-            </a:endParaRPr>
-          </a:p>
-        </p:txBody>
-      </p:sp>
-      <p:sp>
-        <p:nvSpPr>
-          <p:cNvPr id="60" name="矢印: 下カーブ 59">
-            <a:extLst>
-              <a:ext uri="{FF2B5EF4-FFF2-40B4-BE49-F238E27FC236}">
-                <a16:creationId xmlns:a16="http://schemas.microsoft.com/office/drawing/2014/main" id="{F903799C-0E3F-1E2E-EE37-6FC868F3658F}"/>
-              </a:ext>
-            </a:extLst>
-          </p:cNvPr>
-          <p:cNvSpPr/>
-          <p:nvPr/>
-        </p:nvSpPr>
-        <p:spPr>
-          <a:xfrm flipH="1">
-            <a:off x="2775017" y="4140955"/>
-            <a:ext cx="1451843" cy="285326"/>
-          </a:xfrm>
-          <a:prstGeom prst="curvedDownArrow">
-            <a:avLst/>
-          </a:prstGeom>
-          <a:solidFill>
-            <a:schemeClr val="tx1"/>
-          </a:solidFill>
-        </p:spPr>
-        <p:style>
-          <a:lnRef idx="2">
-            <a:schemeClr val="accent1">
-              <a:shade val="15000"/>
-            </a:schemeClr>
-          </a:lnRef>
-          <a:fillRef idx="1">
-            <a:schemeClr val="accent1"/>
-          </a:fillRef>
-          <a:effectRef idx="0">
-            <a:schemeClr val="accent1"/>
-          </a:effectRef>
-          <a:fontRef idx="minor">
-            <a:schemeClr val="lt1"/>
-          </a:fontRef>
-        </p:style>
-        <p:txBody>
-          <a:bodyPr rtlCol="0" anchor="ctr"/>
-          <a:lstStyle/>
-          <a:p>
-            <a:pPr algn="ctr"/>
-            <a:endParaRPr kumimoji="1" lang="ja-JP" altLang="en-US" dirty="0">
-              <a:solidFill>
-                <a:schemeClr val="tx1"/>
-              </a:solidFill>
-            </a:endParaRPr>
-          </a:p>
-        </p:txBody>
-      </p:sp>
-      <p:sp>
-        <p:nvSpPr>
-          <p:cNvPr id="63" name="矢印: 下カーブ 62">
-            <a:extLst>
-              <a:ext uri="{FF2B5EF4-FFF2-40B4-BE49-F238E27FC236}">
-                <a16:creationId xmlns:a16="http://schemas.microsoft.com/office/drawing/2014/main" id="{7778DADD-F1C5-6281-AF12-2799E2D5944C}"/>
-              </a:ext>
-            </a:extLst>
-          </p:cNvPr>
-          <p:cNvSpPr/>
-          <p:nvPr/>
-        </p:nvSpPr>
-        <p:spPr>
-          <a:xfrm>
-            <a:off x="5610111" y="4403291"/>
-            <a:ext cx="1466754" cy="270580"/>
-          </a:xfrm>
-          <a:prstGeom prst="curvedDownArrow">
-            <a:avLst/>
-          </a:prstGeom>
-          <a:solidFill>
-            <a:schemeClr val="tx1"/>
-          </a:solidFill>
-        </p:spPr>
-        <p:style>
-          <a:lnRef idx="2">
-            <a:schemeClr val="accent1">
-              <a:shade val="15000"/>
-            </a:schemeClr>
-          </a:lnRef>
-          <a:fillRef idx="1">
-            <a:schemeClr val="accent1"/>
-          </a:fillRef>
-          <a:effectRef idx="0">
-            <a:schemeClr val="accent1"/>
-          </a:effectRef>
-          <a:fontRef idx="minor">
-            <a:schemeClr val="lt1"/>
-          </a:fontRef>
-        </p:style>
-        <p:txBody>
-          <a:bodyPr rtlCol="0" anchor="ctr"/>
-          <a:lstStyle/>
-          <a:p>
-            <a:pPr algn="ctr"/>
-            <a:endParaRPr kumimoji="1" lang="ja-JP" altLang="en-US">
-              <a:solidFill>
-                <a:schemeClr val="tx1"/>
-              </a:solidFill>
-            </a:endParaRPr>
-          </a:p>
-        </p:txBody>
-      </p:sp>
-      <p:sp>
-        <p:nvSpPr>
-          <p:cNvPr id="64" name="矢印: 下カーブ 63">
-            <a:extLst>
-              <a:ext uri="{FF2B5EF4-FFF2-40B4-BE49-F238E27FC236}">
-                <a16:creationId xmlns:a16="http://schemas.microsoft.com/office/drawing/2014/main" id="{DEBE8BD8-113F-55A9-4A72-A3035A60BB35}"/>
-              </a:ext>
-            </a:extLst>
-          </p:cNvPr>
-          <p:cNvSpPr/>
-          <p:nvPr/>
-        </p:nvSpPr>
-        <p:spPr>
-          <a:xfrm flipH="1">
-            <a:off x="5442467" y="4238842"/>
-            <a:ext cx="1713001" cy="285326"/>
-          </a:xfrm>
-          <a:prstGeom prst="curvedDownArrow">
-            <a:avLst/>
-          </a:prstGeom>
-          <a:solidFill>
-            <a:schemeClr val="tx1"/>
-          </a:solidFill>
-        </p:spPr>
-        <p:style>
-          <a:lnRef idx="2">
-            <a:schemeClr val="accent1">
-              <a:shade val="15000"/>
-            </a:schemeClr>
-          </a:lnRef>
-          <a:fillRef idx="1">
-            <a:schemeClr val="accent1"/>
-          </a:fillRef>
-          <a:effectRef idx="0">
-            <a:schemeClr val="accent1"/>
-          </a:effectRef>
-          <a:fontRef idx="minor">
-            <a:schemeClr val="lt1"/>
-          </a:fontRef>
-        </p:style>
-        <p:txBody>
-          <a:bodyPr rtlCol="0" anchor="ctr"/>
-          <a:lstStyle/>
-          <a:p>
-            <a:pPr algn="ctr"/>
-            <a:endParaRPr kumimoji="1" lang="ja-JP" altLang="en-US" dirty="0">
-              <a:solidFill>
-                <a:schemeClr val="tx1"/>
-              </a:solidFill>
-            </a:endParaRPr>
-          </a:p>
-        </p:txBody>
-      </p:sp>
-      <p:sp>
-        <p:nvSpPr>
-          <p:cNvPr id="67" name="矢印: 下カーブ 66">
-            <a:extLst>
-              <a:ext uri="{FF2B5EF4-FFF2-40B4-BE49-F238E27FC236}">
-                <a16:creationId xmlns:a16="http://schemas.microsoft.com/office/drawing/2014/main" id="{E727021A-3004-CA76-FF66-B347F8A2C8D9}"/>
-              </a:ext>
-            </a:extLst>
-          </p:cNvPr>
-          <p:cNvSpPr/>
-          <p:nvPr/>
-        </p:nvSpPr>
-        <p:spPr>
-          <a:xfrm>
-            <a:off x="8579780" y="4369285"/>
-            <a:ext cx="1243138" cy="270580"/>
-          </a:xfrm>
-          <a:prstGeom prst="curvedDownArrow">
-            <a:avLst/>
-          </a:prstGeom>
-          <a:solidFill>
-            <a:schemeClr val="tx1"/>
-          </a:solidFill>
-        </p:spPr>
-        <p:style>
-          <a:lnRef idx="2">
-            <a:schemeClr val="accent1">
-              <a:shade val="15000"/>
-            </a:schemeClr>
-          </a:lnRef>
-          <a:fillRef idx="1">
-            <a:schemeClr val="accent1"/>
-          </a:fillRef>
-          <a:effectRef idx="0">
-            <a:schemeClr val="accent1"/>
-          </a:effectRef>
-          <a:fontRef idx="minor">
-            <a:schemeClr val="lt1"/>
-          </a:fontRef>
-        </p:style>
-        <p:txBody>
-          <a:bodyPr rtlCol="0" anchor="ctr"/>
-          <a:lstStyle/>
-          <a:p>
-            <a:pPr algn="ctr"/>
-            <a:endParaRPr kumimoji="1" lang="ja-JP" altLang="en-US">
-              <a:solidFill>
-                <a:schemeClr val="tx1"/>
-              </a:solidFill>
-            </a:endParaRPr>
-          </a:p>
-        </p:txBody>
-      </p:sp>
-      <p:sp>
-        <p:nvSpPr>
-          <p:cNvPr id="68" name="矢印: 下カーブ 67">
-            <a:extLst>
-              <a:ext uri="{FF2B5EF4-FFF2-40B4-BE49-F238E27FC236}">
-                <a16:creationId xmlns:a16="http://schemas.microsoft.com/office/drawing/2014/main" id="{6C8D0A88-F0B2-91BE-30C5-83764C75748E}"/>
-              </a:ext>
-            </a:extLst>
-          </p:cNvPr>
-          <p:cNvSpPr/>
-          <p:nvPr/>
-        </p:nvSpPr>
-        <p:spPr>
-          <a:xfrm flipH="1">
-            <a:off x="8412137" y="4204836"/>
-            <a:ext cx="1451843" cy="285326"/>
-          </a:xfrm>
-          <a:prstGeom prst="curvedDownArrow">
-            <a:avLst/>
-          </a:prstGeom>
-          <a:solidFill>
-            <a:schemeClr val="tx1"/>
-          </a:solidFill>
-        </p:spPr>
-        <p:style>
-          <a:lnRef idx="2">
-            <a:schemeClr val="accent1">
-              <a:shade val="15000"/>
-            </a:schemeClr>
-          </a:lnRef>
-          <a:fillRef idx="1">
-            <a:schemeClr val="accent1"/>
-          </a:fillRef>
-          <a:effectRef idx="0">
-            <a:schemeClr val="accent1"/>
-          </a:effectRef>
-          <a:fontRef idx="minor">
-            <a:schemeClr val="lt1"/>
-          </a:fontRef>
-        </p:style>
-        <p:txBody>
-          <a:bodyPr rtlCol="0" anchor="ctr"/>
-          <a:lstStyle/>
-          <a:p>
-            <a:pPr algn="ctr"/>
-            <a:endParaRPr kumimoji="1" lang="ja-JP" altLang="en-US" dirty="0">
-              <a:solidFill>
-                <a:schemeClr val="tx1"/>
-              </a:solidFill>
-            </a:endParaRPr>
-          </a:p>
-        </p:txBody>
-      </p:sp>
-      <p:sp>
-        <p:nvSpPr>
-          <p:cNvPr id="69" name="矢印: 下カーブ 68">
-            <a:extLst>
-              <a:ext uri="{FF2B5EF4-FFF2-40B4-BE49-F238E27FC236}">
-                <a16:creationId xmlns:a16="http://schemas.microsoft.com/office/drawing/2014/main" id="{D64016B4-ADC5-4AFD-4229-8788F8E24A5E}"/>
-              </a:ext>
-            </a:extLst>
-          </p:cNvPr>
-          <p:cNvSpPr/>
-          <p:nvPr/>
-        </p:nvSpPr>
-        <p:spPr>
-          <a:xfrm>
-            <a:off x="1930376" y="5334012"/>
-            <a:ext cx="1243138" cy="270580"/>
-          </a:xfrm>
-          <a:prstGeom prst="curvedDownArrow">
-            <a:avLst/>
-          </a:prstGeom>
-          <a:solidFill>
-            <a:schemeClr val="tx1"/>
-          </a:solidFill>
-        </p:spPr>
-        <p:style>
-          <a:lnRef idx="2">
-            <a:schemeClr val="accent1">
-              <a:shade val="15000"/>
-            </a:schemeClr>
-          </a:lnRef>
-          <a:fillRef idx="1">
-            <a:schemeClr val="accent1"/>
-          </a:fillRef>
-          <a:effectRef idx="0">
-            <a:schemeClr val="accent1"/>
-          </a:effectRef>
-          <a:fontRef idx="minor">
-            <a:schemeClr val="lt1"/>
-          </a:fontRef>
-        </p:style>
-        <p:txBody>
-          <a:bodyPr rtlCol="0" anchor="ctr"/>
-          <a:lstStyle/>
-          <a:p>
-            <a:pPr algn="ctr"/>
-            <a:endParaRPr kumimoji="1" lang="ja-JP" altLang="en-US">
-              <a:solidFill>
-                <a:schemeClr val="tx1"/>
-              </a:solidFill>
-            </a:endParaRPr>
-          </a:p>
-        </p:txBody>
-      </p:sp>
-      <p:sp>
-        <p:nvSpPr>
-          <p:cNvPr id="70" name="矢印: 下カーブ 69">
-            <a:extLst>
-              <a:ext uri="{FF2B5EF4-FFF2-40B4-BE49-F238E27FC236}">
-                <a16:creationId xmlns:a16="http://schemas.microsoft.com/office/drawing/2014/main" id="{A0EA1EA3-9C3D-CFD2-9EAD-BE5BCCF8E9E1}"/>
-              </a:ext>
-            </a:extLst>
-          </p:cNvPr>
-          <p:cNvSpPr/>
-          <p:nvPr/>
-        </p:nvSpPr>
-        <p:spPr>
-          <a:xfrm flipH="1">
-            <a:off x="1762733" y="5169563"/>
-            <a:ext cx="1451843" cy="285326"/>
-          </a:xfrm>
-          <a:prstGeom prst="curvedDownArrow">
-            <a:avLst/>
-          </a:prstGeom>
-          <a:solidFill>
-            <a:schemeClr val="tx1"/>
-          </a:solidFill>
-        </p:spPr>
-        <p:style>
-          <a:lnRef idx="2">
-            <a:schemeClr val="accent1">
-              <a:shade val="15000"/>
-            </a:schemeClr>
-          </a:lnRef>
-          <a:fillRef idx="1">
-            <a:schemeClr val="accent1"/>
-          </a:fillRef>
-          <a:effectRef idx="0">
-            <a:schemeClr val="accent1"/>
-          </a:effectRef>
-          <a:fontRef idx="minor">
-            <a:schemeClr val="lt1"/>
-          </a:fontRef>
-        </p:style>
-        <p:txBody>
-          <a:bodyPr rtlCol="0" anchor="ctr"/>
-          <a:lstStyle/>
-          <a:p>
-            <a:pPr algn="ctr"/>
-            <a:endParaRPr kumimoji="1" lang="ja-JP" altLang="en-US" dirty="0">
-              <a:solidFill>
-                <a:schemeClr val="tx1"/>
-              </a:solidFill>
-            </a:endParaRPr>
-          </a:p>
-        </p:txBody>
-      </p:sp>
-      <p:sp>
-        <p:nvSpPr>
-          <p:cNvPr id="71" name="矢印: 下カーブ 70">
-            <a:extLst>
-              <a:ext uri="{FF2B5EF4-FFF2-40B4-BE49-F238E27FC236}">
-                <a16:creationId xmlns:a16="http://schemas.microsoft.com/office/drawing/2014/main" id="{40A5620E-6931-216E-1607-D28C922A332C}"/>
-              </a:ext>
-            </a:extLst>
-          </p:cNvPr>
-          <p:cNvSpPr/>
-          <p:nvPr/>
-        </p:nvSpPr>
-        <p:spPr>
-          <a:xfrm>
-            <a:off x="4334519" y="5309109"/>
-            <a:ext cx="1243138" cy="270580"/>
-          </a:xfrm>
-          <a:prstGeom prst="curvedDownArrow">
-            <a:avLst/>
-          </a:prstGeom>
-          <a:solidFill>
-            <a:schemeClr val="tx1"/>
-          </a:solidFill>
-        </p:spPr>
-        <p:style>
-          <a:lnRef idx="2">
-            <a:schemeClr val="accent1">
-              <a:shade val="15000"/>
-            </a:schemeClr>
-          </a:lnRef>
-          <a:fillRef idx="1">
-            <a:schemeClr val="accent1"/>
-          </a:fillRef>
-          <a:effectRef idx="0">
-            <a:schemeClr val="accent1"/>
-          </a:effectRef>
-          <a:fontRef idx="minor">
-            <a:schemeClr val="lt1"/>
-          </a:fontRef>
-        </p:style>
-        <p:txBody>
-          <a:bodyPr rtlCol="0" anchor="ctr"/>
-          <a:lstStyle/>
-          <a:p>
-            <a:pPr algn="ctr"/>
-            <a:endParaRPr kumimoji="1" lang="ja-JP" altLang="en-US">
-              <a:solidFill>
-                <a:schemeClr val="tx1"/>
-              </a:solidFill>
-            </a:endParaRPr>
-          </a:p>
-        </p:txBody>
-      </p:sp>
-      <p:sp>
-        <p:nvSpPr>
-          <p:cNvPr id="72" name="矢印: 下カーブ 71">
-            <a:extLst>
-              <a:ext uri="{FF2B5EF4-FFF2-40B4-BE49-F238E27FC236}">
-                <a16:creationId xmlns:a16="http://schemas.microsoft.com/office/drawing/2014/main" id="{50CCD2A3-14FA-C331-C54B-E2E614718DBB}"/>
-              </a:ext>
-            </a:extLst>
-          </p:cNvPr>
-          <p:cNvSpPr/>
-          <p:nvPr/>
-        </p:nvSpPr>
-        <p:spPr>
-          <a:xfrm flipH="1">
-            <a:off x="4166876" y="5144660"/>
-            <a:ext cx="1451843" cy="285326"/>
-          </a:xfrm>
-          <a:prstGeom prst="curvedDownArrow">
-            <a:avLst/>
-          </a:prstGeom>
-          <a:solidFill>
-            <a:schemeClr val="tx1"/>
-          </a:solidFill>
-        </p:spPr>
-        <p:style>
-          <a:lnRef idx="2">
-            <a:schemeClr val="accent1">
-              <a:shade val="15000"/>
-            </a:schemeClr>
-          </a:lnRef>
-          <a:fillRef idx="1">
-            <a:schemeClr val="accent1"/>
-          </a:fillRef>
-          <a:effectRef idx="0">
-            <a:schemeClr val="accent1"/>
-          </a:effectRef>
-          <a:fontRef idx="minor">
-            <a:schemeClr val="lt1"/>
-          </a:fontRef>
-        </p:style>
-        <p:txBody>
-          <a:bodyPr rtlCol="0" anchor="ctr"/>
-          <a:lstStyle/>
-          <a:p>
-            <a:pPr algn="ctr"/>
-            <a:endParaRPr kumimoji="1" lang="ja-JP" altLang="en-US" dirty="0">
-              <a:solidFill>
-                <a:schemeClr val="tx1"/>
-              </a:solidFill>
-            </a:endParaRPr>
-          </a:p>
-        </p:txBody>
-      </p:sp>
-      <p:sp>
-        <p:nvSpPr>
-          <p:cNvPr id="73" name="矢印: 下カーブ 72">
-            <a:extLst>
-              <a:ext uri="{FF2B5EF4-FFF2-40B4-BE49-F238E27FC236}">
-                <a16:creationId xmlns:a16="http://schemas.microsoft.com/office/drawing/2014/main" id="{FFD32D02-010D-D179-C02A-292BB0F68065}"/>
-              </a:ext>
-            </a:extLst>
-          </p:cNvPr>
-          <p:cNvSpPr/>
-          <p:nvPr/>
-        </p:nvSpPr>
-        <p:spPr>
-          <a:xfrm>
-            <a:off x="7147779" y="5440973"/>
-            <a:ext cx="1243138" cy="270580"/>
-          </a:xfrm>
-          <a:prstGeom prst="curvedDownArrow">
-            <a:avLst/>
-          </a:prstGeom>
-          <a:solidFill>
-            <a:schemeClr val="tx1"/>
-          </a:solidFill>
-        </p:spPr>
-        <p:style>
-          <a:lnRef idx="2">
-            <a:schemeClr val="accent1">
-              <a:shade val="15000"/>
-            </a:schemeClr>
-          </a:lnRef>
-          <a:fillRef idx="1">
-            <a:schemeClr val="accent1"/>
-          </a:fillRef>
-          <a:effectRef idx="0">
-            <a:schemeClr val="accent1"/>
-          </a:effectRef>
-          <a:fontRef idx="minor">
-            <a:schemeClr val="lt1"/>
-          </a:fontRef>
-        </p:style>
-        <p:txBody>
-          <a:bodyPr rtlCol="0" anchor="ctr"/>
-          <a:lstStyle/>
-          <a:p>
-            <a:pPr algn="ctr"/>
-            <a:endParaRPr kumimoji="1" lang="ja-JP" altLang="en-US">
-              <a:solidFill>
-                <a:schemeClr val="tx1"/>
-              </a:solidFill>
-            </a:endParaRPr>
-          </a:p>
-        </p:txBody>
-      </p:sp>
-      <p:sp>
-        <p:nvSpPr>
-          <p:cNvPr id="74" name="矢印: 下カーブ 73">
-            <a:extLst>
-              <a:ext uri="{FF2B5EF4-FFF2-40B4-BE49-F238E27FC236}">
-                <a16:creationId xmlns:a16="http://schemas.microsoft.com/office/drawing/2014/main" id="{B3AFF197-4184-924B-E5B7-BE7634518B65}"/>
-              </a:ext>
-            </a:extLst>
-          </p:cNvPr>
-          <p:cNvSpPr/>
-          <p:nvPr/>
-        </p:nvSpPr>
-        <p:spPr>
-          <a:xfrm flipH="1">
-            <a:off x="6980136" y="5276524"/>
-            <a:ext cx="1451843" cy="285326"/>
-          </a:xfrm>
-          <a:prstGeom prst="curvedDownArrow">
-            <a:avLst/>
-          </a:prstGeom>
-          <a:solidFill>
-            <a:schemeClr val="tx1"/>
-          </a:solidFill>
-        </p:spPr>
-        <p:style>
-          <a:lnRef idx="2">
-            <a:schemeClr val="accent1">
-              <a:shade val="15000"/>
-            </a:schemeClr>
-          </a:lnRef>
-          <a:fillRef idx="1">
-            <a:schemeClr val="accent1"/>
-          </a:fillRef>
-          <a:effectRef idx="0">
-            <a:schemeClr val="accent1"/>
-          </a:effectRef>
-          <a:fontRef idx="minor">
-            <a:schemeClr val="lt1"/>
-          </a:fontRef>
-        </p:style>
-        <p:txBody>
-          <a:bodyPr rtlCol="0" anchor="ctr"/>
-          <a:lstStyle/>
-          <a:p>
-            <a:pPr algn="ctr"/>
-            <a:endParaRPr kumimoji="1" lang="ja-JP" altLang="en-US" dirty="0">
-              <a:solidFill>
-                <a:schemeClr val="tx1"/>
-              </a:solidFill>
-            </a:endParaRPr>
-          </a:p>
-        </p:txBody>
-      </p:sp>
-      <p:sp>
-        <p:nvSpPr>
-          <p:cNvPr id="77" name="矢印: 下カーブ 76">
-            <a:extLst>
-              <a:ext uri="{FF2B5EF4-FFF2-40B4-BE49-F238E27FC236}">
-                <a16:creationId xmlns:a16="http://schemas.microsoft.com/office/drawing/2014/main" id="{B7B799E3-BEA7-7182-8BA8-71C5067FC42E}"/>
-              </a:ext>
-            </a:extLst>
-          </p:cNvPr>
-          <p:cNvSpPr/>
-          <p:nvPr/>
-        </p:nvSpPr>
-        <p:spPr>
-          <a:xfrm>
-            <a:off x="9582726" y="5383871"/>
-            <a:ext cx="1243138" cy="270580"/>
-          </a:xfrm>
-          <a:prstGeom prst="curvedDownArrow">
-            <a:avLst/>
-          </a:prstGeom>
-          <a:solidFill>
-            <a:schemeClr val="tx1"/>
-          </a:solidFill>
-        </p:spPr>
-        <p:style>
-          <a:lnRef idx="2">
-            <a:schemeClr val="accent1">
-              <a:shade val="15000"/>
-            </a:schemeClr>
-          </a:lnRef>
-          <a:fillRef idx="1">
-            <a:schemeClr val="accent1"/>
-          </a:fillRef>
-          <a:effectRef idx="0">
-            <a:schemeClr val="accent1"/>
-          </a:effectRef>
-          <a:fontRef idx="minor">
-            <a:schemeClr val="lt1"/>
-          </a:fontRef>
-        </p:style>
-        <p:txBody>
-          <a:bodyPr rtlCol="0" anchor="ctr"/>
-          <a:lstStyle/>
-          <a:p>
-            <a:pPr algn="ctr"/>
-            <a:endParaRPr kumimoji="1" lang="ja-JP" altLang="en-US">
-              <a:solidFill>
-                <a:schemeClr val="tx1"/>
-              </a:solidFill>
-            </a:endParaRPr>
-          </a:p>
-        </p:txBody>
-      </p:sp>
-      <p:sp>
-        <p:nvSpPr>
-          <p:cNvPr id="78" name="矢印: 下カーブ 77">
-            <a:extLst>
-              <a:ext uri="{FF2B5EF4-FFF2-40B4-BE49-F238E27FC236}">
-                <a16:creationId xmlns:a16="http://schemas.microsoft.com/office/drawing/2014/main" id="{724B79E1-EB2B-197F-9B8E-612801993C96}"/>
-              </a:ext>
-            </a:extLst>
-          </p:cNvPr>
-          <p:cNvSpPr/>
-          <p:nvPr/>
-        </p:nvSpPr>
-        <p:spPr>
-          <a:xfrm flipH="1">
-            <a:off x="9415083" y="5219422"/>
-            <a:ext cx="1451843" cy="285326"/>
-          </a:xfrm>
-          <a:prstGeom prst="curvedDownArrow">
-            <a:avLst/>
-          </a:prstGeom>
-          <a:solidFill>
-            <a:schemeClr val="tx1"/>
-          </a:solidFill>
-        </p:spPr>
-        <p:style>
-          <a:lnRef idx="2">
-            <a:schemeClr val="accent1">
-              <a:shade val="15000"/>
-            </a:schemeClr>
-          </a:lnRef>
-          <a:fillRef idx="1">
-            <a:schemeClr val="accent1"/>
-          </a:fillRef>
-          <a:effectRef idx="0">
-            <a:schemeClr val="accent1"/>
-          </a:effectRef>
-          <a:fontRef idx="minor">
-            <a:schemeClr val="lt1"/>
-          </a:fontRef>
-        </p:style>
-        <p:txBody>
-          <a:bodyPr rtlCol="0" anchor="ctr"/>
-          <a:lstStyle/>
-          <a:p>
-            <a:pPr algn="ctr"/>
-            <a:endParaRPr kumimoji="1" lang="ja-JP" altLang="en-US" dirty="0">
-              <a:solidFill>
-                <a:schemeClr val="tx1"/>
-              </a:solidFill>
-            </a:endParaRPr>
-          </a:p>
-        </p:txBody>
-      </p:sp>
-      <p:sp>
-        <p:nvSpPr>
-          <p:cNvPr id="80" name="テキスト ボックス 79">
-            <a:extLst>
-              <a:ext uri="{FF2B5EF4-FFF2-40B4-BE49-F238E27FC236}">
-                <a16:creationId xmlns:a16="http://schemas.microsoft.com/office/drawing/2014/main" id="{68B8F204-4FA4-9874-C657-35F386F91794}"/>
-              </a:ext>
-            </a:extLst>
-          </p:cNvPr>
-          <p:cNvSpPr txBox="1"/>
-          <p:nvPr/>
-        </p:nvSpPr>
-        <p:spPr>
-          <a:xfrm>
-            <a:off x="245417" y="6356350"/>
-            <a:ext cx="8293188" cy="307777"/>
-          </a:xfrm>
-          <a:prstGeom prst="rect">
-            <a:avLst/>
-          </a:prstGeom>
-          <a:noFill/>
-        </p:spPr>
-        <p:txBody>
-          <a:bodyPr wrap="square">
-            <a:spAutoFit/>
-          </a:bodyPr>
-          <a:lstStyle/>
-          <a:p>
-            <a:r>
-              <a:rPr kumimoji="1" lang="en-US" altLang="ja-JP" sz="1400" dirty="0"/>
-              <a:t>[3]</a:t>
-            </a:r>
-            <a:r>
-              <a:rPr kumimoji="1" lang="ja-JP" altLang="en-US" sz="1400" dirty="0"/>
-              <a:t>日本惑星科学会誌 </a:t>
-            </a:r>
-            <a:r>
-              <a:rPr kumimoji="1" lang="en-US" altLang="ja-JP" sz="1400" dirty="0"/>
-              <a:t>Vol.15.No.1,2006</a:t>
-            </a:r>
-            <a:endParaRPr kumimoji="1" lang="ja-JP" altLang="en-US" sz="1400" dirty="0"/>
-          </a:p>
-        </p:txBody>
-      </p:sp>
-      <mc:AlternateContent xmlns:mc="http://schemas.openxmlformats.org/markup-compatibility/2006" xmlns:a14="http://schemas.microsoft.com/office/drawing/2010/main">
-        <mc:Choice Requires="a14">
-          <p:sp>
-            <p:nvSpPr>
-              <p:cNvPr id="48" name="テキスト ボックス 47">
-                <a:extLst>
-                  <a:ext uri="{FF2B5EF4-FFF2-40B4-BE49-F238E27FC236}">
-                    <a16:creationId xmlns:a16="http://schemas.microsoft.com/office/drawing/2014/main" id="{90A17DC4-0546-41DD-71E6-DE442763C1A1}"/>
-                  </a:ext>
-                </a:extLst>
-              </p:cNvPr>
-              <p:cNvSpPr txBox="1"/>
-              <p:nvPr/>
-            </p:nvSpPr>
-            <p:spPr>
-              <a:xfrm>
-                <a:off x="5725616" y="1855424"/>
-                <a:ext cx="536557" cy="369332"/>
-              </a:xfrm>
-              <a:prstGeom prst="rect">
-                <a:avLst/>
-              </a:prstGeom>
-              <a:noFill/>
-              <a:ln>
-                <a:solidFill>
-                  <a:schemeClr val="tx1"/>
-                </a:solidFill>
-              </a:ln>
-            </p:spPr>
-            <p:txBody>
-              <a:bodyPr wrap="none" rtlCol="0">
-                <a:spAutoFit/>
-              </a:bodyPr>
-              <a:lstStyle/>
-              <a:p>
-                <a:pPr/>
-                <a14:m>
-                  <m:oMathPara xmlns:m="http://schemas.openxmlformats.org/officeDocument/2006/math">
-                    <m:oMathParaPr>
-                      <m:jc m:val="centerGroup"/>
-                    </m:oMathParaPr>
-                    <m:oMath xmlns:m="http://schemas.openxmlformats.org/officeDocument/2006/math">
-                      <m:r>
-                        <m:rPr>
-                          <m:sty m:val="p"/>
-                        </m:rPr>
-                        <a:rPr kumimoji="1" lang="en-US" altLang="ja-JP" i="0" dirty="0" smtClean="0">
-                          <a:latin typeface="Cambria Math" panose="02040503050406030204" pitchFamily="18" charset="0"/>
-                        </a:rPr>
-                        <m:t>CO</m:t>
-                      </m:r>
-                    </m:oMath>
-                  </m:oMathPara>
-                </a14:m>
-                <a:endParaRPr kumimoji="1" lang="en-US" altLang="ja-JP" dirty="0"/>
-              </a:p>
-            </p:txBody>
-          </p:sp>
-        </mc:Choice>
-        <mc:Fallback xmlns="">
-          <p:sp>
-            <p:nvSpPr>
-              <p:cNvPr id="48" name="テキスト ボックス 47">
-                <a:extLst>
-                  <a:ext uri="{FF2B5EF4-FFF2-40B4-BE49-F238E27FC236}">
-                    <a16:creationId xmlns:a16="http://schemas.microsoft.com/office/drawing/2014/main" id="{90A17DC4-0546-41DD-71E6-DE442763C1A1}"/>
-                  </a:ext>
-                </a:extLst>
-              </p:cNvPr>
-              <p:cNvSpPr txBox="1">
-                <a:spLocks noRot="1" noChangeAspect="1" noMove="1" noResize="1" noEditPoints="1" noAdjustHandles="1" noChangeArrowheads="1" noChangeShapeType="1" noTextEdit="1"/>
-              </p:cNvSpPr>
-              <p:nvPr/>
-            </p:nvSpPr>
-            <p:spPr>
-              <a:xfrm>
-                <a:off x="5725616" y="1855424"/>
-                <a:ext cx="536557" cy="369332"/>
-              </a:xfrm>
-              <a:prstGeom prst="rect">
-                <a:avLst/>
-              </a:prstGeom>
-              <a:blipFill>
-                <a:blip r:embed="rId17"/>
-                <a:stretch>
-                  <a:fillRect/>
-                </a:stretch>
-              </a:blipFill>
-              <a:ln>
-                <a:solidFill>
-                  <a:schemeClr val="tx1"/>
-                </a:solidFill>
-              </a:ln>
-            </p:spPr>
-            <p:txBody>
-              <a:bodyPr/>
-              <a:lstStyle/>
-              <a:p>
-                <a:r>
-                  <a:rPr lang="ja-JP" altLang="en-US">
-                    <a:noFill/>
-                  </a:rPr>
-                  <a:t> </a:t>
-                </a:r>
-              </a:p>
-            </p:txBody>
-          </p:sp>
-        </mc:Fallback>
-      </mc:AlternateContent>
-      <mc:AlternateContent xmlns:mc="http://schemas.openxmlformats.org/markup-compatibility/2006" xmlns:a14="http://schemas.microsoft.com/office/drawing/2010/main">
-        <mc:Choice Requires="a14">
-          <p:sp>
-            <p:nvSpPr>
-              <p:cNvPr id="49" name="テキスト ボックス 48">
-                <a:extLst>
-                  <a:ext uri="{FF2B5EF4-FFF2-40B4-BE49-F238E27FC236}">
-                    <a16:creationId xmlns:a16="http://schemas.microsoft.com/office/drawing/2014/main" id="{1190FF97-E94E-331D-BA47-BC4898969503}"/>
-                  </a:ext>
-                </a:extLst>
-              </p:cNvPr>
-              <p:cNvSpPr txBox="1"/>
-              <p:nvPr/>
-            </p:nvSpPr>
-            <p:spPr>
-              <a:xfrm>
-                <a:off x="7034322" y="2657233"/>
-                <a:ext cx="704873" cy="369332"/>
-              </a:xfrm>
-              <a:prstGeom prst="rect">
-                <a:avLst/>
-              </a:prstGeom>
-              <a:noFill/>
-            </p:spPr>
-            <p:txBody>
-              <a:bodyPr wrap="none" rtlCol="0">
-                <a:spAutoFit/>
-              </a:bodyPr>
-              <a:lstStyle/>
-              <a:p>
-                <a:pPr/>
-                <a14:m>
-                  <m:oMathPara xmlns:m="http://schemas.openxmlformats.org/officeDocument/2006/math">
-                    <m:oMathParaPr>
-                      <m:jc m:val="centerGroup"/>
-                    </m:oMathParaPr>
-                    <m:oMath xmlns:m="http://schemas.openxmlformats.org/officeDocument/2006/math">
-                      <m:r>
-                        <a:rPr kumimoji="1" lang="en-US" altLang="ja-JP" i="1" dirty="0" smtClean="0">
-                          <a:latin typeface="Cambria Math" panose="02040503050406030204" pitchFamily="18" charset="0"/>
-                        </a:rPr>
-                        <m:t>𝐻𝐶𝑂</m:t>
-                      </m:r>
-                    </m:oMath>
-                  </m:oMathPara>
-                </a14:m>
-                <a:endParaRPr kumimoji="1" lang="en-US" altLang="ja-JP" dirty="0"/>
-              </a:p>
-            </p:txBody>
-          </p:sp>
-        </mc:Choice>
-        <mc:Fallback xmlns="">
-          <p:sp>
-            <p:nvSpPr>
-              <p:cNvPr id="49" name="テキスト ボックス 48">
-                <a:extLst>
-                  <a:ext uri="{FF2B5EF4-FFF2-40B4-BE49-F238E27FC236}">
-                    <a16:creationId xmlns:a16="http://schemas.microsoft.com/office/drawing/2014/main" id="{1190FF97-E94E-331D-BA47-BC4898969503}"/>
-                  </a:ext>
-                </a:extLst>
-              </p:cNvPr>
-              <p:cNvSpPr txBox="1">
-                <a:spLocks noRot="1" noChangeAspect="1" noMove="1" noResize="1" noEditPoints="1" noAdjustHandles="1" noChangeArrowheads="1" noChangeShapeType="1" noTextEdit="1"/>
-              </p:cNvSpPr>
-              <p:nvPr/>
-            </p:nvSpPr>
-            <p:spPr>
-              <a:xfrm>
-                <a:off x="7034322" y="2657233"/>
-                <a:ext cx="704873" cy="369332"/>
-              </a:xfrm>
-              <a:prstGeom prst="rect">
-                <a:avLst/>
-              </a:prstGeom>
-              <a:blipFill>
-                <a:blip r:embed="rId18"/>
-                <a:stretch>
-                  <a:fillRect/>
-                </a:stretch>
-              </a:blipFill>
-            </p:spPr>
-            <p:txBody>
-              <a:bodyPr/>
-              <a:lstStyle/>
-              <a:p>
-                <a:r>
-                  <a:rPr lang="ja-JP" altLang="en-US">
-                    <a:noFill/>
-                  </a:rPr>
-                  <a:t> </a:t>
-                </a:r>
-              </a:p>
-            </p:txBody>
-          </p:sp>
-        </mc:Fallback>
-      </mc:AlternateContent>
-      <mc:AlternateContent xmlns:mc="http://schemas.openxmlformats.org/markup-compatibility/2006" xmlns:a14="http://schemas.microsoft.com/office/drawing/2010/main">
-        <mc:Choice Requires="a14">
-          <p:sp>
-            <p:nvSpPr>
-              <p:cNvPr id="50" name="テキスト ボックス 49">
-                <a:extLst>
-                  <a:ext uri="{FF2B5EF4-FFF2-40B4-BE49-F238E27FC236}">
-                    <a16:creationId xmlns:a16="http://schemas.microsoft.com/office/drawing/2014/main" id="{45A7112E-578E-E707-120B-86DD5B98D00C}"/>
-                  </a:ext>
-                </a:extLst>
-              </p:cNvPr>
-              <p:cNvSpPr txBox="1"/>
-              <p:nvPr/>
-            </p:nvSpPr>
-            <p:spPr>
-              <a:xfrm>
-                <a:off x="4342224" y="2648827"/>
-                <a:ext cx="696857" cy="369332"/>
-              </a:xfrm>
-              <a:prstGeom prst="rect">
-                <a:avLst/>
-              </a:prstGeom>
-              <a:noFill/>
-            </p:spPr>
-            <p:txBody>
-              <a:bodyPr wrap="none" rtlCol="0">
-                <a:spAutoFit/>
-              </a:bodyPr>
-              <a:lstStyle/>
-              <a:p>
-                <a:pPr/>
-                <a14:m>
-                  <m:oMathPara xmlns:m="http://schemas.openxmlformats.org/officeDocument/2006/math">
-                    <m:oMathParaPr>
-                      <m:jc m:val="centerGroup"/>
-                    </m:oMathParaPr>
-                    <m:oMath xmlns:m="http://schemas.openxmlformats.org/officeDocument/2006/math">
-                      <m:r>
-                        <a:rPr kumimoji="1" lang="en-US" altLang="ja-JP" i="1" dirty="0" smtClean="0">
-                          <a:latin typeface="Cambria Math" panose="02040503050406030204" pitchFamily="18" charset="0"/>
-                        </a:rPr>
-                        <m:t>𝐷𝐶𝑂</m:t>
-                      </m:r>
-                    </m:oMath>
-                  </m:oMathPara>
-                </a14:m>
-                <a:endParaRPr kumimoji="1" lang="en-US" altLang="ja-JP" dirty="0"/>
-              </a:p>
-            </p:txBody>
-          </p:sp>
-        </mc:Choice>
-        <mc:Fallback xmlns="">
-          <p:sp>
-            <p:nvSpPr>
-              <p:cNvPr id="50" name="テキスト ボックス 49">
-                <a:extLst>
-                  <a:ext uri="{FF2B5EF4-FFF2-40B4-BE49-F238E27FC236}">
-                    <a16:creationId xmlns:a16="http://schemas.microsoft.com/office/drawing/2014/main" id="{45A7112E-578E-E707-120B-86DD5B98D00C}"/>
-                  </a:ext>
-                </a:extLst>
-              </p:cNvPr>
-              <p:cNvSpPr txBox="1">
-                <a:spLocks noRot="1" noChangeAspect="1" noMove="1" noResize="1" noEditPoints="1" noAdjustHandles="1" noChangeArrowheads="1" noChangeShapeType="1" noTextEdit="1"/>
-              </p:cNvSpPr>
-              <p:nvPr/>
-            </p:nvSpPr>
-            <p:spPr>
-              <a:xfrm>
-                <a:off x="4342224" y="2648827"/>
-                <a:ext cx="696857" cy="369332"/>
-              </a:xfrm>
-              <a:prstGeom prst="rect">
-                <a:avLst/>
-              </a:prstGeom>
-              <a:blipFill>
-                <a:blip r:embed="rId19"/>
-                <a:stretch>
-                  <a:fillRect/>
-                </a:stretch>
-              </a:blipFill>
-            </p:spPr>
-            <p:txBody>
-              <a:bodyPr/>
-              <a:lstStyle/>
-              <a:p>
-                <a:r>
-                  <a:rPr lang="ja-JP" altLang="en-US">
-                    <a:noFill/>
-                  </a:rPr>
-                  <a:t> </a:t>
-                </a:r>
-              </a:p>
-            </p:txBody>
-          </p:sp>
-        </mc:Fallback>
-      </mc:AlternateContent>
-      <p:cxnSp>
-        <p:nvCxnSpPr>
-          <p:cNvPr id="51" name="直線矢印コネクタ 50">
-            <a:extLst>
-              <a:ext uri="{FF2B5EF4-FFF2-40B4-BE49-F238E27FC236}">
-                <a16:creationId xmlns:a16="http://schemas.microsoft.com/office/drawing/2014/main" id="{1C84287D-D6B5-4388-61E2-00780BADCB84}"/>
-              </a:ext>
-            </a:extLst>
-          </p:cNvPr>
-          <p:cNvCxnSpPr/>
-          <p:nvPr/>
-        </p:nvCxnSpPr>
-        <p:spPr>
-          <a:xfrm>
-            <a:off x="6354174" y="2247330"/>
-            <a:ext cx="623392" cy="409903"/>
-          </a:xfrm>
-          <a:prstGeom prst="straightConnector1">
-            <a:avLst/>
-          </a:prstGeom>
-          <a:ln w="28575">
-            <a:tailEnd type="triangle"/>
-          </a:ln>
-        </p:spPr>
-        <p:style>
-          <a:lnRef idx="3">
-            <a:schemeClr val="accent1"/>
-          </a:lnRef>
-          <a:fillRef idx="0">
-            <a:schemeClr val="accent1"/>
-          </a:fillRef>
-          <a:effectRef idx="2">
-            <a:schemeClr val="accent1"/>
-          </a:effectRef>
-          <a:fontRef idx="minor">
-            <a:schemeClr val="tx1"/>
-          </a:fontRef>
-        </p:style>
-      </p:cxnSp>
-      <p:cxnSp>
-        <p:nvCxnSpPr>
-          <p:cNvPr id="52" name="直線矢印コネクタ 51">
-            <a:extLst>
-              <a:ext uri="{FF2B5EF4-FFF2-40B4-BE49-F238E27FC236}">
-                <a16:creationId xmlns:a16="http://schemas.microsoft.com/office/drawing/2014/main" id="{1FED25E7-84CD-5E80-F42E-6FAEA8512845}"/>
-              </a:ext>
-            </a:extLst>
-          </p:cNvPr>
-          <p:cNvCxnSpPr/>
-          <p:nvPr/>
-        </p:nvCxnSpPr>
-        <p:spPr>
-          <a:xfrm>
-            <a:off x="7845989" y="3110023"/>
-            <a:ext cx="623392" cy="409903"/>
-          </a:xfrm>
-          <a:prstGeom prst="straightConnector1">
-            <a:avLst/>
-          </a:prstGeom>
-          <a:ln w="28575">
-            <a:tailEnd type="triangle"/>
-          </a:ln>
-        </p:spPr>
-        <p:style>
-          <a:lnRef idx="3">
-            <a:schemeClr val="accent1"/>
-          </a:lnRef>
-          <a:fillRef idx="0">
-            <a:schemeClr val="accent1"/>
-          </a:fillRef>
-          <a:effectRef idx="2">
-            <a:schemeClr val="accent1"/>
-          </a:effectRef>
-          <a:fontRef idx="minor">
-            <a:schemeClr val="tx1"/>
-          </a:fontRef>
-        </p:style>
-      </p:cxnSp>
-      <p:cxnSp>
-        <p:nvCxnSpPr>
-          <p:cNvPr id="61" name="直線矢印コネクタ 60">
-            <a:extLst>
-              <a:ext uri="{FF2B5EF4-FFF2-40B4-BE49-F238E27FC236}">
-                <a16:creationId xmlns:a16="http://schemas.microsoft.com/office/drawing/2014/main" id="{1F1891B2-F43E-A1F9-1305-EA29C92624CE}"/>
-              </a:ext>
-            </a:extLst>
-          </p:cNvPr>
-          <p:cNvCxnSpPr/>
-          <p:nvPr/>
-        </p:nvCxnSpPr>
-        <p:spPr>
-          <a:xfrm>
-            <a:off x="4918462" y="3018159"/>
-            <a:ext cx="623392" cy="409903"/>
-          </a:xfrm>
-          <a:prstGeom prst="straightConnector1">
-            <a:avLst/>
-          </a:prstGeom>
-          <a:ln w="28575">
-            <a:tailEnd type="triangle"/>
-          </a:ln>
-        </p:spPr>
-        <p:style>
-          <a:lnRef idx="3">
-            <a:schemeClr val="accent1"/>
-          </a:lnRef>
-          <a:fillRef idx="0">
-            <a:schemeClr val="accent1"/>
-          </a:fillRef>
-          <a:effectRef idx="2">
-            <a:schemeClr val="accent1"/>
-          </a:effectRef>
-          <a:fontRef idx="minor">
-            <a:schemeClr val="tx1"/>
-          </a:fontRef>
-        </p:style>
-      </p:cxnSp>
-      <p:cxnSp>
-        <p:nvCxnSpPr>
-          <p:cNvPr id="62" name="直線矢印コネクタ 61">
-            <a:extLst>
-              <a:ext uri="{FF2B5EF4-FFF2-40B4-BE49-F238E27FC236}">
-                <a16:creationId xmlns:a16="http://schemas.microsoft.com/office/drawing/2014/main" id="{9D76B9BE-02F9-C72B-FE38-940D1B54802D}"/>
-              </a:ext>
-            </a:extLst>
-          </p:cNvPr>
-          <p:cNvCxnSpPr/>
-          <p:nvPr/>
-        </p:nvCxnSpPr>
-        <p:spPr>
-          <a:xfrm flipH="1">
-            <a:off x="5039080" y="2247330"/>
-            <a:ext cx="633975" cy="409903"/>
-          </a:xfrm>
-          <a:prstGeom prst="straightConnector1">
-            <a:avLst/>
-          </a:prstGeom>
-          <a:ln w="28575">
-            <a:tailEnd type="triangle"/>
-          </a:ln>
-        </p:spPr>
-        <p:style>
-          <a:lnRef idx="1">
-            <a:schemeClr val="accent1"/>
-          </a:lnRef>
-          <a:fillRef idx="0">
-            <a:schemeClr val="accent1"/>
-          </a:fillRef>
-          <a:effectRef idx="0">
-            <a:schemeClr val="accent1"/>
-          </a:effectRef>
-          <a:fontRef idx="minor">
-            <a:schemeClr val="tx1"/>
-          </a:fontRef>
-        </p:style>
-      </p:cxnSp>
-      <p:cxnSp>
-        <p:nvCxnSpPr>
-          <p:cNvPr id="65" name="直線矢印コネクタ 64">
-            <a:extLst>
-              <a:ext uri="{FF2B5EF4-FFF2-40B4-BE49-F238E27FC236}">
-                <a16:creationId xmlns:a16="http://schemas.microsoft.com/office/drawing/2014/main" id="{0A08E37E-CB90-AA4D-90E3-D1B3B8B6C985}"/>
-              </a:ext>
-            </a:extLst>
-          </p:cNvPr>
-          <p:cNvCxnSpPr/>
-          <p:nvPr/>
-        </p:nvCxnSpPr>
-        <p:spPr>
-          <a:xfrm flipH="1">
-            <a:off x="3797876" y="3018158"/>
-            <a:ext cx="633975" cy="409903"/>
-          </a:xfrm>
-          <a:prstGeom prst="straightConnector1">
-            <a:avLst/>
-          </a:prstGeom>
-          <a:ln w="28575">
-            <a:tailEnd type="triangle"/>
-          </a:ln>
-        </p:spPr>
-        <p:style>
-          <a:lnRef idx="1">
-            <a:schemeClr val="accent1"/>
-          </a:lnRef>
-          <a:fillRef idx="0">
-            <a:schemeClr val="accent1"/>
-          </a:fillRef>
-          <a:effectRef idx="0">
-            <a:schemeClr val="accent1"/>
-          </a:effectRef>
-          <a:fontRef idx="minor">
-            <a:schemeClr val="tx1"/>
-          </a:fontRef>
-        </p:style>
-      </p:cxnSp>
-      <p:cxnSp>
-        <p:nvCxnSpPr>
-          <p:cNvPr id="66" name="直線矢印コネクタ 65">
-            <a:extLst>
-              <a:ext uri="{FF2B5EF4-FFF2-40B4-BE49-F238E27FC236}">
-                <a16:creationId xmlns:a16="http://schemas.microsoft.com/office/drawing/2014/main" id="{72CE782C-8B22-A014-38F4-5F6EAFD2A33B}"/>
-              </a:ext>
-            </a:extLst>
-          </p:cNvPr>
-          <p:cNvCxnSpPr/>
-          <p:nvPr/>
-        </p:nvCxnSpPr>
-        <p:spPr>
-          <a:xfrm flipH="1">
-            <a:off x="6418998" y="3030707"/>
-            <a:ext cx="633975" cy="409903"/>
-          </a:xfrm>
-          <a:prstGeom prst="straightConnector1">
-            <a:avLst/>
-          </a:prstGeom>
-          <a:ln w="28575">
-            <a:tailEnd type="triangle"/>
-          </a:ln>
-        </p:spPr>
-        <p:style>
-          <a:lnRef idx="1">
-            <a:schemeClr val="accent1"/>
-          </a:lnRef>
-          <a:fillRef idx="0">
-            <a:schemeClr val="accent1"/>
-          </a:fillRef>
-          <a:effectRef idx="0">
-            <a:schemeClr val="accent1"/>
-          </a:effectRef>
-          <a:fontRef idx="minor">
-            <a:schemeClr val="tx1"/>
-          </a:fontRef>
-        </p:style>
-      </p:cxnSp>
-      <p:sp>
-        <p:nvSpPr>
-          <p:cNvPr id="75" name="矢印: 下カーブ 74">
-            <a:extLst>
-              <a:ext uri="{FF2B5EF4-FFF2-40B4-BE49-F238E27FC236}">
-                <a16:creationId xmlns:a16="http://schemas.microsoft.com/office/drawing/2014/main" id="{8394FB46-7852-B982-5BF7-A02925DBD021}"/>
-              </a:ext>
-            </a:extLst>
-          </p:cNvPr>
-          <p:cNvSpPr/>
-          <p:nvPr/>
-        </p:nvSpPr>
-        <p:spPr>
-          <a:xfrm>
-            <a:off x="5288795" y="2613139"/>
-            <a:ext cx="1451134" cy="331845"/>
-          </a:xfrm>
-          <a:prstGeom prst="curvedDownArrow">
-            <a:avLst/>
-          </a:prstGeom>
-          <a:solidFill>
-            <a:schemeClr val="tx1"/>
-          </a:solidFill>
-        </p:spPr>
-        <p:style>
-          <a:lnRef idx="2">
-            <a:schemeClr val="accent1">
-              <a:shade val="15000"/>
-            </a:schemeClr>
-          </a:lnRef>
-          <a:fillRef idx="1">
-            <a:schemeClr val="accent1"/>
-          </a:fillRef>
-          <a:effectRef idx="0">
-            <a:schemeClr val="accent1"/>
-          </a:effectRef>
-          <a:fontRef idx="minor">
-            <a:schemeClr val="lt1"/>
-          </a:fontRef>
-        </p:style>
-        <p:txBody>
-          <a:bodyPr rtlCol="0" anchor="ctr"/>
-          <a:lstStyle/>
-          <a:p>
-            <a:pPr algn="ctr"/>
-            <a:endParaRPr kumimoji="1" lang="ja-JP" altLang="en-US">
-              <a:solidFill>
-                <a:schemeClr val="tx1"/>
-              </a:solidFill>
-            </a:endParaRPr>
-          </a:p>
-        </p:txBody>
-      </p:sp>
-      <p:sp>
-        <p:nvSpPr>
-          <p:cNvPr id="76" name="矢印: 下カーブ 75">
-            <a:extLst>
-              <a:ext uri="{FF2B5EF4-FFF2-40B4-BE49-F238E27FC236}">
-                <a16:creationId xmlns:a16="http://schemas.microsoft.com/office/drawing/2014/main" id="{3862F287-EB21-F0BA-0F58-7AE2AF8C1C66}"/>
-              </a:ext>
-            </a:extLst>
-          </p:cNvPr>
-          <p:cNvSpPr/>
-          <p:nvPr/>
-        </p:nvSpPr>
-        <p:spPr>
-          <a:xfrm flipH="1">
-            <a:off x="5121154" y="2448691"/>
-            <a:ext cx="1694759" cy="349930"/>
-          </a:xfrm>
-          <a:prstGeom prst="curvedDownArrow">
-            <a:avLst/>
-          </a:prstGeom>
-          <a:solidFill>
-            <a:schemeClr val="tx1"/>
-          </a:solidFill>
-        </p:spPr>
-        <p:style>
-          <a:lnRef idx="2">
-            <a:schemeClr val="accent1">
-              <a:shade val="15000"/>
-            </a:schemeClr>
-          </a:lnRef>
-          <a:fillRef idx="1">
-            <a:schemeClr val="accent1"/>
-          </a:fillRef>
-          <a:effectRef idx="0">
-            <a:schemeClr val="accent1"/>
-          </a:effectRef>
-          <a:fontRef idx="minor">
-            <a:schemeClr val="lt1"/>
-          </a:fontRef>
-        </p:style>
-        <p:txBody>
-          <a:bodyPr rtlCol="0" anchor="ctr"/>
-          <a:lstStyle/>
-          <a:p>
-            <a:pPr algn="ctr"/>
-            <a:endParaRPr kumimoji="1" lang="ja-JP" altLang="en-US" dirty="0">
-              <a:solidFill>
-                <a:schemeClr val="tx1"/>
-              </a:solidFill>
-            </a:endParaRPr>
-          </a:p>
-        </p:txBody>
-      </p:sp>
-      <p:sp>
-        <p:nvSpPr>
-          <p:cNvPr id="81" name="矢印: 下カーブ 80">
-            <a:extLst>
-              <a:ext uri="{FF2B5EF4-FFF2-40B4-BE49-F238E27FC236}">
-                <a16:creationId xmlns:a16="http://schemas.microsoft.com/office/drawing/2014/main" id="{5B4D91AD-412B-4C53-B311-16216F472045}"/>
-              </a:ext>
-            </a:extLst>
-          </p:cNvPr>
-          <p:cNvSpPr/>
-          <p:nvPr/>
-        </p:nvSpPr>
-        <p:spPr>
-          <a:xfrm>
-            <a:off x="4148621" y="3508896"/>
-            <a:ext cx="1451134" cy="331845"/>
-          </a:xfrm>
-          <a:prstGeom prst="curvedDownArrow">
-            <a:avLst/>
-          </a:prstGeom>
-          <a:solidFill>
-            <a:schemeClr val="tx1"/>
-          </a:solidFill>
-        </p:spPr>
-        <p:style>
-          <a:lnRef idx="2">
-            <a:schemeClr val="accent1">
-              <a:shade val="15000"/>
-            </a:schemeClr>
-          </a:lnRef>
-          <a:fillRef idx="1">
-            <a:schemeClr val="accent1"/>
-          </a:fillRef>
-          <a:effectRef idx="0">
-            <a:schemeClr val="accent1"/>
-          </a:effectRef>
-          <a:fontRef idx="minor">
-            <a:schemeClr val="lt1"/>
-          </a:fontRef>
-        </p:style>
-        <p:txBody>
-          <a:bodyPr rtlCol="0" anchor="ctr"/>
-          <a:lstStyle/>
-          <a:p>
-            <a:pPr algn="ctr"/>
-            <a:endParaRPr kumimoji="1" lang="ja-JP" altLang="en-US">
-              <a:solidFill>
-                <a:schemeClr val="tx1"/>
-              </a:solidFill>
-            </a:endParaRPr>
-          </a:p>
-        </p:txBody>
-      </p:sp>
-      <p:sp>
-        <p:nvSpPr>
-          <p:cNvPr id="82" name="矢印: 下カーブ 81">
-            <a:extLst>
-              <a:ext uri="{FF2B5EF4-FFF2-40B4-BE49-F238E27FC236}">
-                <a16:creationId xmlns:a16="http://schemas.microsoft.com/office/drawing/2014/main" id="{7A3B2021-078D-B802-6440-73100C0315B7}"/>
-              </a:ext>
-            </a:extLst>
-          </p:cNvPr>
-          <p:cNvSpPr/>
-          <p:nvPr/>
-        </p:nvSpPr>
-        <p:spPr>
-          <a:xfrm flipH="1">
-            <a:off x="3980980" y="3344448"/>
-            <a:ext cx="1694759" cy="349930"/>
-          </a:xfrm>
-          <a:prstGeom prst="curvedDownArrow">
-            <a:avLst/>
-          </a:prstGeom>
-          <a:solidFill>
-            <a:schemeClr val="tx1"/>
-          </a:solidFill>
-        </p:spPr>
-        <p:style>
-          <a:lnRef idx="2">
-            <a:schemeClr val="accent1">
-              <a:shade val="15000"/>
-            </a:schemeClr>
-          </a:lnRef>
-          <a:fillRef idx="1">
-            <a:schemeClr val="accent1"/>
-          </a:fillRef>
-          <a:effectRef idx="0">
-            <a:schemeClr val="accent1"/>
-          </a:effectRef>
-          <a:fontRef idx="minor">
-            <a:schemeClr val="lt1"/>
-          </a:fontRef>
-        </p:style>
-        <p:txBody>
-          <a:bodyPr rtlCol="0" anchor="ctr"/>
-          <a:lstStyle/>
-          <a:p>
-            <a:pPr algn="ctr"/>
-            <a:endParaRPr kumimoji="1" lang="ja-JP" altLang="en-US" dirty="0">
-              <a:solidFill>
-                <a:schemeClr val="tx1"/>
-              </a:solidFill>
-            </a:endParaRPr>
-          </a:p>
-        </p:txBody>
-      </p:sp>
-      <p:sp>
-        <p:nvSpPr>
-          <p:cNvPr id="83" name="矢印: 下カーブ 82">
-            <a:extLst>
-              <a:ext uri="{FF2B5EF4-FFF2-40B4-BE49-F238E27FC236}">
-                <a16:creationId xmlns:a16="http://schemas.microsoft.com/office/drawing/2014/main" id="{82A8ADCD-90D3-4A99-1B76-6ECF6F17AE75}"/>
-              </a:ext>
-            </a:extLst>
-          </p:cNvPr>
-          <p:cNvSpPr/>
-          <p:nvPr/>
-        </p:nvSpPr>
-        <p:spPr>
-          <a:xfrm flipH="1">
-            <a:off x="6663095" y="3403546"/>
-            <a:ext cx="1694759" cy="349930"/>
-          </a:xfrm>
-          <a:prstGeom prst="curvedDownArrow">
-            <a:avLst/>
-          </a:prstGeom>
-          <a:solidFill>
-            <a:schemeClr val="tx1"/>
-          </a:solidFill>
-        </p:spPr>
-        <p:style>
-          <a:lnRef idx="2">
-            <a:schemeClr val="accent1">
-              <a:shade val="15000"/>
-            </a:schemeClr>
-          </a:lnRef>
-          <a:fillRef idx="1">
-            <a:schemeClr val="accent1"/>
-          </a:fillRef>
-          <a:effectRef idx="0">
-            <a:schemeClr val="accent1"/>
-          </a:effectRef>
-          <a:fontRef idx="minor">
-            <a:schemeClr val="lt1"/>
-          </a:fontRef>
-        </p:style>
-        <p:txBody>
-          <a:bodyPr rtlCol="0" anchor="ctr"/>
-          <a:lstStyle/>
-          <a:p>
-            <a:pPr algn="ctr"/>
-            <a:endParaRPr kumimoji="1" lang="ja-JP" altLang="en-US" dirty="0">
-              <a:solidFill>
-                <a:schemeClr val="tx1"/>
-              </a:solidFill>
-            </a:endParaRPr>
-          </a:p>
-        </p:txBody>
-      </p:sp>
-      <p:sp>
-        <p:nvSpPr>
-          <p:cNvPr id="84" name="标题 1">
-            <a:extLst>
-              <a:ext uri="{FF2B5EF4-FFF2-40B4-BE49-F238E27FC236}">
-                <a16:creationId xmlns:a16="http://schemas.microsoft.com/office/drawing/2014/main" id="{0CC68CF9-73C9-0140-50F9-01075AB378A1}"/>
-              </a:ext>
-            </a:extLst>
-          </p:cNvPr>
-          <p:cNvSpPr txBox="1">
-            <a:spLocks/>
-          </p:cNvSpPr>
-          <p:nvPr/>
-        </p:nvSpPr>
-        <p:spPr>
-          <a:xfrm>
-            <a:off x="990600" y="517525"/>
-            <a:ext cx="10515600" cy="1325563"/>
-          </a:xfrm>
-          <a:prstGeom prst="rect">
-            <a:avLst/>
-          </a:prstGeom>
-        </p:spPr>
-        <p:txBody>
-          <a:bodyPr>
-            <a:normAutofit/>
-          </a:bodyPr>
-          <a:lstStyle>
-            <a:lvl1pPr algn="l" defTabSz="914400" rtl="0" eaLnBrk="1" latinLnBrk="0" hangingPunct="1">
-              <a:lnSpc>
-                <a:spcPct val="90000"/>
-              </a:lnSpc>
-              <a:spcBef>
-                <a:spcPct val="0"/>
-              </a:spcBef>
-              <a:buNone/>
-              <a:defRPr kumimoji="1" sz="4400" kern="1200">
-                <a:solidFill>
-                  <a:schemeClr val="tx1"/>
-                </a:solidFill>
-                <a:latin typeface="+mj-lt"/>
-                <a:ea typeface="+mj-ea"/>
-                <a:cs typeface="+mj-cs"/>
-              </a:defRPr>
-            </a:lvl1pPr>
-          </a:lstStyle>
-          <a:p>
-            <a:r>
-              <a:rPr lang="ja-JP" altLang="en-US" sz="3600" dirty="0">
-                <a:latin typeface="BIZ UDPゴシック" panose="020B0400000000000000" pitchFamily="50" charset="-128"/>
-                <a:ea typeface="BIZ UDPゴシック" panose="020B0400000000000000" pitchFamily="50" charset="-128"/>
-              </a:rPr>
-              <a:t>重水素濃縮反応</a:t>
-            </a:r>
-            <a:endParaRPr lang="zh-CN" altLang="en-US" sz="3600" dirty="0">
-              <a:latin typeface="BIZ UDPゴシック" panose="020B0400000000000000" pitchFamily="50" charset="-128"/>
-              <a:ea typeface="BIZ UDPゴシック" panose="020B0400000000000000" pitchFamily="50" charset="-128"/>
-            </a:endParaRPr>
-          </a:p>
-        </p:txBody>
-      </p:sp>
-      <mc:AlternateContent xmlns:mc="http://schemas.openxmlformats.org/markup-compatibility/2006" xmlns:a14="http://schemas.microsoft.com/office/drawing/2010/main">
-        <mc:Choice Requires="a14">
-          <p:sp>
-            <p:nvSpPr>
-              <p:cNvPr id="85" name="标题 1">
-                <a:extLst>
-                  <a:ext uri="{FF2B5EF4-FFF2-40B4-BE49-F238E27FC236}">
-                    <a16:creationId xmlns:a16="http://schemas.microsoft.com/office/drawing/2014/main" id="{6EA20592-3D35-EEC5-1DE5-1A7DC569B84D}"/>
-                  </a:ext>
-                </a:extLst>
-              </p:cNvPr>
-              <p:cNvSpPr txBox="1">
-                <a:spLocks/>
-              </p:cNvSpPr>
-              <p:nvPr/>
-            </p:nvSpPr>
-            <p:spPr>
-              <a:xfrm>
-                <a:off x="990600" y="1294239"/>
-                <a:ext cx="10515600" cy="1325563"/>
-              </a:xfrm>
-              <a:prstGeom prst="rect">
-                <a:avLst/>
-              </a:prstGeom>
-            </p:spPr>
-            <p:txBody>
-              <a:bodyPr>
-                <a:normAutofit/>
-              </a:bodyPr>
-              <a:lstStyle>
-                <a:lvl1pPr algn="l" defTabSz="914400" rtl="0" eaLnBrk="1" latinLnBrk="0" hangingPunct="1">
-                  <a:lnSpc>
-                    <a:spcPct val="90000"/>
-                  </a:lnSpc>
-                  <a:spcBef>
-                    <a:spcPct val="0"/>
-                  </a:spcBef>
-                  <a:buNone/>
-                  <a:defRPr kumimoji="1" sz="4400" kern="1200">
-                    <a:solidFill>
-                      <a:schemeClr val="tx1"/>
-                    </a:solidFill>
-                    <a:latin typeface="+mj-lt"/>
-                    <a:ea typeface="+mj-ea"/>
-                    <a:cs typeface="+mj-cs"/>
-                  </a:defRPr>
-                </a:lvl1pPr>
-              </a:lstStyle>
-              <a:p>
-                <a:r>
-                  <a:rPr lang="ja-JP" altLang="en-US" sz="2800" dirty="0">
-                    <a:latin typeface="BIZ UDPゴシック" panose="020B0400000000000000" pitchFamily="50" charset="-128"/>
-                    <a:ea typeface="BIZ UDPゴシック" panose="020B0400000000000000" pitchFamily="50" charset="-128"/>
-                  </a:rPr>
-                  <a:t>メタノールの重水素氷表面での濃縮反応</a:t>
-                </a:r>
-                <a14:m>
-                  <m:oMath xmlns:m="http://schemas.openxmlformats.org/officeDocument/2006/math">
-                    <m:r>
-                      <a:rPr lang="ja-JP" altLang="en-US" sz="2800" i="1" dirty="0">
-                        <a:latin typeface="Cambria Math" panose="02040503050406030204" pitchFamily="18" charset="0"/>
-                        <a:ea typeface="BIZ UDPゴシック" panose="020B0400000000000000" pitchFamily="50" charset="-128"/>
-                      </a:rPr>
-                      <m:t>経路</m:t>
-                    </m:r>
-                  </m:oMath>
-                </a14:m>
-                <a:r>
-                  <a:rPr lang="en-US" altLang="zh-CN" sz="2800" dirty="0">
-                    <a:latin typeface="BIZ UDPゴシック" panose="020B0400000000000000" pitchFamily="50" charset="-128"/>
-                    <a:ea typeface="BIZ UDPゴシック" panose="020B0400000000000000" pitchFamily="50" charset="-128"/>
-                  </a:rPr>
-                  <a:t>[3]</a:t>
-                </a:r>
-                <a:endParaRPr lang="zh-CN" altLang="en-US" sz="2800" dirty="0">
-                  <a:latin typeface="BIZ UDPゴシック" panose="020B0400000000000000" pitchFamily="50" charset="-128"/>
-                  <a:ea typeface="BIZ UDPゴシック" panose="020B0400000000000000" pitchFamily="50" charset="-128"/>
-                </a:endParaRPr>
-              </a:p>
-              <a:p>
-                <a:endParaRPr lang="en-US" altLang="ja-JP" sz="2800" dirty="0">
-                  <a:latin typeface="BIZ UDPゴシック" panose="020B0400000000000000" pitchFamily="50" charset="-128"/>
-                  <a:ea typeface="BIZ UDPゴシック" panose="020B0400000000000000" pitchFamily="50" charset="-128"/>
-                </a:endParaRPr>
-              </a:p>
-              <a:p>
-                <a:endParaRPr lang="en-US" altLang="ja-JP" sz="2800" dirty="0">
-                  <a:latin typeface="BIZ UDPゴシック" panose="020B0400000000000000" pitchFamily="50" charset="-128"/>
-                  <a:ea typeface="BIZ UDPゴシック" panose="020B0400000000000000" pitchFamily="50" charset="-128"/>
-                </a:endParaRPr>
-              </a:p>
-              <a:p>
-                <a:endParaRPr lang="zh-CN" altLang="en-US" sz="2800" dirty="0">
-                  <a:latin typeface="BIZ UDPゴシック" panose="020B0400000000000000" pitchFamily="50" charset="-128"/>
-                  <a:ea typeface="BIZ UDPゴシック" panose="020B0400000000000000" pitchFamily="50" charset="-128"/>
-                </a:endParaRPr>
-              </a:p>
-              <a:p>
-                <a:endParaRPr lang="en-US" altLang="ja-JP" sz="2800" dirty="0">
-                  <a:latin typeface="BIZ UDPゴシック" panose="020B0400000000000000" pitchFamily="50" charset="-128"/>
-                  <a:ea typeface="BIZ UDPゴシック" panose="020B0400000000000000" pitchFamily="50" charset="-128"/>
-                </a:endParaRPr>
-              </a:p>
-              <a:p>
-                <a:endParaRPr lang="zh-CN" altLang="en-US" sz="2800" dirty="0">
-                  <a:latin typeface="BIZ UDPゴシック" panose="020B0400000000000000" pitchFamily="50" charset="-128"/>
-                  <a:ea typeface="BIZ UDPゴシック" panose="020B0400000000000000" pitchFamily="50" charset="-128"/>
-                </a:endParaRPr>
-              </a:p>
-            </p:txBody>
-          </p:sp>
-        </mc:Choice>
-        <mc:Fallback xmlns="">
-          <p:sp>
-            <p:nvSpPr>
-              <p:cNvPr id="85" name="标题 1">
-                <a:extLst>
-                  <a:ext uri="{FF2B5EF4-FFF2-40B4-BE49-F238E27FC236}">
-                    <a16:creationId xmlns:a16="http://schemas.microsoft.com/office/drawing/2014/main" id="{6EA20592-3D35-EEC5-1DE5-1A7DC569B84D}"/>
-                  </a:ext>
-                </a:extLst>
-              </p:cNvPr>
-              <p:cNvSpPr txBox="1">
-                <a:spLocks noRot="1" noChangeAspect="1" noMove="1" noResize="1" noEditPoints="1" noAdjustHandles="1" noChangeArrowheads="1" noChangeShapeType="1" noTextEdit="1"/>
-              </p:cNvSpPr>
-              <p:nvPr/>
-            </p:nvSpPr>
-            <p:spPr>
-              <a:xfrm>
-                <a:off x="990600" y="1294239"/>
-                <a:ext cx="10515600" cy="1325563"/>
-              </a:xfrm>
-              <a:prstGeom prst="rect">
-                <a:avLst/>
-              </a:prstGeom>
-              <a:blipFill>
-                <a:blip r:embed="rId20"/>
-                <a:stretch>
-                  <a:fillRect l="-1217" t="-9174"/>
-                </a:stretch>
-              </a:blipFill>
-            </p:spPr>
-            <p:txBody>
-              <a:bodyPr/>
-              <a:lstStyle/>
-              <a:p>
-                <a:r>
-                  <a:rPr lang="ja-JP" altLang="en-US">
-                    <a:noFill/>
-                  </a:rPr>
-                  <a:t> </a:t>
-                </a:r>
-              </a:p>
-            </p:txBody>
-          </p:sp>
-        </mc:Fallback>
-      </mc:AlternateContent>
-    </p:spTree>
-    <p:extLst>
-      <p:ext uri="{BB962C8B-B14F-4D97-AF65-F5344CB8AC3E}">
-        <p14:creationId xmlns:p14="http://schemas.microsoft.com/office/powerpoint/2010/main" val="2813197023"/>
       </p:ext>
     </p:extLst>
   </p:cSld>
